--- a/BC4/Bozza.pptx
+++ b/BC4/Bozza.pptx
@@ -141,7 +141,7 @@
 <file path=ppt/revisionInfo.xml><?xml version="1.0" encoding="utf-8"?>
 <p1510:revInfo xmlns:a="http://schemas.openxmlformats.org/drawingml/2006/main" xmlns:r="http://schemas.openxmlformats.org/officeDocument/2006/relationships" xmlns:p1510="http://schemas.microsoft.com/office/powerpoint/2015/10/main">
   <p1510:revLst>
-    <p1510:client id="{4125BB07-7A97-4DBD-B9BA-5E2E9DB34A7C}" v="106" dt="2023-05-05T18:50:43.231"/>
+    <p1510:client id="{4125BB07-7A97-4DBD-B9BA-5E2E9DB34A7C}" v="146" dt="2023-05-06T22:57:23.984"/>
   </p1510:revLst>
 </p1510:revInfo>
 </file>
@@ -898,7 +898,7 @@
   <pc:docChgLst>
     <pc:chgData name="Irene Ferrari" userId="e569343e5e44b43c" providerId="LiveId" clId="{4125BB07-7A97-4DBD-B9BA-5E2E9DB34A7C}"/>
     <pc:docChg chg="undo custSel addSld delSld modSld">
-      <pc:chgData name="Irene Ferrari" userId="e569343e5e44b43c" providerId="LiveId" clId="{4125BB07-7A97-4DBD-B9BA-5E2E9DB34A7C}" dt="2023-05-05T18:50:43.231" v="2690" actId="1076"/>
+      <pc:chgData name="Irene Ferrari" userId="e569343e5e44b43c" providerId="LiveId" clId="{4125BB07-7A97-4DBD-B9BA-5E2E9DB34A7C}" dt="2023-05-06T22:57:23.984" v="4335" actId="1076"/>
       <pc:docMkLst>
         <pc:docMk/>
       </pc:docMkLst>
@@ -1175,6 +1175,284 @@
             <pc:docMk/>
             <pc:sldMk cId="491572139" sldId="261"/>
             <ac:picMk id="2050" creationId="{8F420F65-4EED-E30A-B7AD-CD6F1565D35C}"/>
+          </ac:picMkLst>
+        </pc:picChg>
+      </pc:sldChg>
+      <pc:sldChg chg="addSp delSp modSp mod">
+        <pc:chgData name="Irene Ferrari" userId="e569343e5e44b43c" providerId="LiveId" clId="{4125BB07-7A97-4DBD-B9BA-5E2E9DB34A7C}" dt="2023-05-06T22:48:59.585" v="4020" actId="20577"/>
+        <pc:sldMkLst>
+          <pc:docMk/>
+          <pc:sldMk cId="151096758" sldId="262"/>
+        </pc:sldMkLst>
+        <pc:spChg chg="add mod">
+          <ac:chgData name="Irene Ferrari" userId="e569343e5e44b43c" providerId="LiveId" clId="{4125BB07-7A97-4DBD-B9BA-5E2E9DB34A7C}" dt="2023-05-06T22:08:52.313" v="2691"/>
+          <ac:spMkLst>
+            <pc:docMk/>
+            <pc:sldMk cId="151096758" sldId="262"/>
+            <ac:spMk id="2" creationId="{325A9049-B84E-41A3-D0C2-B6E45FAD989C}"/>
+          </ac:spMkLst>
+        </pc:spChg>
+        <pc:spChg chg="mod">
+          <ac:chgData name="Irene Ferrari" userId="e569343e5e44b43c" providerId="LiveId" clId="{4125BB07-7A97-4DBD-B9BA-5E2E9DB34A7C}" dt="2023-05-06T22:11:08.139" v="2822" actId="1076"/>
+          <ac:spMkLst>
+            <pc:docMk/>
+            <pc:sldMk cId="151096758" sldId="262"/>
+            <ac:spMk id="5" creationId="{027FA28F-D4C2-7F12-5816-132311B5CDAF}"/>
+          </ac:spMkLst>
+        </pc:spChg>
+        <pc:spChg chg="mod">
+          <ac:chgData name="Irene Ferrari" userId="e569343e5e44b43c" providerId="LiveId" clId="{4125BB07-7A97-4DBD-B9BA-5E2E9DB34A7C}" dt="2023-05-06T22:11:05.132" v="2821" actId="1076"/>
+          <ac:spMkLst>
+            <pc:docMk/>
+            <pc:sldMk cId="151096758" sldId="262"/>
+            <ac:spMk id="8" creationId="{9339A955-14D1-08C2-C524-8B0DAD4782E5}"/>
+          </ac:spMkLst>
+        </pc:spChg>
+        <pc:spChg chg="mod">
+          <ac:chgData name="Irene Ferrari" userId="e569343e5e44b43c" providerId="LiveId" clId="{4125BB07-7A97-4DBD-B9BA-5E2E9DB34A7C}" dt="2023-05-06T22:20:01.335" v="3234" actId="20577"/>
+          <ac:spMkLst>
+            <pc:docMk/>
+            <pc:sldMk cId="151096758" sldId="262"/>
+            <ac:spMk id="9" creationId="{6AB9AF2F-D335-0413-2E77-B1162602D780}"/>
+          </ac:spMkLst>
+        </pc:spChg>
+        <pc:spChg chg="add mod">
+          <ac:chgData name="Irene Ferrari" userId="e569343e5e44b43c" providerId="LiveId" clId="{4125BB07-7A97-4DBD-B9BA-5E2E9DB34A7C}" dt="2023-05-06T22:46:27.447" v="3987" actId="1076"/>
+          <ac:spMkLst>
+            <pc:docMk/>
+            <pc:sldMk cId="151096758" sldId="262"/>
+            <ac:spMk id="10" creationId="{8A37E002-EAFC-2086-D456-5981758227AF}"/>
+          </ac:spMkLst>
+        </pc:spChg>
+        <pc:spChg chg="add mod">
+          <ac:chgData name="Irene Ferrari" userId="e569343e5e44b43c" providerId="LiveId" clId="{4125BB07-7A97-4DBD-B9BA-5E2E9DB34A7C}" dt="2023-05-06T22:48:59.585" v="4020" actId="20577"/>
+          <ac:spMkLst>
+            <pc:docMk/>
+            <pc:sldMk cId="151096758" sldId="262"/>
+            <ac:spMk id="11" creationId="{E2D69432-4B65-D3EA-3956-F475CDA16528}"/>
+          </ac:spMkLst>
+        </pc:spChg>
+        <pc:spChg chg="add mod">
+          <ac:chgData name="Irene Ferrari" userId="e569343e5e44b43c" providerId="LiveId" clId="{4125BB07-7A97-4DBD-B9BA-5E2E9DB34A7C}" dt="2023-05-06T22:48:34.625" v="3994" actId="1076"/>
+          <ac:spMkLst>
+            <pc:docMk/>
+            <pc:sldMk cId="151096758" sldId="262"/>
+            <ac:spMk id="23" creationId="{3054B887-641F-84BA-742A-258017EC2E4E}"/>
+          </ac:spMkLst>
+        </pc:spChg>
+        <pc:picChg chg="add mod">
+          <ac:chgData name="Irene Ferrari" userId="e569343e5e44b43c" providerId="LiveId" clId="{4125BB07-7A97-4DBD-B9BA-5E2E9DB34A7C}" dt="2023-05-06T22:46:24.519" v="3986" actId="1076"/>
+          <ac:picMkLst>
+            <pc:docMk/>
+            <pc:sldMk cId="151096758" sldId="262"/>
+            <ac:picMk id="7" creationId="{06AB5BAC-F5A4-1E22-2D43-CC1A2C8BE8E9}"/>
+          </ac:picMkLst>
+        </pc:picChg>
+        <pc:picChg chg="del">
+          <ac:chgData name="Irene Ferrari" userId="e569343e5e44b43c" providerId="LiveId" clId="{4125BB07-7A97-4DBD-B9BA-5E2E9DB34A7C}" dt="2023-05-06T22:11:10.393" v="2823" actId="21"/>
+          <ac:picMkLst>
+            <pc:docMk/>
+            <pc:sldMk cId="151096758" sldId="262"/>
+            <ac:picMk id="13" creationId="{9D7A8FF4-E2CC-917C-FF20-34DBCC5A65C2}"/>
+          </ac:picMkLst>
+        </pc:picChg>
+        <pc:picChg chg="del">
+          <ac:chgData name="Irene Ferrari" userId="e569343e5e44b43c" providerId="LiveId" clId="{4125BB07-7A97-4DBD-B9BA-5E2E9DB34A7C}" dt="2023-05-06T22:11:12.040" v="2824" actId="21"/>
+          <ac:picMkLst>
+            <pc:docMk/>
+            <pc:sldMk cId="151096758" sldId="262"/>
+            <ac:picMk id="14" creationId="{2748BDB4-2CA0-4F1E-7F65-F91DBEB12B0F}"/>
+          </ac:picMkLst>
+        </pc:picChg>
+        <pc:picChg chg="add del mod">
+          <ac:chgData name="Irene Ferrari" userId="e569343e5e44b43c" providerId="LiveId" clId="{4125BB07-7A97-4DBD-B9BA-5E2E9DB34A7C}" dt="2023-05-06T22:44:35.627" v="3970" actId="21"/>
+          <ac:picMkLst>
+            <pc:docMk/>
+            <pc:sldMk cId="151096758" sldId="262"/>
+            <ac:picMk id="15" creationId="{099871C3-73CD-5D0F-B1BA-4B6AD579B62C}"/>
+          </ac:picMkLst>
+        </pc:picChg>
+        <pc:picChg chg="add del mod">
+          <ac:chgData name="Irene Ferrari" userId="e569343e5e44b43c" providerId="LiveId" clId="{4125BB07-7A97-4DBD-B9BA-5E2E9DB34A7C}" dt="2023-05-06T22:44:40.271" v="3972" actId="21"/>
+          <ac:picMkLst>
+            <pc:docMk/>
+            <pc:sldMk cId="151096758" sldId="262"/>
+            <ac:picMk id="16" creationId="{631BA0AC-8D7E-5ED3-0E84-DB35FB72E986}"/>
+          </ac:picMkLst>
+        </pc:picChg>
+        <pc:picChg chg="add del mod">
+          <ac:chgData name="Irene Ferrari" userId="e569343e5e44b43c" providerId="LiveId" clId="{4125BB07-7A97-4DBD-B9BA-5E2E9DB34A7C}" dt="2023-05-06T22:45:46.470" v="3981" actId="21"/>
+          <ac:picMkLst>
+            <pc:docMk/>
+            <pc:sldMk cId="151096758" sldId="262"/>
+            <ac:picMk id="18" creationId="{55FFF88A-051D-DBDB-40B4-04473411E1DE}"/>
+          </ac:picMkLst>
+        </pc:picChg>
+        <pc:picChg chg="add mod">
+          <ac:chgData name="Irene Ferrari" userId="e569343e5e44b43c" providerId="LiveId" clId="{4125BB07-7A97-4DBD-B9BA-5E2E9DB34A7C}" dt="2023-05-06T22:48:17.228" v="3992" actId="1076"/>
+          <ac:picMkLst>
+            <pc:docMk/>
+            <pc:sldMk cId="151096758" sldId="262"/>
+            <ac:picMk id="20" creationId="{4F905D08-31AB-57B1-E043-DFDD542FA0D6}"/>
+          </ac:picMkLst>
+        </pc:picChg>
+        <pc:picChg chg="add mod">
+          <ac:chgData name="Irene Ferrari" userId="e569343e5e44b43c" providerId="LiveId" clId="{4125BB07-7A97-4DBD-B9BA-5E2E9DB34A7C}" dt="2023-05-06T22:48:15.479" v="3991" actId="14100"/>
+          <ac:picMkLst>
+            <pc:docMk/>
+            <pc:sldMk cId="151096758" sldId="262"/>
+            <ac:picMk id="22" creationId="{62C36BAD-411A-2163-09E1-555F8D7A3C78}"/>
+          </ac:picMkLst>
+        </pc:picChg>
+      </pc:sldChg>
+      <pc:sldChg chg="addSp delSp modSp mod">
+        <pc:chgData name="Irene Ferrari" userId="e569343e5e44b43c" providerId="LiveId" clId="{4125BB07-7A97-4DBD-B9BA-5E2E9DB34A7C}" dt="2023-05-06T22:57:23.984" v="4335" actId="1076"/>
+        <pc:sldMkLst>
+          <pc:docMk/>
+          <pc:sldMk cId="3460718081" sldId="264"/>
+        </pc:sldMkLst>
+        <pc:spChg chg="add mod">
+          <ac:chgData name="Irene Ferrari" userId="e569343e5e44b43c" providerId="LiveId" clId="{4125BB07-7A97-4DBD-B9BA-5E2E9DB34A7C}" dt="2023-05-06T22:49:20.932" v="4021"/>
+          <ac:spMkLst>
+            <pc:docMk/>
+            <pc:sldMk cId="3460718081" sldId="264"/>
+            <ac:spMk id="2" creationId="{CC3A20CC-718D-6D72-F352-FC8110699839}"/>
+          </ac:spMkLst>
+        </pc:spChg>
+        <pc:spChg chg="mod">
+          <ac:chgData name="Irene Ferrari" userId="e569343e5e44b43c" providerId="LiveId" clId="{4125BB07-7A97-4DBD-B9BA-5E2E9DB34A7C}" dt="2023-05-06T22:49:46.174" v="4023" actId="1076"/>
+          <ac:spMkLst>
+            <pc:docMk/>
+            <pc:sldMk cId="3460718081" sldId="264"/>
+            <ac:spMk id="4" creationId="{EC696A3D-BD91-DC4B-553B-1465FA7B580D}"/>
+          </ac:spMkLst>
+        </pc:spChg>
+        <pc:spChg chg="add del mod">
+          <ac:chgData name="Irene Ferrari" userId="e569343e5e44b43c" providerId="LiveId" clId="{4125BB07-7A97-4DBD-B9BA-5E2E9DB34A7C}" dt="2023-05-06T22:50:24.035" v="4062" actId="21"/>
+          <ac:spMkLst>
+            <pc:docMk/>
+            <pc:sldMk cId="3460718081" sldId="264"/>
+            <ac:spMk id="5" creationId="{A8451362-5DE0-40A6-3A15-C712B47BD5B1}"/>
+          </ac:spMkLst>
+        </pc:spChg>
+        <pc:spChg chg="add mod">
+          <ac:chgData name="Irene Ferrari" userId="e569343e5e44b43c" providerId="LiveId" clId="{4125BB07-7A97-4DBD-B9BA-5E2E9DB34A7C}" dt="2023-05-06T22:51:57.037" v="4209" actId="20577"/>
+          <ac:spMkLst>
+            <pc:docMk/>
+            <pc:sldMk cId="3460718081" sldId="264"/>
+            <ac:spMk id="6" creationId="{3CF1E0A4-0DC6-5DAD-C1DC-20107CB9B92F}"/>
+          </ac:spMkLst>
+        </pc:spChg>
+        <pc:spChg chg="mod">
+          <ac:chgData name="Irene Ferrari" userId="e569343e5e44b43c" providerId="LiveId" clId="{4125BB07-7A97-4DBD-B9BA-5E2E9DB34A7C}" dt="2023-05-06T22:50:00.202" v="4052" actId="20577"/>
+          <ac:spMkLst>
+            <pc:docMk/>
+            <pc:sldMk cId="3460718081" sldId="264"/>
+            <ac:spMk id="7" creationId="{93AF3379-06D9-F038-C44E-0C9C9DE77837}"/>
+          </ac:spMkLst>
+        </pc:spChg>
+        <pc:spChg chg="del">
+          <ac:chgData name="Irene Ferrari" userId="e569343e5e44b43c" providerId="LiveId" clId="{4125BB07-7A97-4DBD-B9BA-5E2E9DB34A7C}" dt="2023-05-06T22:50:07.079" v="4053" actId="21"/>
+          <ac:spMkLst>
+            <pc:docMk/>
+            <pc:sldMk cId="3460718081" sldId="264"/>
+            <ac:spMk id="9" creationId="{FB8CB778-A118-BFDF-650E-693B25C1E2DE}"/>
+          </ac:spMkLst>
+        </pc:spChg>
+        <pc:spChg chg="del">
+          <ac:chgData name="Irene Ferrari" userId="e569343e5e44b43c" providerId="LiveId" clId="{4125BB07-7A97-4DBD-B9BA-5E2E9DB34A7C}" dt="2023-05-06T22:50:09.070" v="4054" actId="21"/>
+          <ac:spMkLst>
+            <pc:docMk/>
+            <pc:sldMk cId="3460718081" sldId="264"/>
+            <ac:spMk id="12" creationId="{B0A150CD-5F8C-97CA-9CEC-49F67AD954BC}"/>
+          </ac:spMkLst>
+        </pc:spChg>
+        <pc:spChg chg="del">
+          <ac:chgData name="Irene Ferrari" userId="e569343e5e44b43c" providerId="LiveId" clId="{4125BB07-7A97-4DBD-B9BA-5E2E9DB34A7C}" dt="2023-05-06T22:50:17.862" v="4059" actId="21"/>
+          <ac:spMkLst>
+            <pc:docMk/>
+            <pc:sldMk cId="3460718081" sldId="264"/>
+            <ac:spMk id="17" creationId="{BF8CFF09-D0BE-FAC4-D9F6-96E69C87F188}"/>
+          </ac:spMkLst>
+        </pc:spChg>
+        <pc:spChg chg="del">
+          <ac:chgData name="Irene Ferrari" userId="e569343e5e44b43c" providerId="LiveId" clId="{4125BB07-7A97-4DBD-B9BA-5E2E9DB34A7C}" dt="2023-05-06T22:50:20.366" v="4060" actId="21"/>
+          <ac:spMkLst>
+            <pc:docMk/>
+            <pc:sldMk cId="3460718081" sldId="264"/>
+            <ac:spMk id="18" creationId="{CDBB96FC-DBE8-CF3E-8BD5-7DE03E03D407}"/>
+          </ac:spMkLst>
+        </pc:spChg>
+        <pc:spChg chg="del mod">
+          <ac:chgData name="Irene Ferrari" userId="e569343e5e44b43c" providerId="LiveId" clId="{4125BB07-7A97-4DBD-B9BA-5E2E9DB34A7C}" dt="2023-05-06T22:50:12.469" v="4056" actId="21"/>
+          <ac:spMkLst>
+            <pc:docMk/>
+            <pc:sldMk cId="3460718081" sldId="264"/>
+            <ac:spMk id="19" creationId="{AA83A6C4-7304-F516-BC25-FDBBCDEFE0FD}"/>
+          </ac:spMkLst>
+        </pc:spChg>
+        <pc:spChg chg="add mod">
+          <ac:chgData name="Irene Ferrari" userId="e569343e5e44b43c" providerId="LiveId" clId="{4125BB07-7A97-4DBD-B9BA-5E2E9DB34A7C}" dt="2023-05-06T22:56:37.079" v="4318" actId="1076"/>
+          <ac:spMkLst>
+            <pc:docMk/>
+            <pc:sldMk cId="3460718081" sldId="264"/>
+            <ac:spMk id="22" creationId="{469FC346-BB89-A76C-755D-4F8F6ADDF63C}"/>
+          </ac:spMkLst>
+        </pc:spChg>
+        <pc:picChg chg="add mod">
+          <ac:chgData name="Irene Ferrari" userId="e569343e5e44b43c" providerId="LiveId" clId="{4125BB07-7A97-4DBD-B9BA-5E2E9DB34A7C}" dt="2023-05-06T22:57:01.426" v="4331" actId="1076"/>
+          <ac:picMkLst>
+            <pc:docMk/>
+            <pc:sldMk cId="3460718081" sldId="264"/>
+            <ac:picMk id="10" creationId="{3FB51C15-CA2A-D1F2-E01C-D6C1806C5722}"/>
+          </ac:picMkLst>
+        </pc:picChg>
+        <pc:picChg chg="del">
+          <ac:chgData name="Irene Ferrari" userId="e569343e5e44b43c" providerId="LiveId" clId="{4125BB07-7A97-4DBD-B9BA-5E2E9DB34A7C}" dt="2023-05-06T22:50:14.128" v="4057" actId="21"/>
+          <ac:picMkLst>
+            <pc:docMk/>
+            <pc:sldMk cId="3460718081" sldId="264"/>
+            <ac:picMk id="11" creationId="{F1A4CB47-A50C-25AA-1BE0-48F7D59B9785}"/>
+          </ac:picMkLst>
+        </pc:picChg>
+        <pc:picChg chg="add mod">
+          <ac:chgData name="Irene Ferrari" userId="e569343e5e44b43c" providerId="LiveId" clId="{4125BB07-7A97-4DBD-B9BA-5E2E9DB34A7C}" dt="2023-05-06T22:57:04.573" v="4332" actId="1076"/>
+          <ac:picMkLst>
+            <pc:docMk/>
+            <pc:sldMk cId="3460718081" sldId="264"/>
+            <ac:picMk id="14" creationId="{A87F1A74-0D08-515D-919C-46E0385C07FC}"/>
+          </ac:picMkLst>
+        </pc:picChg>
+        <pc:picChg chg="del">
+          <ac:chgData name="Irene Ferrari" userId="e569343e5e44b43c" providerId="LiveId" clId="{4125BB07-7A97-4DBD-B9BA-5E2E9DB34A7C}" dt="2023-05-06T22:50:15.800" v="4058" actId="21"/>
+          <ac:picMkLst>
+            <pc:docMk/>
+            <pc:sldMk cId="3460718081" sldId="264"/>
+            <ac:picMk id="16" creationId="{72630ADC-8664-08AE-3FA4-333DA67D8E4C}"/>
+          </ac:picMkLst>
+        </pc:picChg>
+        <pc:picChg chg="add mod">
+          <ac:chgData name="Irene Ferrari" userId="e569343e5e44b43c" providerId="LiveId" clId="{4125BB07-7A97-4DBD-B9BA-5E2E9DB34A7C}" dt="2023-05-06T22:56:57.012" v="4329" actId="1076"/>
+          <ac:picMkLst>
+            <pc:docMk/>
+            <pc:sldMk cId="3460718081" sldId="264"/>
+            <ac:picMk id="21" creationId="{44DF4860-FF27-F197-05C9-BCC24DD004B3}"/>
+          </ac:picMkLst>
+        </pc:picChg>
+        <pc:picChg chg="add mod">
+          <ac:chgData name="Irene Ferrari" userId="e569343e5e44b43c" providerId="LiveId" clId="{4125BB07-7A97-4DBD-B9BA-5E2E9DB34A7C}" dt="2023-05-06T22:56:38.455" v="4319" actId="1076"/>
+          <ac:picMkLst>
+            <pc:docMk/>
+            <pc:sldMk cId="3460718081" sldId="264"/>
+            <ac:picMk id="1025" creationId="{F310B92B-97B9-CC08-51B7-1E0C57AB7B8D}"/>
+          </ac:picMkLst>
+        </pc:picChg>
+        <pc:picChg chg="add mod">
+          <ac:chgData name="Irene Ferrari" userId="e569343e5e44b43c" providerId="LiveId" clId="{4125BB07-7A97-4DBD-B9BA-5E2E9DB34A7C}" dt="2023-05-06T22:57:23.984" v="4335" actId="1076"/>
+          <ac:picMkLst>
+            <pc:docMk/>
+            <pc:sldMk cId="3460718081" sldId="264"/>
+            <ac:picMk id="1026" creationId="{72830744-815F-C361-8359-39FC9C4FDEE0}"/>
           </ac:picMkLst>
         </pc:picChg>
       </pc:sldChg>
@@ -2397,7 +2675,7 @@
           <a:p>
             <a:fld id="{9556681E-2147-4F5F-ADE4-85B7757EC00E}" type="datetimeFigureOut">
               <a:rPr lang="it-IT" smtClean="0"/>
-              <a:t>05/05/2023</a:t>
+              <a:t>07/05/2023</a:t>
             </a:fld>
             <a:endParaRPr lang="it-IT"/>
           </a:p>
@@ -2849,7 +3127,7 @@
           <a:p>
             <a:fld id="{1A270AA3-85FD-4336-B0B7-87033A430298}" type="datetimeFigureOut">
               <a:rPr lang="it-IT" smtClean="0"/>
-              <a:t>05/05/2023</a:t>
+              <a:t>07/05/2023</a:t>
             </a:fld>
             <a:endParaRPr lang="it-IT" dirty="0"/>
           </a:p>
@@ -3147,7 +3425,7 @@
           <a:p>
             <a:fld id="{1A270AA3-85FD-4336-B0B7-87033A430298}" type="datetimeFigureOut">
               <a:rPr lang="it-IT" smtClean="0"/>
-              <a:t>05/05/2023</a:t>
+              <a:t>07/05/2023</a:t>
             </a:fld>
             <a:endParaRPr lang="it-IT" dirty="0"/>
           </a:p>
@@ -3339,7 +3617,7 @@
           <a:p>
             <a:fld id="{1A270AA3-85FD-4336-B0B7-87033A430298}" type="datetimeFigureOut">
               <a:rPr lang="it-IT" smtClean="0"/>
-              <a:t>05/05/2023</a:t>
+              <a:t>07/05/2023</a:t>
             </a:fld>
             <a:endParaRPr lang="it-IT" dirty="0"/>
           </a:p>
@@ -3600,7 +3878,7 @@
           <a:p>
             <a:fld id="{1A270AA3-85FD-4336-B0B7-87033A430298}" type="datetimeFigureOut">
               <a:rPr lang="it-IT" smtClean="0"/>
-              <a:t>05/05/2023</a:t>
+              <a:t>07/05/2023</a:t>
             </a:fld>
             <a:endParaRPr lang="it-IT" dirty="0"/>
           </a:p>
@@ -4024,7 +4302,7 @@
           <a:p>
             <a:fld id="{1A270AA3-85FD-4336-B0B7-87033A430298}" type="datetimeFigureOut">
               <a:rPr lang="it-IT" smtClean="0"/>
-              <a:t>05/05/2023</a:t>
+              <a:t>07/05/2023</a:t>
             </a:fld>
             <a:endParaRPr lang="it-IT" dirty="0"/>
           </a:p>
@@ -4561,7 +4839,7 @@
           <a:p>
             <a:fld id="{1A270AA3-85FD-4336-B0B7-87033A430298}" type="datetimeFigureOut">
               <a:rPr lang="it-IT" smtClean="0"/>
-              <a:t>05/05/2023</a:t>
+              <a:t>07/05/2023</a:t>
             </a:fld>
             <a:endParaRPr lang="it-IT" dirty="0"/>
           </a:p>
@@ -5425,7 +5703,7 @@
           <a:p>
             <a:fld id="{1A270AA3-85FD-4336-B0B7-87033A430298}" type="datetimeFigureOut">
               <a:rPr lang="it-IT" smtClean="0"/>
-              <a:t>05/05/2023</a:t>
+              <a:t>07/05/2023</a:t>
             </a:fld>
             <a:endParaRPr lang="it-IT" dirty="0"/>
           </a:p>
@@ -5595,7 +5873,7 @@
           <a:p>
             <a:fld id="{1A270AA3-85FD-4336-B0B7-87033A430298}" type="datetimeFigureOut">
               <a:rPr lang="it-IT" smtClean="0"/>
-              <a:t>05/05/2023</a:t>
+              <a:t>07/05/2023</a:t>
             </a:fld>
             <a:endParaRPr lang="it-IT" dirty="0"/>
           </a:p>
@@ -5779,7 +6057,7 @@
           <a:p>
             <a:fld id="{1A270AA3-85FD-4336-B0B7-87033A430298}" type="datetimeFigureOut">
               <a:rPr lang="it-IT" smtClean="0"/>
-              <a:t>05/05/2023</a:t>
+              <a:t>07/05/2023</a:t>
             </a:fld>
             <a:endParaRPr lang="it-IT" dirty="0"/>
           </a:p>
@@ -5949,7 +6227,7 @@
           <a:p>
             <a:fld id="{1A270AA3-85FD-4336-B0B7-87033A430298}" type="datetimeFigureOut">
               <a:rPr lang="it-IT" smtClean="0"/>
-              <a:t>05/05/2023</a:t>
+              <a:t>07/05/2023</a:t>
             </a:fld>
             <a:endParaRPr lang="it-IT" dirty="0"/>
           </a:p>
@@ -6193,7 +6471,7 @@
           <a:p>
             <a:fld id="{1A270AA3-85FD-4336-B0B7-87033A430298}" type="datetimeFigureOut">
               <a:rPr lang="it-IT" smtClean="0"/>
-              <a:t>05/05/2023</a:t>
+              <a:t>07/05/2023</a:t>
             </a:fld>
             <a:endParaRPr lang="it-IT" dirty="0"/>
           </a:p>
@@ -6429,7 +6707,7 @@
           <a:p>
             <a:fld id="{1A270AA3-85FD-4336-B0B7-87033A430298}" type="datetimeFigureOut">
               <a:rPr lang="it-IT" smtClean="0"/>
-              <a:t>05/05/2023</a:t>
+              <a:t>07/05/2023</a:t>
             </a:fld>
             <a:endParaRPr lang="it-IT" dirty="0"/>
           </a:p>
@@ -6895,7 +7173,7 @@
           <a:p>
             <a:fld id="{1A270AA3-85FD-4336-B0B7-87033A430298}" type="datetimeFigureOut">
               <a:rPr lang="it-IT" smtClean="0"/>
-              <a:t>05/05/2023</a:t>
+              <a:t>07/05/2023</a:t>
             </a:fld>
             <a:endParaRPr lang="it-IT" dirty="0"/>
           </a:p>
@@ -7013,7 +7291,7 @@
           <a:p>
             <a:fld id="{1A270AA3-85FD-4336-B0B7-87033A430298}" type="datetimeFigureOut">
               <a:rPr lang="it-IT" smtClean="0"/>
-              <a:t>05/05/2023</a:t>
+              <a:t>07/05/2023</a:t>
             </a:fld>
             <a:endParaRPr lang="it-IT" dirty="0"/>
           </a:p>
@@ -7108,7 +7386,7 @@
           <a:p>
             <a:fld id="{1A270AA3-85FD-4336-B0B7-87033A430298}" type="datetimeFigureOut">
               <a:rPr lang="it-IT" smtClean="0"/>
-              <a:t>05/05/2023</a:t>
+              <a:t>07/05/2023</a:t>
             </a:fld>
             <a:endParaRPr lang="it-IT" dirty="0"/>
           </a:p>
@@ -7363,7 +7641,7 @@
           <a:p>
             <a:fld id="{1A270AA3-85FD-4336-B0B7-87033A430298}" type="datetimeFigureOut">
               <a:rPr lang="it-IT" smtClean="0"/>
-              <a:t>05/05/2023</a:t>
+              <a:t>07/05/2023</a:t>
             </a:fld>
             <a:endParaRPr lang="it-IT" dirty="0"/>
           </a:p>
@@ -7663,7 +7941,7 @@
           <a:p>
             <a:fld id="{1A270AA3-85FD-4336-B0B7-87033A430298}" type="datetimeFigureOut">
               <a:rPr lang="it-IT" smtClean="0"/>
-              <a:t>05/05/2023</a:t>
+              <a:t>07/05/2023</a:t>
             </a:fld>
             <a:endParaRPr lang="it-IT" dirty="0"/>
           </a:p>
@@ -7897,7 +8175,7 @@
           <a:p>
             <a:fld id="{1A270AA3-85FD-4336-B0B7-87033A430298}" type="datetimeFigureOut">
               <a:rPr lang="it-IT" smtClean="0"/>
-              <a:t>05/05/2023</a:t>
+              <a:t>07/05/2023</a:t>
             </a:fld>
             <a:endParaRPr lang="it-IT" dirty="0"/>
           </a:p>
@@ -13277,8 +13555,8 @@
           </a:p>
         </p:txBody>
       </p:sp>
-      <mc:AlternateContent xmlns:mc="http://schemas.openxmlformats.org/markup-compatibility/2006">
-        <mc:Choice xmlns:a14="http://schemas.microsoft.com/office/drawing/2010/main" Requires="a14">
+      <mc:AlternateContent xmlns:mc="http://schemas.openxmlformats.org/markup-compatibility/2006" xmlns:a14="http://schemas.microsoft.com/office/drawing/2010/main">
+        <mc:Choice Requires="a14">
           <p:sp>
             <p:nvSpPr>
               <p:cNvPr id="6" name="CasellaDiTesto 5">
@@ -13364,7 +13642,7 @@
             </p:txBody>
           </p:sp>
         </mc:Choice>
-        <mc:Fallback>
+        <mc:Fallback xmlns="">
           <p:sp>
             <p:nvSpPr>
               <p:cNvPr id="6" name="CasellaDiTesto 5">
@@ -14538,7 +14816,7 @@
         </p:nvSpPr>
         <p:spPr>
           <a:xfrm>
-            <a:off x="-1753203" y="498715"/>
+            <a:off x="81023" y="491785"/>
             <a:ext cx="10353762" cy="970450"/>
           </a:xfrm>
           <a:prstGeom prst="rect">
@@ -14651,7 +14929,7 @@
                   <a:srgbClr val="FFC000"/>
                 </a:solidFill>
               </a:rPr>
-              <a:t>FEATURE SELECTION</a:t>
+              <a:t>REPLICA OF A TARGET PORTFOLIO</a:t>
             </a:r>
           </a:p>
         </p:txBody>
@@ -14670,8 +14948,8 @@
         </p:nvSpPr>
         <p:spPr>
           <a:xfrm>
-            <a:off x="521905" y="335153"/>
-            <a:ext cx="5214863" cy="369332"/>
+            <a:off x="466867" y="333937"/>
+            <a:ext cx="5913619" cy="369332"/>
           </a:xfrm>
           <a:prstGeom prst="rect">
             <a:avLst/>
@@ -14685,28 +14963,40 @@
           <a:lstStyle/>
           <a:p>
             <a:r>
+              <a:rPr lang="it-IT" dirty="0"/>
+              <a:t> </a:t>
+            </a:r>
+            <a:r>
               <a:rPr lang="it-IT" dirty="0" err="1"/>
-              <a:t>Reducing</a:t>
-            </a:r>
-            <a:r>
-              <a:rPr lang="it-IT" dirty="0"/>
-              <a:t> the </a:t>
+              <a:t>Comparison</a:t>
+            </a:r>
+            <a:r>
+              <a:rPr lang="it-IT" dirty="0"/>
+              <a:t> of </a:t>
             </a:r>
             <a:r>
               <a:rPr lang="it-IT" dirty="0" err="1"/>
-              <a:t>number</a:t>
-            </a:r>
-            <a:r>
-              <a:rPr lang="it-IT" dirty="0"/>
-              <a:t> of input </a:t>
+              <a:t>different</a:t>
+            </a:r>
+            <a:r>
+              <a:rPr lang="it-IT" dirty="0"/>
+              <a:t> </a:t>
             </a:r>
             <a:r>
               <a:rPr lang="it-IT" dirty="0" err="1"/>
-              <a:t>variables</a:t>
-            </a:r>
-            <a:r>
-              <a:rPr lang="it-IT" dirty="0"/>
-              <a:t> </a:t>
+              <a:t>alphas</a:t>
+            </a:r>
+            <a:r>
+              <a:rPr lang="it-IT" dirty="0"/>
+              <a:t> and </a:t>
+            </a:r>
+            <a:r>
+              <a:rPr lang="it-IT" dirty="0" err="1"/>
+              <a:t>rolling</a:t>
+            </a:r>
+            <a:r>
+              <a:rPr lang="it-IT" dirty="0"/>
+              <a:t> windows</a:t>
             </a:r>
           </a:p>
         </p:txBody>
@@ -14726,7 +15016,7 @@
         <p:spPr>
           <a:xfrm>
             <a:off x="521905" y="1250750"/>
-            <a:ext cx="11267321" cy="646331"/>
+            <a:ext cx="11267321" cy="923330"/>
           </a:xfrm>
           <a:prstGeom prst="rect">
             <a:avLst/>
@@ -14745,153 +15035,63 @@
             </a:r>
             <a:r>
               <a:rPr lang="it-IT" dirty="0"/>
-              <a:t> can </a:t>
+              <a:t> </a:t>
             </a:r>
             <a:r>
               <a:rPr lang="it-IT" dirty="0" err="1"/>
-              <a:t>remove</a:t>
-            </a:r>
-            <a:r>
-              <a:rPr lang="it-IT" dirty="0"/>
-              <a:t> </a:t>
+              <a:t>contrast</a:t>
+            </a:r>
+            <a:r>
+              <a:rPr lang="it-IT" dirty="0"/>
+              <a:t> portfolio replica by </a:t>
             </a:r>
             <a:r>
               <a:rPr lang="it-IT" dirty="0" err="1"/>
-              <a:t>other</a:t>
-            </a:r>
-            <a:r>
-              <a:rPr lang="it-IT" dirty="0"/>
-              <a:t> </a:t>
-            </a:r>
-            <a:r>
-              <a:rPr lang="it-IT" dirty="0" err="1"/>
-              <a:t>variables</a:t>
-            </a:r>
-            <a:r>
-              <a:rPr lang="it-IT" dirty="0"/>
-              <a:t> </a:t>
-            </a:r>
-            <a:r>
-              <a:rPr lang="it-IT" dirty="0" err="1"/>
-              <a:t>observing</a:t>
-            </a:r>
-            <a:r>
-              <a:rPr lang="it-IT" dirty="0"/>
-              <a:t> </a:t>
+              <a:t>means</a:t>
+            </a:r>
+            <a:r>
+              <a:rPr lang="it-IT" dirty="0"/>
+              <a:t> of </a:t>
+            </a:r>
+            <a:r>
+              <a:rPr lang="it-IT" b="1" dirty="0"/>
+              <a:t>Lasso </a:t>
             </a:r>
             <a:r>
               <a:rPr lang="it-IT" b="1" dirty="0" err="1"/>
-              <a:t>correlations</a:t>
-            </a:r>
-            <a:r>
-              <a:rPr lang="it-IT" dirty="0"/>
-              <a:t>. </a:t>
-            </a:r>
-            <a:r>
-              <a:rPr lang="it-IT" dirty="0" err="1"/>
-              <a:t>We</a:t>
-            </a:r>
-            <a:r>
-              <a:rPr lang="it-IT" dirty="0"/>
-              <a:t> end with </a:t>
-            </a:r>
-            <a:r>
-              <a:rPr lang="it-IT" b="1" dirty="0"/>
-              <a:t>23 </a:t>
-            </a:r>
-            <a:r>
-              <a:rPr lang="it-IT" b="1" dirty="0" err="1"/>
-              <a:t>stationary</a:t>
-            </a:r>
-            <a:r>
-              <a:rPr lang="it-IT" b="1" dirty="0"/>
-              <a:t> and </a:t>
-            </a:r>
-            <a:r>
-              <a:rPr lang="it-IT" b="1" dirty="0" err="1"/>
-              <a:t>significant</a:t>
+              <a:t>regression</a:t>
             </a:r>
             <a:r>
               <a:rPr lang="it-IT" b="1" dirty="0"/>
               <a:t> </a:t>
             </a:r>
             <a:r>
+              <a:rPr lang="it-IT" dirty="0" err="1"/>
+              <a:t>using</a:t>
+            </a:r>
+            <a:r>
+              <a:rPr lang="it-IT" dirty="0"/>
+              <a:t> </a:t>
+            </a:r>
+            <a:r>
+              <a:rPr lang="it-IT" dirty="0" err="1"/>
+              <a:t>different</a:t>
+            </a:r>
+            <a:r>
+              <a:rPr lang="it-IT" dirty="0"/>
+              <a:t> </a:t>
+            </a:r>
+            <a:r>
+              <a:rPr lang="it-IT" dirty="0" err="1"/>
+              <a:t>values</a:t>
+            </a:r>
+            <a:r>
+              <a:rPr lang="it-IT" dirty="0"/>
+              <a:t> of </a:t>
+            </a:r>
+            <a:r>
               <a:rPr lang="it-IT" b="1" dirty="0" err="1"/>
-              <a:t>variables</a:t>
-            </a:r>
-            <a:r>
-              <a:rPr lang="it-IT" dirty="0"/>
-              <a:t>.</a:t>
-            </a:r>
-          </a:p>
-          <a:p>
-            <a:r>
-              <a:rPr lang="it-IT" b="1" dirty="0"/>
-              <a:t>PCA </a:t>
-            </a:r>
-            <a:r>
-              <a:rPr lang="it-IT" dirty="0" err="1"/>
-              <a:t>was</a:t>
-            </a:r>
-            <a:r>
-              <a:rPr lang="it-IT" dirty="0"/>
-              <a:t> </a:t>
-            </a:r>
-            <a:r>
-              <a:rPr lang="it-IT" dirty="0" err="1"/>
-              <a:t>not</a:t>
-            </a:r>
-            <a:r>
-              <a:rPr lang="it-IT" dirty="0"/>
-              <a:t> </a:t>
-            </a:r>
-            <a:r>
-              <a:rPr lang="it-IT" dirty="0" err="1"/>
-              <a:t>possible</a:t>
-            </a:r>
-            <a:r>
-              <a:rPr lang="it-IT" dirty="0"/>
-              <a:t> </a:t>
-            </a:r>
-            <a:r>
-              <a:rPr lang="it-IT" dirty="0" err="1"/>
-              <a:t>as</a:t>
-            </a:r>
-            <a:r>
-              <a:rPr lang="it-IT" dirty="0"/>
-              <a:t> </a:t>
-            </a:r>
-            <a:r>
-              <a:rPr lang="it-IT" dirty="0" err="1"/>
-              <a:t>it</a:t>
-            </a:r>
-            <a:r>
-              <a:rPr lang="it-IT" dirty="0"/>
-              <a:t> </a:t>
-            </a:r>
-            <a:r>
-              <a:rPr lang="it-IT" dirty="0" err="1"/>
-              <a:t>is</a:t>
-            </a:r>
-            <a:r>
-              <a:rPr lang="it-IT" dirty="0"/>
-              <a:t> </a:t>
-            </a:r>
-            <a:r>
-              <a:rPr lang="it-IT" dirty="0" err="1"/>
-              <a:t>based</a:t>
-            </a:r>
-            <a:r>
-              <a:rPr lang="it-IT" dirty="0"/>
-              <a:t> on </a:t>
-            </a:r>
-            <a:r>
-              <a:rPr lang="it-IT" dirty="0" err="1"/>
-              <a:t>variance</a:t>
-            </a:r>
-            <a:r>
-              <a:rPr lang="it-IT" dirty="0"/>
-              <a:t>.   </a:t>
+              <a:t>alphas</a:t>
             </a:r>
             <a:r>
               <a:rPr lang="it-IT" b="1" dirty="0"/>
@@ -14899,17 +15099,227 @@
             </a:r>
             <a:r>
               <a:rPr lang="it-IT" dirty="0"/>
+              <a:t>and </a:t>
+            </a:r>
+            <a:r>
+              <a:rPr lang="it-IT" dirty="0" err="1"/>
+              <a:t>different</a:t>
+            </a:r>
+            <a:r>
+              <a:rPr lang="it-IT" dirty="0"/>
               <a:t> </a:t>
             </a:r>
+            <a:r>
+              <a:rPr lang="it-IT" b="1" dirty="0" err="1"/>
+              <a:t>rolling</a:t>
+            </a:r>
+            <a:r>
+              <a:rPr lang="it-IT" b="1" dirty="0"/>
+              <a:t> windows</a:t>
+            </a:r>
+            <a:r>
+              <a:rPr lang="it-IT" dirty="0"/>
+              <a:t>. In </a:t>
+            </a:r>
+            <a:r>
+              <a:rPr lang="it-IT" dirty="0" err="1"/>
+              <a:t>particular</a:t>
+            </a:r>
+            <a:r>
+              <a:rPr lang="it-IT" dirty="0"/>
+              <a:t>, </a:t>
+            </a:r>
+            <a:r>
+              <a:rPr lang="it-IT" dirty="0" err="1"/>
+              <a:t>we</a:t>
+            </a:r>
+            <a:r>
+              <a:rPr lang="it-IT" dirty="0"/>
+              <a:t> take </a:t>
+            </a:r>
+            <a:r>
+              <a:rPr lang="it-IT" b="1" dirty="0"/>
+              <a:t>alpha = 0,05;0,5;0,95 </a:t>
+            </a:r>
+            <a:r>
+              <a:rPr lang="it-IT" dirty="0"/>
+              <a:t> and </a:t>
+            </a:r>
+            <a:r>
+              <a:rPr lang="it-IT" b="1" dirty="0"/>
+              <a:t> </a:t>
+            </a:r>
+            <a:r>
+              <a:rPr lang="it-IT" b="1" dirty="0" err="1"/>
+              <a:t>rw</a:t>
+            </a:r>
+            <a:r>
+              <a:rPr lang="it-IT" b="1" dirty="0"/>
+              <a:t> = 104;156;208;260</a:t>
+            </a:r>
+            <a:r>
+              <a:rPr lang="it-IT" dirty="0"/>
+              <a:t>. </a:t>
+            </a:r>
+          </a:p>
+          <a:p>
+            <a:r>
+              <a:rPr lang="it-IT" dirty="0"/>
+              <a:t>For </a:t>
+            </a:r>
+            <a:r>
+              <a:rPr lang="it-IT" dirty="0" err="1"/>
+              <a:t>each</a:t>
+            </a:r>
+            <a:r>
+              <a:rPr lang="it-IT" dirty="0"/>
+              <a:t> </a:t>
+            </a:r>
+            <a:r>
+              <a:rPr lang="it-IT" dirty="0" err="1"/>
+              <a:t>combination</a:t>
+            </a:r>
+            <a:r>
+              <a:rPr lang="it-IT" dirty="0"/>
+              <a:t> </a:t>
+            </a:r>
+            <a:r>
+              <a:rPr lang="it-IT" dirty="0" err="1"/>
+              <a:t>we</a:t>
+            </a:r>
+            <a:r>
+              <a:rPr lang="it-IT" dirty="0"/>
+              <a:t> report </a:t>
+            </a:r>
+            <a:r>
+              <a:rPr lang="it-IT" b="1" dirty="0"/>
+              <a:t>TEV </a:t>
+            </a:r>
+            <a:r>
+              <a:rPr lang="it-IT" dirty="0"/>
+              <a:t>( </a:t>
+            </a:r>
+            <a:r>
+              <a:rPr lang="it-IT" dirty="0" err="1"/>
+              <a:t>std</a:t>
+            </a:r>
+            <a:r>
+              <a:rPr lang="it-IT" dirty="0"/>
+              <a:t> </a:t>
+            </a:r>
+            <a:r>
+              <a:rPr lang="it-IT" dirty="0" err="1"/>
+              <a:t>deviation</a:t>
+            </a:r>
+            <a:r>
+              <a:rPr lang="it-IT" dirty="0"/>
+              <a:t> on Tracking </a:t>
+            </a:r>
+            <a:r>
+              <a:rPr lang="it-IT" dirty="0" err="1"/>
+              <a:t>error</a:t>
+            </a:r>
+            <a:r>
+              <a:rPr lang="it-IT" dirty="0"/>
+              <a:t> ) </a:t>
+            </a:r>
+          </a:p>
+        </p:txBody>
+      </p:sp>
+      <p:sp>
+        <p:nvSpPr>
+          <p:cNvPr id="2" name="CasellaDiTesto 1">
+            <a:extLst>
+              <a:ext uri="{FF2B5EF4-FFF2-40B4-BE49-F238E27FC236}">
+                <a16:creationId xmlns:a16="http://schemas.microsoft.com/office/drawing/2014/main" id="{325A9049-B84E-41A3-D0C2-B6E45FAD989C}"/>
+              </a:ext>
+            </a:extLst>
+          </p:cNvPr>
+          <p:cNvSpPr txBox="1"/>
+          <p:nvPr/>
+        </p:nvSpPr>
+        <p:spPr>
+          <a:xfrm>
+            <a:off x="0" y="6480010"/>
+            <a:ext cx="12192000" cy="923330"/>
+          </a:xfrm>
+          <a:prstGeom prst="rect">
+            <a:avLst/>
+          </a:prstGeom>
+          <a:solidFill>
+            <a:schemeClr val="bg1">
+              <a:lumMod val="50000"/>
+              <a:lumOff val="50000"/>
+            </a:schemeClr>
+          </a:solidFill>
+        </p:spPr>
+        <p:txBody>
+          <a:bodyPr wrap="square">
+            <a:spAutoFit/>
+          </a:bodyPr>
+          <a:lstStyle/>
+          <a:p>
+            <a:pPr rtl="0">
+              <a:spcBef>
+                <a:spcPts val="0"/>
+              </a:spcBef>
+              <a:spcAft>
+                <a:spcPts val="0"/>
+              </a:spcAft>
+            </a:pPr>
+            <a:r>
+              <a:rPr lang="en-US" dirty="0">
+                <a:solidFill>
+                  <a:schemeClr val="bg2">
+                    <a:lumMod val="10000"/>
+                    <a:lumOff val="90000"/>
+                  </a:schemeClr>
+                </a:solidFill>
+                <a:latin typeface="Helvetica Neue"/>
+              </a:rPr>
+              <a:t>INVESTMENT REPLICA</a:t>
+            </a:r>
+            <a:r>
+              <a:rPr lang="en-US" sz="1800" b="0" i="0" u="none" strike="noStrike" dirty="0">
+                <a:solidFill>
+                  <a:schemeClr val="bg2">
+                    <a:lumMod val="10000"/>
+                    <a:lumOff val="90000"/>
+                  </a:schemeClr>
+                </a:solidFill>
+                <a:effectLst/>
+                <a:latin typeface="Helvetica Neue"/>
+              </a:rPr>
+              <a:t>                                                                                                                           FINTECH BC 4</a:t>
+            </a:r>
+            <a:endParaRPr lang="en-US" b="0" dirty="0">
+              <a:solidFill>
+                <a:schemeClr val="bg2">
+                  <a:lumMod val="10000"/>
+                  <a:lumOff val="90000"/>
+                </a:schemeClr>
+              </a:solidFill>
+              <a:effectLst/>
+            </a:endParaRPr>
+          </a:p>
+          <a:p>
+            <a:r>
+              <a:rPr lang="en-US" dirty="0"/>
+              <a:t>  </a:t>
+            </a:r>
+            <a:br>
+              <a:rPr lang="en-US" dirty="0"/>
+            </a:br>
+            <a:endParaRPr lang="it-IT" dirty="0"/>
           </a:p>
         </p:txBody>
       </p:sp>
       <p:pic>
         <p:nvPicPr>
-          <p:cNvPr id="13" name="Immagine 12">
+          <p:cNvPr id="7" name="Immagine 6">
             <a:extLst>
               <a:ext uri="{FF2B5EF4-FFF2-40B4-BE49-F238E27FC236}">
-                <a16:creationId xmlns:a16="http://schemas.microsoft.com/office/drawing/2014/main" id="{9D7A8FF4-E2CC-917C-FF20-34DBCC5A65C2}"/>
+                <a16:creationId xmlns:a16="http://schemas.microsoft.com/office/drawing/2014/main" id="{06AB5BAC-F5A4-1E22-2D43-CC1A2C8BE8E9}"/>
               </a:ext>
             </a:extLst>
           </p:cNvPr>
@@ -14926,20 +15336,408 @@
         </p:blipFill>
         <p:spPr>
           <a:xfrm>
-            <a:off x="6630039" y="1705392"/>
-            <a:ext cx="5159187" cy="4581667"/>
+            <a:off x="8281688" y="1887212"/>
+            <a:ext cx="3194682" cy="1438599"/>
           </a:xfrm>
           <a:prstGeom prst="rect">
             <a:avLst/>
           </a:prstGeom>
         </p:spPr>
       </p:pic>
+      <p:sp>
+        <p:nvSpPr>
+          <p:cNvPr id="10" name="Ovale 9">
+            <a:extLst>
+              <a:ext uri="{FF2B5EF4-FFF2-40B4-BE49-F238E27FC236}">
+                <a16:creationId xmlns:a16="http://schemas.microsoft.com/office/drawing/2014/main" id="{8A37E002-EAFC-2086-D456-5981758227AF}"/>
+              </a:ext>
+            </a:extLst>
+          </p:cNvPr>
+          <p:cNvSpPr/>
+          <p:nvPr/>
+        </p:nvSpPr>
+        <p:spPr>
+          <a:xfrm>
+            <a:off x="9879029" y="2770949"/>
+            <a:ext cx="856527" cy="370390"/>
+          </a:xfrm>
+          <a:prstGeom prst="ellipse">
+            <a:avLst/>
+          </a:prstGeom>
+          <a:noFill/>
+          <a:ln w="38100">
+            <a:solidFill>
+              <a:srgbClr val="00B050"/>
+            </a:solidFill>
+          </a:ln>
+        </p:spPr>
+        <p:style>
+          <a:lnRef idx="2">
+            <a:schemeClr val="accent6"/>
+          </a:lnRef>
+          <a:fillRef idx="1">
+            <a:schemeClr val="lt1"/>
+          </a:fillRef>
+          <a:effectRef idx="0">
+            <a:schemeClr val="accent6"/>
+          </a:effectRef>
+          <a:fontRef idx="minor">
+            <a:schemeClr val="dk1"/>
+          </a:fontRef>
+        </p:style>
+        <p:txBody>
+          <a:bodyPr rtlCol="0" anchor="ctr"/>
+          <a:lstStyle/>
+          <a:p>
+            <a:pPr algn="ctr"/>
+            <a:endParaRPr lang="it-IT"/>
+          </a:p>
+        </p:txBody>
+      </p:sp>
+      <p:sp>
+        <p:nvSpPr>
+          <p:cNvPr id="11" name="CasellaDiTesto 10">
+            <a:extLst>
+              <a:ext uri="{FF2B5EF4-FFF2-40B4-BE49-F238E27FC236}">
+                <a16:creationId xmlns:a16="http://schemas.microsoft.com/office/drawing/2014/main" id="{E2D69432-4B65-D3EA-3956-F475CDA16528}"/>
+              </a:ext>
+            </a:extLst>
+          </p:cNvPr>
+          <p:cNvSpPr txBox="1"/>
+          <p:nvPr/>
+        </p:nvSpPr>
+        <p:spPr>
+          <a:xfrm>
+            <a:off x="518529" y="2335480"/>
+            <a:ext cx="5861957" cy="3693319"/>
+          </a:xfrm>
+          <a:prstGeom prst="rect">
+            <a:avLst/>
+          </a:prstGeom>
+          <a:noFill/>
+        </p:spPr>
+        <p:txBody>
+          <a:bodyPr wrap="square" rtlCol="0">
+            <a:spAutoFit/>
+          </a:bodyPr>
+          <a:lstStyle/>
+          <a:p>
+            <a:r>
+              <a:rPr lang="it-IT" dirty="0"/>
+              <a:t>The </a:t>
+            </a:r>
+            <a:r>
+              <a:rPr lang="it-IT" b="1" dirty="0"/>
+              <a:t>Tracking </a:t>
+            </a:r>
+            <a:r>
+              <a:rPr lang="it-IT" b="1" dirty="0" err="1"/>
+              <a:t>error</a:t>
+            </a:r>
+            <a:r>
+              <a:rPr lang="it-IT" b="1" dirty="0"/>
+              <a:t> </a:t>
+            </a:r>
+            <a:r>
+              <a:rPr lang="it-IT" b="1" dirty="0" err="1"/>
+              <a:t>Volatibility</a:t>
+            </a:r>
+            <a:r>
+              <a:rPr lang="it-IT" b="1" dirty="0"/>
+              <a:t> </a:t>
+            </a:r>
+            <a:r>
+              <a:rPr lang="it-IT" dirty="0" err="1"/>
+              <a:t>is</a:t>
+            </a:r>
+            <a:r>
+              <a:rPr lang="it-IT" dirty="0"/>
+              <a:t> a </a:t>
+            </a:r>
+            <a:r>
+              <a:rPr lang="it-IT" dirty="0" err="1"/>
+              <a:t>measure</a:t>
+            </a:r>
+            <a:r>
+              <a:rPr lang="it-IT" dirty="0"/>
+              <a:t> of </a:t>
+            </a:r>
+            <a:r>
+              <a:rPr lang="it-IT" dirty="0" err="1"/>
+              <a:t>how</a:t>
+            </a:r>
+            <a:r>
+              <a:rPr lang="it-IT" dirty="0"/>
+              <a:t> </a:t>
+            </a:r>
+            <a:r>
+              <a:rPr lang="it-IT" dirty="0" err="1"/>
+              <a:t>much</a:t>
+            </a:r>
+            <a:r>
+              <a:rPr lang="it-IT" dirty="0"/>
+              <a:t> a </a:t>
+            </a:r>
+            <a:r>
+              <a:rPr lang="it-IT" dirty="0" err="1"/>
+              <a:t>portfolio’s</a:t>
+            </a:r>
+            <a:r>
+              <a:rPr lang="it-IT" dirty="0"/>
+              <a:t> </a:t>
+            </a:r>
+            <a:r>
+              <a:rPr lang="it-IT" dirty="0" err="1"/>
+              <a:t>returns</a:t>
+            </a:r>
+            <a:r>
+              <a:rPr lang="it-IT" dirty="0"/>
+              <a:t> deviate from the benchmark index </a:t>
+            </a:r>
+            <a:r>
+              <a:rPr lang="it-IT" dirty="0" err="1"/>
+              <a:t>that</a:t>
+            </a:r>
+            <a:r>
+              <a:rPr lang="it-IT" dirty="0"/>
+              <a:t> </a:t>
+            </a:r>
+            <a:r>
+              <a:rPr lang="it-IT" dirty="0" err="1"/>
+              <a:t>it</a:t>
+            </a:r>
+            <a:r>
+              <a:rPr lang="it-IT" dirty="0"/>
+              <a:t> </a:t>
+            </a:r>
+            <a:r>
+              <a:rPr lang="it-IT" dirty="0" err="1"/>
+              <a:t>isdesigned</a:t>
+            </a:r>
+            <a:r>
+              <a:rPr lang="it-IT" dirty="0"/>
+              <a:t> to track. </a:t>
+            </a:r>
+          </a:p>
+          <a:p>
+            <a:endParaRPr lang="it-IT" dirty="0"/>
+          </a:p>
+          <a:p>
+            <a:r>
+              <a:rPr lang="it-IT" dirty="0"/>
+              <a:t>Here the best </a:t>
+            </a:r>
+            <a:r>
+              <a:rPr lang="it-IT" dirty="0" err="1"/>
+              <a:t>value</a:t>
+            </a:r>
+            <a:r>
+              <a:rPr lang="it-IT" dirty="0"/>
+              <a:t> </a:t>
+            </a:r>
+            <a:r>
+              <a:rPr lang="it-IT" dirty="0" err="1"/>
+              <a:t>ig</a:t>
+            </a:r>
+            <a:r>
+              <a:rPr lang="it-IT" dirty="0"/>
+              <a:t> </a:t>
+            </a:r>
+            <a:r>
+              <a:rPr lang="it-IT" dirty="0" err="1"/>
+              <a:t>given</a:t>
+            </a:r>
+            <a:r>
+              <a:rPr lang="it-IT" dirty="0"/>
+              <a:t> by alpha = 0,5 and </a:t>
+            </a:r>
+            <a:r>
+              <a:rPr lang="it-IT" dirty="0" err="1"/>
+              <a:t>rw</a:t>
+            </a:r>
+            <a:r>
+              <a:rPr lang="it-IT" dirty="0"/>
+              <a:t> =208.</a:t>
+            </a:r>
+          </a:p>
+          <a:p>
+            <a:endParaRPr lang="it-IT" dirty="0"/>
+          </a:p>
+          <a:p>
+            <a:r>
+              <a:rPr lang="it-IT" dirty="0" err="1"/>
+              <a:t>Then</a:t>
+            </a:r>
+            <a:r>
+              <a:rPr lang="it-IT" dirty="0"/>
+              <a:t>, </a:t>
+            </a:r>
+            <a:r>
+              <a:rPr lang="it-IT" dirty="0" err="1"/>
+              <a:t>we</a:t>
+            </a:r>
+            <a:r>
+              <a:rPr lang="it-IT" dirty="0"/>
+              <a:t> </a:t>
+            </a:r>
+            <a:r>
+              <a:rPr lang="it-IT" dirty="0" err="1"/>
+              <a:t>consider</a:t>
+            </a:r>
+            <a:r>
+              <a:rPr lang="it-IT" dirty="0"/>
+              <a:t> the </a:t>
+            </a:r>
+            <a:r>
+              <a:rPr lang="it-IT" b="1" dirty="0"/>
+              <a:t>Turnover</a:t>
+            </a:r>
+            <a:r>
+              <a:rPr lang="it-IT" dirty="0"/>
+              <a:t>, </a:t>
+            </a:r>
+            <a:r>
+              <a:rPr lang="it-IT" dirty="0" err="1"/>
+              <a:t>that</a:t>
+            </a:r>
+            <a:r>
+              <a:rPr lang="it-IT" dirty="0"/>
+              <a:t> </a:t>
+            </a:r>
+            <a:r>
+              <a:rPr lang="it-IT" dirty="0" err="1"/>
+              <a:t>is</a:t>
+            </a:r>
+            <a:r>
+              <a:rPr lang="it-IT" dirty="0"/>
+              <a:t> the sum of the </a:t>
+            </a:r>
+            <a:r>
+              <a:rPr lang="it-IT" dirty="0" err="1"/>
+              <a:t>absolute</a:t>
+            </a:r>
+            <a:r>
+              <a:rPr lang="it-IT" dirty="0"/>
+              <a:t> </a:t>
+            </a:r>
+            <a:r>
+              <a:rPr lang="it-IT" dirty="0" err="1"/>
+              <a:t>values</a:t>
+            </a:r>
+            <a:r>
+              <a:rPr lang="it-IT" dirty="0"/>
+              <a:t> of the </a:t>
+            </a:r>
+            <a:r>
+              <a:rPr lang="it-IT" dirty="0" err="1"/>
+              <a:t>differnce</a:t>
+            </a:r>
+            <a:r>
+              <a:rPr lang="it-IT" dirty="0"/>
+              <a:t> in the weights </a:t>
+            </a:r>
+            <a:r>
+              <a:rPr lang="it-IT" dirty="0" err="1"/>
+              <a:t>between</a:t>
+            </a:r>
+            <a:r>
+              <a:rPr lang="it-IT" dirty="0"/>
+              <a:t> </a:t>
+            </a:r>
+            <a:r>
+              <a:rPr lang="it-IT" dirty="0" err="1"/>
+              <a:t>old</a:t>
+            </a:r>
+            <a:r>
+              <a:rPr lang="it-IT" dirty="0"/>
+              <a:t> and new portfolio, </a:t>
+            </a:r>
+            <a:r>
+              <a:rPr lang="it-IT" dirty="0" err="1"/>
+              <a:t>divided</a:t>
+            </a:r>
+            <a:r>
+              <a:rPr lang="it-IT" dirty="0"/>
+              <a:t> by 2. </a:t>
+            </a:r>
+          </a:p>
+          <a:p>
+            <a:endParaRPr lang="it-IT" dirty="0"/>
+          </a:p>
+          <a:p>
+            <a:r>
+              <a:rPr lang="it-IT" dirty="0" err="1"/>
+              <a:t>Lastly</a:t>
+            </a:r>
+            <a:r>
+              <a:rPr lang="it-IT" dirty="0"/>
+              <a:t>, </a:t>
+            </a:r>
+            <a:r>
+              <a:rPr lang="it-IT" dirty="0" err="1"/>
+              <a:t>applying</a:t>
+            </a:r>
+            <a:r>
+              <a:rPr lang="it-IT" dirty="0"/>
+              <a:t> </a:t>
+            </a:r>
+            <a:r>
+              <a:rPr lang="it-IT" b="1" dirty="0" err="1"/>
+              <a:t>tradingCosts</a:t>
+            </a:r>
+            <a:r>
+              <a:rPr lang="it-IT" b="1" dirty="0"/>
+              <a:t> = 0,004 </a:t>
+            </a:r>
+            <a:r>
+              <a:rPr lang="it-IT" dirty="0" err="1"/>
+              <a:t>we</a:t>
+            </a:r>
+            <a:r>
+              <a:rPr lang="it-IT" dirty="0"/>
+              <a:t> compute </a:t>
+            </a:r>
+            <a:r>
+              <a:rPr lang="it-IT" b="1" dirty="0"/>
+              <a:t>Trading costs </a:t>
+            </a:r>
+            <a:r>
+              <a:rPr lang="it-IT" dirty="0"/>
+              <a:t>and individuate the </a:t>
+            </a:r>
+            <a:r>
+              <a:rPr lang="it-IT" dirty="0" err="1"/>
+              <a:t>lowest</a:t>
+            </a:r>
+            <a:r>
+              <a:rPr lang="it-IT" dirty="0"/>
+              <a:t> one, </a:t>
+            </a:r>
+            <a:r>
+              <a:rPr lang="it-IT" dirty="0" err="1"/>
+              <a:t>corresponding</a:t>
+            </a:r>
+            <a:r>
+              <a:rPr lang="it-IT" dirty="0"/>
+              <a:t> to alpha = 0,05 and </a:t>
+            </a:r>
+            <a:r>
+              <a:rPr lang="it-IT" dirty="0" err="1"/>
+              <a:t>rw</a:t>
+            </a:r>
+            <a:r>
+              <a:rPr lang="it-IT" dirty="0"/>
+              <a:t> = 208.</a:t>
+            </a:r>
+          </a:p>
+        </p:txBody>
+      </p:sp>
       <p:pic>
         <p:nvPicPr>
-          <p:cNvPr id="14" name="Immagine 13" descr="Immagine che contiene grafico&#10;&#10;Descrizione generata automaticamente">
+          <p:cNvPr id="20" name="Immagine 19">
             <a:extLst>
               <a:ext uri="{FF2B5EF4-FFF2-40B4-BE49-F238E27FC236}">
-                <a16:creationId xmlns:a16="http://schemas.microsoft.com/office/drawing/2014/main" id="{2748BDB4-2CA0-4F1E-7F65-F91DBEB12B0F}"/>
+                <a16:creationId xmlns:a16="http://schemas.microsoft.com/office/drawing/2014/main" id="{4F905D08-31AB-57B1-E043-DFDD542FA0D6}"/>
               </a:ext>
             </a:extLst>
           </p:cNvPr>
@@ -14949,27 +15747,101 @@
           <p:nvPr/>
         </p:nvPicPr>
         <p:blipFill>
-          <a:blip r:embed="rId3">
-            <a:extLst>
-              <a:ext uri="{28A0092B-C50C-407E-A947-70E740481C1C}">
-                <a14:useLocalDpi xmlns:a14="http://schemas.microsoft.com/office/drawing/2010/main" val="0"/>
-              </a:ext>
-            </a:extLst>
-          </a:blip>
+          <a:blip r:embed="rId3"/>
           <a:stretch>
             <a:fillRect/>
           </a:stretch>
         </p:blipFill>
         <p:spPr>
           <a:xfrm>
-            <a:off x="589867" y="2530004"/>
-            <a:ext cx="5667621" cy="3757055"/>
+            <a:off x="8281687" y="4917556"/>
+            <a:ext cx="3194667" cy="1448513"/>
           </a:xfrm>
           <a:prstGeom prst="rect">
             <a:avLst/>
           </a:prstGeom>
         </p:spPr>
       </p:pic>
+      <p:pic>
+        <p:nvPicPr>
+          <p:cNvPr id="22" name="Immagine 21">
+            <a:extLst>
+              <a:ext uri="{FF2B5EF4-FFF2-40B4-BE49-F238E27FC236}">
+                <a16:creationId xmlns:a16="http://schemas.microsoft.com/office/drawing/2014/main" id="{62C36BAD-411A-2163-09E1-555F8D7A3C78}"/>
+              </a:ext>
+            </a:extLst>
+          </p:cNvPr>
+          <p:cNvPicPr>
+            <a:picLocks noChangeAspect="1"/>
+          </p:cNvPicPr>
+          <p:nvPr/>
+        </p:nvPicPr>
+        <p:blipFill>
+          <a:blip r:embed="rId4"/>
+          <a:stretch>
+            <a:fillRect/>
+          </a:stretch>
+        </p:blipFill>
+        <p:spPr>
+          <a:xfrm>
+            <a:off x="8281688" y="3402154"/>
+            <a:ext cx="3194667" cy="1453920"/>
+          </a:xfrm>
+          <a:prstGeom prst="rect">
+            <a:avLst/>
+          </a:prstGeom>
+        </p:spPr>
+      </p:pic>
+      <p:sp>
+        <p:nvSpPr>
+          <p:cNvPr id="23" name="Ovale 22">
+            <a:extLst>
+              <a:ext uri="{FF2B5EF4-FFF2-40B4-BE49-F238E27FC236}">
+                <a16:creationId xmlns:a16="http://schemas.microsoft.com/office/drawing/2014/main" id="{3054B887-641F-84BA-742A-258017EC2E4E}"/>
+              </a:ext>
+            </a:extLst>
+          </p:cNvPr>
+          <p:cNvSpPr/>
+          <p:nvPr/>
+        </p:nvSpPr>
+        <p:spPr>
+          <a:xfrm>
+            <a:off x="9128603" y="5766720"/>
+            <a:ext cx="856527" cy="370390"/>
+          </a:xfrm>
+          <a:prstGeom prst="ellipse">
+            <a:avLst/>
+          </a:prstGeom>
+          <a:noFill/>
+          <a:ln w="38100">
+            <a:solidFill>
+              <a:srgbClr val="00B050"/>
+            </a:solidFill>
+          </a:ln>
+        </p:spPr>
+        <p:style>
+          <a:lnRef idx="2">
+            <a:schemeClr val="accent6"/>
+          </a:lnRef>
+          <a:fillRef idx="1">
+            <a:schemeClr val="lt1"/>
+          </a:fillRef>
+          <a:effectRef idx="0">
+            <a:schemeClr val="accent6"/>
+          </a:effectRef>
+          <a:fontRef idx="minor">
+            <a:schemeClr val="dk1"/>
+          </a:fontRef>
+        </p:style>
+        <p:txBody>
+          <a:bodyPr rtlCol="0" anchor="ctr"/>
+          <a:lstStyle/>
+          <a:p>
+            <a:pPr algn="ctr"/>
+            <a:endParaRPr lang="it-IT"/>
+          </a:p>
+        </p:txBody>
+      </p:sp>
     </p:spTree>
     <p:extLst>
       <p:ext uri="{BB962C8B-B14F-4D97-AF65-F5344CB8AC3E}">
@@ -15055,7 +15927,7 @@
         </p:nvSpPr>
         <p:spPr>
           <a:xfrm>
-            <a:off x="-250975" y="506629"/>
+            <a:off x="0" y="509358"/>
             <a:ext cx="10353762" cy="970450"/>
           </a:xfrm>
           <a:prstGeom prst="rect">
@@ -15168,7 +16040,7 @@
                   <a:srgbClr val="FFC000"/>
                 </a:solidFill>
               </a:rPr>
-              <a:t>UNSUPERVISED CLASSIFICATION</a:t>
+              <a:t>REPLICA OF A TARGET PORTFOLIO</a:t>
             </a:r>
           </a:p>
         </p:txBody>
@@ -15202,6 +16074,209 @@
           <a:lstStyle/>
           <a:p>
             <a:r>
+              <a:rPr lang="it-IT" dirty="0"/>
+              <a:t>Financial </a:t>
+            </a:r>
+            <a:r>
+              <a:rPr lang="it-IT" dirty="0" err="1"/>
+              <a:t>statistics</a:t>
+            </a:r>
+            <a:r>
+              <a:rPr lang="it-IT" dirty="0"/>
+              <a:t> </a:t>
+            </a:r>
+          </a:p>
+        </p:txBody>
+      </p:sp>
+      <p:sp>
+        <p:nvSpPr>
+          <p:cNvPr id="20" name="CasellaDiTesto 19">
+            <a:extLst>
+              <a:ext uri="{FF2B5EF4-FFF2-40B4-BE49-F238E27FC236}">
+                <a16:creationId xmlns:a16="http://schemas.microsoft.com/office/drawing/2014/main" id="{50C2C565-50C6-50B2-75BD-F1E581D18233}"/>
+              </a:ext>
+            </a:extLst>
+          </p:cNvPr>
+          <p:cNvSpPr txBox="1"/>
+          <p:nvPr/>
+        </p:nvSpPr>
+        <p:spPr>
+          <a:xfrm>
+            <a:off x="1" y="6478565"/>
+            <a:ext cx="12192000" cy="923330"/>
+          </a:xfrm>
+          <a:prstGeom prst="rect">
+            <a:avLst/>
+          </a:prstGeom>
+          <a:solidFill>
+            <a:schemeClr val="bg1">
+              <a:lumMod val="50000"/>
+              <a:lumOff val="50000"/>
+            </a:schemeClr>
+          </a:solidFill>
+        </p:spPr>
+        <p:txBody>
+          <a:bodyPr wrap="square">
+            <a:spAutoFit/>
+          </a:bodyPr>
+          <a:lstStyle/>
+          <a:p>
+            <a:pPr rtl="0">
+              <a:spcBef>
+                <a:spcPts val="0"/>
+              </a:spcBef>
+              <a:spcAft>
+                <a:spcPts val="0"/>
+              </a:spcAft>
+            </a:pPr>
+            <a:r>
+              <a:rPr lang="en-US" sz="1800" b="0" i="0" u="none" strike="noStrike" dirty="0">
+                <a:solidFill>
+                  <a:schemeClr val="bg2">
+                    <a:lumMod val="10000"/>
+                    <a:lumOff val="90000"/>
+                  </a:schemeClr>
+                </a:solidFill>
+                <a:effectLst/>
+                <a:latin typeface="Helvetica Neue"/>
+              </a:rPr>
+              <a:t>Early Warning Systems                                                                                                                              FINTECH BC 3</a:t>
+            </a:r>
+            <a:endParaRPr lang="en-US" b="0" dirty="0">
+              <a:solidFill>
+                <a:schemeClr val="bg2">
+                  <a:lumMod val="10000"/>
+                  <a:lumOff val="90000"/>
+                </a:schemeClr>
+              </a:solidFill>
+              <a:effectLst/>
+            </a:endParaRPr>
+          </a:p>
+          <a:p>
+            <a:br>
+              <a:rPr lang="en-US" dirty="0"/>
+            </a:br>
+            <a:endParaRPr lang="it-IT" dirty="0"/>
+          </a:p>
+        </p:txBody>
+      </p:sp>
+      <p:sp>
+        <p:nvSpPr>
+          <p:cNvPr id="2" name="CasellaDiTesto 1">
+            <a:extLst>
+              <a:ext uri="{FF2B5EF4-FFF2-40B4-BE49-F238E27FC236}">
+                <a16:creationId xmlns:a16="http://schemas.microsoft.com/office/drawing/2014/main" id="{CC3A20CC-718D-6D72-F352-FC8110699839}"/>
+              </a:ext>
+            </a:extLst>
+          </p:cNvPr>
+          <p:cNvSpPr txBox="1"/>
+          <p:nvPr/>
+        </p:nvSpPr>
+        <p:spPr>
+          <a:xfrm>
+            <a:off x="0" y="6480010"/>
+            <a:ext cx="12192000" cy="923330"/>
+          </a:xfrm>
+          <a:prstGeom prst="rect">
+            <a:avLst/>
+          </a:prstGeom>
+          <a:solidFill>
+            <a:schemeClr val="bg1">
+              <a:lumMod val="50000"/>
+              <a:lumOff val="50000"/>
+            </a:schemeClr>
+          </a:solidFill>
+        </p:spPr>
+        <p:txBody>
+          <a:bodyPr wrap="square">
+            <a:spAutoFit/>
+          </a:bodyPr>
+          <a:lstStyle/>
+          <a:p>
+            <a:pPr rtl="0">
+              <a:spcBef>
+                <a:spcPts val="0"/>
+              </a:spcBef>
+              <a:spcAft>
+                <a:spcPts val="0"/>
+              </a:spcAft>
+            </a:pPr>
+            <a:r>
+              <a:rPr lang="en-US" dirty="0">
+                <a:solidFill>
+                  <a:schemeClr val="bg2">
+                    <a:lumMod val="10000"/>
+                    <a:lumOff val="90000"/>
+                  </a:schemeClr>
+                </a:solidFill>
+                <a:latin typeface="Helvetica Neue"/>
+              </a:rPr>
+              <a:t>INVESTMENT REPLICA</a:t>
+            </a:r>
+            <a:r>
+              <a:rPr lang="en-US" sz="1800" b="0" i="0" u="none" strike="noStrike" dirty="0">
+                <a:solidFill>
+                  <a:schemeClr val="bg2">
+                    <a:lumMod val="10000"/>
+                    <a:lumOff val="90000"/>
+                  </a:schemeClr>
+                </a:solidFill>
+                <a:effectLst/>
+                <a:latin typeface="Helvetica Neue"/>
+              </a:rPr>
+              <a:t>                                                                                                                           FINTECH BC 4</a:t>
+            </a:r>
+            <a:endParaRPr lang="en-US" b="0" dirty="0">
+              <a:solidFill>
+                <a:schemeClr val="bg2">
+                  <a:lumMod val="10000"/>
+                  <a:lumOff val="90000"/>
+                </a:schemeClr>
+              </a:solidFill>
+              <a:effectLst/>
+            </a:endParaRPr>
+          </a:p>
+          <a:p>
+            <a:r>
+              <a:rPr lang="en-US" dirty="0"/>
+              <a:t>  </a:t>
+            </a:r>
+            <a:br>
+              <a:rPr lang="en-US" dirty="0"/>
+            </a:br>
+            <a:endParaRPr lang="it-IT" dirty="0"/>
+          </a:p>
+        </p:txBody>
+      </p:sp>
+      <p:sp>
+        <p:nvSpPr>
+          <p:cNvPr id="6" name="CasellaDiTesto 5">
+            <a:extLst>
+              <a:ext uri="{FF2B5EF4-FFF2-40B4-BE49-F238E27FC236}">
+                <a16:creationId xmlns:a16="http://schemas.microsoft.com/office/drawing/2014/main" id="{3CF1E0A4-0DC6-5DAD-C1DC-20107CB9B92F}"/>
+              </a:ext>
+            </a:extLst>
+          </p:cNvPr>
+          <p:cNvSpPr txBox="1"/>
+          <p:nvPr/>
+        </p:nvSpPr>
+        <p:spPr>
+          <a:xfrm>
+            <a:off x="521905" y="1250750"/>
+            <a:ext cx="11267321" cy="646331"/>
+          </a:xfrm>
+          <a:prstGeom prst="rect">
+            <a:avLst/>
+          </a:prstGeom>
+          <a:noFill/>
+        </p:spPr>
+        <p:txBody>
+          <a:bodyPr wrap="square" rtlCol="0">
+            <a:spAutoFit/>
+          </a:bodyPr>
+          <a:lstStyle/>
+          <a:p>
+            <a:r>
               <a:rPr lang="it-IT" dirty="0" err="1"/>
               <a:t>We</a:t>
             </a:r>
@@ -15211,29 +16286,73 @@
             </a:r>
             <a:r>
               <a:rPr lang="it-IT" dirty="0" err="1"/>
-              <a:t>let</a:t>
-            </a:r>
-            <a:r>
-              <a:rPr lang="it-IT" dirty="0"/>
-              <a:t> the software </a:t>
+              <a:t>also</a:t>
+            </a:r>
+            <a:r>
+              <a:rPr lang="it-IT" dirty="0"/>
+              <a:t> investigate the </a:t>
+            </a:r>
+            <a:r>
+              <a:rPr lang="it-IT" b="1" dirty="0" err="1"/>
+              <a:t>Excess</a:t>
+            </a:r>
+            <a:r>
+              <a:rPr lang="it-IT" b="1" dirty="0"/>
+              <a:t> of Return </a:t>
+            </a:r>
+            <a:r>
+              <a:rPr lang="it-IT" dirty="0"/>
+              <a:t>( </a:t>
+            </a:r>
+            <a:r>
+              <a:rPr lang="it-IT" b="1" dirty="0"/>
+              <a:t>ER </a:t>
+            </a:r>
+            <a:r>
+              <a:rPr lang="it-IT" dirty="0"/>
+              <a:t>), Information Ratio ( </a:t>
+            </a:r>
+            <a:r>
+              <a:rPr lang="it-IT" b="1" dirty="0"/>
+              <a:t>IR </a:t>
+            </a:r>
+            <a:r>
+              <a:rPr lang="it-IT" dirty="0"/>
+              <a:t>) and explicit trading costs for </a:t>
             </a:r>
             <a:r>
               <a:rPr lang="it-IT" dirty="0" err="1"/>
-              <a:t>analyse</a:t>
+              <a:t>all</a:t>
+            </a:r>
+            <a:r>
+              <a:rPr lang="it-IT" dirty="0"/>
+              <a:t> the </a:t>
+            </a:r>
+            <a:r>
+              <a:rPr lang="it-IT" dirty="0" err="1"/>
+              <a:t>possible</a:t>
             </a:r>
             <a:r>
               <a:rPr lang="it-IT" dirty="0"/>
               <a:t> </a:t>
+            </a:r>
+            <a:r>
+              <a:rPr lang="it-IT" dirty="0" err="1"/>
+              <a:t>combinations</a:t>
+            </a:r>
+            <a:r>
+              <a:rPr lang="it-IT" dirty="0"/>
+              <a:t>. </a:t>
             </a:r>
           </a:p>
         </p:txBody>
       </p:sp>
       <p:pic>
         <p:nvPicPr>
-          <p:cNvPr id="11" name="Immagine 10">
+          <p:cNvPr id="10" name="Immagine 9">
             <a:extLst>
               <a:ext uri="{FF2B5EF4-FFF2-40B4-BE49-F238E27FC236}">
-                <a16:creationId xmlns:a16="http://schemas.microsoft.com/office/drawing/2014/main" id="{F1A4CB47-A50C-25AA-1BE0-48F7D59B9785}"/>
+                <a16:creationId xmlns:a16="http://schemas.microsoft.com/office/drawing/2014/main" id="{3FB51C15-CA2A-D1F2-E01C-D6C1806C5722}"/>
               </a:ext>
             </a:extLst>
           </p:cNvPr>
@@ -15250,168 +16369,20 @@
         </p:blipFill>
         <p:spPr>
           <a:xfrm>
-            <a:off x="3042246" y="4295877"/>
-            <a:ext cx="2081452" cy="1328928"/>
+            <a:off x="9104586" y="3492965"/>
+            <a:ext cx="2862378" cy="1232806"/>
           </a:xfrm>
           <a:prstGeom prst="rect">
             <a:avLst/>
           </a:prstGeom>
         </p:spPr>
       </p:pic>
-      <p:sp>
-        <p:nvSpPr>
-          <p:cNvPr id="12" name="CasellaDiTesto 11">
+      <p:pic>
+        <p:nvPicPr>
+          <p:cNvPr id="14" name="Immagine 13">
             <a:extLst>
               <a:ext uri="{FF2B5EF4-FFF2-40B4-BE49-F238E27FC236}">
-                <a16:creationId xmlns:a16="http://schemas.microsoft.com/office/drawing/2014/main" id="{B0A150CD-5F8C-97CA-9CEC-49F67AD954BC}"/>
-              </a:ext>
-            </a:extLst>
-          </p:cNvPr>
-          <p:cNvSpPr txBox="1"/>
-          <p:nvPr/>
-        </p:nvSpPr>
-        <p:spPr>
-          <a:xfrm>
-            <a:off x="3042246" y="2589492"/>
-            <a:ext cx="5301952" cy="923330"/>
-          </a:xfrm>
-          <a:prstGeom prst="rect">
-            <a:avLst/>
-          </a:prstGeom>
-          <a:noFill/>
-        </p:spPr>
-        <p:txBody>
-          <a:bodyPr wrap="square" rtlCol="0">
-            <a:spAutoFit/>
-          </a:bodyPr>
-          <a:lstStyle/>
-          <a:p>
-            <a:pPr algn="ctr"/>
-            <a:r>
-              <a:rPr lang="it-IT" dirty="0" err="1"/>
-              <a:t>Then</a:t>
-            </a:r>
-            <a:r>
-              <a:rPr lang="it-IT" dirty="0"/>
-              <a:t> </a:t>
-            </a:r>
-            <a:r>
-              <a:rPr lang="it-IT" dirty="0" err="1"/>
-              <a:t>we</a:t>
-            </a:r>
-            <a:r>
-              <a:rPr lang="it-IT" dirty="0"/>
-              <a:t> </a:t>
-            </a:r>
-            <a:r>
-              <a:rPr lang="it-IT" dirty="0" err="1"/>
-              <a:t>performe</a:t>
-            </a:r>
-            <a:r>
-              <a:rPr lang="it-IT" dirty="0"/>
-              <a:t> a </a:t>
-            </a:r>
-            <a:r>
-              <a:rPr lang="it-IT" b="1" dirty="0" err="1"/>
-              <a:t>hierarchical</a:t>
-            </a:r>
-            <a:r>
-              <a:rPr lang="it-IT" b="1" dirty="0"/>
-              <a:t> clustering</a:t>
-            </a:r>
-            <a:r>
-              <a:rPr lang="it-IT" dirty="0"/>
-              <a:t>, </a:t>
-            </a:r>
-            <a:r>
-              <a:rPr lang="it-IT" dirty="0" err="1"/>
-              <a:t>plotting</a:t>
-            </a:r>
-            <a:r>
-              <a:rPr lang="it-IT" dirty="0"/>
-              <a:t> the </a:t>
-            </a:r>
-            <a:r>
-              <a:rPr lang="it-IT" dirty="0" err="1"/>
-              <a:t>dendrogram</a:t>
-            </a:r>
-            <a:r>
-              <a:rPr lang="it-IT" dirty="0"/>
-              <a:t> to determine the </a:t>
-            </a:r>
-            <a:r>
-              <a:rPr lang="it-IT" dirty="0" err="1"/>
-              <a:t>optimal</a:t>
-            </a:r>
-            <a:r>
-              <a:rPr lang="it-IT" dirty="0"/>
-              <a:t> </a:t>
-            </a:r>
-            <a:r>
-              <a:rPr lang="it-IT" dirty="0" err="1"/>
-              <a:t>number</a:t>
-            </a:r>
-            <a:r>
-              <a:rPr lang="it-IT" dirty="0"/>
-              <a:t> of clusters. </a:t>
-            </a:r>
-            <a:r>
-              <a:rPr lang="it-IT" dirty="0" err="1"/>
-              <a:t>Then</a:t>
-            </a:r>
-            <a:r>
-              <a:rPr lang="it-IT" dirty="0"/>
-              <a:t>, </a:t>
-            </a:r>
-            <a:r>
-              <a:rPr lang="it-IT" dirty="0" err="1"/>
-              <a:t>we</a:t>
-            </a:r>
-            <a:r>
-              <a:rPr lang="it-IT" dirty="0"/>
-              <a:t> </a:t>
-            </a:r>
-            <a:r>
-              <a:rPr lang="it-IT" dirty="0" err="1"/>
-              <a:t>cut</a:t>
-            </a:r>
-            <a:r>
-              <a:rPr lang="it-IT" dirty="0"/>
-              <a:t> </a:t>
-            </a:r>
-            <a:r>
-              <a:rPr lang="it-IT" dirty="0" err="1"/>
-              <a:t>at</a:t>
-            </a:r>
-            <a:r>
-              <a:rPr lang="it-IT" dirty="0"/>
-              <a:t> the </a:t>
-            </a:r>
-            <a:r>
-              <a:rPr lang="it-IT" dirty="0" err="1"/>
-              <a:t>desired</a:t>
-            </a:r>
-            <a:r>
-              <a:rPr lang="it-IT" dirty="0"/>
-              <a:t> </a:t>
-            </a:r>
-            <a:r>
-              <a:rPr lang="it-IT" dirty="0" err="1"/>
-              <a:t>number</a:t>
-            </a:r>
-            <a:r>
-              <a:rPr lang="it-IT" dirty="0"/>
-              <a:t>.  </a:t>
-            </a:r>
-          </a:p>
-        </p:txBody>
-      </p:sp>
-      <p:pic>
-        <p:nvPicPr>
-          <p:cNvPr id="16" name="Immagine 15">
-            <a:extLst>
-              <a:ext uri="{FF2B5EF4-FFF2-40B4-BE49-F238E27FC236}">
-                <a16:creationId xmlns:a16="http://schemas.microsoft.com/office/drawing/2014/main" id="{72630ADC-8664-08AE-3FA4-333DA67D8E4C}"/>
+                <a16:creationId xmlns:a16="http://schemas.microsoft.com/office/drawing/2014/main" id="{A87F1A74-0D08-515D-919C-46E0385C07FC}"/>
               </a:ext>
             </a:extLst>
           </p:cNvPr>
@@ -15420,27 +16391,58 @@
           </p:cNvPicPr>
           <p:nvPr/>
         </p:nvPicPr>
-        <p:blipFill rotWithShape="1">
+        <p:blipFill>
           <a:blip r:embed="rId3"/>
-          <a:srcRect t="1021" b="2767"/>
-          <a:stretch/>
+          <a:stretch>
+            <a:fillRect/>
+          </a:stretch>
         </p:blipFill>
         <p:spPr>
           <a:xfrm>
-            <a:off x="6247909" y="4319396"/>
-            <a:ext cx="1927683" cy="1328928"/>
+            <a:off x="9108348" y="2144200"/>
+            <a:ext cx="2854855" cy="1224489"/>
           </a:xfrm>
           <a:prstGeom prst="rect">
             <a:avLst/>
           </a:prstGeom>
         </p:spPr>
       </p:pic>
-      <p:sp>
-        <p:nvSpPr>
-          <p:cNvPr id="17" name="CasellaDiTesto 16">
+      <p:pic>
+        <p:nvPicPr>
+          <p:cNvPr id="21" name="Immagine 20">
             <a:extLst>
               <a:ext uri="{FF2B5EF4-FFF2-40B4-BE49-F238E27FC236}">
-                <a16:creationId xmlns:a16="http://schemas.microsoft.com/office/drawing/2014/main" id="{BF8CFF09-D0BE-FAC4-D9F6-96E69C87F188}"/>
+                <a16:creationId xmlns:a16="http://schemas.microsoft.com/office/drawing/2014/main" id="{44DF4860-FF27-F197-05C9-BCC24DD004B3}"/>
+              </a:ext>
+            </a:extLst>
+          </p:cNvPr>
+          <p:cNvPicPr>
+            <a:picLocks noChangeAspect="1"/>
+          </p:cNvPicPr>
+          <p:nvPr/>
+        </p:nvPicPr>
+        <p:blipFill>
+          <a:blip r:embed="rId4"/>
+          <a:stretch>
+            <a:fillRect/>
+          </a:stretch>
+        </p:blipFill>
+        <p:spPr>
+          <a:xfrm>
+            <a:off x="9108348" y="4959119"/>
+            <a:ext cx="2854855" cy="1286098"/>
+          </a:xfrm>
+          <a:prstGeom prst="rect">
+            <a:avLst/>
+          </a:prstGeom>
+        </p:spPr>
+      </p:pic>
+      <p:sp>
+        <p:nvSpPr>
+          <p:cNvPr id="22" name="CasellaDiTesto 21">
+            <a:extLst>
+              <a:ext uri="{FF2B5EF4-FFF2-40B4-BE49-F238E27FC236}">
+                <a16:creationId xmlns:a16="http://schemas.microsoft.com/office/drawing/2014/main" id="{469FC346-BB89-A76C-755D-4F8F6ADDF63C}"/>
               </a:ext>
             </a:extLst>
           </p:cNvPr>
@@ -15449,8 +16451,8 @@
         </p:nvSpPr>
         <p:spPr>
           <a:xfrm>
-            <a:off x="2960729" y="3643070"/>
-            <a:ext cx="5301952" cy="369332"/>
+            <a:off x="521905" y="2079043"/>
+            <a:ext cx="11267321" cy="369332"/>
           </a:xfrm>
           <a:prstGeom prst="rect">
             <a:avLst/>
@@ -15463,42 +16465,37 @@
           </a:bodyPr>
           <a:lstStyle/>
           <a:p>
-            <a:pPr algn="ctr"/>
             <a:r>
               <a:rPr lang="it-IT" dirty="0" err="1"/>
-              <a:t>We</a:t>
-            </a:r>
-            <a:r>
-              <a:rPr lang="it-IT" dirty="0"/>
-              <a:t> can, </a:t>
+              <a:t>Finally</a:t>
+            </a:r>
+            <a:r>
+              <a:rPr lang="it-IT" dirty="0"/>
+              <a:t>, </a:t>
             </a:r>
             <a:r>
               <a:rPr lang="it-IT" dirty="0" err="1"/>
-              <a:t>then</a:t>
-            </a:r>
-            <a:r>
-              <a:rPr lang="it-IT" dirty="0"/>
-              <a:t>, compare the </a:t>
-            </a:r>
-            <a:r>
-              <a:rPr lang="it-IT" dirty="0" err="1"/>
-              <a:t>two</a:t>
-            </a:r>
-            <a:r>
-              <a:rPr lang="it-IT" dirty="0"/>
-              <a:t> </a:t>
+              <a:t>we</a:t>
+            </a:r>
+            <a:r>
+              <a:rPr lang="it-IT" dirty="0"/>
+              <a:t> plot the </a:t>
+            </a:r>
+            <a:r>
+              <a:rPr lang="it-IT" b="1" dirty="0"/>
+              <a:t>replica </a:t>
+            </a:r>
+            <a:r>
+              <a:rPr lang="it-IT" dirty="0"/>
+              <a:t>and the </a:t>
+            </a:r>
+            <a:r>
+              <a:rPr lang="it-IT" b="1" dirty="0"/>
+              <a:t>Gross </a:t>
             </a:r>
             <a:r>
               <a:rPr lang="it-IT" b="1" dirty="0" err="1"/>
-              <a:t>confusion</a:t>
-            </a:r>
-            <a:r>
-              <a:rPr lang="it-IT" b="1" dirty="0"/>
-              <a:t> </a:t>
-            </a:r>
-            <a:r>
-              <a:rPr lang="it-IT" b="1" dirty="0" err="1"/>
-              <a:t>matrices</a:t>
+              <a:t>exposure</a:t>
             </a:r>
             <a:r>
               <a:rPr lang="it-IT" dirty="0"/>
@@ -15507,280 +16504,100 @@
           </a:p>
         </p:txBody>
       </p:sp>
-      <p:sp>
-        <p:nvSpPr>
-          <p:cNvPr id="18" name="CasellaDiTesto 17">
+      <p:pic>
+        <p:nvPicPr>
+          <p:cNvPr id="1025" name="Picture 1">
             <a:extLst>
               <a:ext uri="{FF2B5EF4-FFF2-40B4-BE49-F238E27FC236}">
-                <a16:creationId xmlns:a16="http://schemas.microsoft.com/office/drawing/2014/main" id="{CDBB96FC-DBE8-CF3E-8BD5-7DE03E03D407}"/>
+                <a16:creationId xmlns:a16="http://schemas.microsoft.com/office/drawing/2014/main" id="{F310B92B-97B9-CC08-51B7-1E0C57AB7B8D}"/>
               </a:ext>
             </a:extLst>
           </p:cNvPr>
-          <p:cNvSpPr txBox="1"/>
+          <p:cNvPicPr>
+            <a:picLocks noChangeAspect="1" noChangeArrowheads="1"/>
+          </p:cNvPicPr>
           <p:nvPr/>
-        </p:nvSpPr>
-        <p:spPr>
+        </p:nvPicPr>
+        <p:blipFill>
+          <a:blip r:embed="rId5">
+            <a:extLst>
+              <a:ext uri="{28A0092B-C50C-407E-A947-70E740481C1C}">
+                <a14:useLocalDpi xmlns:a14="http://schemas.microsoft.com/office/drawing/2010/main" val="0"/>
+              </a:ext>
+            </a:extLst>
+          </a:blip>
+          <a:srcRect/>
+          <a:stretch>
+            <a:fillRect/>
+          </a:stretch>
+        </p:blipFill>
+        <p:spPr bwMode="auto">
           <a:xfrm>
-            <a:off x="2960729" y="5770229"/>
-            <a:ext cx="5214863" cy="369332"/>
+            <a:off x="521905" y="2626096"/>
+            <a:ext cx="4878115" cy="3661186"/>
           </a:xfrm>
           <a:prstGeom prst="rect">
             <a:avLst/>
           </a:prstGeom>
           <a:noFill/>
+          <a:extLst>
+            <a:ext uri="{909E8E84-426E-40DD-AFC4-6F175D3DCCD1}">
+              <a14:hiddenFill xmlns:a14="http://schemas.microsoft.com/office/drawing/2010/main">
+                <a:solidFill>
+                  <a:srgbClr val="FFFFFF"/>
+                </a:solidFill>
+              </a14:hiddenFill>
+            </a:ext>
+          </a:extLst>
         </p:spPr>
-        <p:txBody>
-          <a:bodyPr wrap="square" rtlCol="0">
-            <a:spAutoFit/>
-          </a:bodyPr>
-          <a:lstStyle/>
-          <a:p>
-            <a:r>
-              <a:rPr lang="it-IT" sz="1500" i="1" dirty="0" err="1"/>
-              <a:t>Kmeans</a:t>
-            </a:r>
-            <a:r>
-              <a:rPr lang="it-IT" dirty="0"/>
-              <a:t> </a:t>
-            </a:r>
-          </a:p>
-        </p:txBody>
-      </p:sp>
-      <p:sp>
-        <p:nvSpPr>
-          <p:cNvPr id="19" name="CasellaDiTesto 18">
+      </p:pic>
+      <p:pic>
+        <p:nvPicPr>
+          <p:cNvPr id="1026" name="Picture 2">
             <a:extLst>
               <a:ext uri="{FF2B5EF4-FFF2-40B4-BE49-F238E27FC236}">
-                <a16:creationId xmlns:a16="http://schemas.microsoft.com/office/drawing/2014/main" id="{AA83A6C4-7304-F516-BC25-FDBBCDEFE0FD}"/>
+                <a16:creationId xmlns:a16="http://schemas.microsoft.com/office/drawing/2014/main" id="{72830744-815F-C361-8359-39FC9C4FDEE0}"/>
               </a:ext>
             </a:extLst>
           </p:cNvPr>
-          <p:cNvSpPr txBox="1"/>
+          <p:cNvPicPr>
+            <a:picLocks noChangeAspect="1" noChangeArrowheads="1"/>
+          </p:cNvPicPr>
           <p:nvPr/>
-        </p:nvSpPr>
-        <p:spPr>
+        </p:nvPicPr>
+        <p:blipFill>
+          <a:blip r:embed="rId6">
+            <a:extLst>
+              <a:ext uri="{28A0092B-C50C-407E-A947-70E740481C1C}">
+                <a14:useLocalDpi xmlns:a14="http://schemas.microsoft.com/office/drawing/2010/main" val="0"/>
+              </a:ext>
+            </a:extLst>
+          </a:blip>
+          <a:srcRect/>
+          <a:stretch>
+            <a:fillRect/>
+          </a:stretch>
+        </p:blipFill>
+        <p:spPr bwMode="auto">
           <a:xfrm>
-            <a:off x="6247909" y="5772777"/>
-            <a:ext cx="5214863" cy="369332"/>
+            <a:off x="5501133" y="2617619"/>
+            <a:ext cx="3498579" cy="2625799"/>
           </a:xfrm>
           <a:prstGeom prst="rect">
             <a:avLst/>
           </a:prstGeom>
           <a:noFill/>
+          <a:extLst>
+            <a:ext uri="{909E8E84-426E-40DD-AFC4-6F175D3DCCD1}">
+              <a14:hiddenFill xmlns:a14="http://schemas.microsoft.com/office/drawing/2010/main">
+                <a:solidFill>
+                  <a:srgbClr val="FFFFFF"/>
+                </a:solidFill>
+              </a14:hiddenFill>
+            </a:ext>
+          </a:extLst>
         </p:spPr>
-        <p:txBody>
-          <a:bodyPr wrap="square" rtlCol="0">
-            <a:spAutoFit/>
-          </a:bodyPr>
-          <a:lstStyle/>
-          <a:p>
-            <a:r>
-              <a:rPr lang="it-IT" sz="1500" i="1" dirty="0" err="1"/>
-              <a:t>Hierarchical</a:t>
-            </a:r>
-            <a:r>
-              <a:rPr lang="it-IT" sz="1500" i="1" dirty="0"/>
-              <a:t> clustering</a:t>
-            </a:r>
-            <a:r>
-              <a:rPr lang="it-IT" dirty="0"/>
-              <a:t> </a:t>
-            </a:r>
-          </a:p>
-        </p:txBody>
-      </p:sp>
-      <p:sp>
-        <p:nvSpPr>
-          <p:cNvPr id="20" name="CasellaDiTesto 19">
-            <a:extLst>
-              <a:ext uri="{FF2B5EF4-FFF2-40B4-BE49-F238E27FC236}">
-                <a16:creationId xmlns:a16="http://schemas.microsoft.com/office/drawing/2014/main" id="{50C2C565-50C6-50B2-75BD-F1E581D18233}"/>
-              </a:ext>
-            </a:extLst>
-          </p:cNvPr>
-          <p:cNvSpPr txBox="1"/>
-          <p:nvPr/>
-        </p:nvSpPr>
-        <p:spPr>
-          <a:xfrm>
-            <a:off x="1" y="6478565"/>
-            <a:ext cx="12192000" cy="923330"/>
-          </a:xfrm>
-          <a:prstGeom prst="rect">
-            <a:avLst/>
-          </a:prstGeom>
-          <a:solidFill>
-            <a:schemeClr val="bg1">
-              <a:lumMod val="50000"/>
-              <a:lumOff val="50000"/>
-            </a:schemeClr>
-          </a:solidFill>
-        </p:spPr>
-        <p:txBody>
-          <a:bodyPr wrap="square">
-            <a:spAutoFit/>
-          </a:bodyPr>
-          <a:lstStyle/>
-          <a:p>
-            <a:pPr rtl="0">
-              <a:spcBef>
-                <a:spcPts val="0"/>
-              </a:spcBef>
-              <a:spcAft>
-                <a:spcPts val="0"/>
-              </a:spcAft>
-            </a:pPr>
-            <a:r>
-              <a:rPr lang="en-US" sz="1800" b="0" i="0" u="none" strike="noStrike" dirty="0">
-                <a:solidFill>
-                  <a:schemeClr val="bg2">
-                    <a:lumMod val="10000"/>
-                    <a:lumOff val="90000"/>
-                  </a:schemeClr>
-                </a:solidFill>
-                <a:effectLst/>
-                <a:latin typeface="Helvetica Neue"/>
-              </a:rPr>
-              <a:t>Early Warning Systems                                                                                                                              FINTECH BC 3</a:t>
-            </a:r>
-            <a:endParaRPr lang="en-US" b="0" dirty="0">
-              <a:solidFill>
-                <a:schemeClr val="bg2">
-                  <a:lumMod val="10000"/>
-                  <a:lumOff val="90000"/>
-                </a:schemeClr>
-              </a:solidFill>
-              <a:effectLst/>
-            </a:endParaRPr>
-          </a:p>
-          <a:p>
-            <a:br>
-              <a:rPr lang="en-US" dirty="0"/>
-            </a:br>
-            <a:endParaRPr lang="it-IT" dirty="0"/>
-          </a:p>
-        </p:txBody>
-      </p:sp>
-      <p:sp>
-        <p:nvSpPr>
-          <p:cNvPr id="9" name="CasellaDiTesto 8">
-            <a:extLst>
-              <a:ext uri="{FF2B5EF4-FFF2-40B4-BE49-F238E27FC236}">
-                <a16:creationId xmlns:a16="http://schemas.microsoft.com/office/drawing/2014/main" id="{FB8CB778-A118-BFDF-650E-693B25C1E2DE}"/>
-              </a:ext>
-            </a:extLst>
-          </p:cNvPr>
-          <p:cNvSpPr txBox="1"/>
-          <p:nvPr/>
-        </p:nvSpPr>
-        <p:spPr>
-          <a:xfrm>
-            <a:off x="3172880" y="1516569"/>
-            <a:ext cx="5214863" cy="923330"/>
-          </a:xfrm>
-          <a:prstGeom prst="rect">
-            <a:avLst/>
-          </a:prstGeom>
-          <a:noFill/>
-        </p:spPr>
-        <p:txBody>
-          <a:bodyPr wrap="square" rtlCol="0">
-            <a:spAutoFit/>
-          </a:bodyPr>
-          <a:lstStyle/>
-          <a:p>
-            <a:pPr algn="ctr"/>
-            <a:r>
-              <a:rPr lang="it-IT" dirty="0" err="1"/>
-              <a:t>We</a:t>
-            </a:r>
-            <a:r>
-              <a:rPr lang="it-IT" dirty="0"/>
-              <a:t> </a:t>
-            </a:r>
-            <a:r>
-              <a:rPr lang="it-IT" dirty="0" err="1"/>
-              <a:t>initialize</a:t>
-            </a:r>
-            <a:r>
-              <a:rPr lang="it-IT" dirty="0"/>
-              <a:t> the </a:t>
-            </a:r>
-            <a:r>
-              <a:rPr lang="it-IT" b="1" dirty="0" err="1"/>
-              <a:t>Kmeans</a:t>
-            </a:r>
-            <a:r>
-              <a:rPr lang="it-IT" dirty="0"/>
-              <a:t> </a:t>
-            </a:r>
-            <a:r>
-              <a:rPr lang="it-IT" dirty="0" err="1"/>
-              <a:t>objects</a:t>
-            </a:r>
-            <a:r>
-              <a:rPr lang="it-IT" dirty="0"/>
-              <a:t> for </a:t>
-            </a:r>
-            <a:r>
-              <a:rPr lang="it-IT" dirty="0" err="1"/>
-              <a:t>two</a:t>
-            </a:r>
-            <a:r>
-              <a:rPr lang="it-IT" dirty="0"/>
-              <a:t> clusters and </a:t>
-            </a:r>
-            <a:r>
-              <a:rPr lang="it-IT" dirty="0" err="1"/>
-              <a:t>fit</a:t>
-            </a:r>
-            <a:r>
-              <a:rPr lang="it-IT" dirty="0"/>
-              <a:t> to the </a:t>
-            </a:r>
-            <a:r>
-              <a:rPr lang="it-IT" dirty="0" err="1"/>
-              <a:t>selected</a:t>
-            </a:r>
-            <a:r>
-              <a:rPr lang="it-IT" dirty="0"/>
-              <a:t> </a:t>
-            </a:r>
-            <a:r>
-              <a:rPr lang="it-IT" dirty="0" err="1"/>
-              <a:t>variables</a:t>
-            </a:r>
-            <a:r>
-              <a:rPr lang="it-IT" dirty="0"/>
-              <a:t> </a:t>
-            </a:r>
-            <a:r>
-              <a:rPr lang="it-IT" dirty="0" err="1"/>
-              <a:t>obtaining</a:t>
-            </a:r>
-            <a:r>
-              <a:rPr lang="it-IT" dirty="0"/>
-              <a:t> the labels and the following </a:t>
-            </a:r>
-            <a:r>
-              <a:rPr lang="it-IT" dirty="0" err="1"/>
-              <a:t>confusion</a:t>
-            </a:r>
-            <a:r>
-              <a:rPr lang="it-IT" dirty="0"/>
-              <a:t> </a:t>
-            </a:r>
-            <a:r>
-              <a:rPr lang="it-IT" dirty="0" err="1"/>
-              <a:t>matrix</a:t>
-            </a:r>
-            <a:r>
-              <a:rPr lang="it-IT" dirty="0"/>
-              <a:t> </a:t>
-            </a:r>
-          </a:p>
-        </p:txBody>
-      </p:sp>
+      </p:pic>
     </p:spTree>
     <p:extLst>
       <p:ext uri="{BB962C8B-B14F-4D97-AF65-F5344CB8AC3E}">

--- a/BC4/Bozza.pptx
+++ b/BC4/Bozza.pptx
@@ -5,7 +5,7 @@
     <p:sldMasterId id="2147483708" r:id="rId1"/>
   </p:sldMasterIdLst>
   <p:notesMasterIdLst>
-    <p:notesMasterId r:id="rId15"/>
+    <p:notesMasterId r:id="rId13"/>
   </p:notesMasterIdLst>
   <p:sldIdLst>
     <p:sldId id="270" r:id="rId2"/>
@@ -18,9 +18,7 @@
     <p:sldId id="264" r:id="rId9"/>
     <p:sldId id="269" r:id="rId10"/>
     <p:sldId id="263" r:id="rId11"/>
-    <p:sldId id="266" r:id="rId12"/>
-    <p:sldId id="268" r:id="rId13"/>
-    <p:sldId id="267" r:id="rId14"/>
+    <p:sldId id="272" r:id="rId12"/>
   </p:sldIdLst>
   <p:sldSz cx="12192000" cy="6858000"/>
   <p:notesSz cx="6858000" cy="9144000"/>
@@ -141,7 +139,7 @@
 <file path=ppt/revisionInfo.xml><?xml version="1.0" encoding="utf-8"?>
 <p1510:revInfo xmlns:a="http://schemas.openxmlformats.org/drawingml/2006/main" xmlns:r="http://schemas.openxmlformats.org/officeDocument/2006/relationships" xmlns:p1510="http://schemas.microsoft.com/office/powerpoint/2015/10/main">
   <p1510:revLst>
-    <p1510:client id="{4125BB07-7A97-4DBD-B9BA-5E2E9DB34A7C}" v="146" dt="2023-05-06T22:57:23.984"/>
+    <p1510:client id="{4125BB07-7A97-4DBD-B9BA-5E2E9DB34A7C}" v="199" dt="2023-05-07T20:04:02.326"/>
   </p1510:revLst>
 </p1510:revInfo>
 </file>
@@ -898,12 +896,12 @@
   <pc:docChgLst>
     <pc:chgData name="Irene Ferrari" userId="e569343e5e44b43c" providerId="LiveId" clId="{4125BB07-7A97-4DBD-B9BA-5E2E9DB34A7C}"/>
     <pc:docChg chg="undo custSel addSld delSld modSld">
-      <pc:chgData name="Irene Ferrari" userId="e569343e5e44b43c" providerId="LiveId" clId="{4125BB07-7A97-4DBD-B9BA-5E2E9DB34A7C}" dt="2023-05-06T22:57:23.984" v="4335" actId="1076"/>
+      <pc:chgData name="Irene Ferrari" userId="e569343e5e44b43c" providerId="LiveId" clId="{4125BB07-7A97-4DBD-B9BA-5E2E9DB34A7C}" dt="2023-05-07T20:08:22.578" v="6470" actId="20577"/>
       <pc:docMkLst>
         <pc:docMk/>
       </pc:docMkLst>
       <pc:sldChg chg="addSp delSp modSp mod">
-        <pc:chgData name="Irene Ferrari" userId="e569343e5e44b43c" providerId="LiveId" clId="{4125BB07-7A97-4DBD-B9BA-5E2E9DB34A7C}" dt="2023-05-05T18:15:51.375" v="940" actId="20577"/>
+        <pc:chgData name="Irene Ferrari" userId="e569343e5e44b43c" providerId="LiveId" clId="{4125BB07-7A97-4DBD-B9BA-5E2E9DB34A7C}" dt="2023-05-07T19:14:03.745" v="4336" actId="1076"/>
         <pc:sldMkLst>
           <pc:docMk/>
           <pc:sldMk cId="3319355184" sldId="257"/>
@@ -941,7 +939,7 @@
           </ac:spMkLst>
         </pc:spChg>
         <pc:spChg chg="mod">
-          <ac:chgData name="Irene Ferrari" userId="e569343e5e44b43c" providerId="LiveId" clId="{4125BB07-7A97-4DBD-B9BA-5E2E9DB34A7C}" dt="2023-05-05T18:15:09.910" v="862" actId="20577"/>
+          <ac:chgData name="Irene Ferrari" userId="e569343e5e44b43c" providerId="LiveId" clId="{4125BB07-7A97-4DBD-B9BA-5E2E9DB34A7C}" dt="2023-05-07T19:14:03.745" v="4336" actId="1076"/>
           <ac:spMkLst>
             <pc:docMk/>
             <pc:sldMk cId="3319355184" sldId="257"/>
@@ -966,7 +964,7 @@
         </pc:picChg>
       </pc:sldChg>
       <pc:sldChg chg="addSp delSp modSp mod">
-        <pc:chgData name="Irene Ferrari" userId="e569343e5e44b43c" providerId="LiveId" clId="{4125BB07-7A97-4DBD-B9BA-5E2E9DB34A7C}" dt="2023-05-05T18:19:01.961" v="1173" actId="20577"/>
+        <pc:chgData name="Irene Ferrari" userId="e569343e5e44b43c" providerId="LiveId" clId="{4125BB07-7A97-4DBD-B9BA-5E2E9DB34A7C}" dt="2023-05-07T20:08:22.578" v="6470" actId="20577"/>
         <pc:sldMkLst>
           <pc:docMk/>
           <pc:sldMk cId="83021580" sldId="259"/>
@@ -988,7 +986,7 @@
           </ac:spMkLst>
         </pc:spChg>
         <pc:spChg chg="mod">
-          <ac:chgData name="Irene Ferrari" userId="e569343e5e44b43c" providerId="LiveId" clId="{4125BB07-7A97-4DBD-B9BA-5E2E9DB34A7C}" dt="2023-05-05T18:19:01.961" v="1173" actId="20577"/>
+          <ac:chgData name="Irene Ferrari" userId="e569343e5e44b43c" providerId="LiveId" clId="{4125BB07-7A97-4DBD-B9BA-5E2E9DB34A7C}" dt="2023-05-07T20:08:22.578" v="6470" actId="20577"/>
           <ac:spMkLst>
             <pc:docMk/>
             <pc:sldMk cId="83021580" sldId="259"/>
@@ -1306,6 +1304,101 @@
         </pc:picChg>
       </pc:sldChg>
       <pc:sldChg chg="addSp delSp modSp mod">
+        <pc:chgData name="Irene Ferrari" userId="e569343e5e44b43c" providerId="LiveId" clId="{4125BB07-7A97-4DBD-B9BA-5E2E9DB34A7C}" dt="2023-05-07T20:01:17.502" v="6059" actId="1076"/>
+        <pc:sldMkLst>
+          <pc:docMk/>
+          <pc:sldMk cId="2868176127" sldId="263"/>
+        </pc:sldMkLst>
+        <pc:spChg chg="add mod">
+          <ac:chgData name="Irene Ferrari" userId="e569343e5e44b43c" providerId="LiveId" clId="{4125BB07-7A97-4DBD-B9BA-5E2E9DB34A7C}" dt="2023-05-07T19:58:13.595" v="5941"/>
+          <ac:spMkLst>
+            <pc:docMk/>
+            <pc:sldMk cId="2868176127" sldId="263"/>
+            <ac:spMk id="3" creationId="{97C9859D-8E0F-8354-6C46-15151BD4AD1C}"/>
+          </ac:spMkLst>
+        </pc:spChg>
+        <pc:spChg chg="mod">
+          <ac:chgData name="Irene Ferrari" userId="e569343e5e44b43c" providerId="LiveId" clId="{4125BB07-7A97-4DBD-B9BA-5E2E9DB34A7C}" dt="2023-05-07T19:58:46.095" v="5966" actId="1076"/>
+          <ac:spMkLst>
+            <pc:docMk/>
+            <pc:sldMk cId="2868176127" sldId="263"/>
+            <ac:spMk id="4" creationId="{09CB4979-2A38-56F3-C822-CFD797127610}"/>
+          </ac:spMkLst>
+        </pc:spChg>
+        <pc:spChg chg="add mod">
+          <ac:chgData name="Irene Ferrari" userId="e569343e5e44b43c" providerId="LiveId" clId="{4125BB07-7A97-4DBD-B9BA-5E2E9DB34A7C}" dt="2023-05-07T20:00:01.067" v="6025" actId="20577"/>
+          <ac:spMkLst>
+            <pc:docMk/>
+            <pc:sldMk cId="2868176127" sldId="263"/>
+            <ac:spMk id="5" creationId="{C67A231A-7611-2BAD-18D0-8F444978EA31}"/>
+          </ac:spMkLst>
+        </pc:spChg>
+        <pc:spChg chg="del mod">
+          <ac:chgData name="Irene Ferrari" userId="e569343e5e44b43c" providerId="LiveId" clId="{4125BB07-7A97-4DBD-B9BA-5E2E9DB34A7C}" dt="2023-05-07T20:00:12.719" v="6031"/>
+          <ac:spMkLst>
+            <pc:docMk/>
+            <pc:sldMk cId="2868176127" sldId="263"/>
+            <ac:spMk id="9" creationId="{9282EFA2-D4D7-CE5E-D3E2-9B6C713C4932}"/>
+          </ac:spMkLst>
+        </pc:spChg>
+        <pc:spChg chg="mod">
+          <ac:chgData name="Irene Ferrari" userId="e569343e5e44b43c" providerId="LiveId" clId="{4125BB07-7A97-4DBD-B9BA-5E2E9DB34A7C}" dt="2023-05-07T20:00:43.490" v="6045" actId="1076"/>
+          <ac:spMkLst>
+            <pc:docMk/>
+            <pc:sldMk cId="2868176127" sldId="263"/>
+            <ac:spMk id="11" creationId="{BF581973-3EF2-4A17-3A8D-1F5420578A44}"/>
+          </ac:spMkLst>
+        </pc:spChg>
+        <pc:spChg chg="mod">
+          <ac:chgData name="Irene Ferrari" userId="e569343e5e44b43c" providerId="LiveId" clId="{4125BB07-7A97-4DBD-B9BA-5E2E9DB34A7C}" dt="2023-05-07T20:01:17.502" v="6059" actId="1076"/>
+          <ac:spMkLst>
+            <pc:docMk/>
+            <pc:sldMk cId="2868176127" sldId="263"/>
+            <ac:spMk id="13" creationId="{80BC8176-2BDC-43F3-B487-8DB1BD96A116}"/>
+          </ac:spMkLst>
+        </pc:spChg>
+        <pc:spChg chg="del">
+          <ac:chgData name="Irene Ferrari" userId="e569343e5e44b43c" providerId="LiveId" clId="{4125BB07-7A97-4DBD-B9BA-5E2E9DB34A7C}" dt="2023-05-07T20:00:47.147" v="6046" actId="21"/>
+          <ac:spMkLst>
+            <pc:docMk/>
+            <pc:sldMk cId="2868176127" sldId="263"/>
+            <ac:spMk id="15" creationId="{A1E13B3F-D020-F02B-475D-5F83BC6B3254}"/>
+          </ac:spMkLst>
+        </pc:spChg>
+        <pc:picChg chg="del">
+          <ac:chgData name="Irene Ferrari" userId="e569343e5e44b43c" providerId="LiveId" clId="{4125BB07-7A97-4DBD-B9BA-5E2E9DB34A7C}" dt="2023-05-07T20:00:14.922" v="6032" actId="21"/>
+          <ac:picMkLst>
+            <pc:docMk/>
+            <pc:sldMk cId="2868176127" sldId="263"/>
+            <ac:picMk id="19" creationId="{C4E8A65B-117F-3EAB-5B94-817308D40317}"/>
+          </ac:picMkLst>
+        </pc:picChg>
+        <pc:picChg chg="del">
+          <ac:chgData name="Irene Ferrari" userId="e569343e5e44b43c" providerId="LiveId" clId="{4125BB07-7A97-4DBD-B9BA-5E2E9DB34A7C}" dt="2023-05-07T20:00:16.334" v="6033" actId="21"/>
+          <ac:picMkLst>
+            <pc:docMk/>
+            <pc:sldMk cId="2868176127" sldId="263"/>
+            <ac:picMk id="21" creationId="{0EB64993-9A1D-7630-85C1-E7D4E0322E86}"/>
+          </ac:picMkLst>
+        </pc:picChg>
+        <pc:picChg chg="add mod">
+          <ac:chgData name="Irene Ferrari" userId="e569343e5e44b43c" providerId="LiveId" clId="{4125BB07-7A97-4DBD-B9BA-5E2E9DB34A7C}" dt="2023-05-07T20:00:40.989" v="6044" actId="1076"/>
+          <ac:picMkLst>
+            <pc:docMk/>
+            <pc:sldMk cId="2868176127" sldId="263"/>
+            <ac:picMk id="2049" creationId="{7CE5C6CE-F76D-DFD6-0EC8-9E645BC4BF67}"/>
+          </ac:picMkLst>
+        </pc:picChg>
+        <pc:picChg chg="add mod">
+          <ac:chgData name="Irene Ferrari" userId="e569343e5e44b43c" providerId="LiveId" clId="{4125BB07-7A97-4DBD-B9BA-5E2E9DB34A7C}" dt="2023-05-07T20:00:59.610" v="6048" actId="1076"/>
+          <ac:picMkLst>
+            <pc:docMk/>
+            <pc:sldMk cId="2868176127" sldId="263"/>
+            <ac:picMk id="2050" creationId="{93F81319-2B2E-4832-0D18-E512100F581B}"/>
+          </ac:picMkLst>
+        </pc:picChg>
+      </pc:sldChg>
+      <pc:sldChg chg="addSp delSp modSp mod">
         <pc:chgData name="Irene Ferrari" userId="e569343e5e44b43c" providerId="LiveId" clId="{4125BB07-7A97-4DBD-B9BA-5E2E9DB34A7C}" dt="2023-05-06T22:57:23.984" v="4335" actId="1076"/>
         <pc:sldMkLst>
           <pc:docMk/>
@@ -1453,6 +1546,162 @@
             <pc:docMk/>
             <pc:sldMk cId="3460718081" sldId="264"/>
             <ac:picMk id="1026" creationId="{72830744-815F-C361-8359-39FC9C4FDEE0}"/>
+          </ac:picMkLst>
+        </pc:picChg>
+      </pc:sldChg>
+      <pc:sldChg chg="addSp delSp modSp del mod">
+        <pc:chgData name="Irene Ferrari" userId="e569343e5e44b43c" providerId="LiveId" clId="{4125BB07-7A97-4DBD-B9BA-5E2E9DB34A7C}" dt="2023-05-07T20:02:00.087" v="6068" actId="2696"/>
+        <pc:sldMkLst>
+          <pc:docMk/>
+          <pc:sldMk cId="1801023679" sldId="266"/>
+        </pc:sldMkLst>
+        <pc:spChg chg="del">
+          <ac:chgData name="Irene Ferrari" userId="e569343e5e44b43c" providerId="LiveId" clId="{4125BB07-7A97-4DBD-B9BA-5E2E9DB34A7C}" dt="2023-05-07T20:01:48.348" v="6066" actId="21"/>
+          <ac:spMkLst>
+            <pc:docMk/>
+            <pc:sldMk cId="1801023679" sldId="266"/>
+            <ac:spMk id="4" creationId="{1AB7608D-6631-BA67-34F7-CC2590F757ED}"/>
+          </ac:spMkLst>
+        </pc:spChg>
+        <pc:spChg chg="add mod">
+          <ac:chgData name="Irene Ferrari" userId="e569343e5e44b43c" providerId="LiveId" clId="{4125BB07-7A97-4DBD-B9BA-5E2E9DB34A7C}" dt="2023-05-07T20:01:40.009" v="6062"/>
+          <ac:spMkLst>
+            <pc:docMk/>
+            <pc:sldMk cId="1801023679" sldId="266"/>
+            <ac:spMk id="5" creationId="{A07DDD85-2AE1-2B1E-EEEA-D096F931E336}"/>
+          </ac:spMkLst>
+        </pc:spChg>
+        <pc:picChg chg="del">
+          <ac:chgData name="Irene Ferrari" userId="e569343e5e44b43c" providerId="LiveId" clId="{4125BB07-7A97-4DBD-B9BA-5E2E9DB34A7C}" dt="2023-05-07T20:01:41.897" v="6063" actId="21"/>
+          <ac:picMkLst>
+            <pc:docMk/>
+            <pc:sldMk cId="1801023679" sldId="266"/>
+            <ac:picMk id="55" creationId="{19EB1030-11EA-1CE7-0599-14FD9F4116CC}"/>
+          </ac:picMkLst>
+        </pc:picChg>
+        <pc:picChg chg="del">
+          <ac:chgData name="Irene Ferrari" userId="e569343e5e44b43c" providerId="LiveId" clId="{4125BB07-7A97-4DBD-B9BA-5E2E9DB34A7C}" dt="2023-05-07T20:01:44.713" v="6065" actId="21"/>
+          <ac:picMkLst>
+            <pc:docMk/>
+            <pc:sldMk cId="1801023679" sldId="266"/>
+            <ac:picMk id="78" creationId="{3A0A0132-A69B-80F3-2C26-6D809107366C}"/>
+          </ac:picMkLst>
+        </pc:picChg>
+        <pc:picChg chg="del">
+          <ac:chgData name="Irene Ferrari" userId="e569343e5e44b43c" providerId="LiveId" clId="{4125BB07-7A97-4DBD-B9BA-5E2E9DB34A7C}" dt="2023-05-07T20:01:43.320" v="6064" actId="21"/>
+          <ac:picMkLst>
+            <pc:docMk/>
+            <pc:sldMk cId="1801023679" sldId="266"/>
+            <ac:picMk id="79" creationId="{3F8CC613-0E9E-95F5-E770-40305408B1D4}"/>
+          </ac:picMkLst>
+        </pc:picChg>
+      </pc:sldChg>
+      <pc:sldChg chg="del">
+        <pc:chgData name="Irene Ferrari" userId="e569343e5e44b43c" providerId="LiveId" clId="{4125BB07-7A97-4DBD-B9BA-5E2E9DB34A7C}" dt="2023-05-07T20:01:32.704" v="6061" actId="2696"/>
+        <pc:sldMkLst>
+          <pc:docMk/>
+          <pc:sldMk cId="2513982676" sldId="267"/>
+        </pc:sldMkLst>
+      </pc:sldChg>
+      <pc:sldChg chg="del">
+        <pc:chgData name="Irene Ferrari" userId="e569343e5e44b43c" providerId="LiveId" clId="{4125BB07-7A97-4DBD-B9BA-5E2E9DB34A7C}" dt="2023-05-07T20:01:30.870" v="6060" actId="2696"/>
+        <pc:sldMkLst>
+          <pc:docMk/>
+          <pc:sldMk cId="3368148799" sldId="268"/>
+        </pc:sldMkLst>
+      </pc:sldChg>
+      <pc:sldChg chg="addSp delSp modSp mod">
+        <pc:chgData name="Irene Ferrari" userId="e569343e5e44b43c" providerId="LiveId" clId="{4125BB07-7A97-4DBD-B9BA-5E2E9DB34A7C}" dt="2023-05-07T19:56:52.951" v="5940" actId="1076"/>
+        <pc:sldMkLst>
+          <pc:docMk/>
+          <pc:sldMk cId="2075369970" sldId="269"/>
+        </pc:sldMkLst>
+        <pc:spChg chg="mod">
+          <ac:chgData name="Irene Ferrari" userId="e569343e5e44b43c" providerId="LiveId" clId="{4125BB07-7A97-4DBD-B9BA-5E2E9DB34A7C}" dt="2023-05-07T19:56:43.032" v="5937" actId="1076"/>
+          <ac:spMkLst>
+            <pc:docMk/>
+            <pc:sldMk cId="2075369970" sldId="269"/>
+            <ac:spMk id="3" creationId="{CB7239C8-21FD-8891-4A52-AAF8CA1876B9}"/>
+          </ac:spMkLst>
+        </pc:spChg>
+        <pc:spChg chg="mod">
+          <ac:chgData name="Irene Ferrari" userId="e569343e5e44b43c" providerId="LiveId" clId="{4125BB07-7A97-4DBD-B9BA-5E2E9DB34A7C}" dt="2023-05-07T19:21:41.861" v="4444" actId="1076"/>
+          <ac:spMkLst>
+            <pc:docMk/>
+            <pc:sldMk cId="2075369970" sldId="269"/>
+            <ac:spMk id="4" creationId="{3C165F69-5648-58AA-5CFE-7FA9858EAD5F}"/>
+          </ac:spMkLst>
+        </pc:spChg>
+        <pc:spChg chg="add mod">
+          <ac:chgData name="Irene Ferrari" userId="e569343e5e44b43c" providerId="LiveId" clId="{4125BB07-7A97-4DBD-B9BA-5E2E9DB34A7C}" dt="2023-05-07T19:14:24.116" v="4337"/>
+          <ac:spMkLst>
+            <pc:docMk/>
+            <pc:sldMk cId="2075369970" sldId="269"/>
+            <ac:spMk id="5" creationId="{865EE0EE-F0FA-2CD1-7442-4229CF26C831}"/>
+          </ac:spMkLst>
+        </pc:spChg>
+        <pc:spChg chg="del">
+          <ac:chgData name="Irene Ferrari" userId="e569343e5e44b43c" providerId="LiveId" clId="{4125BB07-7A97-4DBD-B9BA-5E2E9DB34A7C}" dt="2023-05-07T19:25:58.420" v="4799" actId="21"/>
+          <ac:spMkLst>
+            <pc:docMk/>
+            <pc:sldMk cId="2075369970" sldId="269"/>
+            <ac:spMk id="7" creationId="{580E4318-819C-6018-8944-58F25E5A9559}"/>
+          </ac:spMkLst>
+        </pc:spChg>
+        <pc:spChg chg="add mod">
+          <ac:chgData name="Irene Ferrari" userId="e569343e5e44b43c" providerId="LiveId" clId="{4125BB07-7A97-4DBD-B9BA-5E2E9DB34A7C}" dt="2023-05-07T19:21:39.845" v="4443" actId="1076"/>
+          <ac:spMkLst>
+            <pc:docMk/>
+            <pc:sldMk cId="2075369970" sldId="269"/>
+            <ac:spMk id="8" creationId="{E03DD775-CD37-913D-CC07-1979B27BD591}"/>
+          </ac:spMkLst>
+        </pc:spChg>
+        <pc:spChg chg="add mod">
+          <ac:chgData name="Irene Ferrari" userId="e569343e5e44b43c" providerId="LiveId" clId="{4125BB07-7A97-4DBD-B9BA-5E2E9DB34A7C}" dt="2023-05-07T19:56:34.088" v="5935" actId="1076"/>
+          <ac:spMkLst>
+            <pc:docMk/>
+            <pc:sldMk cId="2075369970" sldId="269"/>
+            <ac:spMk id="9" creationId="{B3DA23F8-572F-B1A2-C532-6B7B34F96AEF}"/>
+          </ac:spMkLst>
+        </pc:spChg>
+        <pc:spChg chg="add mod">
+          <ac:chgData name="Irene Ferrari" userId="e569343e5e44b43c" providerId="LiveId" clId="{4125BB07-7A97-4DBD-B9BA-5E2E9DB34A7C}" dt="2023-05-07T19:56:45.449" v="5938" actId="1076"/>
+          <ac:spMkLst>
+            <pc:docMk/>
+            <pc:sldMk cId="2075369970" sldId="269"/>
+            <ac:spMk id="10" creationId="{BE4816E7-1300-BC88-1013-08CC14486BA9}"/>
+          </ac:spMkLst>
+        </pc:spChg>
+        <pc:spChg chg="mod">
+          <ac:chgData name="Irene Ferrari" userId="e569343e5e44b43c" providerId="LiveId" clId="{4125BB07-7A97-4DBD-B9BA-5E2E9DB34A7C}" dt="2023-05-07T19:56:40.978" v="5936" actId="1076"/>
+          <ac:spMkLst>
+            <pc:docMk/>
+            <pc:sldMk cId="2075369970" sldId="269"/>
+            <ac:spMk id="12" creationId="{02B033E7-5BB9-329A-5D9F-A2504E7520E7}"/>
+          </ac:spMkLst>
+        </pc:spChg>
+        <pc:picChg chg="del">
+          <ac:chgData name="Irene Ferrari" userId="e569343e5e44b43c" providerId="LiveId" clId="{4125BB07-7A97-4DBD-B9BA-5E2E9DB34A7C}" dt="2023-05-07T19:25:55.445" v="4798" actId="21"/>
+          <ac:picMkLst>
+            <pc:docMk/>
+            <pc:sldMk cId="2075369970" sldId="269"/>
+            <ac:picMk id="6" creationId="{5655CEC4-6696-8D50-9E83-23B3FAA7238E}"/>
+          </ac:picMkLst>
+        </pc:picChg>
+        <pc:picChg chg="add mod">
+          <ac:chgData name="Irene Ferrari" userId="e569343e5e44b43c" providerId="LiveId" clId="{4125BB07-7A97-4DBD-B9BA-5E2E9DB34A7C}" dt="2023-05-07T19:56:52.951" v="5940" actId="1076"/>
+          <ac:picMkLst>
+            <pc:docMk/>
+            <pc:sldMk cId="2075369970" sldId="269"/>
+            <ac:picMk id="1025" creationId="{E66474BF-A284-F4E3-ED0E-CAD9DE56A547}"/>
+          </ac:picMkLst>
+        </pc:picChg>
+        <pc:picChg chg="add mod">
+          <ac:chgData name="Irene Ferrari" userId="e569343e5e44b43c" providerId="LiveId" clId="{4125BB07-7A97-4DBD-B9BA-5E2E9DB34A7C}" dt="2023-05-07T19:56:49.321" v="5939" actId="1076"/>
+          <ac:picMkLst>
+            <pc:docMk/>
+            <pc:sldMk cId="2075369970" sldId="269"/>
+            <ac:picMk id="1026" creationId="{80AFDCFF-0DCB-5B72-A984-59E3B55821C1}"/>
           </ac:picMkLst>
         </pc:picChg>
       </pc:sldChg>
@@ -1611,6 +1860,77 @@
             <ac:spMk id="2" creationId="{8847787C-E5FC-0593-18CF-F1E5A8450CC8}"/>
           </ac:spMkLst>
         </pc:spChg>
+      </pc:sldChg>
+      <pc:sldChg chg="addSp delSp modSp add mod">
+        <pc:chgData name="Irene Ferrari" userId="e569343e5e44b43c" providerId="LiveId" clId="{4125BB07-7A97-4DBD-B9BA-5E2E9DB34A7C}" dt="2023-05-07T20:07:07.275" v="6419" actId="20577"/>
+        <pc:sldMkLst>
+          <pc:docMk/>
+          <pc:sldMk cId="3553670490" sldId="272"/>
+        </pc:sldMkLst>
+        <pc:spChg chg="add del mod">
+          <ac:chgData name="Irene Ferrari" userId="e569343e5e44b43c" providerId="LiveId" clId="{4125BB07-7A97-4DBD-B9BA-5E2E9DB34A7C}" dt="2023-05-07T20:03:19.421" v="6082" actId="21"/>
+          <ac:spMkLst>
+            <pc:docMk/>
+            <pc:sldMk cId="3553670490" sldId="272"/>
+            <ac:spMk id="7" creationId="{118D630C-C2C1-FD0C-E394-40A5E15FF011}"/>
+          </ac:spMkLst>
+        </pc:spChg>
+        <pc:spChg chg="add mod">
+          <ac:chgData name="Irene Ferrari" userId="e569343e5e44b43c" providerId="LiveId" clId="{4125BB07-7A97-4DBD-B9BA-5E2E9DB34A7C}" dt="2023-05-07T20:07:07.275" v="6419" actId="20577"/>
+          <ac:spMkLst>
+            <pc:docMk/>
+            <pc:sldMk cId="3553670490" sldId="272"/>
+            <ac:spMk id="10" creationId="{797B4D63-DD97-78B5-0FC9-1742AD9D32B4}"/>
+          </ac:spMkLst>
+        </pc:spChg>
+        <pc:spChg chg="mod">
+          <ac:chgData name="Irene Ferrari" userId="e569343e5e44b43c" providerId="LiveId" clId="{4125BB07-7A97-4DBD-B9BA-5E2E9DB34A7C}" dt="2023-05-07T20:02:52.154" v="6077" actId="14100"/>
+          <ac:spMkLst>
+            <pc:docMk/>
+            <pc:sldMk cId="3553670490" sldId="272"/>
+            <ac:spMk id="11" creationId="{BF581973-3EF2-4A17-3A8D-1F5420578A44}"/>
+          </ac:spMkLst>
+        </pc:spChg>
+        <pc:spChg chg="del">
+          <ac:chgData name="Irene Ferrari" userId="e569343e5e44b43c" providerId="LiveId" clId="{4125BB07-7A97-4DBD-B9BA-5E2E9DB34A7C}" dt="2023-05-07T20:02:49.845" v="6076" actId="21"/>
+          <ac:spMkLst>
+            <pc:docMk/>
+            <pc:sldMk cId="3553670490" sldId="272"/>
+            <ac:spMk id="13" creationId="{80BC8176-2BDC-43F3-B487-8DB1BD96A116}"/>
+          </ac:spMkLst>
+        </pc:spChg>
+        <pc:graphicFrameChg chg="add del mod">
+          <ac:chgData name="Irene Ferrari" userId="e569343e5e44b43c" providerId="LiveId" clId="{4125BB07-7A97-4DBD-B9BA-5E2E9DB34A7C}" dt="2023-05-07T20:03:19.421" v="6082" actId="21"/>
+          <ac:graphicFrameMkLst>
+            <pc:docMk/>
+            <pc:sldMk cId="3553670490" sldId="272"/>
+            <ac:graphicFrameMk id="6" creationId="{4AD72C02-1AAD-213E-2E83-EB10045EEA5A}"/>
+          </ac:graphicFrameMkLst>
+        </pc:graphicFrameChg>
+        <pc:picChg chg="add mod">
+          <ac:chgData name="Irene Ferrari" userId="e569343e5e44b43c" providerId="LiveId" clId="{4125BB07-7A97-4DBD-B9BA-5E2E9DB34A7C}" dt="2023-05-07T20:03:57.657" v="6087" actId="1076"/>
+          <ac:picMkLst>
+            <pc:docMk/>
+            <pc:sldMk cId="3553670490" sldId="272"/>
+            <ac:picMk id="9" creationId="{8BD19F20-DA8F-D23B-0BFB-199EF9812CF3}"/>
+          </ac:picMkLst>
+        </pc:picChg>
+        <pc:picChg chg="del">
+          <ac:chgData name="Irene Ferrari" userId="e569343e5e44b43c" providerId="LiveId" clId="{4125BB07-7A97-4DBD-B9BA-5E2E9DB34A7C}" dt="2023-05-07T20:03:04.256" v="6078" actId="21"/>
+          <ac:picMkLst>
+            <pc:docMk/>
+            <pc:sldMk cId="3553670490" sldId="272"/>
+            <ac:picMk id="2049" creationId="{7CE5C6CE-F76D-DFD6-0EC8-9E645BC4BF67}"/>
+          </ac:picMkLst>
+        </pc:picChg>
+        <pc:picChg chg="del">
+          <ac:chgData name="Irene Ferrari" userId="e569343e5e44b43c" providerId="LiveId" clId="{4125BB07-7A97-4DBD-B9BA-5E2E9DB34A7C}" dt="2023-05-07T20:03:05.739" v="6079" actId="21"/>
+          <ac:picMkLst>
+            <pc:docMk/>
+            <pc:sldMk cId="3553670490" sldId="272"/>
+            <ac:picMk id="2050" creationId="{93F81319-2B2E-4832-0D18-E512100F581B}"/>
+          </ac:picMkLst>
+        </pc:picChg>
       </pc:sldChg>
     </pc:docChg>
   </pc:docChgLst>
@@ -2940,6 +3260,90 @@
     </a:lvl9pPr>
   </p:notesStyle>
 </p:notesMaster>
+</file>
+
+<file path=ppt/notesSlides/notesSlide1.xml><?xml version="1.0" encoding="utf-8"?>
+<p:notes xmlns:a="http://schemas.openxmlformats.org/drawingml/2006/main" xmlns:r="http://schemas.openxmlformats.org/officeDocument/2006/relationships" xmlns:p="http://schemas.openxmlformats.org/presentationml/2006/main">
+  <p:cSld>
+    <p:spTree>
+      <p:nvGrpSpPr>
+        <p:cNvPr id="1" name=""/>
+        <p:cNvGrpSpPr/>
+        <p:nvPr/>
+      </p:nvGrpSpPr>
+      <p:grpSpPr>
+        <a:xfrm>
+          <a:off x="0" y="0"/>
+          <a:ext cx="0" cy="0"/>
+          <a:chOff x="0" y="0"/>
+          <a:chExt cx="0" cy="0"/>
+        </a:xfrm>
+      </p:grpSpPr>
+      <p:sp>
+        <p:nvSpPr>
+          <p:cNvPr id="2" name="Segnaposto immagine diapositiva 1"/>
+          <p:cNvSpPr>
+            <a:spLocks noGrp="1" noRot="1" noChangeAspect="1"/>
+          </p:cNvSpPr>
+          <p:nvPr>
+            <p:ph type="sldImg"/>
+          </p:nvPr>
+        </p:nvSpPr>
+        <p:spPr/>
+      </p:sp>
+      <p:sp>
+        <p:nvSpPr>
+          <p:cNvPr id="3" name="Segnaposto note 2"/>
+          <p:cNvSpPr>
+            <a:spLocks noGrp="1"/>
+          </p:cNvSpPr>
+          <p:nvPr>
+            <p:ph type="body" idx="1"/>
+          </p:nvPr>
+        </p:nvSpPr>
+        <p:spPr/>
+        <p:txBody>
+          <a:bodyPr/>
+          <a:lstStyle/>
+          <a:p>
+            <a:endParaRPr lang="it-IT" dirty="0"/>
+          </a:p>
+        </p:txBody>
+      </p:sp>
+      <p:sp>
+        <p:nvSpPr>
+          <p:cNvPr id="4" name="Segnaposto numero diapositiva 3"/>
+          <p:cNvSpPr>
+            <a:spLocks noGrp="1"/>
+          </p:cNvSpPr>
+          <p:nvPr>
+            <p:ph type="sldNum" sz="quarter" idx="5"/>
+          </p:nvPr>
+        </p:nvSpPr>
+        <p:spPr/>
+        <p:txBody>
+          <a:bodyPr/>
+          <a:lstStyle/>
+          <a:p>
+            <a:fld id="{70299AE0-4929-424A-B799-B68C5AD33E85}" type="slidenum">
+              <a:rPr lang="it-IT" smtClean="0"/>
+              <a:t>1</a:t>
+            </a:fld>
+            <a:endParaRPr lang="it-IT"/>
+          </a:p>
+        </p:txBody>
+      </p:sp>
+    </p:spTree>
+    <p:extLst>
+      <p:ext uri="{BB962C8B-B14F-4D97-AF65-F5344CB8AC3E}">
+        <p14:creationId xmlns:p14="http://schemas.microsoft.com/office/powerpoint/2010/main" val="3417572339"/>
+      </p:ext>
+    </p:extLst>
+  </p:cSld>
+  <p:clrMapOvr>
+    <a:masterClrMapping/>
+  </p:clrMapOvr>
+</p:notes>
 </file>
 
 <file path=ppt/slideLayouts/slideLayout1.xml><?xml version="1.0" encoding="utf-8"?>
@@ -8894,7 +9298,7 @@
           </p:nvPr>
         </p:nvPicPr>
         <p:blipFill>
-          <a:blip r:embed="rId2">
+          <a:blip r:embed="rId3">
             <a:extLst>
               <a:ext uri="{28A0092B-C50C-407E-A947-70E740481C1C}">
                 <a14:useLocalDpi xmlns:a14="http://schemas.microsoft.com/office/drawing/2010/main" val="0"/>
@@ -9302,8 +9706,8 @@
         </p:nvSpPr>
         <p:spPr>
           <a:xfrm>
-            <a:off x="435345" y="303769"/>
-            <a:ext cx="3637535" cy="923330"/>
+            <a:off x="307572" y="458216"/>
+            <a:ext cx="5199373" cy="923330"/>
           </a:xfrm>
           <a:prstGeom prst="rect">
             <a:avLst/>
@@ -9327,53 +9731,30 @@
           <a:p>
             <a:pPr algn="ctr"/>
             <a:r>
-              <a:rPr lang="it-IT" sz="5400" b="1" cap="none" spc="0" dirty="0">
+              <a:rPr lang="it-IT" sz="5400" b="1" dirty="0">
                 <a:ln/>
                 <a:solidFill>
                   <a:srgbClr val="FFC000"/>
                 </a:solidFill>
-                <a:effectLst/>
               </a:rPr>
-              <a:t>COPULAS</a:t>
-            </a:r>
-          </a:p>
-        </p:txBody>
-      </p:sp>
-      <p:sp>
-        <p:nvSpPr>
-          <p:cNvPr id="9" name="CasellaDiTesto 8">
-            <a:extLst>
-              <a:ext uri="{FF2B5EF4-FFF2-40B4-BE49-F238E27FC236}">
-                <a16:creationId xmlns:a16="http://schemas.microsoft.com/office/drawing/2014/main" id="{9282EFA2-D4D7-CE5E-D3E2-9B6C713C4932}"/>
-              </a:ext>
-            </a:extLst>
-          </p:cNvPr>
-          <p:cNvSpPr txBox="1"/>
-          <p:nvPr/>
-        </p:nvSpPr>
-        <p:spPr>
-          <a:xfrm>
-            <a:off x="2433415" y="1227099"/>
-            <a:ext cx="6752950" cy="369332"/>
-          </a:xfrm>
-          <a:prstGeom prst="rect">
-            <a:avLst/>
-          </a:prstGeom>
-          <a:noFill/>
-        </p:spPr>
-        <p:txBody>
-          <a:bodyPr wrap="square">
-            <a:spAutoFit/>
-          </a:bodyPr>
-          <a:lstStyle/>
-          <a:p>
-            <a:pPr marL="0" indent="0">
-              <a:buNone/>
-            </a:pPr>
-            <a:r>
-              <a:rPr lang="it-IT" dirty="0"/>
-              <a:t>We tried to detect anomalous data by means of copula</a:t>
-            </a:r>
+              <a:t>VaR </a:t>
+            </a:r>
+            <a:r>
+              <a:rPr lang="it-IT" sz="5400" b="1" dirty="0" err="1">
+                <a:ln/>
+                <a:solidFill>
+                  <a:srgbClr val="FFC000"/>
+                </a:solidFill>
+              </a:rPr>
+              <a:t>Backtesting</a:t>
+            </a:r>
+            <a:endParaRPr lang="it-IT" sz="5400" b="1" cap="none" spc="0" dirty="0">
+              <a:ln/>
+              <a:solidFill>
+                <a:srgbClr val="FFC000"/>
+              </a:solidFill>
+              <a:effectLst/>
+            </a:endParaRPr>
           </a:p>
         </p:txBody>
       </p:sp>
@@ -9391,8 +9772,8 @@
         </p:nvSpPr>
         <p:spPr>
           <a:xfrm>
-            <a:off x="511545" y="1647707"/>
-            <a:ext cx="4212855" cy="646331"/>
+            <a:off x="518164" y="1525395"/>
+            <a:ext cx="4212855" cy="369332"/>
           </a:xfrm>
           <a:prstGeom prst="rect">
             <a:avLst/>
@@ -9410,7 +9791,7 @@
             </a:pPr>
             <a:r>
               <a:rPr lang="it-IT" dirty="0"/>
-              <a:t>We chose at first the t-student distrubtion, obtaining the following results</a:t>
+              <a:t>p = 0,05</a:t>
             </a:r>
           </a:p>
         </p:txBody>
@@ -9429,8 +9810,8 @@
         </p:nvSpPr>
         <p:spPr>
           <a:xfrm>
-            <a:off x="6436180" y="1691423"/>
-            <a:ext cx="4212855" cy="646331"/>
+            <a:off x="6372000" y="1525395"/>
+            <a:ext cx="4212855" cy="369332"/>
           </a:xfrm>
           <a:prstGeom prst="rect">
             <a:avLst/>
@@ -9448,130 +9829,11 @@
             </a:pPr>
             <a:r>
               <a:rPr lang="it-IT" dirty="0"/>
-              <a:t>Then, we tried the Gaussian distribution, and obtained</a:t>
-            </a:r>
-          </a:p>
-        </p:txBody>
-      </p:sp>
-      <p:sp>
-        <p:nvSpPr>
-          <p:cNvPr id="15" name="CasellaDiTesto 14">
-            <a:extLst>
-              <a:ext uri="{FF2B5EF4-FFF2-40B4-BE49-F238E27FC236}">
-                <a16:creationId xmlns:a16="http://schemas.microsoft.com/office/drawing/2014/main" id="{A1E13B3F-D020-F02B-475D-5F83BC6B3254}"/>
-              </a:ext>
-            </a:extLst>
-          </p:cNvPr>
-          <p:cNvSpPr txBox="1"/>
-          <p:nvPr/>
-        </p:nvSpPr>
-        <p:spPr>
-          <a:xfrm>
-            <a:off x="2761890" y="5608800"/>
-            <a:ext cx="6096000" cy="646331"/>
-          </a:xfrm>
-          <a:prstGeom prst="rect">
-            <a:avLst/>
-          </a:prstGeom>
-          <a:noFill/>
-        </p:spPr>
-        <p:txBody>
-          <a:bodyPr wrap="square">
-            <a:spAutoFit/>
-          </a:bodyPr>
-          <a:lstStyle/>
-          <a:p>
-            <a:pPr marL="0" indent="0" algn="ctr">
-              <a:buNone/>
-            </a:pPr>
-            <a:r>
-              <a:rPr lang="it-IT" dirty="0"/>
-              <a:t>In both cases, the results seems good in terms of recall.</a:t>
-            </a:r>
-          </a:p>
-          <a:p>
-            <a:pPr marL="0" indent="0" algn="ctr">
-              <a:buNone/>
-            </a:pPr>
-            <a:r>
-              <a:rPr lang="it-IT" dirty="0"/>
-              <a:t>But we’re aware there’s still the problem of unbalanced data.</a:t>
-            </a:r>
-          </a:p>
-        </p:txBody>
-      </p:sp>
-      <p:pic>
-        <p:nvPicPr>
-          <p:cNvPr id="19" name="Immagine 18" descr="Immagine che contiene testo&#10;&#10;Descrizione generata automaticamente">
-            <a:extLst>
-              <a:ext uri="{FF2B5EF4-FFF2-40B4-BE49-F238E27FC236}">
-                <a16:creationId xmlns:a16="http://schemas.microsoft.com/office/drawing/2014/main" id="{C4E8A65B-117F-3EAB-5B94-817308D40317}"/>
-              </a:ext>
-            </a:extLst>
-          </p:cNvPr>
-          <p:cNvPicPr>
-            <a:picLocks noChangeAspect="1"/>
-          </p:cNvPicPr>
-          <p:nvPr/>
-        </p:nvPicPr>
-        <p:blipFill>
-          <a:blip r:embed="rId2">
-            <a:extLst>
-              <a:ext uri="{28A0092B-C50C-407E-A947-70E740481C1C}">
-                <a14:useLocalDpi xmlns:a14="http://schemas.microsoft.com/office/drawing/2010/main" val="0"/>
-              </a:ext>
-            </a:extLst>
-          </a:blip>
-          <a:stretch>
-            <a:fillRect/>
-          </a:stretch>
-        </p:blipFill>
-        <p:spPr>
-          <a:xfrm>
-            <a:off x="802046" y="2432747"/>
-            <a:ext cx="3631851" cy="2962421"/>
-          </a:xfrm>
-          <a:prstGeom prst="rect">
-            <a:avLst/>
-          </a:prstGeom>
-        </p:spPr>
-      </p:pic>
-      <p:pic>
-        <p:nvPicPr>
-          <p:cNvPr id="21" name="Immagine 20" descr="Immagine che contiene testo&#10;&#10;Descrizione generata automaticamente">
-            <a:extLst>
-              <a:ext uri="{FF2B5EF4-FFF2-40B4-BE49-F238E27FC236}">
-                <a16:creationId xmlns:a16="http://schemas.microsoft.com/office/drawing/2014/main" id="{0EB64993-9A1D-7630-85C1-E7D4E0322E86}"/>
-              </a:ext>
-            </a:extLst>
-          </p:cNvPr>
-          <p:cNvPicPr>
-            <a:picLocks noChangeAspect="1"/>
-          </p:cNvPicPr>
-          <p:nvPr/>
-        </p:nvPicPr>
-        <p:blipFill>
-          <a:blip r:embed="rId3">
-            <a:extLst>
-              <a:ext uri="{28A0092B-C50C-407E-A947-70E740481C1C}">
-                <a14:useLocalDpi xmlns:a14="http://schemas.microsoft.com/office/drawing/2010/main" val="0"/>
-              </a:ext>
-            </a:extLst>
-          </a:blip>
-          <a:stretch>
-            <a:fillRect/>
-          </a:stretch>
-        </p:blipFill>
-        <p:spPr>
-          <a:xfrm>
-            <a:off x="6791246" y="2432746"/>
-            <a:ext cx="3502721" cy="2957521"/>
-          </a:xfrm>
-          <a:prstGeom prst="rect">
-            <a:avLst/>
-          </a:prstGeom>
-        </p:spPr>
-      </p:pic>
+              <a:t>p = 0,01</a:t>
+            </a:r>
+          </a:p>
+        </p:txBody>
+      </p:sp>
       <p:sp>
         <p:nvSpPr>
           <p:cNvPr id="2" name="CasellaDiTesto 1">
@@ -9644,6 +9906,248 @@
           </a:p>
         </p:txBody>
       </p:sp>
+      <p:sp>
+        <p:nvSpPr>
+          <p:cNvPr id="3" name="CasellaDiTesto 2">
+            <a:extLst>
+              <a:ext uri="{FF2B5EF4-FFF2-40B4-BE49-F238E27FC236}">
+                <a16:creationId xmlns:a16="http://schemas.microsoft.com/office/drawing/2014/main" id="{97C9859D-8E0F-8354-6C46-15151BD4AD1C}"/>
+              </a:ext>
+            </a:extLst>
+          </p:cNvPr>
+          <p:cNvSpPr txBox="1"/>
+          <p:nvPr/>
+        </p:nvSpPr>
+        <p:spPr>
+          <a:xfrm>
+            <a:off x="0" y="6480010"/>
+            <a:ext cx="12192000" cy="923330"/>
+          </a:xfrm>
+          <a:prstGeom prst="rect">
+            <a:avLst/>
+          </a:prstGeom>
+          <a:solidFill>
+            <a:schemeClr val="bg1">
+              <a:lumMod val="50000"/>
+              <a:lumOff val="50000"/>
+            </a:schemeClr>
+          </a:solidFill>
+        </p:spPr>
+        <p:txBody>
+          <a:bodyPr wrap="square">
+            <a:spAutoFit/>
+          </a:bodyPr>
+          <a:lstStyle/>
+          <a:p>
+            <a:pPr rtl="0">
+              <a:spcBef>
+                <a:spcPts val="0"/>
+              </a:spcBef>
+              <a:spcAft>
+                <a:spcPts val="0"/>
+              </a:spcAft>
+            </a:pPr>
+            <a:r>
+              <a:rPr lang="en-US" dirty="0">
+                <a:solidFill>
+                  <a:schemeClr val="bg2">
+                    <a:lumMod val="10000"/>
+                    <a:lumOff val="90000"/>
+                  </a:schemeClr>
+                </a:solidFill>
+                <a:latin typeface="Helvetica Neue"/>
+              </a:rPr>
+              <a:t>INVESTMENT REPLICA</a:t>
+            </a:r>
+            <a:r>
+              <a:rPr lang="en-US" sz="1800" b="0" i="0" u="none" strike="noStrike" dirty="0">
+                <a:solidFill>
+                  <a:schemeClr val="bg2">
+                    <a:lumMod val="10000"/>
+                    <a:lumOff val="90000"/>
+                  </a:schemeClr>
+                </a:solidFill>
+                <a:effectLst/>
+                <a:latin typeface="Helvetica Neue"/>
+              </a:rPr>
+              <a:t>                                                                                                                           FINTECH BC 4</a:t>
+            </a:r>
+            <a:endParaRPr lang="en-US" b="0" dirty="0">
+              <a:solidFill>
+                <a:schemeClr val="bg2">
+                  <a:lumMod val="10000"/>
+                  <a:lumOff val="90000"/>
+                </a:schemeClr>
+              </a:solidFill>
+              <a:effectLst/>
+            </a:endParaRPr>
+          </a:p>
+          <a:p>
+            <a:r>
+              <a:rPr lang="en-US" dirty="0"/>
+              <a:t>  </a:t>
+            </a:r>
+            <a:br>
+              <a:rPr lang="en-US" dirty="0"/>
+            </a:br>
+            <a:endParaRPr lang="it-IT" dirty="0"/>
+          </a:p>
+        </p:txBody>
+      </p:sp>
+      <p:sp>
+        <p:nvSpPr>
+          <p:cNvPr id="5" name="CasellaDiTesto 4">
+            <a:extLst>
+              <a:ext uri="{FF2B5EF4-FFF2-40B4-BE49-F238E27FC236}">
+                <a16:creationId xmlns:a16="http://schemas.microsoft.com/office/drawing/2014/main" id="{C67A231A-7611-2BAD-18D0-8F444978EA31}"/>
+              </a:ext>
+            </a:extLst>
+          </p:cNvPr>
+          <p:cNvSpPr txBox="1"/>
+          <p:nvPr/>
+        </p:nvSpPr>
+        <p:spPr>
+          <a:xfrm>
+            <a:off x="345201" y="243225"/>
+            <a:ext cx="6446045" cy="369332"/>
+          </a:xfrm>
+          <a:prstGeom prst="rect">
+            <a:avLst/>
+          </a:prstGeom>
+          <a:noFill/>
+        </p:spPr>
+        <p:txBody>
+          <a:bodyPr wrap="square" rtlCol="0">
+            <a:spAutoFit/>
+          </a:bodyPr>
+          <a:lstStyle/>
+          <a:p>
+            <a:r>
+              <a:rPr lang="it-IT" dirty="0" err="1"/>
+              <a:t>Comparison</a:t>
+            </a:r>
+            <a:r>
+              <a:rPr lang="it-IT" dirty="0"/>
+              <a:t> of </a:t>
+            </a:r>
+            <a:r>
+              <a:rPr lang="it-IT" dirty="0" err="1"/>
+              <a:t>returns</a:t>
+            </a:r>
+            <a:r>
+              <a:rPr lang="it-IT" dirty="0"/>
+              <a:t> and VaR </a:t>
+            </a:r>
+            <a:r>
+              <a:rPr lang="it-IT" dirty="0" err="1"/>
+              <a:t>manually</a:t>
+            </a:r>
+            <a:r>
+              <a:rPr lang="it-IT" dirty="0"/>
+              <a:t> and by </a:t>
+            </a:r>
+            <a:r>
+              <a:rPr lang="it-IT" b="1" dirty="0" err="1"/>
+              <a:t>Varbacktest</a:t>
+            </a:r>
+            <a:endParaRPr lang="it-IT" dirty="0"/>
+          </a:p>
+        </p:txBody>
+      </p:sp>
+      <p:pic>
+        <p:nvPicPr>
+          <p:cNvPr id="2049" name="Picture 1">
+            <a:extLst>
+              <a:ext uri="{FF2B5EF4-FFF2-40B4-BE49-F238E27FC236}">
+                <a16:creationId xmlns:a16="http://schemas.microsoft.com/office/drawing/2014/main" id="{7CE5C6CE-F76D-DFD6-0EC8-9E645BC4BF67}"/>
+              </a:ext>
+            </a:extLst>
+          </p:cNvPr>
+          <p:cNvPicPr>
+            <a:picLocks noChangeAspect="1" noChangeArrowheads="1"/>
+          </p:cNvPicPr>
+          <p:nvPr/>
+        </p:nvPicPr>
+        <p:blipFill>
+          <a:blip r:embed="rId2">
+            <a:extLst>
+              <a:ext uri="{28A0092B-C50C-407E-A947-70E740481C1C}">
+                <a14:useLocalDpi xmlns:a14="http://schemas.microsoft.com/office/drawing/2010/main" val="0"/>
+              </a:ext>
+            </a:extLst>
+          </a:blip>
+          <a:srcRect/>
+          <a:stretch>
+            <a:fillRect/>
+          </a:stretch>
+        </p:blipFill>
+        <p:spPr bwMode="auto">
+          <a:xfrm>
+            <a:off x="528277" y="2112151"/>
+            <a:ext cx="4467225" cy="3352800"/>
+          </a:xfrm>
+          <a:prstGeom prst="rect">
+            <a:avLst/>
+          </a:prstGeom>
+          <a:noFill/>
+          <a:extLst>
+            <a:ext uri="{909E8E84-426E-40DD-AFC4-6F175D3DCCD1}">
+              <a14:hiddenFill xmlns:a14="http://schemas.microsoft.com/office/drawing/2010/main">
+                <a:solidFill>
+                  <a:srgbClr val="FFFFFF"/>
+                </a:solidFill>
+              </a14:hiddenFill>
+            </a:ext>
+          </a:extLst>
+        </p:spPr>
+      </p:pic>
+      <p:pic>
+        <p:nvPicPr>
+          <p:cNvPr id="2050" name="Picture 2">
+            <a:extLst>
+              <a:ext uri="{FF2B5EF4-FFF2-40B4-BE49-F238E27FC236}">
+                <a16:creationId xmlns:a16="http://schemas.microsoft.com/office/drawing/2014/main" id="{93F81319-2B2E-4832-0D18-E512100F581B}"/>
+              </a:ext>
+            </a:extLst>
+          </p:cNvPr>
+          <p:cNvPicPr>
+            <a:picLocks noChangeAspect="1" noChangeArrowheads="1"/>
+          </p:cNvPicPr>
+          <p:nvPr/>
+        </p:nvPicPr>
+        <p:blipFill>
+          <a:blip r:embed="rId3">
+            <a:extLst>
+              <a:ext uri="{28A0092B-C50C-407E-A947-70E740481C1C}">
+                <a14:useLocalDpi xmlns:a14="http://schemas.microsoft.com/office/drawing/2010/main" val="0"/>
+              </a:ext>
+            </a:extLst>
+          </a:blip>
+          <a:srcRect/>
+          <a:stretch>
+            <a:fillRect/>
+          </a:stretch>
+        </p:blipFill>
+        <p:spPr bwMode="auto">
+          <a:xfrm>
+            <a:off x="6372000" y="2112151"/>
+            <a:ext cx="4467225" cy="3352800"/>
+          </a:xfrm>
+          <a:prstGeom prst="rect">
+            <a:avLst/>
+          </a:prstGeom>
+          <a:noFill/>
+          <a:extLst>
+            <a:ext uri="{909E8E84-426E-40DD-AFC4-6F175D3DCCD1}">
+              <a14:hiddenFill xmlns:a14="http://schemas.microsoft.com/office/drawing/2010/main">
+                <a:solidFill>
+                  <a:srgbClr val="FFFFFF"/>
+                </a:solidFill>
+              </a14:hiddenFill>
+            </a:ext>
+          </a:extLst>
+        </p:spPr>
+      </p:pic>
     </p:spTree>
     <p:extLst>
       <p:ext uri="{BB962C8B-B14F-4D97-AF65-F5344CB8AC3E}">
@@ -9660,14 +10164,6 @@
 <file path=ppt/slides/slide11.xml><?xml version="1.0" encoding="utf-8"?>
 <p:sld xmlns:a="http://schemas.openxmlformats.org/drawingml/2006/main" xmlns:r="http://schemas.openxmlformats.org/officeDocument/2006/relationships" xmlns:p="http://schemas.openxmlformats.org/presentationml/2006/main">
   <p:cSld>
-    <p:bg>
-      <p:bgPr>
-        <a:solidFill>
-          <a:schemeClr val="bg1"/>
-        </a:solidFill>
-        <a:effectLst/>
-      </p:bgPr>
-    </p:bg>
     <p:spTree>
       <p:nvGrpSpPr>
         <p:cNvPr id="1" name=""/>
@@ -9682,158 +10178,12 @@
           <a:chExt cx="0" cy="0"/>
         </a:xfrm>
       </p:grpSpPr>
-      <p:pic>
-        <p:nvPicPr>
-          <p:cNvPr id="55" name="Immagine 54" descr="Immagine che contiene testo&#10;&#10;Descrizione generata automaticamente">
+      <p:sp>
+        <p:nvSpPr>
+          <p:cNvPr id="4" name="Rettangolo 3">
             <a:extLst>
               <a:ext uri="{FF2B5EF4-FFF2-40B4-BE49-F238E27FC236}">
-                <a16:creationId xmlns:a16="http://schemas.microsoft.com/office/drawing/2014/main" id="{19EB1030-11EA-1CE7-0599-14FD9F4116CC}"/>
-              </a:ext>
-            </a:extLst>
-          </p:cNvPr>
-          <p:cNvPicPr>
-            <a:picLocks noChangeAspect="1"/>
-          </p:cNvPicPr>
-          <p:nvPr/>
-        </p:nvPicPr>
-        <p:blipFill>
-          <a:blip r:embed="rId2">
-            <a:extLst>
-              <a:ext uri="{28A0092B-C50C-407E-A947-70E740481C1C}">
-                <a14:useLocalDpi xmlns:a14="http://schemas.microsoft.com/office/drawing/2010/main" val="0"/>
-              </a:ext>
-            </a:extLst>
-          </a:blip>
-          <a:stretch>
-            <a:fillRect/>
-          </a:stretch>
-        </p:blipFill>
-        <p:spPr>
-          <a:xfrm rot="5400000">
-            <a:off x="-377813" y="2258050"/>
-            <a:ext cx="4653280" cy="3550699"/>
-          </a:xfrm>
-          <a:prstGeom prst="rect">
-            <a:avLst/>
-          </a:prstGeom>
-        </p:spPr>
-      </p:pic>
-      <p:pic>
-        <p:nvPicPr>
-          <p:cNvPr id="78" name="Immagine 77">
-            <a:extLst>
-              <a:ext uri="{FF2B5EF4-FFF2-40B4-BE49-F238E27FC236}">
-                <a16:creationId xmlns:a16="http://schemas.microsoft.com/office/drawing/2014/main" id="{3A0A0132-A69B-80F3-2C26-6D809107366C}"/>
-              </a:ext>
-            </a:extLst>
-          </p:cNvPr>
-          <p:cNvPicPr>
-            <a:picLocks noChangeAspect="1"/>
-          </p:cNvPicPr>
-          <p:nvPr/>
-        </p:nvPicPr>
-        <p:blipFill>
-          <a:blip r:embed="rId3">
-            <a:extLst>
-              <a:ext uri="{28A0092B-C50C-407E-A947-70E740481C1C}">
-                <a14:useLocalDpi xmlns:a14="http://schemas.microsoft.com/office/drawing/2010/main" val="0"/>
-              </a:ext>
-            </a:extLst>
-          </a:blip>
-          <a:srcRect/>
-          <a:stretch/>
-        </p:blipFill>
-        <p:spPr>
-          <a:xfrm>
-            <a:off x="8265127" y="3007191"/>
-            <a:ext cx="3753395" cy="2892828"/>
-          </a:xfrm>
-          <a:prstGeom prst="rect">
-            <a:avLst/>
-          </a:prstGeom>
-        </p:spPr>
-      </p:pic>
-      <p:pic>
-        <p:nvPicPr>
-          <p:cNvPr id="79" name="Immagine 78">
-            <a:extLst>
-              <a:ext uri="{FF2B5EF4-FFF2-40B4-BE49-F238E27FC236}">
-                <a16:creationId xmlns:a16="http://schemas.microsoft.com/office/drawing/2014/main" id="{3F8CC613-0E9E-95F5-E770-40305408B1D4}"/>
-              </a:ext>
-            </a:extLst>
-          </p:cNvPr>
-          <p:cNvPicPr>
-            <a:picLocks noChangeAspect="1"/>
-          </p:cNvPicPr>
-          <p:nvPr/>
-        </p:nvPicPr>
-        <p:blipFill rotWithShape="1">
-          <a:blip r:embed="rId4">
-            <a:extLst>
-              <a:ext uri="{28A0092B-C50C-407E-A947-70E740481C1C}">
-                <a14:useLocalDpi xmlns:a14="http://schemas.microsoft.com/office/drawing/2010/main" val="0"/>
-              </a:ext>
-            </a:extLst>
-          </a:blip>
-          <a:srcRect t="2009"/>
-          <a:stretch/>
-        </p:blipFill>
-        <p:spPr>
-          <a:xfrm>
-            <a:off x="4223100" y="2416629"/>
-            <a:ext cx="3543105" cy="2786115"/>
-          </a:xfrm>
-          <a:prstGeom prst="rect">
-            <a:avLst/>
-          </a:prstGeom>
-        </p:spPr>
-      </p:pic>
-      <p:sp>
-        <p:nvSpPr>
-          <p:cNvPr id="82" name="CasellaDiTesto 81">
-            <a:extLst>
-              <a:ext uri="{FF2B5EF4-FFF2-40B4-BE49-F238E27FC236}">
-                <a16:creationId xmlns:a16="http://schemas.microsoft.com/office/drawing/2014/main" id="{D83C482D-DA5F-2BCE-A617-277D1D04AF53}"/>
-              </a:ext>
-            </a:extLst>
-          </p:cNvPr>
-          <p:cNvSpPr txBox="1"/>
-          <p:nvPr/>
-        </p:nvSpPr>
-        <p:spPr>
-          <a:xfrm>
-            <a:off x="3978740" y="1655256"/>
-            <a:ext cx="4822347" cy="646331"/>
-          </a:xfrm>
-          <a:prstGeom prst="rect">
-            <a:avLst/>
-          </a:prstGeom>
-          <a:noFill/>
-        </p:spPr>
-        <p:txBody>
-          <a:bodyPr wrap="square" rtlCol="0">
-            <a:spAutoFit/>
-          </a:bodyPr>
-          <a:lstStyle/>
-          <a:p>
-            <a:pPr algn="ctr"/>
-            <a:r>
-              <a:rPr lang="it-IT" dirty="0"/>
-              <a:t>We tested 100 LR</a:t>
-            </a:r>
-            <a:r>
-              <a:rPr lang="en-US" dirty="0"/>
-              <a:t>’s and select the one with the lowest validation loss</a:t>
-            </a:r>
-          </a:p>
-        </p:txBody>
-      </p:sp>
-      <p:sp>
-        <p:nvSpPr>
-          <p:cNvPr id="3" name="Rettangolo 2">
-            <a:extLst>
-              <a:ext uri="{FF2B5EF4-FFF2-40B4-BE49-F238E27FC236}">
-                <a16:creationId xmlns:a16="http://schemas.microsoft.com/office/drawing/2014/main" id="{8C06431A-E8EB-F91F-58CE-1792D4649494}"/>
+                <a16:creationId xmlns:a16="http://schemas.microsoft.com/office/drawing/2014/main" id="{09CB4979-2A38-56F3-C822-CFD797127610}"/>
               </a:ext>
             </a:extLst>
           </p:cNvPr>
@@ -9842,8 +10192,8 @@
         </p:nvSpPr>
         <p:spPr>
           <a:xfrm>
-            <a:off x="395519" y="357370"/>
-            <a:ext cx="5901552" cy="923330"/>
+            <a:off x="307572" y="458216"/>
+            <a:ext cx="5199373" cy="923330"/>
           </a:xfrm>
           <a:prstGeom prst="rect">
             <a:avLst/>
@@ -9867,24 +10217,39 @@
           <a:p>
             <a:pPr algn="ctr"/>
             <a:r>
-              <a:rPr lang="it-IT" sz="5400" b="1" cap="none" spc="0" dirty="0">
+              <a:rPr lang="it-IT" sz="5400" b="1" dirty="0">
                 <a:ln/>
                 <a:solidFill>
                   <a:srgbClr val="FFC000"/>
                 </a:solidFill>
-                <a:effectLst/>
               </a:rPr>
-              <a:t>AUTOENCODER</a:t>
-            </a:r>
-          </a:p>
-        </p:txBody>
-      </p:sp>
-      <p:sp>
-        <p:nvSpPr>
-          <p:cNvPr id="4" name="CasellaDiTesto 3">
+              <a:t>VaR </a:t>
+            </a:r>
+            <a:r>
+              <a:rPr lang="it-IT" sz="5400" b="1" dirty="0" err="1">
+                <a:ln/>
+                <a:solidFill>
+                  <a:srgbClr val="FFC000"/>
+                </a:solidFill>
+              </a:rPr>
+              <a:t>Backtesting</a:t>
+            </a:r>
+            <a:endParaRPr lang="it-IT" sz="5400" b="1" cap="none" spc="0" dirty="0">
+              <a:ln/>
+              <a:solidFill>
+                <a:srgbClr val="FFC000"/>
+              </a:solidFill>
+              <a:effectLst/>
+            </a:endParaRPr>
+          </a:p>
+        </p:txBody>
+      </p:sp>
+      <p:sp>
+        <p:nvSpPr>
+          <p:cNvPr id="11" name="CasellaDiTesto 10">
             <a:extLst>
               <a:ext uri="{FF2B5EF4-FFF2-40B4-BE49-F238E27FC236}">
-                <a16:creationId xmlns:a16="http://schemas.microsoft.com/office/drawing/2014/main" id="{1AB7608D-6631-BA67-34F7-CC2590F757ED}"/>
+                <a16:creationId xmlns:a16="http://schemas.microsoft.com/office/drawing/2014/main" id="{BF581973-3EF2-4A17-3A8D-1F5420578A44}"/>
               </a:ext>
             </a:extLst>
           </p:cNvPr>
@@ -9893,8 +10258,8 @@
         </p:nvSpPr>
         <p:spPr>
           <a:xfrm>
-            <a:off x="8188927" y="5990708"/>
-            <a:ext cx="3184003" cy="369332"/>
+            <a:off x="379461" y="1273371"/>
+            <a:ext cx="10459764" cy="369332"/>
           </a:xfrm>
           <a:prstGeom prst="rect">
             <a:avLst/>
@@ -9907,18 +10272,37 @@
           </a:bodyPr>
           <a:lstStyle/>
           <a:p>
-            <a:pPr marL="0" indent="0">
-              <a:buNone/>
-            </a:pPr>
-            <a:r>
-              <a:rPr lang="it-IT" dirty="0"/>
-              <a:t>Best Learning rate:</a:t>
-            </a:r>
-            <a:r>
-              <a:rPr lang="en-US" dirty="0"/>
-              <a:t> 0.0012</a:t>
-            </a:r>
-            <a:endParaRPr lang="it-IT" dirty="0"/>
+            <a:pPr algn="l"/>
+            <a:r>
+              <a:rPr lang="en-US" b="0" i="0" dirty="0">
+                <a:effectLst/>
+              </a:rPr>
+              <a:t>Using the function </a:t>
+            </a:r>
+            <a:r>
+              <a:rPr lang="en-US" b="0" i="0" dirty="0" err="1">
+                <a:effectLst/>
+              </a:rPr>
+              <a:t>Varbacktest</a:t>
+            </a:r>
+            <a:r>
+              <a:rPr lang="en-US" b="0" i="0" dirty="0">
+                <a:effectLst/>
+              </a:rPr>
+              <a:t>, we mathematically </a:t>
+            </a:r>
+            <a:r>
+              <a:rPr lang="en-US" b="0" i="0" dirty="0" err="1">
+                <a:effectLst/>
+              </a:rPr>
+              <a:t>backtest</a:t>
+            </a:r>
+            <a:r>
+              <a:rPr lang="en-US" b="0" i="0" dirty="0">
+                <a:effectLst/>
+              </a:rPr>
+              <a:t> the different methods applied.</a:t>
+            </a:r>
           </a:p>
         </p:txBody>
       </p:sp>
@@ -9927,7 +10311,7 @@
           <p:cNvPr id="2" name="CasellaDiTesto 1">
             <a:extLst>
               <a:ext uri="{FF2B5EF4-FFF2-40B4-BE49-F238E27FC236}">
-                <a16:creationId xmlns:a16="http://schemas.microsoft.com/office/drawing/2014/main" id="{AABBAA6F-4F2B-2639-5439-053F907CEC28}"/>
+                <a16:creationId xmlns:a16="http://schemas.microsoft.com/office/drawing/2014/main" id="{86D7227E-E938-C11D-8108-A1A1959BD99A}"/>
               </a:ext>
             </a:extLst>
           </p:cNvPr>
@@ -9994,50 +10378,12 @@
           </a:p>
         </p:txBody>
       </p:sp>
-    </p:spTree>
-    <p:extLst>
-      <p:ext uri="{BB962C8B-B14F-4D97-AF65-F5344CB8AC3E}">
-        <p14:creationId xmlns:p14="http://schemas.microsoft.com/office/powerpoint/2010/main" val="1801023679"/>
-      </p:ext>
-    </p:extLst>
-  </p:cSld>
-  <p:clrMapOvr>
-    <a:masterClrMapping/>
-  </p:clrMapOvr>
-</p:sld>
-</file>
-
-<file path=ppt/slides/slide12.xml><?xml version="1.0" encoding="utf-8"?>
-<p:sld xmlns:a="http://schemas.openxmlformats.org/drawingml/2006/main" xmlns:r="http://schemas.openxmlformats.org/officeDocument/2006/relationships" xmlns:p="http://schemas.openxmlformats.org/presentationml/2006/main">
-  <p:cSld>
-    <p:bg>
-      <p:bgPr>
-        <a:solidFill>
-          <a:schemeClr val="bg1"/>
-        </a:solidFill>
-        <a:effectLst/>
-      </p:bgPr>
-    </p:bg>
-    <p:spTree>
-      <p:nvGrpSpPr>
-        <p:cNvPr id="1" name=""/>
-        <p:cNvGrpSpPr/>
-        <p:nvPr/>
-      </p:nvGrpSpPr>
-      <p:grpSpPr>
-        <a:xfrm>
-          <a:off x="0" y="0"/>
-          <a:ext cx="0" cy="0"/>
-          <a:chOff x="0" y="0"/>
-          <a:chExt cx="0" cy="0"/>
-        </a:xfrm>
-      </p:grpSpPr>
-      <p:sp>
-        <p:nvSpPr>
-          <p:cNvPr id="72" name="CasellaDiTesto 71">
+      <p:sp>
+        <p:nvSpPr>
+          <p:cNvPr id="3" name="CasellaDiTesto 2">
             <a:extLst>
               <a:ext uri="{FF2B5EF4-FFF2-40B4-BE49-F238E27FC236}">
-                <a16:creationId xmlns:a16="http://schemas.microsoft.com/office/drawing/2014/main" id="{C35B82CC-354C-6298-5775-97F026C57E07}"/>
+                <a16:creationId xmlns:a16="http://schemas.microsoft.com/office/drawing/2014/main" id="{97C9859D-8E0F-8354-6C46-15151BD4AD1C}"/>
               </a:ext>
             </a:extLst>
           </p:cNvPr>
@@ -10046,336 +10392,7 @@
         </p:nvSpPr>
         <p:spPr>
           <a:xfrm>
-            <a:off x="341690" y="1598302"/>
-            <a:ext cx="3994862" cy="677108"/>
-          </a:xfrm>
-          <a:prstGeom prst="rect">
-            <a:avLst/>
-          </a:prstGeom>
-          <a:noFill/>
-        </p:spPr>
-        <p:txBody>
-          <a:bodyPr wrap="square" rtlCol="0">
-            <a:spAutoFit/>
-          </a:bodyPr>
-          <a:lstStyle/>
-          <a:p>
-            <a:pPr algn="ctr"/>
-            <a:r>
-              <a:rPr lang="it-IT" sz="2400" dirty="0"/>
-              <a:t>Best threshold</a:t>
-            </a:r>
-            <a:endParaRPr lang="en-US" sz="2400" dirty="0"/>
-          </a:p>
-          <a:p>
-            <a:pPr algn="ctr"/>
-            <a:r>
-              <a:rPr lang="en-US" sz="1400" dirty="0"/>
-              <a:t>We select the best threshold based on the F1 score</a:t>
-            </a:r>
-          </a:p>
-        </p:txBody>
-      </p:sp>
-      <p:sp>
-        <p:nvSpPr>
-          <p:cNvPr id="80" name="CasellaDiTesto 79">
-            <a:extLst>
-              <a:ext uri="{FF2B5EF4-FFF2-40B4-BE49-F238E27FC236}">
-                <a16:creationId xmlns:a16="http://schemas.microsoft.com/office/drawing/2014/main" id="{A606782E-F70C-F09A-791D-D5578EE6BE4D}"/>
-              </a:ext>
-            </a:extLst>
-          </p:cNvPr>
-          <p:cNvSpPr txBox="1"/>
-          <p:nvPr/>
-        </p:nvSpPr>
-        <p:spPr>
-          <a:xfrm>
-            <a:off x="9949968" y="2734350"/>
-            <a:ext cx="1177117" cy="461665"/>
-          </a:xfrm>
-          <a:prstGeom prst="rect">
-            <a:avLst/>
-          </a:prstGeom>
-          <a:noFill/>
-        </p:spPr>
-        <p:txBody>
-          <a:bodyPr wrap="square" rtlCol="0">
-            <a:spAutoFit/>
-          </a:bodyPr>
-          <a:lstStyle/>
-          <a:p>
-            <a:r>
-              <a:rPr lang="it-IT" sz="2400" dirty="0"/>
-              <a:t>Results</a:t>
-            </a:r>
-            <a:endParaRPr lang="en-US" sz="2400" dirty="0"/>
-          </a:p>
-        </p:txBody>
-      </p:sp>
-      <p:pic>
-        <p:nvPicPr>
-          <p:cNvPr id="6" name="Immagine 5">
-            <a:extLst>
-              <a:ext uri="{FF2B5EF4-FFF2-40B4-BE49-F238E27FC236}">
-                <a16:creationId xmlns:a16="http://schemas.microsoft.com/office/drawing/2014/main" id="{5D87361C-A100-7C16-D127-F6262057B72B}"/>
-              </a:ext>
-            </a:extLst>
-          </p:cNvPr>
-          <p:cNvPicPr>
-            <a:picLocks noChangeAspect="1"/>
-          </p:cNvPicPr>
-          <p:nvPr/>
-        </p:nvPicPr>
-        <p:blipFill>
-          <a:blip r:embed="rId2">
-            <a:extLst>
-              <a:ext uri="{28A0092B-C50C-407E-A947-70E740481C1C}">
-                <a14:useLocalDpi xmlns:a14="http://schemas.microsoft.com/office/drawing/2010/main" val="0"/>
-              </a:ext>
-            </a:extLst>
-          </a:blip>
-          <a:srcRect/>
-          <a:stretch/>
-        </p:blipFill>
-        <p:spPr>
-          <a:xfrm>
-            <a:off x="819693" y="2315435"/>
-            <a:ext cx="3038855" cy="2307180"/>
-          </a:xfrm>
-          <a:prstGeom prst="rect">
-            <a:avLst/>
-          </a:prstGeom>
-        </p:spPr>
-      </p:pic>
-      <p:pic>
-        <p:nvPicPr>
-          <p:cNvPr id="7" name="Immagine 6">
-            <a:extLst>
-              <a:ext uri="{FF2B5EF4-FFF2-40B4-BE49-F238E27FC236}">
-                <a16:creationId xmlns:a16="http://schemas.microsoft.com/office/drawing/2014/main" id="{6CF9448C-0E78-5161-A340-9E30B243E6DE}"/>
-              </a:ext>
-            </a:extLst>
-          </p:cNvPr>
-          <p:cNvPicPr>
-            <a:picLocks noChangeAspect="1"/>
-          </p:cNvPicPr>
-          <p:nvPr/>
-        </p:nvPicPr>
-        <p:blipFill>
-          <a:blip r:embed="rId3">
-            <a:extLst>
-              <a:ext uri="{28A0092B-C50C-407E-A947-70E740481C1C}">
-                <a14:useLocalDpi xmlns:a14="http://schemas.microsoft.com/office/drawing/2010/main" val="0"/>
-              </a:ext>
-            </a:extLst>
-          </a:blip>
-          <a:srcRect/>
-          <a:stretch/>
-        </p:blipFill>
-        <p:spPr>
-          <a:xfrm>
-            <a:off x="5392541" y="2275410"/>
-            <a:ext cx="3028173" cy="2307180"/>
-          </a:xfrm>
-          <a:prstGeom prst="rect">
-            <a:avLst/>
-          </a:prstGeom>
-        </p:spPr>
-      </p:pic>
-      <p:sp>
-        <p:nvSpPr>
-          <p:cNvPr id="10" name="CasellaDiTesto 9">
-            <a:extLst>
-              <a:ext uri="{FF2B5EF4-FFF2-40B4-BE49-F238E27FC236}">
-                <a16:creationId xmlns:a16="http://schemas.microsoft.com/office/drawing/2014/main" id="{241803F5-A2A5-8C48-911E-1DA6448AD859}"/>
-              </a:ext>
-            </a:extLst>
-          </p:cNvPr>
-          <p:cNvSpPr txBox="1"/>
-          <p:nvPr/>
-        </p:nvSpPr>
-        <p:spPr>
-          <a:xfrm>
-            <a:off x="5753046" y="1586614"/>
-            <a:ext cx="2307162" cy="584775"/>
-          </a:xfrm>
-          <a:prstGeom prst="rect">
-            <a:avLst/>
-          </a:prstGeom>
-          <a:noFill/>
-        </p:spPr>
-        <p:txBody>
-          <a:bodyPr wrap="square" rtlCol="0">
-            <a:spAutoFit/>
-          </a:bodyPr>
-          <a:lstStyle/>
-          <a:p>
-            <a:pPr algn="ctr"/>
-            <a:r>
-              <a:rPr lang="en-US" sz="1600" dirty="0"/>
-              <a:t>AUC score: 0.743</a:t>
-            </a:r>
-          </a:p>
-          <a:p>
-            <a:pPr algn="ctr"/>
-            <a:r>
-              <a:rPr lang="en-US" sz="1600" dirty="0"/>
-              <a:t>Best threshold: 0.1846</a:t>
-            </a:r>
-          </a:p>
-        </p:txBody>
-      </p:sp>
-      <p:pic>
-        <p:nvPicPr>
-          <p:cNvPr id="14" name="Immagine 13">
-            <a:extLst>
-              <a:ext uri="{FF2B5EF4-FFF2-40B4-BE49-F238E27FC236}">
-                <a16:creationId xmlns:a16="http://schemas.microsoft.com/office/drawing/2014/main" id="{DDDB3919-9A3E-17B1-21D3-D15EB78EFF95}"/>
-              </a:ext>
-            </a:extLst>
-          </p:cNvPr>
-          <p:cNvPicPr>
-            <a:picLocks noChangeAspect="1"/>
-          </p:cNvPicPr>
-          <p:nvPr/>
-        </p:nvPicPr>
-        <p:blipFill rotWithShape="1">
-          <a:blip r:embed="rId4"/>
-          <a:srcRect t="13127"/>
-          <a:stretch/>
-        </p:blipFill>
-        <p:spPr>
-          <a:xfrm>
-            <a:off x="8885053" y="3196015"/>
-            <a:ext cx="3306945" cy="2965183"/>
-          </a:xfrm>
-          <a:prstGeom prst="rect">
-            <a:avLst/>
-          </a:prstGeom>
-        </p:spPr>
-      </p:pic>
-      <p:sp>
-        <p:nvSpPr>
-          <p:cNvPr id="15" name="CasellaDiTesto 14">
-            <a:extLst>
-              <a:ext uri="{FF2B5EF4-FFF2-40B4-BE49-F238E27FC236}">
-                <a16:creationId xmlns:a16="http://schemas.microsoft.com/office/drawing/2014/main" id="{928763AE-5F53-6A62-CC71-C010AE82127E}"/>
-              </a:ext>
-            </a:extLst>
-          </p:cNvPr>
-          <p:cNvSpPr txBox="1"/>
-          <p:nvPr/>
-        </p:nvSpPr>
-        <p:spPr>
-          <a:xfrm>
-            <a:off x="924191" y="5141728"/>
-            <a:ext cx="6824722" cy="923330"/>
-          </a:xfrm>
-          <a:prstGeom prst="rect">
-            <a:avLst/>
-          </a:prstGeom>
-          <a:noFill/>
-        </p:spPr>
-        <p:txBody>
-          <a:bodyPr wrap="square" rtlCol="0">
-            <a:spAutoFit/>
-          </a:bodyPr>
-          <a:lstStyle/>
-          <a:p>
-            <a:pPr algn="ctr"/>
-            <a:r>
-              <a:rPr lang="en-US" dirty="0"/>
-              <a:t>We obtain the following results:</a:t>
-            </a:r>
-          </a:p>
-          <a:p>
-            <a:pPr marL="285750" indent="-285750">
-              <a:buFont typeface="Arial" panose="020B0604020202020204" pitchFamily="34" charset="0"/>
-              <a:buChar char="•"/>
-            </a:pPr>
-            <a:r>
-              <a:rPr lang="en-US" dirty="0"/>
-              <a:t>Recall 0.97: we are correctly identifying almost all the anomalies</a:t>
-            </a:r>
-          </a:p>
-          <a:p>
-            <a:pPr marL="285750" indent="-285750">
-              <a:buFont typeface="Arial" panose="020B0604020202020204" pitchFamily="34" charset="0"/>
-              <a:buChar char="•"/>
-            </a:pPr>
-            <a:r>
-              <a:rPr lang="en-US" dirty="0"/>
-              <a:t>Precision 0.63: we are misidentifying many normal days</a:t>
-            </a:r>
-          </a:p>
-        </p:txBody>
-      </p:sp>
-      <p:sp>
-        <p:nvSpPr>
-          <p:cNvPr id="3" name="Rettangolo 2">
-            <a:extLst>
-              <a:ext uri="{FF2B5EF4-FFF2-40B4-BE49-F238E27FC236}">
-                <a16:creationId xmlns:a16="http://schemas.microsoft.com/office/drawing/2014/main" id="{32E6316E-DA18-8717-A7A6-3F19E81FBD61}"/>
-              </a:ext>
-            </a:extLst>
-          </p:cNvPr>
-          <p:cNvSpPr/>
-          <p:nvPr/>
-        </p:nvSpPr>
-        <p:spPr>
-          <a:xfrm>
-            <a:off x="419358" y="478933"/>
-            <a:ext cx="7834389" cy="923330"/>
-          </a:xfrm>
-          <a:prstGeom prst="rect">
-            <a:avLst/>
-          </a:prstGeom>
-          <a:noFill/>
-        </p:spPr>
-        <p:txBody>
-          <a:bodyPr wrap="none" lIns="91440" tIns="45720" rIns="91440" bIns="45720">
-            <a:spAutoFit/>
-            <a:scene3d>
-              <a:camera prst="orthographicFront"/>
-              <a:lightRig rig="soft" dir="t">
-                <a:rot lat="0" lon="0" rev="15600000"/>
-              </a:lightRig>
-            </a:scene3d>
-            <a:sp3d extrusionH="57150" prstMaterial="softEdge">
-              <a:bevelT w="25400" h="38100"/>
-            </a:sp3d>
-          </a:bodyPr>
-          <a:lstStyle/>
-          <a:p>
-            <a:pPr algn="ctr"/>
-            <a:r>
-              <a:rPr lang="it-IT" sz="5400" b="1" cap="none" spc="0" dirty="0">
-                <a:ln/>
-                <a:solidFill>
-                  <a:srgbClr val="FFC000"/>
-                </a:solidFill>
-                <a:effectLst/>
-              </a:rPr>
-              <a:t>MODEL EVALUATION</a:t>
-            </a:r>
-          </a:p>
-        </p:txBody>
-      </p:sp>
-      <p:sp>
-        <p:nvSpPr>
-          <p:cNvPr id="2" name="CasellaDiTesto 1">
-            <a:extLst>
-              <a:ext uri="{FF2B5EF4-FFF2-40B4-BE49-F238E27FC236}">
-                <a16:creationId xmlns:a16="http://schemas.microsoft.com/office/drawing/2014/main" id="{C5340711-2639-37C3-2723-C06DEAB87DA9}"/>
-              </a:ext>
-            </a:extLst>
-          </p:cNvPr>
-          <p:cNvSpPr txBox="1"/>
-          <p:nvPr/>
-        </p:nvSpPr>
-        <p:spPr>
-          <a:xfrm>
-            <a:off x="1" y="6478565"/>
+            <a:off x="0" y="6480010"/>
             <a:ext cx="12192000" cy="923330"/>
           </a:xfrm>
           <a:prstGeom prst="rect">
@@ -10403,6 +10420,18 @@
               </a:spcAft>
             </a:pPr>
             <a:r>
+              <a:rPr lang="en-US" dirty="0">
+                <a:solidFill>
+                  <a:schemeClr val="bg2">
+                    <a:lumMod val="10000"/>
+                    <a:lumOff val="90000"/>
+                  </a:schemeClr>
+                </a:solidFill>
+                <a:latin typeface="Helvetica Neue"/>
+              </a:rPr>
+              <a:t>INVESTMENT REPLICA</a:t>
+            </a:r>
+            <a:r>
               <a:rPr lang="en-US" sz="1800" b="0" i="0" u="none" strike="noStrike" dirty="0">
                 <a:solidFill>
                   <a:schemeClr val="bg2">
@@ -10413,7 +10442,7 @@
                 <a:effectLst/>
                 <a:latin typeface="Helvetica Neue"/>
               </a:rPr>
-              <a:t>Early Warning Systems                                                                                                                              FINTECH BC 3</a:t>
+              <a:t>                                                                                                                           FINTECH BC 4</a:t>
             </a:r>
             <a:endParaRPr lang="en-US" b="0" dirty="0">
               <a:solidFill>
@@ -10426,6 +10455,10 @@
             </a:endParaRPr>
           </a:p>
           <a:p>
+            <a:r>
+              <a:rPr lang="en-US" dirty="0"/>
+              <a:t>  </a:t>
+            </a:r>
             <a:br>
               <a:rPr lang="en-US" dirty="0"/>
             </a:br>
@@ -10433,211 +10466,22 @@
           </a:p>
         </p:txBody>
       </p:sp>
-    </p:spTree>
-    <p:extLst>
-      <p:ext uri="{BB962C8B-B14F-4D97-AF65-F5344CB8AC3E}">
-        <p14:creationId xmlns:p14="http://schemas.microsoft.com/office/powerpoint/2010/main" val="3368148799"/>
-      </p:ext>
-    </p:extLst>
-  </p:cSld>
-  <p:clrMapOvr>
-    <a:masterClrMapping/>
-  </p:clrMapOvr>
-</p:sld>
-</file>
-
-<file path=ppt/slides/slide13.xml><?xml version="1.0" encoding="utf-8"?>
-<p:sld xmlns:a="http://schemas.openxmlformats.org/drawingml/2006/main" xmlns:r="http://schemas.openxmlformats.org/officeDocument/2006/relationships" xmlns:p="http://schemas.openxmlformats.org/presentationml/2006/main">
-  <p:cSld>
-    <p:spTree>
-      <p:nvGrpSpPr>
-        <p:cNvPr id="1" name=""/>
-        <p:cNvGrpSpPr/>
-        <p:nvPr/>
-      </p:nvGrpSpPr>
-      <p:grpSpPr>
-        <a:xfrm>
-          <a:off x="0" y="0"/>
-          <a:ext cx="0" cy="0"/>
-          <a:chOff x="0" y="0"/>
-          <a:chExt cx="0" cy="0"/>
-        </a:xfrm>
-      </p:grpSpPr>
-      <p:sp>
-        <p:nvSpPr>
-          <p:cNvPr id="3" name="Segnaposto contenuto 2">
+      <p:sp>
+        <p:nvSpPr>
+          <p:cNvPr id="5" name="CasellaDiTesto 4">
             <a:extLst>
               <a:ext uri="{FF2B5EF4-FFF2-40B4-BE49-F238E27FC236}">
-                <a16:creationId xmlns:a16="http://schemas.microsoft.com/office/drawing/2014/main" id="{F20CA9AA-392F-2E94-9DAC-EBFFFECF1162}"/>
+                <a16:creationId xmlns:a16="http://schemas.microsoft.com/office/drawing/2014/main" id="{C67A231A-7611-2BAD-18D0-8F444978EA31}"/>
               </a:ext>
             </a:extLst>
           </p:cNvPr>
-          <p:cNvSpPr>
-            <a:spLocks noGrp="1"/>
-          </p:cNvSpPr>
-          <p:nvPr>
-            <p:ph idx="1"/>
-          </p:nvPr>
+          <p:cNvSpPr txBox="1"/>
+          <p:nvPr/>
         </p:nvSpPr>
         <p:spPr>
           <a:xfrm>
-            <a:off x="976258" y="1864529"/>
-            <a:ext cx="9134445" cy="1295231"/>
-          </a:xfrm>
-        </p:spPr>
-        <p:txBody>
-          <a:bodyPr/>
-          <a:lstStyle/>
-          <a:p>
-            <a:r>
-              <a:rPr lang="it-IT" dirty="0" err="1">
-                <a:solidFill>
-                  <a:schemeClr val="tx1"/>
-                </a:solidFill>
-              </a:rPr>
-              <a:t>Since</a:t>
-            </a:r>
-            <a:r>
-              <a:rPr lang="it-IT" dirty="0">
-                <a:solidFill>
-                  <a:schemeClr val="tx1"/>
-                </a:solidFill>
-              </a:rPr>
-              <a:t> the dataset </a:t>
-            </a:r>
-            <a:r>
-              <a:rPr lang="it-IT" dirty="0" err="1">
-                <a:solidFill>
-                  <a:schemeClr val="tx1"/>
-                </a:solidFill>
-              </a:rPr>
-              <a:t>is</a:t>
-            </a:r>
-            <a:r>
-              <a:rPr lang="it-IT" dirty="0">
-                <a:solidFill>
-                  <a:schemeClr val="tx1"/>
-                </a:solidFill>
-              </a:rPr>
-              <a:t> unbalanced, we can </a:t>
-            </a:r>
-            <a:r>
-              <a:rPr lang="it-IT" dirty="0" err="1">
-                <a:solidFill>
-                  <a:schemeClr val="tx1"/>
-                </a:solidFill>
-              </a:rPr>
-              <a:t>try</a:t>
-            </a:r>
-            <a:r>
-              <a:rPr lang="it-IT" dirty="0">
-                <a:solidFill>
-                  <a:schemeClr val="tx1"/>
-                </a:solidFill>
-              </a:rPr>
-              <a:t> multiple techniques of oversampling (</a:t>
-            </a:r>
-            <a:r>
-              <a:rPr lang="it-IT" dirty="0" err="1">
-                <a:solidFill>
-                  <a:schemeClr val="tx1"/>
-                </a:solidFill>
-              </a:rPr>
-              <a:t>such</a:t>
-            </a:r>
-            <a:r>
-              <a:rPr lang="it-IT" dirty="0">
-                <a:solidFill>
-                  <a:schemeClr val="tx1"/>
-                </a:solidFill>
-              </a:rPr>
-              <a:t> </a:t>
-            </a:r>
-            <a:r>
-              <a:rPr lang="it-IT" dirty="0" err="1">
-                <a:solidFill>
-                  <a:schemeClr val="tx1"/>
-                </a:solidFill>
-              </a:rPr>
-              <a:t>as</a:t>
-            </a:r>
-            <a:r>
-              <a:rPr lang="it-IT" dirty="0">
-                <a:solidFill>
-                  <a:schemeClr val="tx1"/>
-                </a:solidFill>
-              </a:rPr>
-              <a:t> Smote)</a:t>
-            </a:r>
-          </a:p>
-          <a:p>
-            <a:r>
-              <a:rPr lang="it-IT" dirty="0" err="1">
-                <a:solidFill>
-                  <a:schemeClr val="tx1"/>
-                </a:solidFill>
-              </a:rPr>
-              <a:t>Try</a:t>
-            </a:r>
-            <a:r>
-              <a:rPr lang="it-IT" dirty="0">
-                <a:solidFill>
-                  <a:schemeClr val="tx1"/>
-                </a:solidFill>
-              </a:rPr>
-              <a:t> to use </a:t>
-            </a:r>
-            <a:r>
-              <a:rPr lang="it-IT" dirty="0" err="1">
-                <a:solidFill>
-                  <a:schemeClr val="tx1"/>
-                </a:solidFill>
-              </a:rPr>
-              <a:t>different</a:t>
-            </a:r>
-            <a:r>
-              <a:rPr lang="it-IT" dirty="0">
-                <a:solidFill>
-                  <a:schemeClr val="tx1"/>
-                </a:solidFill>
-              </a:rPr>
-              <a:t> </a:t>
-            </a:r>
-            <a:r>
-              <a:rPr lang="it-IT" dirty="0" err="1">
-                <a:solidFill>
-                  <a:schemeClr val="tx1"/>
-                </a:solidFill>
-              </a:rPr>
-              <a:t>criteria</a:t>
-            </a:r>
-            <a:r>
-              <a:rPr lang="it-IT" dirty="0">
-                <a:solidFill>
-                  <a:schemeClr val="tx1"/>
-                </a:solidFill>
-              </a:rPr>
-              <a:t> in the feature selection</a:t>
-            </a:r>
-          </a:p>
-        </p:txBody>
-      </p:sp>
-      <p:sp>
-        <p:nvSpPr>
-          <p:cNvPr id="4" name="Rettangolo 3">
-            <a:extLst>
-              <a:ext uri="{FF2B5EF4-FFF2-40B4-BE49-F238E27FC236}">
-                <a16:creationId xmlns:a16="http://schemas.microsoft.com/office/drawing/2014/main" id="{2940C41F-A624-BAE7-247B-B368A9CEC560}"/>
-              </a:ext>
-            </a:extLst>
-          </p:cNvPr>
-          <p:cNvSpPr/>
-          <p:nvPr/>
-        </p:nvSpPr>
-        <p:spPr>
-          <a:xfrm>
-            <a:off x="913795" y="235093"/>
-            <a:ext cx="4504759" cy="923330"/>
+            <a:off x="345201" y="243225"/>
+            <a:ext cx="6446045" cy="369332"/>
           </a:xfrm>
           <a:prstGeom prst="rect">
             <a:avLst/>
@@ -10645,40 +10489,79 @@
           <a:noFill/>
         </p:spPr>
         <p:txBody>
-          <a:bodyPr wrap="none" lIns="91440" tIns="45720" rIns="91440" bIns="45720">
+          <a:bodyPr wrap="square" rtlCol="0">
             <a:spAutoFit/>
-            <a:scene3d>
-              <a:camera prst="orthographicFront"/>
-              <a:lightRig rig="soft" dir="t">
-                <a:rot lat="0" lon="0" rev="15600000"/>
-              </a:lightRig>
-            </a:scene3d>
-            <a:sp3d extrusionH="57150" prstMaterial="softEdge">
-              <a:bevelT w="25400" h="38100"/>
-            </a:sp3d>
           </a:bodyPr>
           <a:lstStyle/>
           <a:p>
-            <a:pPr algn="ctr"/>
-            <a:r>
-              <a:rPr lang="it-IT" sz="5400" b="1" cap="none" spc="0" dirty="0">
-                <a:ln/>
-                <a:solidFill>
-                  <a:srgbClr val="FFC000"/>
-                </a:solidFill>
-                <a:effectLst/>
-              </a:rPr>
-              <a:t>NEXT STEPS</a:t>
-            </a:r>
-          </a:p>
-        </p:txBody>
-      </p:sp>
-      <p:sp>
-        <p:nvSpPr>
-          <p:cNvPr id="2" name="CasellaDiTesto 1">
+            <a:r>
+              <a:rPr lang="it-IT" dirty="0" err="1"/>
+              <a:t>Comparison</a:t>
+            </a:r>
+            <a:r>
+              <a:rPr lang="it-IT" dirty="0"/>
+              <a:t> of </a:t>
+            </a:r>
+            <a:r>
+              <a:rPr lang="it-IT" dirty="0" err="1"/>
+              <a:t>returns</a:t>
+            </a:r>
+            <a:r>
+              <a:rPr lang="it-IT" dirty="0"/>
+              <a:t> and VaR </a:t>
+            </a:r>
+            <a:r>
+              <a:rPr lang="it-IT" dirty="0" err="1"/>
+              <a:t>manually</a:t>
+            </a:r>
+            <a:r>
+              <a:rPr lang="it-IT" dirty="0"/>
+              <a:t> and by </a:t>
+            </a:r>
+            <a:r>
+              <a:rPr lang="it-IT" b="1" dirty="0" err="1"/>
+              <a:t>Varbacktest</a:t>
+            </a:r>
+            <a:endParaRPr lang="it-IT" dirty="0"/>
+          </a:p>
+        </p:txBody>
+      </p:sp>
+      <p:pic>
+        <p:nvPicPr>
+          <p:cNvPr id="9" name="Immagine 8">
             <a:extLst>
               <a:ext uri="{FF2B5EF4-FFF2-40B4-BE49-F238E27FC236}">
-                <a16:creationId xmlns:a16="http://schemas.microsoft.com/office/drawing/2014/main" id="{A5921543-5CA0-427D-FC72-A6C87BA5D6D8}"/>
+                <a16:creationId xmlns:a16="http://schemas.microsoft.com/office/drawing/2014/main" id="{8BD19F20-DA8F-D23B-0BFB-199EF9812CF3}"/>
+              </a:ext>
+            </a:extLst>
+          </p:cNvPr>
+          <p:cNvPicPr>
+            <a:picLocks noChangeAspect="1"/>
+          </p:cNvPicPr>
+          <p:nvPr/>
+        </p:nvPicPr>
+        <p:blipFill>
+          <a:blip r:embed="rId2"/>
+          <a:stretch>
+            <a:fillRect/>
+          </a:stretch>
+        </p:blipFill>
+        <p:spPr>
+          <a:xfrm>
+            <a:off x="345201" y="2047399"/>
+            <a:ext cx="11409634" cy="1340014"/>
+          </a:xfrm>
+          <a:prstGeom prst="rect">
+            <a:avLst/>
+          </a:prstGeom>
+        </p:spPr>
+      </p:pic>
+      <p:sp>
+        <p:nvSpPr>
+          <p:cNvPr id="10" name="CasellaDiTesto 9">
+            <a:extLst>
+              <a:ext uri="{FF2B5EF4-FFF2-40B4-BE49-F238E27FC236}">
+                <a16:creationId xmlns:a16="http://schemas.microsoft.com/office/drawing/2014/main" id="{797B4D63-DD97-78B5-0FC9-1742AD9D32B4}"/>
               </a:ext>
             </a:extLst>
           </p:cNvPr>
@@ -10687,18 +10570,13 @@
         </p:nvSpPr>
         <p:spPr>
           <a:xfrm>
-            <a:off x="1" y="6478565"/>
-            <a:ext cx="12192000" cy="923330"/>
+            <a:off x="307572" y="3951257"/>
+            <a:ext cx="10459764" cy="3416320"/>
           </a:xfrm>
           <a:prstGeom prst="rect">
             <a:avLst/>
           </a:prstGeom>
-          <a:solidFill>
-            <a:schemeClr val="bg1">
-              <a:lumMod val="50000"/>
-              <a:lumOff val="50000"/>
-            </a:schemeClr>
-          </a:solidFill>
+          <a:noFill/>
         </p:spPr>
         <p:txBody>
           <a:bodyPr wrap="square">
@@ -10706,49 +10584,124 @@
           </a:bodyPr>
           <a:lstStyle/>
           <a:p>
-            <a:pPr rtl="0">
-              <a:spcBef>
-                <a:spcPts val="0"/>
-              </a:spcBef>
-              <a:spcAft>
-                <a:spcPts val="0"/>
-              </a:spcAft>
-            </a:pPr>
-            <a:r>
-              <a:rPr lang="en-US" sz="1800" b="0" i="0" u="none" strike="noStrike" dirty="0">
-                <a:solidFill>
-                  <a:schemeClr val="bg2">
-                    <a:lumMod val="10000"/>
-                    <a:lumOff val="90000"/>
-                  </a:schemeClr>
-                </a:solidFill>
+            <a:pPr algn="l"/>
+            <a:r>
+              <a:rPr lang="en-US" i="0" dirty="0">
                 <a:effectLst/>
-                <a:latin typeface="Helvetica Neue"/>
               </a:rPr>
-              <a:t>Early Warning Systems                                                                                                                              FINTECH BC 3</a:t>
-            </a:r>
-            <a:endParaRPr lang="en-US" b="0" dirty="0">
-              <a:solidFill>
-                <a:schemeClr val="bg2">
-                  <a:lumMod val="10000"/>
-                  <a:lumOff val="90000"/>
-                </a:schemeClr>
-              </a:solidFill>
+              <a:t>We use three frequency test, all but EWMA99 pass these tests.</a:t>
+            </a:r>
+          </a:p>
+          <a:p>
+            <a:pPr algn="l"/>
+            <a:r>
+              <a:rPr lang="en-US" b="1" i="0" dirty="0">
+                <a:effectLst/>
+              </a:rPr>
+              <a:t>TL </a:t>
+            </a:r>
+            <a:r>
+              <a:rPr lang="en-US" i="0" dirty="0">
+                <a:effectLst/>
+              </a:rPr>
+              <a:t>= Traffic Light Test</a:t>
+            </a:r>
+          </a:p>
+          <a:p>
+            <a:pPr algn="l"/>
+            <a:r>
+              <a:rPr lang="en-US" b="1" i="0" dirty="0">
+                <a:effectLst/>
+              </a:rPr>
+              <a:t>Bin </a:t>
+            </a:r>
+            <a:r>
+              <a:rPr lang="en-US" i="0" dirty="0">
+                <a:effectLst/>
+              </a:rPr>
+              <a:t>= Binom</a:t>
+            </a:r>
+            <a:r>
+              <a:rPr lang="en-US" dirty="0"/>
+              <a:t>ial Test</a:t>
+            </a:r>
+          </a:p>
+          <a:p>
+            <a:pPr algn="l"/>
+            <a:r>
+              <a:rPr lang="en-US" b="1" dirty="0"/>
+              <a:t>POF </a:t>
+            </a:r>
+            <a:r>
+              <a:rPr lang="en-US" dirty="0"/>
+              <a:t> = Proportion of Failures Test</a:t>
+            </a:r>
+          </a:p>
+          <a:p>
+            <a:pPr algn="l"/>
+            <a:endParaRPr lang="en-US" dirty="0"/>
+          </a:p>
+          <a:p>
+            <a:pPr algn="l"/>
+            <a:r>
+              <a:rPr lang="en-US" b="1" dirty="0"/>
+              <a:t>CCI </a:t>
+            </a:r>
+            <a:r>
+              <a:rPr lang="en-US" dirty="0"/>
+              <a:t>and </a:t>
+            </a:r>
+            <a:r>
+              <a:rPr lang="en-US" b="1" dirty="0"/>
+              <a:t>TBFI </a:t>
+            </a:r>
+            <a:r>
+              <a:rPr lang="en-US" dirty="0"/>
+              <a:t>are independency tests. </a:t>
+            </a:r>
+          </a:p>
+          <a:p>
+            <a:pPr algn="l"/>
+            <a:endParaRPr lang="en-US" b="1" dirty="0"/>
+          </a:p>
+          <a:p>
+            <a:pPr algn="l"/>
+            <a:r>
+              <a:rPr lang="en-US" b="1" dirty="0"/>
+              <a:t>The best method seems to be Historical99</a:t>
+            </a:r>
+            <a:r>
+              <a:rPr lang="en-US" dirty="0"/>
+              <a:t>, since it passes all test. </a:t>
+            </a:r>
+            <a:endParaRPr lang="en-US" b="1" dirty="0"/>
+          </a:p>
+          <a:p>
+            <a:pPr algn="l"/>
+            <a:endParaRPr lang="en-US" dirty="0"/>
+          </a:p>
+          <a:p>
+            <a:pPr algn="l"/>
+            <a:endParaRPr lang="en-US" dirty="0"/>
+          </a:p>
+          <a:p>
+            <a:pPr algn="l"/>
+            <a:endParaRPr lang="en-US" b="1" i="0" dirty="0">
               <a:effectLst/>
             </a:endParaRPr>
           </a:p>
           <a:p>
-            <a:br>
-              <a:rPr lang="en-US" dirty="0"/>
-            </a:br>
-            <a:endParaRPr lang="it-IT" dirty="0"/>
+            <a:pPr algn="l"/>
+            <a:endParaRPr lang="en-US" b="1" i="0" dirty="0">
+              <a:effectLst/>
+            </a:endParaRPr>
           </a:p>
         </p:txBody>
       </p:sp>
     </p:spTree>
     <p:extLst>
       <p:ext uri="{BB962C8B-B14F-4D97-AF65-F5344CB8AC3E}">
-        <p14:creationId xmlns:p14="http://schemas.microsoft.com/office/powerpoint/2010/main" val="2513982676"/>
+        <p14:creationId xmlns:p14="http://schemas.microsoft.com/office/powerpoint/2010/main" val="3553670490"/>
       </p:ext>
     </p:extLst>
   </p:cSld>
@@ -11297,7 +11250,7 @@
         </p:nvSpPr>
         <p:spPr>
           <a:xfrm>
-            <a:off x="483927" y="5279829"/>
+            <a:off x="521905" y="5257777"/>
             <a:ext cx="11267321" cy="369332"/>
           </a:xfrm>
           <a:prstGeom prst="rect">
@@ -12092,7 +12045,7 @@
         <p:spPr>
           <a:xfrm>
             <a:off x="893473" y="1685821"/>
-            <a:ext cx="6836229" cy="3443635"/>
+            <a:ext cx="6836229" cy="3895746"/>
           </a:xfrm>
           <a:prstGeom prst="rect">
             <a:avLst/>
@@ -12235,7 +12188,7 @@
               <a:rPr lang="it-IT" sz="2000" b="1" dirty="0">
                 <a:latin typeface="+mj-lt"/>
               </a:rPr>
-              <a:t>VaR</a:t>
+              <a:t>VaR Analysis</a:t>
             </a:r>
           </a:p>
           <a:p>
@@ -12256,6 +12209,33 @@
               </a:rPr>
               <a:t>- </a:t>
             </a:r>
+            <a:r>
+              <a:rPr lang="it-IT" sz="2000" dirty="0">
+                <a:latin typeface="+mj-lt"/>
+              </a:rPr>
+              <a:t>VaR on </a:t>
+            </a:r>
+            <a:r>
+              <a:rPr lang="it-IT" sz="2000" dirty="0" err="1">
+                <a:latin typeface="+mj-lt"/>
+              </a:rPr>
+              <a:t>historical</a:t>
+            </a:r>
+            <a:r>
+              <a:rPr lang="it-IT" sz="2000" dirty="0">
+                <a:latin typeface="+mj-lt"/>
+              </a:rPr>
+              <a:t> </a:t>
+            </a:r>
+            <a:r>
+              <a:rPr lang="it-IT" sz="2000" dirty="0" err="1">
+                <a:latin typeface="+mj-lt"/>
+              </a:rPr>
+              <a:t>datas</a:t>
+            </a:r>
+            <a:endParaRPr lang="it-IT" sz="2000" dirty="0">
+              <a:latin typeface="+mj-lt"/>
+            </a:endParaRPr>
           </a:p>
           <a:p>
             <a:pPr>
@@ -12273,7 +12253,26 @@
               <a:rPr lang="it-IT" sz="2000" dirty="0">
                 <a:latin typeface="+mj-lt"/>
               </a:rPr>
-              <a:t>- </a:t>
+              <a:t>- EMWA</a:t>
+            </a:r>
+          </a:p>
+          <a:p>
+            <a:pPr>
+              <a:lnSpc>
+                <a:spcPct val="150000"/>
+              </a:lnSpc>
+            </a:pPr>
+            <a:r>
+              <a:rPr lang="it-IT" sz="2000" dirty="0">
+                <a:latin typeface="+mj-lt"/>
+              </a:rPr>
+              <a:t>     - VaR </a:t>
+            </a:r>
+            <a:r>
+              <a:rPr lang="it-IT" sz="2000" dirty="0" err="1">
+                <a:latin typeface="+mj-lt"/>
+              </a:rPr>
+              <a:t>Backtesting</a:t>
             </a:r>
             <a:endParaRPr lang="it-IT" sz="1900" dirty="0">
               <a:latin typeface="+mj-lt"/>
@@ -16646,8 +16645,8 @@
         </p:nvSpPr>
         <p:spPr>
           <a:xfrm>
-            <a:off x="499041" y="1264714"/>
-            <a:ext cx="10375436" cy="821113"/>
+            <a:off x="484249" y="1571724"/>
+            <a:ext cx="11223501" cy="882623"/>
           </a:xfrm>
         </p:spPr>
         <p:txBody>
@@ -16660,23 +16659,15 @@
               <a:buNone/>
             </a:pPr>
             <a:r>
-              <a:rPr lang="it-IT" sz="1800" dirty="0">
+              <a:rPr lang="en-US" sz="1800" b="1" dirty="0" err="1">
                 <a:solidFill>
                   <a:schemeClr val="tx1"/>
                 </a:solidFill>
               </a:rPr>
-              <a:t>We tried a </a:t>
-            </a:r>
-            <a:r>
-              <a:rPr lang="it-IT" sz="1800" dirty="0" err="1">
-                <a:solidFill>
-                  <a:schemeClr val="tx1"/>
-                </a:solidFill>
-              </a:rPr>
-              <a:t>naive</a:t>
-            </a:r>
-            <a:r>
-              <a:rPr lang="it-IT" sz="1800" dirty="0">
+              <a:t>r_alpha</a:t>
+            </a:r>
+            <a:r>
+              <a:rPr lang="en-US" sz="1800" b="1" dirty="0">
                 <a:solidFill>
                   <a:schemeClr val="tx1"/>
                 </a:solidFill>
@@ -16684,42 +16675,117 @@
               <a:t> </a:t>
             </a:r>
             <a:r>
-              <a:rPr lang="it-IT" sz="1800" dirty="0" err="1">
-                <a:solidFill>
-                  <a:schemeClr val="tx1"/>
-                </a:solidFill>
-              </a:rPr>
-              <a:t>Oversampling</a:t>
-            </a:r>
-            <a:r>
-              <a:rPr lang="it-IT" sz="1800" dirty="0">
-                <a:solidFill>
-                  <a:schemeClr val="tx1"/>
-                </a:solidFill>
-              </a:rPr>
-              <a:t>:                            </a:t>
-            </a:r>
-            <a:r>
               <a:rPr lang="en-US" sz="1800" dirty="0">
                 <a:solidFill>
                   <a:schemeClr val="tx1"/>
                 </a:solidFill>
               </a:rPr>
-              <a:t>Number of new anomalies added: 636 </a:t>
-            </a:r>
-          </a:p>
-          <a:p>
-            <a:pPr marL="0" indent="0">
-              <a:buNone/>
-            </a:pPr>
+              <a:t>is that loss for which the probability of losses bugger that </a:t>
+            </a:r>
+            <a:r>
+              <a:rPr lang="en-US" sz="1800" dirty="0" err="1">
+                <a:solidFill>
+                  <a:schemeClr val="tx1"/>
+                </a:solidFill>
+              </a:rPr>
+              <a:t>VaR</a:t>
+            </a:r>
             <a:r>
               <a:rPr lang="en-US" sz="1800" dirty="0">
                 <a:solidFill>
                   <a:schemeClr val="tx1"/>
                 </a:solidFill>
               </a:rPr>
-              <a:t>NROS has added 268.354% more anomalies       New ratio of 0-1: {0: 0.5, 1: 0.5}</a:t>
-            </a:r>
+              <a:t> itself is equal to alpha. Despite various critiques concerning the inability of </a:t>
+            </a:r>
+            <a:r>
+              <a:rPr lang="en-US" sz="1800" dirty="0" err="1">
+                <a:solidFill>
+                  <a:schemeClr val="tx1"/>
+                </a:solidFill>
+              </a:rPr>
+              <a:t>VaR</a:t>
+            </a:r>
+            <a:r>
+              <a:rPr lang="en-US" sz="1800" dirty="0">
+                <a:solidFill>
+                  <a:schemeClr val="tx1"/>
+                </a:solidFill>
+              </a:rPr>
+              <a:t> to measure the magnitude of losses over alpha, it remains a key element in financial risk management.</a:t>
+            </a:r>
+          </a:p>
+          <a:p>
+            <a:pPr marL="0" indent="0">
+              <a:buNone/>
+            </a:pPr>
+            <a:endParaRPr lang="en-US" sz="1800" dirty="0">
+              <a:solidFill>
+                <a:schemeClr val="tx1"/>
+              </a:solidFill>
+            </a:endParaRPr>
+          </a:p>
+          <a:p>
+            <a:pPr marL="0" indent="0">
+              <a:spcBef>
+                <a:spcPts val="200"/>
+              </a:spcBef>
+              <a:buNone/>
+            </a:pPr>
+            <a:endParaRPr lang="en-US" sz="1800" dirty="0">
+              <a:solidFill>
+                <a:schemeClr val="tx1"/>
+              </a:solidFill>
+            </a:endParaRPr>
+          </a:p>
+          <a:p>
+            <a:pPr marL="0" indent="0">
+              <a:spcBef>
+                <a:spcPts val="200"/>
+              </a:spcBef>
+              <a:buNone/>
+            </a:pPr>
+            <a:endParaRPr lang="en-US" sz="1800" dirty="0">
+              <a:solidFill>
+                <a:schemeClr val="tx1"/>
+              </a:solidFill>
+            </a:endParaRPr>
+          </a:p>
+          <a:p>
+            <a:pPr marL="0" indent="0">
+              <a:spcBef>
+                <a:spcPts val="200"/>
+              </a:spcBef>
+              <a:buNone/>
+            </a:pPr>
+            <a:endParaRPr lang="en-US" sz="1800" dirty="0">
+              <a:solidFill>
+                <a:schemeClr val="tx1"/>
+              </a:solidFill>
+            </a:endParaRPr>
+          </a:p>
+          <a:p>
+            <a:pPr marL="0" indent="0">
+              <a:spcBef>
+                <a:spcPts val="200"/>
+              </a:spcBef>
+              <a:buNone/>
+            </a:pPr>
+            <a:endParaRPr lang="en-US" sz="1800" dirty="0">
+              <a:solidFill>
+                <a:schemeClr val="tx1"/>
+              </a:solidFill>
+            </a:endParaRPr>
+          </a:p>
+          <a:p>
+            <a:pPr marL="0" indent="0">
+              <a:buNone/>
+            </a:pPr>
+            <a:endParaRPr lang="en-US" sz="1800" dirty="0">
+              <a:solidFill>
+                <a:schemeClr val="tx1"/>
+              </a:solidFill>
+            </a:endParaRPr>
           </a:p>
         </p:txBody>
       </p:sp>
@@ -16741,8 +16807,8 @@
         </p:nvSpPr>
         <p:spPr>
           <a:xfrm>
-            <a:off x="312228" y="227058"/>
-            <a:ext cx="10945368" cy="923330"/>
+            <a:off x="153810" y="433970"/>
+            <a:ext cx="4818981" cy="923330"/>
           </a:xfrm>
           <a:prstGeom prst="rect">
             <a:avLst/>
@@ -16766,514 +16832,14 @@
           <a:p>
             <a:pPr algn="ctr"/>
             <a:r>
-              <a:rPr lang="it-IT" sz="5400" b="1" dirty="0">
+              <a:rPr lang="it-IT" sz="5400" b="1" cap="none" spc="0" dirty="0">
                 <a:ln/>
                 <a:solidFill>
                   <a:srgbClr val="FFC000"/>
                 </a:solidFill>
+                <a:effectLst/>
               </a:rPr>
-              <a:t>SUPERVISED CLASSIFICATION</a:t>
-            </a:r>
-            <a:endParaRPr lang="it-IT" sz="5400" b="1" cap="none" spc="0" dirty="0">
-              <a:ln/>
-              <a:solidFill>
-                <a:srgbClr val="FFC000"/>
-              </a:solidFill>
-              <a:effectLst/>
-            </a:endParaRPr>
-          </a:p>
-        </p:txBody>
-      </p:sp>
-      <p:pic>
-        <p:nvPicPr>
-          <p:cNvPr id="6" name="Immagine 5" descr="Immagine che contiene testo&#10;&#10;Descrizione generata automaticamente">
-            <a:extLst>
-              <a:ext uri="{FF2B5EF4-FFF2-40B4-BE49-F238E27FC236}">
-                <a16:creationId xmlns:a16="http://schemas.microsoft.com/office/drawing/2014/main" id="{5655CEC4-6696-8D50-9E83-23B3FAA7238E}"/>
-              </a:ext>
-            </a:extLst>
-          </p:cNvPr>
-          <p:cNvPicPr>
-            <a:picLocks noChangeAspect="1"/>
-          </p:cNvPicPr>
-          <p:nvPr/>
-        </p:nvPicPr>
-        <p:blipFill>
-          <a:blip r:embed="rId2">
-            <a:extLst>
-              <a:ext uri="{28A0092B-C50C-407E-A947-70E740481C1C}">
-                <a14:useLocalDpi xmlns:a14="http://schemas.microsoft.com/office/drawing/2010/main" val="0"/>
-              </a:ext>
-            </a:extLst>
-          </a:blip>
-          <a:stretch>
-            <a:fillRect/>
-          </a:stretch>
-        </p:blipFill>
-        <p:spPr>
-          <a:xfrm>
-            <a:off x="2563301" y="3057846"/>
-            <a:ext cx="6902805" cy="2438525"/>
-          </a:xfrm>
-          <a:prstGeom prst="rect">
-            <a:avLst/>
-          </a:prstGeom>
-        </p:spPr>
-      </p:pic>
-      <p:sp>
-        <p:nvSpPr>
-          <p:cNvPr id="7" name="Segnaposto contenuto 2">
-            <a:extLst>
-              <a:ext uri="{FF2B5EF4-FFF2-40B4-BE49-F238E27FC236}">
-                <a16:creationId xmlns:a16="http://schemas.microsoft.com/office/drawing/2014/main" id="{580E4318-819C-6018-8944-58F25E5A9559}"/>
-              </a:ext>
-            </a:extLst>
-          </p:cNvPr>
-          <p:cNvSpPr txBox="1">
-            <a:spLocks/>
-          </p:cNvSpPr>
-          <p:nvPr/>
-        </p:nvSpPr>
-        <p:spPr>
-          <a:xfrm>
-            <a:off x="2436599" y="5635126"/>
-            <a:ext cx="7318802" cy="405766"/>
-          </a:xfrm>
-          <a:prstGeom prst="rect">
-            <a:avLst/>
-          </a:prstGeom>
-          <a:effectLst>
-            <a:outerShdw blurRad="25400" dir="17880000">
-              <a:srgbClr val="000000">
-                <a:alpha val="46000"/>
-              </a:srgbClr>
-            </a:outerShdw>
-          </a:effectLst>
-        </p:spPr>
-        <p:txBody>
-          <a:bodyPr vert="horz" lIns="91440" tIns="45720" rIns="91440" bIns="45720" rtlCol="0" anchor="t">
-            <a:noAutofit/>
-          </a:bodyPr>
-          <a:lstStyle>
-            <a:lvl1pPr marL="342900" indent="-306000" algn="l" defTabSz="457200" rtl="0" eaLnBrk="1" latinLnBrk="0" hangingPunct="1">
-              <a:spcBef>
-                <a:spcPct val="20000"/>
-              </a:spcBef>
-              <a:spcAft>
-                <a:spcPts val="600"/>
-              </a:spcAft>
-              <a:buClr>
-                <a:schemeClr val="tx2"/>
-              </a:buClr>
-              <a:buSzPct val="70000"/>
-              <a:buFont typeface="Wingdings 2" charset="2"/>
-              <a:buChar char=""/>
-              <a:defRPr sz="2000" kern="1200">
-                <a:ln>
-                  <a:solidFill>
-                    <a:schemeClr val="bg1">
-                      <a:lumMod val="75000"/>
-                      <a:lumOff val="25000"/>
-                      <a:alpha val="10000"/>
-                    </a:schemeClr>
-                  </a:solidFill>
-                </a:ln>
-                <a:solidFill>
-                  <a:schemeClr val="tx2"/>
-                </a:solidFill>
-                <a:effectLst>
-                  <a:outerShdw blurRad="9525" dist="25400" dir="14640000" algn="tl" rotWithShape="0">
-                    <a:schemeClr val="bg1">
-                      <a:alpha val="30000"/>
-                    </a:schemeClr>
-                  </a:outerShdw>
-                </a:effectLst>
-                <a:latin typeface="+mn-lt"/>
-                <a:ea typeface="+mn-ea"/>
-                <a:cs typeface="+mn-cs"/>
-              </a:defRPr>
-            </a:lvl1pPr>
-            <a:lvl2pPr marL="720000" indent="-270000" algn="l" defTabSz="457200" rtl="0" eaLnBrk="1" latinLnBrk="0" hangingPunct="1">
-              <a:spcBef>
-                <a:spcPct val="20000"/>
-              </a:spcBef>
-              <a:spcAft>
-                <a:spcPts val="600"/>
-              </a:spcAft>
-              <a:buClr>
-                <a:schemeClr val="tx2"/>
-              </a:buClr>
-              <a:buSzPct val="70000"/>
-              <a:buFont typeface="Wingdings 2" charset="2"/>
-              <a:buChar char=""/>
-              <a:defRPr sz="1800" kern="1200">
-                <a:ln>
-                  <a:solidFill>
-                    <a:schemeClr val="bg1">
-                      <a:lumMod val="75000"/>
-                      <a:lumOff val="25000"/>
-                      <a:alpha val="10000"/>
-                    </a:schemeClr>
-                  </a:solidFill>
-                </a:ln>
-                <a:solidFill>
-                  <a:schemeClr val="tx2"/>
-                </a:solidFill>
-                <a:effectLst>
-                  <a:outerShdw blurRad="9525" dist="25400" dir="14640000" algn="tl" rotWithShape="0">
-                    <a:schemeClr val="bg1">
-                      <a:alpha val="30000"/>
-                    </a:schemeClr>
-                  </a:outerShdw>
-                </a:effectLst>
-                <a:latin typeface="+mn-lt"/>
-                <a:ea typeface="+mn-ea"/>
-                <a:cs typeface="+mn-cs"/>
-              </a:defRPr>
-            </a:lvl2pPr>
-            <a:lvl3pPr marL="1026000" indent="-216000" algn="l" defTabSz="457200" rtl="0" eaLnBrk="1" latinLnBrk="0" hangingPunct="1">
-              <a:spcBef>
-                <a:spcPct val="20000"/>
-              </a:spcBef>
-              <a:spcAft>
-                <a:spcPts val="600"/>
-              </a:spcAft>
-              <a:buClr>
-                <a:schemeClr val="tx2"/>
-              </a:buClr>
-              <a:buSzPct val="70000"/>
-              <a:buFont typeface="Wingdings 2" charset="2"/>
-              <a:buChar char=""/>
-              <a:defRPr sz="1600" kern="1200">
-                <a:ln>
-                  <a:solidFill>
-                    <a:schemeClr val="bg1">
-                      <a:lumMod val="75000"/>
-                      <a:lumOff val="25000"/>
-                      <a:alpha val="10000"/>
-                    </a:schemeClr>
-                  </a:solidFill>
-                </a:ln>
-                <a:solidFill>
-                  <a:schemeClr val="tx2"/>
-                </a:solidFill>
-                <a:effectLst>
-                  <a:outerShdw blurRad="9525" dist="25400" dir="14640000" algn="tl" rotWithShape="0">
-                    <a:schemeClr val="bg1">
-                      <a:alpha val="30000"/>
-                    </a:schemeClr>
-                  </a:outerShdw>
-                </a:effectLst>
-                <a:latin typeface="+mn-lt"/>
-                <a:ea typeface="+mn-ea"/>
-                <a:cs typeface="+mn-cs"/>
-              </a:defRPr>
-            </a:lvl3pPr>
-            <a:lvl4pPr marL="1386000" indent="-216000" algn="l" defTabSz="457200" rtl="0" eaLnBrk="1" latinLnBrk="0" hangingPunct="1">
-              <a:spcBef>
-                <a:spcPct val="20000"/>
-              </a:spcBef>
-              <a:spcAft>
-                <a:spcPts val="600"/>
-              </a:spcAft>
-              <a:buClr>
-                <a:schemeClr val="tx2"/>
-              </a:buClr>
-              <a:buSzPct val="70000"/>
-              <a:buFont typeface="Wingdings 2" charset="2"/>
-              <a:buChar char=""/>
-              <a:defRPr sz="1400" kern="1200">
-                <a:ln>
-                  <a:solidFill>
-                    <a:schemeClr val="bg1">
-                      <a:lumMod val="75000"/>
-                      <a:lumOff val="25000"/>
-                      <a:alpha val="10000"/>
-                    </a:schemeClr>
-                  </a:solidFill>
-                </a:ln>
-                <a:solidFill>
-                  <a:schemeClr val="tx2"/>
-                </a:solidFill>
-                <a:effectLst>
-                  <a:outerShdw blurRad="9525" dist="25400" dir="14640000" algn="tl" rotWithShape="0">
-                    <a:schemeClr val="bg1">
-                      <a:alpha val="30000"/>
-                    </a:schemeClr>
-                  </a:outerShdw>
-                </a:effectLst>
-                <a:latin typeface="+mn-lt"/>
-                <a:ea typeface="+mn-ea"/>
-                <a:cs typeface="+mn-cs"/>
-              </a:defRPr>
-            </a:lvl4pPr>
-            <a:lvl5pPr marL="1674000" indent="-216000" algn="l" defTabSz="457200" rtl="0" eaLnBrk="1" latinLnBrk="0" hangingPunct="1">
-              <a:spcBef>
-                <a:spcPct val="20000"/>
-              </a:spcBef>
-              <a:spcAft>
-                <a:spcPts val="600"/>
-              </a:spcAft>
-              <a:buClr>
-                <a:schemeClr val="tx2"/>
-              </a:buClr>
-              <a:buSzPct val="70000"/>
-              <a:buFont typeface="Wingdings 2" charset="2"/>
-              <a:buChar char=""/>
-              <a:defRPr sz="1400" kern="1200">
-                <a:ln>
-                  <a:solidFill>
-                    <a:schemeClr val="bg1">
-                      <a:lumMod val="75000"/>
-                      <a:lumOff val="25000"/>
-                      <a:alpha val="10000"/>
-                    </a:schemeClr>
-                  </a:solidFill>
-                </a:ln>
-                <a:solidFill>
-                  <a:schemeClr val="tx2"/>
-                </a:solidFill>
-                <a:effectLst>
-                  <a:outerShdw blurRad="9525" dist="25400" dir="14640000" algn="tl" rotWithShape="0">
-                    <a:schemeClr val="bg1">
-                      <a:alpha val="30000"/>
-                    </a:schemeClr>
-                  </a:outerShdw>
-                </a:effectLst>
-                <a:latin typeface="+mn-lt"/>
-                <a:ea typeface="+mn-ea"/>
-                <a:cs typeface="+mn-cs"/>
-              </a:defRPr>
-            </a:lvl5pPr>
-            <a:lvl6pPr marL="2014600" indent="-228600" algn="l" defTabSz="457200" rtl="0" eaLnBrk="1" latinLnBrk="0" hangingPunct="1">
-              <a:spcBef>
-                <a:spcPct val="20000"/>
-              </a:spcBef>
-              <a:spcAft>
-                <a:spcPts val="600"/>
-              </a:spcAft>
-              <a:buClr>
-                <a:schemeClr val="tx2"/>
-              </a:buClr>
-              <a:buSzPct val="70000"/>
-              <a:buFont typeface="Wingdings 2" charset="2"/>
-              <a:buChar char=""/>
-              <a:defRPr sz="1400" kern="1200">
-                <a:ln>
-                  <a:solidFill>
-                    <a:schemeClr val="bg1">
-                      <a:lumMod val="75000"/>
-                      <a:lumOff val="25000"/>
-                      <a:alpha val="10000"/>
-                    </a:schemeClr>
-                  </a:solidFill>
-                </a:ln>
-                <a:solidFill>
-                  <a:schemeClr val="tx2"/>
-                </a:solidFill>
-                <a:effectLst>
-                  <a:outerShdw blurRad="9525" dist="25400" dir="14640000" algn="tl" rotWithShape="0">
-                    <a:schemeClr val="bg1">
-                      <a:alpha val="30000"/>
-                    </a:schemeClr>
-                  </a:outerShdw>
-                </a:effectLst>
-                <a:latin typeface="+mn-lt"/>
-                <a:ea typeface="+mn-ea"/>
-                <a:cs typeface="+mn-cs"/>
-              </a:defRPr>
-            </a:lvl6pPr>
-            <a:lvl7pPr marL="2401800" indent="-228600" algn="l" defTabSz="457200" rtl="0" eaLnBrk="1" latinLnBrk="0" hangingPunct="1">
-              <a:spcBef>
-                <a:spcPct val="20000"/>
-              </a:spcBef>
-              <a:spcAft>
-                <a:spcPts val="600"/>
-              </a:spcAft>
-              <a:buClr>
-                <a:schemeClr val="tx2"/>
-              </a:buClr>
-              <a:buSzPct val="70000"/>
-              <a:buFont typeface="Wingdings 2" charset="2"/>
-              <a:buChar char=""/>
-              <a:defRPr sz="1400" kern="1200">
-                <a:ln>
-                  <a:solidFill>
-                    <a:schemeClr val="bg1">
-                      <a:lumMod val="75000"/>
-                      <a:lumOff val="25000"/>
-                      <a:alpha val="10000"/>
-                    </a:schemeClr>
-                  </a:solidFill>
-                </a:ln>
-                <a:solidFill>
-                  <a:schemeClr val="tx2"/>
-                </a:solidFill>
-                <a:effectLst>
-                  <a:outerShdw blurRad="9525" dist="25400" dir="14640000" algn="tl" rotWithShape="0">
-                    <a:schemeClr val="bg1">
-                      <a:alpha val="30000"/>
-                    </a:schemeClr>
-                  </a:outerShdw>
-                </a:effectLst>
-                <a:latin typeface="+mn-lt"/>
-                <a:ea typeface="+mn-ea"/>
-                <a:cs typeface="+mn-cs"/>
-              </a:defRPr>
-            </a:lvl7pPr>
-            <a:lvl8pPr marL="2789000" indent="-228600" algn="l" defTabSz="457200" rtl="0" eaLnBrk="1" latinLnBrk="0" hangingPunct="1">
-              <a:spcBef>
-                <a:spcPct val="20000"/>
-              </a:spcBef>
-              <a:spcAft>
-                <a:spcPts val="600"/>
-              </a:spcAft>
-              <a:buClr>
-                <a:schemeClr val="tx2"/>
-              </a:buClr>
-              <a:buSzPct val="70000"/>
-              <a:buFont typeface="Wingdings 2" charset="2"/>
-              <a:buChar char=""/>
-              <a:defRPr sz="1400" kern="1200">
-                <a:ln>
-                  <a:solidFill>
-                    <a:schemeClr val="bg1">
-                      <a:lumMod val="75000"/>
-                      <a:lumOff val="25000"/>
-                      <a:alpha val="10000"/>
-                    </a:schemeClr>
-                  </a:solidFill>
-                </a:ln>
-                <a:solidFill>
-                  <a:schemeClr val="tx2"/>
-                </a:solidFill>
-                <a:effectLst>
-                  <a:outerShdw blurRad="9525" dist="25400" dir="14640000" algn="tl" rotWithShape="0">
-                    <a:schemeClr val="bg1">
-                      <a:alpha val="30000"/>
-                    </a:schemeClr>
-                  </a:outerShdw>
-                </a:effectLst>
-                <a:latin typeface="+mn-lt"/>
-                <a:ea typeface="+mn-ea"/>
-                <a:cs typeface="+mn-cs"/>
-              </a:defRPr>
-            </a:lvl8pPr>
-            <a:lvl9pPr marL="3106200" indent="-228600" algn="l" defTabSz="457200" rtl="0" eaLnBrk="1" latinLnBrk="0" hangingPunct="1">
-              <a:spcBef>
-                <a:spcPct val="20000"/>
-              </a:spcBef>
-              <a:spcAft>
-                <a:spcPts val="600"/>
-              </a:spcAft>
-              <a:buClr>
-                <a:schemeClr val="tx2"/>
-              </a:buClr>
-              <a:buSzPct val="70000"/>
-              <a:buFont typeface="Wingdings 2" charset="2"/>
-              <a:buChar char=""/>
-              <a:defRPr sz="1400" kern="1200">
-                <a:ln>
-                  <a:solidFill>
-                    <a:schemeClr val="bg1">
-                      <a:lumMod val="75000"/>
-                      <a:lumOff val="25000"/>
-                      <a:alpha val="10000"/>
-                    </a:schemeClr>
-                  </a:solidFill>
-                </a:ln>
-                <a:solidFill>
-                  <a:schemeClr val="tx2"/>
-                </a:solidFill>
-                <a:effectLst>
-                  <a:outerShdw blurRad="9525" dist="25400" dir="14640000" algn="tl" rotWithShape="0">
-                    <a:schemeClr val="bg1">
-                      <a:alpha val="30000"/>
-                    </a:schemeClr>
-                  </a:outerShdw>
-                </a:effectLst>
-                <a:latin typeface="+mn-lt"/>
-                <a:ea typeface="+mn-ea"/>
-                <a:cs typeface="+mn-cs"/>
-              </a:defRPr>
-            </a:lvl9pPr>
-          </a:lstStyle>
-          <a:p>
-            <a:pPr marL="36900" indent="0">
-              <a:buFont typeface="Wingdings 2" charset="2"/>
-              <a:buNone/>
-            </a:pPr>
-            <a:r>
-              <a:rPr lang="it-IT" sz="1800" dirty="0">
-                <a:solidFill>
-                  <a:schemeClr val="tx1"/>
-                </a:solidFill>
-              </a:rPr>
-              <a:t>We then tried an </a:t>
-            </a:r>
-            <a:r>
-              <a:rPr lang="it-IT" sz="1800" dirty="0" err="1">
-                <a:solidFill>
-                  <a:schemeClr val="tx1"/>
-                </a:solidFill>
-              </a:rPr>
-              <a:t>Isolation</a:t>
-            </a:r>
-            <a:r>
-              <a:rPr lang="it-IT" sz="1800" dirty="0">
-                <a:solidFill>
-                  <a:schemeClr val="tx1"/>
-                </a:solidFill>
-              </a:rPr>
-              <a:t> </a:t>
-            </a:r>
-            <a:r>
-              <a:rPr lang="it-IT" sz="1800" dirty="0" err="1">
-                <a:solidFill>
-                  <a:schemeClr val="tx1"/>
-                </a:solidFill>
-              </a:rPr>
-              <a:t>Forest</a:t>
-            </a:r>
-            <a:r>
-              <a:rPr lang="it-IT" sz="1800" dirty="0">
-                <a:solidFill>
-                  <a:schemeClr val="tx1"/>
-                </a:solidFill>
-              </a:rPr>
-              <a:t>, </a:t>
-            </a:r>
-            <a:r>
-              <a:rPr lang="it-IT" sz="1800" dirty="0" err="1">
-                <a:solidFill>
-                  <a:schemeClr val="tx1"/>
-                </a:solidFill>
-              </a:rPr>
-              <a:t>which</a:t>
-            </a:r>
-            <a:r>
-              <a:rPr lang="it-IT" sz="1800" dirty="0">
-                <a:solidFill>
-                  <a:schemeClr val="tx1"/>
-                </a:solidFill>
-              </a:rPr>
-              <a:t> seems to be </a:t>
-            </a:r>
-            <a:r>
-              <a:rPr lang="it-IT" sz="1800" dirty="0" err="1">
-                <a:solidFill>
-                  <a:schemeClr val="tx1"/>
-                </a:solidFill>
-              </a:rPr>
-              <a:t>too</a:t>
-            </a:r>
-            <a:r>
-              <a:rPr lang="it-IT" sz="1800" dirty="0">
-                <a:solidFill>
-                  <a:schemeClr val="tx1"/>
-                </a:solidFill>
-              </a:rPr>
-              <a:t> unbalanced</a:t>
+              <a:t>VaR Analysis</a:t>
             </a:r>
           </a:p>
         </p:txBody>
@@ -17364,8 +16930,8 @@
         </p:nvSpPr>
         <p:spPr>
           <a:xfrm>
-            <a:off x="1700980" y="2248671"/>
-            <a:ext cx="6282473" cy="646331"/>
+            <a:off x="3932496" y="1207678"/>
+            <a:ext cx="6282473" cy="369332"/>
           </a:xfrm>
           <a:prstGeom prst="rect">
             <a:avLst/>
@@ -17391,7 +16957,7 @@
               <a:buSzPct val="70000"/>
             </a:pPr>
             <a:r>
-              <a:rPr lang="it-IT" dirty="0">
+              <a:rPr lang="it-IT" b="1" dirty="0" err="1">
                 <a:ln>
                   <a:solidFill>
                     <a:schemeClr val="bg1">
@@ -17409,10 +16975,10 @@
                   </a:outerShdw>
                 </a:effectLst>
               </a:rPr>
-              <a:t>At </a:t>
-            </a:r>
-            <a:r>
-              <a:rPr lang="it-IT" dirty="0" err="1">
+              <a:t>r_alpha</a:t>
+            </a:r>
+            <a:r>
+              <a:rPr lang="it-IT" b="1" dirty="0">
                 <a:ln>
                   <a:solidFill>
                     <a:schemeClr val="bg1">
@@ -17430,326 +16996,427 @@
                   </a:outerShdw>
                 </a:effectLst>
               </a:rPr>
-              <a:t>this</a:t>
-            </a:r>
-            <a:r>
-              <a:rPr lang="it-IT" dirty="0">
-                <a:ln>
-                  <a:solidFill>
-                    <a:schemeClr val="bg1">
-                      <a:lumMod val="75000"/>
-                      <a:lumOff val="25000"/>
-                      <a:alpha val="10000"/>
-                    </a:schemeClr>
-                  </a:solidFill>
-                </a:ln>
-                <a:effectLst>
-                  <a:outerShdw blurRad="9525" dist="25400" dir="14640000" algn="tl" rotWithShape="0">
-                    <a:schemeClr val="bg1">
-                      <a:alpha val="30000"/>
-                    </a:schemeClr>
-                  </a:outerShdw>
-                </a:effectLst>
+              <a:t> = r : P( R &lt;= r ) = alpha </a:t>
+            </a:r>
+          </a:p>
+        </p:txBody>
+      </p:sp>
+      <p:sp>
+        <p:nvSpPr>
+          <p:cNvPr id="5" name="CasellaDiTesto 4">
+            <a:extLst>
+              <a:ext uri="{FF2B5EF4-FFF2-40B4-BE49-F238E27FC236}">
+                <a16:creationId xmlns:a16="http://schemas.microsoft.com/office/drawing/2014/main" id="{865EE0EE-F0FA-2CD1-7442-4229CF26C831}"/>
+              </a:ext>
+            </a:extLst>
+          </p:cNvPr>
+          <p:cNvSpPr txBox="1"/>
+          <p:nvPr/>
+        </p:nvSpPr>
+        <p:spPr>
+          <a:xfrm>
+            <a:off x="0" y="6480010"/>
+            <a:ext cx="12192000" cy="923330"/>
+          </a:xfrm>
+          <a:prstGeom prst="rect">
+            <a:avLst/>
+          </a:prstGeom>
+          <a:solidFill>
+            <a:schemeClr val="bg1">
+              <a:lumMod val="50000"/>
+              <a:lumOff val="50000"/>
+            </a:schemeClr>
+          </a:solidFill>
+        </p:spPr>
+        <p:txBody>
+          <a:bodyPr wrap="square">
+            <a:spAutoFit/>
+          </a:bodyPr>
+          <a:lstStyle/>
+          <a:p>
+            <a:pPr rtl="0">
+              <a:spcBef>
+                <a:spcPts val="0"/>
+              </a:spcBef>
+              <a:spcAft>
+                <a:spcPts val="0"/>
+              </a:spcAft>
+            </a:pPr>
+            <a:r>
+              <a:rPr lang="en-US" dirty="0">
+                <a:solidFill>
+                  <a:schemeClr val="bg2">
+                    <a:lumMod val="10000"/>
+                    <a:lumOff val="90000"/>
+                  </a:schemeClr>
+                </a:solidFill>
+                <a:latin typeface="Helvetica Neue"/>
               </a:rPr>
-              <a:t> point, </a:t>
-            </a:r>
-            <a:r>
-              <a:rPr lang="it-IT" dirty="0" err="1">
-                <a:ln>
-                  <a:solidFill>
-                    <a:schemeClr val="bg1">
-                      <a:lumMod val="75000"/>
-                      <a:lumOff val="25000"/>
-                      <a:alpha val="10000"/>
-                    </a:schemeClr>
-                  </a:solidFill>
-                </a:ln>
-                <a:effectLst>
-                  <a:outerShdw blurRad="9525" dist="25400" dir="14640000" algn="tl" rotWithShape="0">
-                    <a:schemeClr val="bg1">
-                      <a:alpha val="30000"/>
-                    </a:schemeClr>
-                  </a:outerShdw>
-                </a:effectLst>
+              <a:t>INVESTMENT REPLICA</a:t>
+            </a:r>
+            <a:r>
+              <a:rPr lang="en-US" sz="1800" b="0" i="0" u="none" strike="noStrike" dirty="0">
+                <a:solidFill>
+                  <a:schemeClr val="bg2">
+                    <a:lumMod val="10000"/>
+                    <a:lumOff val="90000"/>
+                  </a:schemeClr>
+                </a:solidFill>
+                <a:effectLst/>
+                <a:latin typeface="Helvetica Neue"/>
               </a:rPr>
-              <a:t>we</a:t>
-            </a:r>
-            <a:r>
-              <a:rPr lang="it-IT" dirty="0">
-                <a:ln>
-                  <a:solidFill>
-                    <a:schemeClr val="bg1">
-                      <a:lumMod val="75000"/>
-                      <a:lumOff val="25000"/>
-                      <a:alpha val="10000"/>
-                    </a:schemeClr>
-                  </a:solidFill>
-                </a:ln>
-                <a:effectLst>
-                  <a:outerShdw blurRad="9525" dist="25400" dir="14640000" algn="tl" rotWithShape="0">
-                    <a:schemeClr val="bg1">
-                      <a:alpha val="30000"/>
-                    </a:schemeClr>
-                  </a:outerShdw>
-                </a:effectLst>
+              <a:t>                                                                                                                           FINTECH BC 4</a:t>
+            </a:r>
+            <a:endParaRPr lang="en-US" b="0" dirty="0">
+              <a:solidFill>
+                <a:schemeClr val="bg2">
+                  <a:lumMod val="10000"/>
+                  <a:lumOff val="90000"/>
+                </a:schemeClr>
+              </a:solidFill>
+              <a:effectLst/>
+            </a:endParaRPr>
+          </a:p>
+          <a:p>
+            <a:r>
+              <a:rPr lang="en-US" dirty="0"/>
+              <a:t>  </a:t>
+            </a:r>
+            <a:br>
+              <a:rPr lang="en-US" dirty="0"/>
+            </a:br>
+            <a:endParaRPr lang="it-IT" dirty="0"/>
+          </a:p>
+        </p:txBody>
+      </p:sp>
+      <p:sp>
+        <p:nvSpPr>
+          <p:cNvPr id="8" name="CasellaDiTesto 7">
+            <a:extLst>
+              <a:ext uri="{FF2B5EF4-FFF2-40B4-BE49-F238E27FC236}">
+                <a16:creationId xmlns:a16="http://schemas.microsoft.com/office/drawing/2014/main" id="{E03DD775-CD37-913D-CC07-1979B27BD591}"/>
+              </a:ext>
+            </a:extLst>
+          </p:cNvPr>
+          <p:cNvSpPr txBox="1"/>
+          <p:nvPr/>
+        </p:nvSpPr>
+        <p:spPr>
+          <a:xfrm>
+            <a:off x="499041" y="249304"/>
+            <a:ext cx="6446045" cy="369332"/>
+          </a:xfrm>
+          <a:prstGeom prst="rect">
+            <a:avLst/>
+          </a:prstGeom>
+          <a:noFill/>
+        </p:spPr>
+        <p:txBody>
+          <a:bodyPr wrap="square" rtlCol="0">
+            <a:spAutoFit/>
+          </a:bodyPr>
+          <a:lstStyle/>
+          <a:p>
+            <a:r>
+              <a:rPr lang="it-IT" dirty="0" err="1"/>
+              <a:t>Parametric</a:t>
+            </a:r>
+            <a:r>
+              <a:rPr lang="it-IT" dirty="0"/>
+              <a:t> VaR, EWMA, </a:t>
+            </a:r>
+            <a:r>
+              <a:rPr lang="it-IT" dirty="0" err="1"/>
+              <a:t>Historical</a:t>
+            </a:r>
+            <a:r>
+              <a:rPr lang="it-IT" dirty="0"/>
+              <a:t> </a:t>
+            </a:r>
+            <a:r>
+              <a:rPr lang="it-IT" dirty="0" err="1"/>
+              <a:t>Simulation</a:t>
+            </a:r>
+            <a:r>
+              <a:rPr lang="it-IT" dirty="0"/>
+              <a:t>, </a:t>
+            </a:r>
+            <a:r>
+              <a:rPr lang="it-IT" dirty="0" err="1"/>
+              <a:t>comparison</a:t>
+            </a:r>
+            <a:r>
+              <a:rPr lang="it-IT" dirty="0"/>
+              <a:t> </a:t>
+            </a:r>
+          </a:p>
+        </p:txBody>
+      </p:sp>
+      <p:pic>
+        <p:nvPicPr>
+          <p:cNvPr id="1025" name="Picture 1">
+            <a:extLst>
+              <a:ext uri="{FF2B5EF4-FFF2-40B4-BE49-F238E27FC236}">
+                <a16:creationId xmlns:a16="http://schemas.microsoft.com/office/drawing/2014/main" id="{E66474BF-A284-F4E3-ED0E-CAD9DE56A547}"/>
+              </a:ext>
+            </a:extLst>
+          </p:cNvPr>
+          <p:cNvPicPr>
+            <a:picLocks noChangeAspect="1" noChangeArrowheads="1"/>
+          </p:cNvPicPr>
+          <p:nvPr/>
+        </p:nvPicPr>
+        <p:blipFill>
+          <a:blip r:embed="rId2">
+            <a:extLst>
+              <a:ext uri="{28A0092B-C50C-407E-A947-70E740481C1C}">
+                <a14:useLocalDpi xmlns:a14="http://schemas.microsoft.com/office/drawing/2010/main" val="0"/>
+              </a:ext>
+            </a:extLst>
+          </a:blip>
+          <a:srcRect/>
+          <a:stretch>
+            <a:fillRect/>
+          </a:stretch>
+        </p:blipFill>
+        <p:spPr bwMode="auto">
+          <a:xfrm>
+            <a:off x="1571767" y="3966432"/>
+            <a:ext cx="3196177" cy="2398836"/>
+          </a:xfrm>
+          <a:prstGeom prst="rect">
+            <a:avLst/>
+          </a:prstGeom>
+          <a:noFill/>
+          <a:extLst>
+            <a:ext uri="{909E8E84-426E-40DD-AFC4-6F175D3DCCD1}">
+              <a14:hiddenFill xmlns:a14="http://schemas.microsoft.com/office/drawing/2010/main">
+                <a:solidFill>
+                  <a:srgbClr val="FFFFFF"/>
+                </a:solidFill>
+              </a14:hiddenFill>
+            </a:ext>
+          </a:extLst>
+        </p:spPr>
+      </p:pic>
+      <p:sp>
+        <p:nvSpPr>
+          <p:cNvPr id="9" name="CasellaDiTesto 8">
+            <a:extLst>
+              <a:ext uri="{FF2B5EF4-FFF2-40B4-BE49-F238E27FC236}">
+                <a16:creationId xmlns:a16="http://schemas.microsoft.com/office/drawing/2014/main" id="{B3DA23F8-572F-B1A2-C532-6B7B34F96AEF}"/>
+              </a:ext>
+            </a:extLst>
+          </p:cNvPr>
+          <p:cNvSpPr txBox="1"/>
+          <p:nvPr/>
+        </p:nvSpPr>
+        <p:spPr>
+          <a:xfrm>
+            <a:off x="6440036" y="2376465"/>
+            <a:ext cx="4859666" cy="1477328"/>
+          </a:xfrm>
+          <a:prstGeom prst="rect">
+            <a:avLst/>
+          </a:prstGeom>
+          <a:noFill/>
+        </p:spPr>
+        <p:txBody>
+          <a:bodyPr wrap="square">
+            <a:spAutoFit/>
+          </a:bodyPr>
+          <a:lstStyle/>
+          <a:p>
+            <a:pPr marL="0" indent="0" algn="ctr">
+              <a:buNone/>
+            </a:pPr>
+            <a:r>
+              <a:rPr lang="en-US" sz="1800" b="0" i="0" u="none" strike="noStrike" dirty="0"/>
+              <a:t>Using a decay factor the </a:t>
+            </a:r>
+            <a:r>
+              <a:rPr lang="en-US" sz="1800" b="1" i="0" u="none" strike="noStrike" dirty="0"/>
+              <a:t>EWMA</a:t>
+            </a:r>
+            <a:r>
+              <a:rPr lang="en-US" sz="1800" b="0" i="0" u="none" strike="noStrike" dirty="0"/>
+              <a:t> formula is able to weight different information as it comes in, giving </a:t>
+            </a:r>
+            <a:r>
+              <a:rPr lang="en-US" sz="1800" b="1" i="0" u="none" strike="noStrike" dirty="0"/>
+              <a:t>more importance to recent returns</a:t>
+            </a:r>
+            <a:r>
+              <a:rPr lang="en-US" sz="1800" b="0" i="0" u="none" strike="noStrike" dirty="0"/>
+              <a:t> and less importance to data far in the past by slowly decaying their contribution to the </a:t>
+            </a:r>
+            <a:r>
+              <a:rPr lang="en-US" sz="1800" b="0" i="0" u="none" strike="noStrike" dirty="0" err="1"/>
+              <a:t>VaR.</a:t>
+            </a:r>
+            <a:endParaRPr lang="it-IT" dirty="0"/>
+          </a:p>
+        </p:txBody>
+      </p:sp>
+      <p:sp>
+        <p:nvSpPr>
+          <p:cNvPr id="10" name="CasellaDiTesto 9">
+            <a:extLst>
+              <a:ext uri="{FF2B5EF4-FFF2-40B4-BE49-F238E27FC236}">
+                <a16:creationId xmlns:a16="http://schemas.microsoft.com/office/drawing/2014/main" id="{BE4816E7-1300-BC88-1013-08CC14486BA9}"/>
+              </a:ext>
+            </a:extLst>
+          </p:cNvPr>
+          <p:cNvSpPr txBox="1"/>
+          <p:nvPr/>
+        </p:nvSpPr>
+        <p:spPr>
+          <a:xfrm>
+            <a:off x="960617" y="2497997"/>
+            <a:ext cx="5071371" cy="1000274"/>
+          </a:xfrm>
+          <a:prstGeom prst="rect">
+            <a:avLst/>
+          </a:prstGeom>
+          <a:noFill/>
+        </p:spPr>
+        <p:txBody>
+          <a:bodyPr wrap="square">
+            <a:spAutoFit/>
+          </a:bodyPr>
+          <a:lstStyle/>
+          <a:p>
+            <a:pPr marL="0" indent="0">
+              <a:spcBef>
+                <a:spcPts val="200"/>
+              </a:spcBef>
+              <a:spcAft>
+                <a:spcPts val="200"/>
+              </a:spcAft>
+              <a:buNone/>
+            </a:pPr>
+            <a:r>
+              <a:rPr lang="en-US" sz="1800" dirty="0">
+                <a:solidFill>
+                  <a:schemeClr val="tx1"/>
+                </a:solidFill>
               </a:rPr>
-              <a:t> </a:t>
-            </a:r>
-            <a:r>
-              <a:rPr lang="it-IT" dirty="0" err="1">
-                <a:ln>
-                  <a:solidFill>
-                    <a:schemeClr val="bg1">
-                      <a:lumMod val="75000"/>
-                      <a:lumOff val="25000"/>
-                      <a:alpha val="10000"/>
-                    </a:schemeClr>
-                  </a:solidFill>
-                </a:ln>
-                <a:effectLst>
-                  <a:outerShdw blurRad="9525" dist="25400" dir="14640000" algn="tl" rotWithShape="0">
-                    <a:schemeClr val="bg1">
-                      <a:alpha val="30000"/>
-                    </a:schemeClr>
-                  </a:outerShdw>
-                </a:effectLst>
+              <a:t>We use </a:t>
+            </a:r>
+            <a:r>
+              <a:rPr lang="en-US" sz="1800" b="1" dirty="0">
+                <a:solidFill>
+                  <a:schemeClr val="tx1"/>
+                </a:solidFill>
               </a:rPr>
-              <a:t>used</a:t>
-            </a:r>
-            <a:r>
-              <a:rPr lang="it-IT" dirty="0">
-                <a:ln>
-                  <a:solidFill>
-                    <a:schemeClr val="bg1">
-                      <a:lumMod val="75000"/>
-                      <a:lumOff val="25000"/>
-                      <a:alpha val="10000"/>
-                    </a:schemeClr>
-                  </a:solidFill>
-                </a:ln>
-                <a:effectLst>
-                  <a:outerShdw blurRad="9525" dist="25400" dir="14640000" algn="tl" rotWithShape="0">
-                    <a:schemeClr val="bg1">
-                      <a:alpha val="30000"/>
-                    </a:schemeClr>
-                  </a:outerShdw>
-                </a:effectLst>
+              <a:t>historical data </a:t>
+            </a:r>
+            <a:r>
+              <a:rPr lang="en-US" sz="1800" dirty="0">
+                <a:solidFill>
+                  <a:schemeClr val="tx1"/>
+                </a:solidFill>
               </a:rPr>
-              <a:t> a K-</a:t>
-            </a:r>
-            <a:r>
-              <a:rPr lang="it-IT" dirty="0" err="1">
-                <a:ln>
-                  <a:solidFill>
-                    <a:schemeClr val="bg1">
-                      <a:lumMod val="75000"/>
-                      <a:lumOff val="25000"/>
-                      <a:alpha val="10000"/>
-                    </a:schemeClr>
-                  </a:solidFill>
-                </a:ln>
-                <a:effectLst>
-                  <a:outerShdw blurRad="9525" dist="25400" dir="14640000" algn="tl" rotWithShape="0">
-                    <a:schemeClr val="bg1">
-                      <a:alpha val="30000"/>
-                    </a:schemeClr>
-                  </a:outerShdw>
-                </a:effectLst>
+              <a:t>on asset returns to </a:t>
+            </a:r>
+          </a:p>
+          <a:p>
+            <a:pPr marL="0" indent="0">
+              <a:spcBef>
+                <a:spcPts val="200"/>
+              </a:spcBef>
+              <a:buNone/>
+            </a:pPr>
+            <a:r>
+              <a:rPr lang="en-US" sz="1800" dirty="0">
+                <a:solidFill>
+                  <a:schemeClr val="tx1"/>
+                </a:solidFill>
               </a:rPr>
-              <a:t>Nearest</a:t>
-            </a:r>
-            <a:r>
-              <a:rPr lang="it-IT" dirty="0">
-                <a:ln>
-                  <a:solidFill>
-                    <a:schemeClr val="bg1">
-                      <a:lumMod val="75000"/>
-                      <a:lumOff val="25000"/>
-                      <a:alpha val="10000"/>
-                    </a:schemeClr>
-                  </a:solidFill>
-                </a:ln>
-                <a:effectLst>
-                  <a:outerShdw blurRad="9525" dist="25400" dir="14640000" algn="tl" rotWithShape="0">
-                    <a:schemeClr val="bg1">
-                      <a:alpha val="30000"/>
-                    </a:schemeClr>
-                  </a:outerShdw>
-                </a:effectLst>
+              <a:t>simulate possible future scenarios.</a:t>
+            </a:r>
+          </a:p>
+          <a:p>
+            <a:pPr marL="0" indent="0">
+              <a:spcBef>
+                <a:spcPts val="200"/>
+              </a:spcBef>
+              <a:buNone/>
+            </a:pPr>
+            <a:r>
+              <a:rPr lang="en-US" sz="1800" dirty="0">
+                <a:solidFill>
+                  <a:schemeClr val="tx1"/>
+                </a:solidFill>
               </a:rPr>
-              <a:t> </a:t>
-            </a:r>
-            <a:r>
-              <a:rPr lang="it-IT" dirty="0" err="1">
-                <a:ln>
-                  <a:solidFill>
-                    <a:schemeClr val="bg1">
-                      <a:lumMod val="75000"/>
-                      <a:lumOff val="25000"/>
-                      <a:alpha val="10000"/>
-                    </a:schemeClr>
-                  </a:solidFill>
-                </a:ln>
-                <a:effectLst>
-                  <a:outerShdw blurRad="9525" dist="25400" dir="14640000" algn="tl" rotWithShape="0">
-                    <a:schemeClr val="bg1">
-                      <a:alpha val="30000"/>
-                    </a:schemeClr>
-                  </a:outerShdw>
-                </a:effectLst>
+              <a:t>We use 95% and 99% as </a:t>
+            </a:r>
+            <a:r>
+              <a:rPr lang="en-US" sz="1800" b="1" dirty="0">
+                <a:solidFill>
+                  <a:schemeClr val="tx1"/>
+                </a:solidFill>
               </a:rPr>
-              <a:t>Neighbours</a:t>
-            </a:r>
-            <a:r>
-              <a:rPr lang="it-IT" dirty="0">
-                <a:ln>
-                  <a:solidFill>
-                    <a:schemeClr val="bg1">
-                      <a:lumMod val="75000"/>
-                      <a:lumOff val="25000"/>
-                      <a:alpha val="10000"/>
-                    </a:schemeClr>
-                  </a:solidFill>
-                </a:ln>
-                <a:effectLst>
-                  <a:outerShdw blurRad="9525" dist="25400" dir="14640000" algn="tl" rotWithShape="0">
-                    <a:schemeClr val="bg1">
-                      <a:alpha val="30000"/>
-                    </a:schemeClr>
-                  </a:outerShdw>
-                </a:effectLst>
+              <a:t>level of confidence</a:t>
+            </a:r>
+            <a:r>
+              <a:rPr lang="en-US" sz="1800" dirty="0">
+                <a:solidFill>
+                  <a:schemeClr val="tx1"/>
+                </a:solidFill>
               </a:rPr>
-              <a:t> </a:t>
-            </a:r>
-            <a:r>
-              <a:rPr lang="it-IT" dirty="0" err="1">
-                <a:ln>
-                  <a:solidFill>
-                    <a:schemeClr val="bg1">
-                      <a:lumMod val="75000"/>
-                      <a:lumOff val="25000"/>
-                      <a:alpha val="10000"/>
-                    </a:schemeClr>
-                  </a:solidFill>
-                </a:ln>
-                <a:effectLst>
-                  <a:outerShdw blurRad="9525" dist="25400" dir="14640000" algn="tl" rotWithShape="0">
-                    <a:schemeClr val="bg1">
-                      <a:alpha val="30000"/>
-                    </a:schemeClr>
-                  </a:outerShdw>
-                </a:effectLst>
-              </a:rPr>
-              <a:t>algorithm</a:t>
-            </a:r>
-            <a:r>
-              <a:rPr lang="it-IT" dirty="0">
-                <a:ln>
-                  <a:solidFill>
-                    <a:schemeClr val="bg1">
-                      <a:lumMod val="75000"/>
-                      <a:lumOff val="25000"/>
-                      <a:alpha val="10000"/>
-                    </a:schemeClr>
-                  </a:solidFill>
-                </a:ln>
-                <a:effectLst>
-                  <a:outerShdw blurRad="9525" dist="25400" dir="14640000" algn="tl" rotWithShape="0">
-                    <a:schemeClr val="bg1">
-                      <a:alpha val="30000"/>
-                    </a:schemeClr>
-                  </a:outerShdw>
-                </a:effectLst>
-              </a:rPr>
-              <a:t>, </a:t>
-            </a:r>
-            <a:r>
-              <a:rPr lang="it-IT" dirty="0" err="1">
-                <a:ln>
-                  <a:solidFill>
-                    <a:schemeClr val="bg1">
-                      <a:lumMod val="75000"/>
-                      <a:lumOff val="25000"/>
-                      <a:alpha val="10000"/>
-                    </a:schemeClr>
-                  </a:solidFill>
-                </a:ln>
-                <a:effectLst>
-                  <a:outerShdw blurRad="9525" dist="25400" dir="14640000" algn="tl" rotWithShape="0">
-                    <a:schemeClr val="bg1">
-                      <a:alpha val="30000"/>
-                    </a:schemeClr>
-                  </a:outerShdw>
-                </a:effectLst>
-              </a:rPr>
-              <a:t>obtaing</a:t>
-            </a:r>
-            <a:r>
-              <a:rPr lang="it-IT" dirty="0">
-                <a:ln>
-                  <a:solidFill>
-                    <a:schemeClr val="bg1">
-                      <a:lumMod val="75000"/>
-                      <a:lumOff val="25000"/>
-                      <a:alpha val="10000"/>
-                    </a:schemeClr>
-                  </a:solidFill>
-                </a:ln>
-                <a:effectLst>
-                  <a:outerShdw blurRad="9525" dist="25400" dir="14640000" algn="tl" rotWithShape="0">
-                    <a:schemeClr val="bg1">
-                      <a:alpha val="30000"/>
-                    </a:schemeClr>
-                  </a:outerShdw>
-                </a:effectLst>
-              </a:rPr>
-              <a:t> the following </a:t>
-            </a:r>
-            <a:r>
-              <a:rPr lang="it-IT" dirty="0" err="1">
-                <a:ln>
-                  <a:solidFill>
-                    <a:schemeClr val="bg1">
-                      <a:lumMod val="75000"/>
-                      <a:lumOff val="25000"/>
-                      <a:alpha val="10000"/>
-                    </a:schemeClr>
-                  </a:solidFill>
-                </a:ln>
-                <a:effectLst>
-                  <a:outerShdw blurRad="9525" dist="25400" dir="14640000" algn="tl" rotWithShape="0">
-                    <a:schemeClr val="bg1">
-                      <a:alpha val="30000"/>
-                    </a:schemeClr>
-                  </a:outerShdw>
-                </a:effectLst>
-              </a:rPr>
-              <a:t>results</a:t>
-            </a:r>
-            <a:r>
-              <a:rPr lang="it-IT" dirty="0">
-                <a:ln>
-                  <a:solidFill>
-                    <a:schemeClr val="bg1">
-                      <a:lumMod val="75000"/>
-                      <a:lumOff val="25000"/>
-                      <a:alpha val="10000"/>
-                    </a:schemeClr>
-                  </a:solidFill>
-                </a:ln>
-                <a:effectLst>
-                  <a:outerShdw blurRad="9525" dist="25400" dir="14640000" algn="tl" rotWithShape="0">
-                    <a:schemeClr val="bg1">
-                      <a:alpha val="30000"/>
-                    </a:schemeClr>
-                  </a:outerShdw>
-                </a:effectLst>
-              </a:rPr>
-              <a:t>:</a:t>
-            </a:r>
-          </a:p>
-        </p:txBody>
-      </p:sp>
+              <a:t>. </a:t>
+            </a:r>
+          </a:p>
+        </p:txBody>
+      </p:sp>
+      <p:pic>
+        <p:nvPicPr>
+          <p:cNvPr id="1026" name="Picture 2">
+            <a:extLst>
+              <a:ext uri="{FF2B5EF4-FFF2-40B4-BE49-F238E27FC236}">
+                <a16:creationId xmlns:a16="http://schemas.microsoft.com/office/drawing/2014/main" id="{80AFDCFF-0DCB-5B72-A984-59E3B55821C1}"/>
+              </a:ext>
+            </a:extLst>
+          </p:cNvPr>
+          <p:cNvPicPr>
+            <a:picLocks noChangeAspect="1" noChangeArrowheads="1"/>
+          </p:cNvPicPr>
+          <p:nvPr/>
+        </p:nvPicPr>
+        <p:blipFill>
+          <a:blip r:embed="rId3">
+            <a:extLst>
+              <a:ext uri="{28A0092B-C50C-407E-A947-70E740481C1C}">
+                <a14:useLocalDpi xmlns:a14="http://schemas.microsoft.com/office/drawing/2010/main" val="0"/>
+              </a:ext>
+            </a:extLst>
+          </a:blip>
+          <a:srcRect/>
+          <a:stretch>
+            <a:fillRect/>
+          </a:stretch>
+        </p:blipFill>
+        <p:spPr bwMode="auto">
+          <a:xfrm>
+            <a:off x="7272219" y="3967090"/>
+            <a:ext cx="3195300" cy="2398178"/>
+          </a:xfrm>
+          <a:prstGeom prst="rect">
+            <a:avLst/>
+          </a:prstGeom>
+          <a:noFill/>
+          <a:extLst>
+            <a:ext uri="{909E8E84-426E-40DD-AFC4-6F175D3DCCD1}">
+              <a14:hiddenFill xmlns:a14="http://schemas.microsoft.com/office/drawing/2010/main">
+                <a:solidFill>
+                  <a:srgbClr val="FFFFFF"/>
+                </a:solidFill>
+              </a14:hiddenFill>
+            </a:ext>
+          </a:extLst>
+        </p:spPr>
+      </p:pic>
     </p:spTree>
     <p:extLst>
       <p:ext uri="{BB962C8B-B14F-4D97-AF65-F5344CB8AC3E}">

--- a/BC4/Bozza.pptx
+++ b/BC4/Bozza.pptx
@@ -896,7 +896,7 @@
   <pc:docChgLst>
     <pc:chgData name="Irene Ferrari" userId="e569343e5e44b43c" providerId="LiveId" clId="{4125BB07-7A97-4DBD-B9BA-5E2E9DB34A7C}"/>
     <pc:docChg chg="undo custSel addSld delSld modSld">
-      <pc:chgData name="Irene Ferrari" userId="e569343e5e44b43c" providerId="LiveId" clId="{4125BB07-7A97-4DBD-B9BA-5E2E9DB34A7C}" dt="2023-05-07T20:08:22.578" v="6470" actId="20577"/>
+      <pc:chgData name="Irene Ferrari" userId="e569343e5e44b43c" providerId="LiveId" clId="{4125BB07-7A97-4DBD-B9BA-5E2E9DB34A7C}" dt="2023-05-07T21:39:21.019" v="6472" actId="20577"/>
       <pc:docMkLst>
         <pc:docMk/>
       </pc:docMkLst>
@@ -1611,13 +1611,13 @@
         </pc:sldMkLst>
       </pc:sldChg>
       <pc:sldChg chg="addSp delSp modSp mod">
-        <pc:chgData name="Irene Ferrari" userId="e569343e5e44b43c" providerId="LiveId" clId="{4125BB07-7A97-4DBD-B9BA-5E2E9DB34A7C}" dt="2023-05-07T19:56:52.951" v="5940" actId="1076"/>
+        <pc:chgData name="Irene Ferrari" userId="e569343e5e44b43c" providerId="LiveId" clId="{4125BB07-7A97-4DBD-B9BA-5E2E9DB34A7C}" dt="2023-05-07T21:39:21.019" v="6472" actId="20577"/>
         <pc:sldMkLst>
           <pc:docMk/>
           <pc:sldMk cId="2075369970" sldId="269"/>
         </pc:sldMkLst>
         <pc:spChg chg="mod">
-          <ac:chgData name="Irene Ferrari" userId="e569343e5e44b43c" providerId="LiveId" clId="{4125BB07-7A97-4DBD-B9BA-5E2E9DB34A7C}" dt="2023-05-07T19:56:43.032" v="5937" actId="1076"/>
+          <ac:chgData name="Irene Ferrari" userId="e569343e5e44b43c" providerId="LiveId" clId="{4125BB07-7A97-4DBD-B9BA-5E2E9DB34A7C}" dt="2023-05-07T21:39:21.019" v="6472" actId="20577"/>
           <ac:spMkLst>
             <pc:docMk/>
             <pc:sldMk cId="2075369970" sldId="269"/>
@@ -16680,7 +16680,7 @@
                   <a:schemeClr val="tx1"/>
                 </a:solidFill>
               </a:rPr>
-              <a:t>is that loss for which the probability of losses bugger that </a:t>
+              <a:t>is that loss for which the probability of losses bigger that </a:t>
             </a:r>
             <a:r>
               <a:rPr lang="en-US" sz="1800" dirty="0" err="1">

--- a/BC4/Bozza.pptx
+++ b/BC4/Bozza.pptx
@@ -894,6 +894,982 @@
     </pc:docChg>
   </pc:docChgLst>
   <pc:docChgLst>
+    <pc:chgData name="Irene Ferrari" userId="e569343e5e44b43c" providerId="LiveId" clId="{5B1A72B4-CE9F-4D8C-B4BC-16896AA3D297}"/>
+    <pc:docChg chg="undo custSel addSld delSld modSld sldOrd">
+      <pc:chgData name="Irene Ferrari" userId="e569343e5e44b43c" providerId="LiveId" clId="{5B1A72B4-CE9F-4D8C-B4BC-16896AA3D297}" dt="2023-04-19T14:08:52.923" v="4043" actId="20577"/>
+      <pc:docMkLst>
+        <pc:docMk/>
+      </pc:docMkLst>
+      <pc:sldChg chg="addSp delSp modSp add del mod setBg">
+        <pc:chgData name="Irene Ferrari" userId="e569343e5e44b43c" providerId="LiveId" clId="{5B1A72B4-CE9F-4D8C-B4BC-16896AA3D297}" dt="2023-04-19T09:15:53.593" v="98" actId="2696"/>
+        <pc:sldMkLst>
+          <pc:docMk/>
+          <pc:sldMk cId="4224793208" sldId="256"/>
+        </pc:sldMkLst>
+        <pc:spChg chg="del mod ord">
+          <ac:chgData name="Irene Ferrari" userId="e569343e5e44b43c" providerId="LiveId" clId="{5B1A72B4-CE9F-4D8C-B4BC-16896AA3D297}" dt="2023-04-19T09:03:02.081" v="13" actId="21"/>
+          <ac:spMkLst>
+            <pc:docMk/>
+            <pc:sldMk cId="4224793208" sldId="256"/>
+            <ac:spMk id="2" creationId="{34B3EC7F-6C5B-2474-B7DD-D203B19DD750}"/>
+          </ac:spMkLst>
+        </pc:spChg>
+        <pc:spChg chg="del">
+          <ac:chgData name="Irene Ferrari" userId="e569343e5e44b43c" providerId="LiveId" clId="{5B1A72B4-CE9F-4D8C-B4BC-16896AA3D297}" dt="2023-04-19T09:00:24.559" v="0" actId="21"/>
+          <ac:spMkLst>
+            <pc:docMk/>
+            <pc:sldMk cId="4224793208" sldId="256"/>
+            <ac:spMk id="3" creationId="{DFB19BB2-0F43-2DF3-FAB1-29AFC498DA45}"/>
+          </ac:spMkLst>
+        </pc:spChg>
+        <pc:spChg chg="add mod">
+          <ac:chgData name="Irene Ferrari" userId="e569343e5e44b43c" providerId="LiveId" clId="{5B1A72B4-CE9F-4D8C-B4BC-16896AA3D297}" dt="2023-04-19T09:06:08.459" v="36" actId="207"/>
+          <ac:spMkLst>
+            <pc:docMk/>
+            <pc:sldMk cId="4224793208" sldId="256"/>
+            <ac:spMk id="5" creationId="{A03E9C80-1656-E38C-EC25-F920B26D0207}"/>
+          </ac:spMkLst>
+        </pc:spChg>
+        <pc:spChg chg="add">
+          <ac:chgData name="Irene Ferrari" userId="e569343e5e44b43c" providerId="LiveId" clId="{5B1A72B4-CE9F-4D8C-B4BC-16896AA3D297}" dt="2023-04-19T09:02:26.559" v="10" actId="26606"/>
+          <ac:spMkLst>
+            <pc:docMk/>
+            <pc:sldMk cId="4224793208" sldId="256"/>
+            <ac:spMk id="6" creationId="{608EAA06-5488-416B-B2B2-E55213011012}"/>
+          </ac:spMkLst>
+        </pc:spChg>
+        <pc:spChg chg="add del mod">
+          <ac:chgData name="Irene Ferrari" userId="e569343e5e44b43c" providerId="LiveId" clId="{5B1A72B4-CE9F-4D8C-B4BC-16896AA3D297}" dt="2023-04-19T09:03:18.568" v="21" actId="21"/>
+          <ac:spMkLst>
+            <pc:docMk/>
+            <pc:sldMk cId="4224793208" sldId="256"/>
+            <ac:spMk id="8" creationId="{94E374D2-65A2-1496-8B0E-B152CB3000C2}"/>
+          </ac:spMkLst>
+        </pc:spChg>
+        <pc:spChg chg="add del">
+          <ac:chgData name="Irene Ferrari" userId="e569343e5e44b43c" providerId="LiveId" clId="{5B1A72B4-CE9F-4D8C-B4BC-16896AA3D297}" dt="2023-04-19T09:02:17.694" v="7" actId="26606"/>
+          <ac:spMkLst>
+            <pc:docMk/>
+            <pc:sldMk cId="4224793208" sldId="256"/>
+            <ac:spMk id="9" creationId="{608EAA06-5488-416B-B2B2-E55213011012}"/>
+          </ac:spMkLst>
+        </pc:spChg>
+        <pc:spChg chg="add del">
+          <ac:chgData name="Irene Ferrari" userId="e569343e5e44b43c" providerId="LiveId" clId="{5B1A72B4-CE9F-4D8C-B4BC-16896AA3D297}" dt="2023-04-19T09:04:42.591" v="25" actId="11529"/>
+          <ac:spMkLst>
+            <pc:docMk/>
+            <pc:sldMk cId="4224793208" sldId="256"/>
+            <ac:spMk id="10" creationId="{49D5232C-ED90-6684-66F7-56D00E87F718}"/>
+          </ac:spMkLst>
+        </pc:spChg>
+        <pc:spChg chg="add del mod">
+          <ac:chgData name="Irene Ferrari" userId="e569343e5e44b43c" providerId="LiveId" clId="{5B1A72B4-CE9F-4D8C-B4BC-16896AA3D297}" dt="2023-04-19T09:06:08.092" v="35" actId="11529"/>
+          <ac:spMkLst>
+            <pc:docMk/>
+            <pc:sldMk cId="4224793208" sldId="256"/>
+            <ac:spMk id="11" creationId="{D636B15B-0AB9-EED9-5E49-C4FABAFABBF2}"/>
+          </ac:spMkLst>
+        </pc:spChg>
+        <pc:spChg chg="add del">
+          <ac:chgData name="Irene Ferrari" userId="e569343e5e44b43c" providerId="LiveId" clId="{5B1A72B4-CE9F-4D8C-B4BC-16896AA3D297}" dt="2023-04-19T09:08:48.075" v="55" actId="21"/>
+          <ac:spMkLst>
+            <pc:docMk/>
+            <pc:sldMk cId="4224793208" sldId="256"/>
+            <ac:spMk id="12" creationId="{B9FDA1B4-ABAC-D8D3-0BF8-F462632F65CD}"/>
+          </ac:spMkLst>
+        </pc:spChg>
+        <pc:spChg chg="add del mod">
+          <ac:chgData name="Irene Ferrari" userId="e569343e5e44b43c" providerId="LiveId" clId="{5B1A72B4-CE9F-4D8C-B4BC-16896AA3D297}" dt="2023-04-19T09:10:32.798" v="65" actId="21"/>
+          <ac:spMkLst>
+            <pc:docMk/>
+            <pc:sldMk cId="4224793208" sldId="256"/>
+            <ac:spMk id="13" creationId="{696A67BE-28FC-65B5-EEE8-08D1151F8A41}"/>
+          </ac:spMkLst>
+        </pc:spChg>
+        <pc:picChg chg="add del mod">
+          <ac:chgData name="Irene Ferrari" userId="e569343e5e44b43c" providerId="LiveId" clId="{5B1A72B4-CE9F-4D8C-B4BC-16896AA3D297}" dt="2023-04-19T09:03:14.581" v="19" actId="1076"/>
+          <ac:picMkLst>
+            <pc:docMk/>
+            <pc:sldMk cId="4224793208" sldId="256"/>
+            <ac:picMk id="4" creationId="{6E92BB91-51E9-37BF-F646-B313F66301E7}"/>
+          </ac:picMkLst>
+        </pc:picChg>
+      </pc:sldChg>
+      <pc:sldChg chg="addSp delSp modSp mod">
+        <pc:chgData name="Irene Ferrari" userId="e569343e5e44b43c" providerId="LiveId" clId="{5B1A72B4-CE9F-4D8C-B4BC-16896AA3D297}" dt="2023-04-19T09:53:52.604" v="1393" actId="1076"/>
+        <pc:sldMkLst>
+          <pc:docMk/>
+          <pc:sldMk cId="3319355184" sldId="257"/>
+        </pc:sldMkLst>
+        <pc:spChg chg="mod">
+          <ac:chgData name="Irene Ferrari" userId="e569343e5e44b43c" providerId="LiveId" clId="{5B1A72B4-CE9F-4D8C-B4BC-16896AA3D297}" dt="2023-04-19T09:53:41.727" v="1391" actId="1076"/>
+          <ac:spMkLst>
+            <pc:docMk/>
+            <pc:sldMk cId="3319355184" sldId="257"/>
+            <ac:spMk id="2" creationId="{69EC7777-A58F-4C17-39F3-DC30B1A63C22}"/>
+          </ac:spMkLst>
+        </pc:spChg>
+        <pc:spChg chg="del mod">
+          <ac:chgData name="Irene Ferrari" userId="e569343e5e44b43c" providerId="LiveId" clId="{5B1A72B4-CE9F-4D8C-B4BC-16896AA3D297}" dt="2023-04-19T09:39:30.805" v="1019" actId="21"/>
+          <ac:spMkLst>
+            <pc:docMk/>
+            <pc:sldMk cId="3319355184" sldId="257"/>
+            <ac:spMk id="3" creationId="{26491C98-F387-BBC7-C2FC-8CC3A03BF6B7}"/>
+          </ac:spMkLst>
+        </pc:spChg>
+        <pc:spChg chg="add mod">
+          <ac:chgData name="Irene Ferrari" userId="e569343e5e44b43c" providerId="LiveId" clId="{5B1A72B4-CE9F-4D8C-B4BC-16896AA3D297}" dt="2023-04-19T09:28:33.094" v="440" actId="207"/>
+          <ac:spMkLst>
+            <pc:docMk/>
+            <pc:sldMk cId="3319355184" sldId="257"/>
+            <ac:spMk id="5" creationId="{4829375D-C925-C9EB-3669-517A72393A26}"/>
+          </ac:spMkLst>
+        </pc:spChg>
+        <pc:spChg chg="add mod">
+          <ac:chgData name="Irene Ferrari" userId="e569343e5e44b43c" providerId="LiveId" clId="{5B1A72B4-CE9F-4D8C-B4BC-16896AA3D297}" dt="2023-04-19T09:53:52.604" v="1393" actId="1076"/>
+          <ac:spMkLst>
+            <pc:docMk/>
+            <pc:sldMk cId="3319355184" sldId="257"/>
+            <ac:spMk id="6" creationId="{F55FF99A-DB9F-A9EE-F400-0735371DE106}"/>
+          </ac:spMkLst>
+        </pc:spChg>
+        <pc:spChg chg="add mod">
+          <ac:chgData name="Irene Ferrari" userId="e569343e5e44b43c" providerId="LiveId" clId="{5B1A72B4-CE9F-4D8C-B4BC-16896AA3D297}" dt="2023-04-19T09:53:35.126" v="1390" actId="1076"/>
+          <ac:spMkLst>
+            <pc:docMk/>
+            <pc:sldMk cId="3319355184" sldId="257"/>
+            <ac:spMk id="7" creationId="{ED0A7AF2-EB66-B83E-A425-0C2BEF696025}"/>
+          </ac:spMkLst>
+        </pc:spChg>
+        <pc:spChg chg="add del mod">
+          <ac:chgData name="Irene Ferrari" userId="e569343e5e44b43c" providerId="LiveId" clId="{5B1A72B4-CE9F-4D8C-B4BC-16896AA3D297}" dt="2023-04-19T09:37:54.346" v="859"/>
+          <ac:spMkLst>
+            <pc:docMk/>
+            <pc:sldMk cId="3319355184" sldId="257"/>
+            <ac:spMk id="8" creationId="{F9A73915-6EFB-D30E-6A89-51A5A1B52E57}"/>
+          </ac:spMkLst>
+        </pc:spChg>
+        <pc:spChg chg="add del mod">
+          <ac:chgData name="Irene Ferrari" userId="e569343e5e44b43c" providerId="LiveId" clId="{5B1A72B4-CE9F-4D8C-B4BC-16896AA3D297}" dt="2023-04-19T09:39:34.567" v="1020" actId="21"/>
+          <ac:spMkLst>
+            <pc:docMk/>
+            <pc:sldMk cId="3319355184" sldId="257"/>
+            <ac:spMk id="10" creationId="{C96EAB58-758A-B67F-010B-3478340DF0B0}"/>
+          </ac:spMkLst>
+        </pc:spChg>
+        <pc:spChg chg="add mod">
+          <ac:chgData name="Irene Ferrari" userId="e569343e5e44b43c" providerId="LiveId" clId="{5B1A72B4-CE9F-4D8C-B4BC-16896AA3D297}" dt="2023-04-19T09:53:24.027" v="1388" actId="1076"/>
+          <ac:spMkLst>
+            <pc:docMk/>
+            <pc:sldMk cId="3319355184" sldId="257"/>
+            <ac:spMk id="13" creationId="{FE787BFD-2C74-D500-06E1-F91842162808}"/>
+          </ac:spMkLst>
+        </pc:spChg>
+        <pc:spChg chg="add mod">
+          <ac:chgData name="Irene Ferrari" userId="e569343e5e44b43c" providerId="LiveId" clId="{5B1A72B4-CE9F-4D8C-B4BC-16896AA3D297}" dt="2023-04-19T09:53:28.941" v="1389" actId="1076"/>
+          <ac:spMkLst>
+            <pc:docMk/>
+            <pc:sldMk cId="3319355184" sldId="257"/>
+            <ac:spMk id="14" creationId="{FEF841AE-37CE-E648-F7F0-2B75E6001591}"/>
+          </ac:spMkLst>
+        </pc:spChg>
+        <pc:picChg chg="add mod">
+          <ac:chgData name="Irene Ferrari" userId="e569343e5e44b43c" providerId="LiveId" clId="{5B1A72B4-CE9F-4D8C-B4BC-16896AA3D297}" dt="2023-04-19T09:53:21.825" v="1387" actId="1076"/>
+          <ac:picMkLst>
+            <pc:docMk/>
+            <pc:sldMk cId="3319355184" sldId="257"/>
+            <ac:picMk id="12" creationId="{55BC40CC-5475-F7ED-43F6-B7D6F72F9530}"/>
+          </ac:picMkLst>
+        </pc:picChg>
+      </pc:sldChg>
+      <pc:sldChg chg="add del">
+        <pc:chgData name="Irene Ferrari" userId="e569343e5e44b43c" providerId="LiveId" clId="{5B1A72B4-CE9F-4D8C-B4BC-16896AA3D297}" dt="2023-04-19T09:54:11.556" v="1396"/>
+        <pc:sldMkLst>
+          <pc:docMk/>
+          <pc:sldMk cId="3576100565" sldId="258"/>
+        </pc:sldMkLst>
+      </pc:sldChg>
+      <pc:sldChg chg="del">
+        <pc:chgData name="Irene Ferrari" userId="e569343e5e44b43c" providerId="LiveId" clId="{5B1A72B4-CE9F-4D8C-B4BC-16896AA3D297}" dt="2023-04-19T09:54:06.979" v="1394" actId="2696"/>
+        <pc:sldMkLst>
+          <pc:docMk/>
+          <pc:sldMk cId="3795181372" sldId="258"/>
+        </pc:sldMkLst>
+      </pc:sldChg>
+      <pc:sldChg chg="addSp delSp modSp mod">
+        <pc:chgData name="Irene Ferrari" userId="e569343e5e44b43c" providerId="LiveId" clId="{5B1A72B4-CE9F-4D8C-B4BC-16896AA3D297}" dt="2023-04-19T11:05:54.858" v="3085" actId="20577"/>
+        <pc:sldMkLst>
+          <pc:docMk/>
+          <pc:sldMk cId="83021580" sldId="259"/>
+        </pc:sldMkLst>
+        <pc:spChg chg="del">
+          <ac:chgData name="Irene Ferrari" userId="e569343e5e44b43c" providerId="LiveId" clId="{5B1A72B4-CE9F-4D8C-B4BC-16896AA3D297}" dt="2023-04-19T09:54:41.139" v="1411" actId="21"/>
+          <ac:spMkLst>
+            <pc:docMk/>
+            <pc:sldMk cId="83021580" sldId="259"/>
+            <ac:spMk id="2" creationId="{BBFAD9E0-60E3-2EEF-43A0-5B8B5B8FF1E3}"/>
+          </ac:spMkLst>
+        </pc:spChg>
+        <pc:spChg chg="del mod">
+          <ac:chgData name="Irene Ferrari" userId="e569343e5e44b43c" providerId="LiveId" clId="{5B1A72B4-CE9F-4D8C-B4BC-16896AA3D297}" dt="2023-04-19T10:10:15.742" v="1869" actId="21"/>
+          <ac:spMkLst>
+            <pc:docMk/>
+            <pc:sldMk cId="83021580" sldId="259"/>
+            <ac:spMk id="3" creationId="{7CD87854-7B48-8847-2C93-409C85643DB3}"/>
+          </ac:spMkLst>
+        </pc:spChg>
+        <pc:spChg chg="add mod">
+          <ac:chgData name="Irene Ferrari" userId="e569343e5e44b43c" providerId="LiveId" clId="{5B1A72B4-CE9F-4D8C-B4BC-16896AA3D297}" dt="2023-04-19T09:54:17.984" v="1397"/>
+          <ac:spMkLst>
+            <pc:docMk/>
+            <pc:sldMk cId="83021580" sldId="259"/>
+            <ac:spMk id="4" creationId="{C97AE563-2E0F-1D31-29CB-D9359FEFB120}"/>
+          </ac:spMkLst>
+        </pc:spChg>
+        <pc:spChg chg="add mod">
+          <ac:chgData name="Irene Ferrari" userId="e569343e5e44b43c" providerId="LiveId" clId="{5B1A72B4-CE9F-4D8C-B4BC-16896AA3D297}" dt="2023-04-19T09:54:35.358" v="1410" actId="20577"/>
+          <ac:spMkLst>
+            <pc:docMk/>
+            <pc:sldMk cId="83021580" sldId="259"/>
+            <ac:spMk id="5" creationId="{B41C3D48-D0ED-2F68-3C4F-EC75DC7C5A4D}"/>
+          </ac:spMkLst>
+        </pc:spChg>
+        <pc:spChg chg="add del mod">
+          <ac:chgData name="Irene Ferrari" userId="e569343e5e44b43c" providerId="LiveId" clId="{5B1A72B4-CE9F-4D8C-B4BC-16896AA3D297}" dt="2023-04-19T09:54:44.131" v="1412" actId="21"/>
+          <ac:spMkLst>
+            <pc:docMk/>
+            <pc:sldMk cId="83021580" sldId="259"/>
+            <ac:spMk id="7" creationId="{707DB1CF-8E11-1FA6-6627-49886E1E45E4}"/>
+          </ac:spMkLst>
+        </pc:spChg>
+        <pc:spChg chg="add mod">
+          <ac:chgData name="Irene Ferrari" userId="e569343e5e44b43c" providerId="LiveId" clId="{5B1A72B4-CE9F-4D8C-B4BC-16896AA3D297}" dt="2023-04-19T09:55:25.620" v="1414" actId="1076"/>
+          <ac:spMkLst>
+            <pc:docMk/>
+            <pc:sldMk cId="83021580" sldId="259"/>
+            <ac:spMk id="8" creationId="{83D114CB-8E54-2B6E-B74A-0E11439884E5}"/>
+          </ac:spMkLst>
+        </pc:spChg>
+        <pc:spChg chg="add mod">
+          <ac:chgData name="Irene Ferrari" userId="e569343e5e44b43c" providerId="LiveId" clId="{5B1A72B4-CE9F-4D8C-B4BC-16896AA3D297}" dt="2023-04-19T11:05:54.858" v="3085" actId="20577"/>
+          <ac:spMkLst>
+            <pc:docMk/>
+            <pc:sldMk cId="83021580" sldId="259"/>
+            <ac:spMk id="9" creationId="{604196F7-EA72-0C6B-250A-31915FD7BC9F}"/>
+          </ac:spMkLst>
+        </pc:spChg>
+        <pc:spChg chg="add del mod">
+          <ac:chgData name="Irene Ferrari" userId="e569343e5e44b43c" providerId="LiveId" clId="{5B1A72B4-CE9F-4D8C-B4BC-16896AA3D297}" dt="2023-04-19T10:10:20.666" v="1870" actId="21"/>
+          <ac:spMkLst>
+            <pc:docMk/>
+            <pc:sldMk cId="83021580" sldId="259"/>
+            <ac:spMk id="11" creationId="{2B67E973-DC25-E1FB-6891-4373C257BE4A}"/>
+          </ac:spMkLst>
+        </pc:spChg>
+      </pc:sldChg>
+      <pc:sldChg chg="addSp delSp modSp mod">
+        <pc:chgData name="Irene Ferrari" userId="e569343e5e44b43c" providerId="LiveId" clId="{5B1A72B4-CE9F-4D8C-B4BC-16896AA3D297}" dt="2023-04-19T10:30:28.905" v="2423" actId="1076"/>
+        <pc:sldMkLst>
+          <pc:docMk/>
+          <pc:sldMk cId="3383923961" sldId="260"/>
+        </pc:sldMkLst>
+        <pc:spChg chg="del">
+          <ac:chgData name="Irene Ferrari" userId="e569343e5e44b43c" providerId="LiveId" clId="{5B1A72B4-CE9F-4D8C-B4BC-16896AA3D297}" dt="2023-04-19T10:19:36.866" v="1884" actId="21"/>
+          <ac:spMkLst>
+            <pc:docMk/>
+            <pc:sldMk cId="3383923961" sldId="260"/>
+            <ac:spMk id="2" creationId="{506E3DA2-BE2B-F217-045D-07D49E226538}"/>
+          </ac:spMkLst>
+        </pc:spChg>
+        <pc:spChg chg="del mod">
+          <ac:chgData name="Irene Ferrari" userId="e569343e5e44b43c" providerId="LiveId" clId="{5B1A72B4-CE9F-4D8C-B4BC-16896AA3D297}" dt="2023-04-19T10:26:50.425" v="2230" actId="21"/>
+          <ac:spMkLst>
+            <pc:docMk/>
+            <pc:sldMk cId="3383923961" sldId="260"/>
+            <ac:spMk id="3" creationId="{3C5DDFAE-9327-7229-0D7C-7FA82E9D396B}"/>
+          </ac:spMkLst>
+        </pc:spChg>
+        <pc:spChg chg="add del mod">
+          <ac:chgData name="Irene Ferrari" userId="e569343e5e44b43c" providerId="LiveId" clId="{5B1A72B4-CE9F-4D8C-B4BC-16896AA3D297}" dt="2023-04-19T10:19:39.220" v="1885" actId="21"/>
+          <ac:spMkLst>
+            <pc:docMk/>
+            <pc:sldMk cId="3383923961" sldId="260"/>
+            <ac:spMk id="5" creationId="{58349846-D000-99E2-C7F5-9B9B355040C3}"/>
+          </ac:spMkLst>
+        </pc:spChg>
+        <pc:spChg chg="add del mod">
+          <ac:chgData name="Irene Ferrari" userId="e569343e5e44b43c" providerId="LiveId" clId="{5B1A72B4-CE9F-4D8C-B4BC-16896AA3D297}" dt="2023-04-19T10:19:42.502" v="1887" actId="21"/>
+          <ac:spMkLst>
+            <pc:docMk/>
+            <pc:sldMk cId="3383923961" sldId="260"/>
+            <ac:spMk id="6" creationId="{E489EB69-839C-2F00-413F-E6283F315F8B}"/>
+          </ac:spMkLst>
+        </pc:spChg>
+        <pc:spChg chg="add mod">
+          <ac:chgData name="Irene Ferrari" userId="e569343e5e44b43c" providerId="LiveId" clId="{5B1A72B4-CE9F-4D8C-B4BC-16896AA3D297}" dt="2023-04-19T10:29:06.960" v="2409" actId="1076"/>
+          <ac:spMkLst>
+            <pc:docMk/>
+            <pc:sldMk cId="3383923961" sldId="260"/>
+            <ac:spMk id="7" creationId="{7C2BC569-49E6-3C23-0B87-A3B4AFA6B9AD}"/>
+          </ac:spMkLst>
+        </pc:spChg>
+        <pc:spChg chg="add mod">
+          <ac:chgData name="Irene Ferrari" userId="e569343e5e44b43c" providerId="LiveId" clId="{5B1A72B4-CE9F-4D8C-B4BC-16896AA3D297}" dt="2023-04-19T10:29:03.090" v="2408" actId="1076"/>
+          <ac:spMkLst>
+            <pc:docMk/>
+            <pc:sldMk cId="3383923961" sldId="260"/>
+            <ac:spMk id="8" creationId="{E9BF402C-70D3-BD2F-5D3D-B2EA77AC0997}"/>
+          </ac:spMkLst>
+        </pc:spChg>
+        <pc:spChg chg="add mod">
+          <ac:chgData name="Irene Ferrari" userId="e569343e5e44b43c" providerId="LiveId" clId="{5B1A72B4-CE9F-4D8C-B4BC-16896AA3D297}" dt="2023-04-19T10:30:13.708" v="2420" actId="113"/>
+          <ac:spMkLst>
+            <pc:docMk/>
+            <pc:sldMk cId="3383923961" sldId="260"/>
+            <ac:spMk id="9" creationId="{6660508F-43BE-F5E5-FE1B-836E805029CB}"/>
+          </ac:spMkLst>
+        </pc:spChg>
+        <pc:spChg chg="add del mod">
+          <ac:chgData name="Irene Ferrari" userId="e569343e5e44b43c" providerId="LiveId" clId="{5B1A72B4-CE9F-4D8C-B4BC-16896AA3D297}" dt="2023-04-19T10:26:54.149" v="2231" actId="21"/>
+          <ac:spMkLst>
+            <pc:docMk/>
+            <pc:sldMk cId="3383923961" sldId="260"/>
+            <ac:spMk id="11" creationId="{5B06788E-C991-169D-22BF-C99ACC6CFBF9}"/>
+          </ac:spMkLst>
+        </pc:spChg>
+        <pc:spChg chg="add mod">
+          <ac:chgData name="Irene Ferrari" userId="e569343e5e44b43c" providerId="LiveId" clId="{5B1A72B4-CE9F-4D8C-B4BC-16896AA3D297}" dt="2023-04-19T10:29:36.130" v="2412"/>
+          <ac:spMkLst>
+            <pc:docMk/>
+            <pc:sldMk cId="3383923961" sldId="260"/>
+            <ac:spMk id="16" creationId="{37A1AAB1-11A8-6AC4-1520-4DDD67D9334F}"/>
+          </ac:spMkLst>
+        </pc:spChg>
+        <pc:picChg chg="add mod">
+          <ac:chgData name="Irene Ferrari" userId="e569343e5e44b43c" providerId="LiveId" clId="{5B1A72B4-CE9F-4D8C-B4BC-16896AA3D297}" dt="2023-04-19T10:30:21.597" v="2421" actId="1076"/>
+          <ac:picMkLst>
+            <pc:docMk/>
+            <pc:sldMk cId="3383923961" sldId="260"/>
+            <ac:picMk id="13" creationId="{FB275BDE-176F-870D-530C-08103CA3D415}"/>
+          </ac:picMkLst>
+        </pc:picChg>
+        <pc:picChg chg="add mod">
+          <ac:chgData name="Irene Ferrari" userId="e569343e5e44b43c" providerId="LiveId" clId="{5B1A72B4-CE9F-4D8C-B4BC-16896AA3D297}" dt="2023-04-19T10:30:28.905" v="2423" actId="1076"/>
+          <ac:picMkLst>
+            <pc:docMk/>
+            <pc:sldMk cId="3383923961" sldId="260"/>
+            <ac:picMk id="15" creationId="{F864EA33-F77F-AA9D-59AC-80540803BB97}"/>
+          </ac:picMkLst>
+        </pc:picChg>
+      </pc:sldChg>
+      <pc:sldChg chg="addSp delSp modSp mod">
+        <pc:chgData name="Irene Ferrari" userId="e569343e5e44b43c" providerId="LiveId" clId="{5B1A72B4-CE9F-4D8C-B4BC-16896AA3D297}" dt="2023-04-19T10:44:55.850" v="2892" actId="1076"/>
+        <pc:sldMkLst>
+          <pc:docMk/>
+          <pc:sldMk cId="491572139" sldId="261"/>
+        </pc:sldMkLst>
+        <pc:spChg chg="del">
+          <ac:chgData name="Irene Ferrari" userId="e569343e5e44b43c" providerId="LiveId" clId="{5B1A72B4-CE9F-4D8C-B4BC-16896AA3D297}" dt="2023-04-19T10:31:29.966" v="2426" actId="21"/>
+          <ac:spMkLst>
+            <pc:docMk/>
+            <pc:sldMk cId="491572139" sldId="261"/>
+            <ac:spMk id="2" creationId="{9FD41CF1-05BB-30C7-CDBA-344BB22381EC}"/>
+          </ac:spMkLst>
+        </pc:spChg>
+        <pc:spChg chg="mod">
+          <ac:chgData name="Irene Ferrari" userId="e569343e5e44b43c" providerId="LiveId" clId="{5B1A72B4-CE9F-4D8C-B4BC-16896AA3D297}" dt="2023-04-19T10:44:55.850" v="2892" actId="1076"/>
+          <ac:spMkLst>
+            <pc:docMk/>
+            <pc:sldMk cId="491572139" sldId="261"/>
+            <ac:spMk id="3" creationId="{7FE6804A-F011-2568-3A52-C31676AFDF58}"/>
+          </ac:spMkLst>
+        </pc:spChg>
+        <pc:spChg chg="add mod">
+          <ac:chgData name="Irene Ferrari" userId="e569343e5e44b43c" providerId="LiveId" clId="{5B1A72B4-CE9F-4D8C-B4BC-16896AA3D297}" dt="2023-04-19T10:36:49.368" v="2459" actId="1076"/>
+          <ac:spMkLst>
+            <pc:docMk/>
+            <pc:sldMk cId="491572139" sldId="261"/>
+            <ac:spMk id="4" creationId="{D7C1520D-8764-5D05-D009-832AB4D40E58}"/>
+          </ac:spMkLst>
+        </pc:spChg>
+        <pc:spChg chg="add del mod">
+          <ac:chgData name="Irene Ferrari" userId="e569343e5e44b43c" providerId="LiveId" clId="{5B1A72B4-CE9F-4D8C-B4BC-16896AA3D297}" dt="2023-04-19T10:31:31.988" v="2427" actId="21"/>
+          <ac:spMkLst>
+            <pc:docMk/>
+            <pc:sldMk cId="491572139" sldId="261"/>
+            <ac:spMk id="6" creationId="{CC65C3F6-CC42-F5B3-1BB6-FF5253DCD919}"/>
+          </ac:spMkLst>
+        </pc:spChg>
+        <pc:spChg chg="add mod">
+          <ac:chgData name="Irene Ferrari" userId="e569343e5e44b43c" providerId="LiveId" clId="{5B1A72B4-CE9F-4D8C-B4BC-16896AA3D297}" dt="2023-04-19T10:43:41.768" v="2884" actId="20577"/>
+          <ac:spMkLst>
+            <pc:docMk/>
+            <pc:sldMk cId="491572139" sldId="261"/>
+            <ac:spMk id="7" creationId="{1562FC88-3446-3D2E-AEEA-6D905C11D9E9}"/>
+          </ac:spMkLst>
+        </pc:spChg>
+        <pc:spChg chg="add mod">
+          <ac:chgData name="Irene Ferrari" userId="e569343e5e44b43c" providerId="LiveId" clId="{5B1A72B4-CE9F-4D8C-B4BC-16896AA3D297}" dt="2023-04-19T10:38:28.813" v="2523" actId="20577"/>
+          <ac:spMkLst>
+            <pc:docMk/>
+            <pc:sldMk cId="491572139" sldId="261"/>
+            <ac:spMk id="8" creationId="{30F7E54C-FCF3-A941-389B-818993B8AFF0}"/>
+          </ac:spMkLst>
+        </pc:spChg>
+        <pc:spChg chg="add mod">
+          <ac:chgData name="Irene Ferrari" userId="e569343e5e44b43c" providerId="LiveId" clId="{5B1A72B4-CE9F-4D8C-B4BC-16896AA3D297}" dt="2023-04-19T10:44:33.812" v="2890"/>
+          <ac:spMkLst>
+            <pc:docMk/>
+            <pc:sldMk cId="491572139" sldId="261"/>
+            <ac:spMk id="11" creationId="{26A11AD3-8285-79D6-EC02-D4352FFB7EDE}"/>
+          </ac:spMkLst>
+        </pc:spChg>
+        <pc:picChg chg="add mod">
+          <ac:chgData name="Irene Ferrari" userId="e569343e5e44b43c" providerId="LiveId" clId="{5B1A72B4-CE9F-4D8C-B4BC-16896AA3D297}" dt="2023-04-19T10:44:39.333" v="2891" actId="1076"/>
+          <ac:picMkLst>
+            <pc:docMk/>
+            <pc:sldMk cId="491572139" sldId="261"/>
+            <ac:picMk id="10" creationId="{270FC58B-C7A4-E74D-8FAB-8A4CBE9254AC}"/>
+          </ac:picMkLst>
+        </pc:picChg>
+      </pc:sldChg>
+      <pc:sldChg chg="addSp delSp modSp mod">
+        <pc:chgData name="Irene Ferrari" userId="e569343e5e44b43c" providerId="LiveId" clId="{5B1A72B4-CE9F-4D8C-B4BC-16896AA3D297}" dt="2023-04-19T11:09:02.859" v="3205" actId="20577"/>
+        <pc:sldMkLst>
+          <pc:docMk/>
+          <pc:sldMk cId="151096758" sldId="262"/>
+        </pc:sldMkLst>
+        <pc:spChg chg="del">
+          <ac:chgData name="Irene Ferrari" userId="e569343e5e44b43c" providerId="LiveId" clId="{5B1A72B4-CE9F-4D8C-B4BC-16896AA3D297}" dt="2023-04-19T10:50:02.709" v="2897" actId="21"/>
+          <ac:spMkLst>
+            <pc:docMk/>
+            <pc:sldMk cId="151096758" sldId="262"/>
+            <ac:spMk id="2" creationId="{2882187D-B7F3-CB89-7590-31901C2E24FF}"/>
+          </ac:spMkLst>
+        </pc:spChg>
+        <pc:spChg chg="mod">
+          <ac:chgData name="Irene Ferrari" userId="e569343e5e44b43c" providerId="LiveId" clId="{5B1A72B4-CE9F-4D8C-B4BC-16896AA3D297}" dt="2023-04-19T10:50:00.169" v="2896" actId="1076"/>
+          <ac:spMkLst>
+            <pc:docMk/>
+            <pc:sldMk cId="151096758" sldId="262"/>
+            <ac:spMk id="3" creationId="{B5EAD4D2-6542-F324-8A54-494D255726BD}"/>
+          </ac:spMkLst>
+        </pc:spChg>
+        <pc:spChg chg="add mod">
+          <ac:chgData name="Irene Ferrari" userId="e569343e5e44b43c" providerId="LiveId" clId="{5B1A72B4-CE9F-4D8C-B4BC-16896AA3D297}" dt="2023-04-19T10:49:35.252" v="2893"/>
+          <ac:spMkLst>
+            <pc:docMk/>
+            <pc:sldMk cId="151096758" sldId="262"/>
+            <ac:spMk id="4" creationId="{A9B1E7C2-2CA5-EAE3-FC05-1330E0DA7C88}"/>
+          </ac:spMkLst>
+        </pc:spChg>
+        <pc:spChg chg="add mod">
+          <ac:chgData name="Irene Ferrari" userId="e569343e5e44b43c" providerId="LiveId" clId="{5B1A72B4-CE9F-4D8C-B4BC-16896AA3D297}" dt="2023-04-19T10:49:53.650" v="2894"/>
+          <ac:spMkLst>
+            <pc:docMk/>
+            <pc:sldMk cId="151096758" sldId="262"/>
+            <ac:spMk id="5" creationId="{027FA28F-D4C2-7F12-5816-132311B5CDAF}"/>
+          </ac:spMkLst>
+        </pc:spChg>
+        <pc:spChg chg="add del mod">
+          <ac:chgData name="Irene Ferrari" userId="e569343e5e44b43c" providerId="LiveId" clId="{5B1A72B4-CE9F-4D8C-B4BC-16896AA3D297}" dt="2023-04-19T10:50:10.307" v="2899" actId="21"/>
+          <ac:spMkLst>
+            <pc:docMk/>
+            <pc:sldMk cId="151096758" sldId="262"/>
+            <ac:spMk id="7" creationId="{354AB2CB-4357-683D-AD2E-B5DD74EC4A4D}"/>
+          </ac:spMkLst>
+        </pc:spChg>
+        <pc:spChg chg="add mod">
+          <ac:chgData name="Irene Ferrari" userId="e569343e5e44b43c" providerId="LiveId" clId="{5B1A72B4-CE9F-4D8C-B4BC-16896AA3D297}" dt="2023-04-19T10:51:00.802" v="2900"/>
+          <ac:spMkLst>
+            <pc:docMk/>
+            <pc:sldMk cId="151096758" sldId="262"/>
+            <ac:spMk id="8" creationId="{9339A955-14D1-08C2-C524-8B0DAD4782E5}"/>
+          </ac:spMkLst>
+        </pc:spChg>
+        <pc:spChg chg="add del mod">
+          <ac:chgData name="Irene Ferrari" userId="e569343e5e44b43c" providerId="LiveId" clId="{5B1A72B4-CE9F-4D8C-B4BC-16896AA3D297}" dt="2023-04-19T11:09:02.859" v="3205" actId="20577"/>
+          <ac:spMkLst>
+            <pc:docMk/>
+            <pc:sldMk cId="151096758" sldId="262"/>
+            <ac:spMk id="9" creationId="{6AB9AF2F-D335-0413-2E77-B1162602D780}"/>
+          </ac:spMkLst>
+        </pc:spChg>
+        <pc:picChg chg="add del mod">
+          <ac:chgData name="Irene Ferrari" userId="e569343e5e44b43c" providerId="LiveId" clId="{5B1A72B4-CE9F-4D8C-B4BC-16896AA3D297}" dt="2023-04-19T11:03:41.559" v="3061" actId="21"/>
+          <ac:picMkLst>
+            <pc:docMk/>
+            <pc:sldMk cId="151096758" sldId="262"/>
+            <ac:picMk id="11" creationId="{B8D8BDB9-A530-F98D-92BD-2865469CF432}"/>
+          </ac:picMkLst>
+        </pc:picChg>
+        <pc:picChg chg="add mod">
+          <ac:chgData name="Irene Ferrari" userId="e569343e5e44b43c" providerId="LiveId" clId="{5B1A72B4-CE9F-4D8C-B4BC-16896AA3D297}" dt="2023-04-19T11:03:55.336" v="3065" actId="1076"/>
+          <ac:picMkLst>
+            <pc:docMk/>
+            <pc:sldMk cId="151096758" sldId="262"/>
+            <ac:picMk id="13" creationId="{9D7A8FF4-E2CC-917C-FF20-34DBCC5A65C2}"/>
+          </ac:picMkLst>
+        </pc:picChg>
+        <pc:picChg chg="add mod">
+          <ac:chgData name="Irene Ferrari" userId="e569343e5e44b43c" providerId="LiveId" clId="{5B1A72B4-CE9F-4D8C-B4BC-16896AA3D297}" dt="2023-04-19T11:03:58.635" v="3066" actId="1076"/>
+          <ac:picMkLst>
+            <pc:docMk/>
+            <pc:sldMk cId="151096758" sldId="262"/>
+            <ac:picMk id="14" creationId="{2748BDB4-2CA0-4F1E-7F65-F91DBEB12B0F}"/>
+          </ac:picMkLst>
+        </pc:picChg>
+      </pc:sldChg>
+      <pc:sldChg chg="addSp modSp mod">
+        <pc:chgData name="Irene Ferrari" userId="e569343e5e44b43c" providerId="LiveId" clId="{5B1A72B4-CE9F-4D8C-B4BC-16896AA3D297}" dt="2023-04-19T11:33:05.349" v="4021" actId="1076"/>
+        <pc:sldMkLst>
+          <pc:docMk/>
+          <pc:sldMk cId="2868176127" sldId="263"/>
+        </pc:sldMkLst>
+        <pc:spChg chg="add mod">
+          <ac:chgData name="Irene Ferrari" userId="e569343e5e44b43c" providerId="LiveId" clId="{5B1A72B4-CE9F-4D8C-B4BC-16896AA3D297}" dt="2023-04-19T11:32:46.292" v="4016"/>
+          <ac:spMkLst>
+            <pc:docMk/>
+            <pc:sldMk cId="2868176127" sldId="263"/>
+            <ac:spMk id="2" creationId="{86D7227E-E938-C11D-8108-A1A1959BD99A}"/>
+          </ac:spMkLst>
+        </pc:spChg>
+        <pc:spChg chg="mod">
+          <ac:chgData name="Irene Ferrari" userId="e569343e5e44b43c" providerId="LiveId" clId="{5B1A72B4-CE9F-4D8C-B4BC-16896AA3D297}" dt="2023-04-19T11:32:55.999" v="4019" actId="1076"/>
+          <ac:spMkLst>
+            <pc:docMk/>
+            <pc:sldMk cId="2868176127" sldId="263"/>
+            <ac:spMk id="4" creationId="{09CB4979-2A38-56F3-C822-CFD797127610}"/>
+          </ac:spMkLst>
+        </pc:spChg>
+        <pc:spChg chg="mod">
+          <ac:chgData name="Irene Ferrari" userId="e569343e5e44b43c" providerId="LiveId" clId="{5B1A72B4-CE9F-4D8C-B4BC-16896AA3D297}" dt="2023-04-19T11:33:02.616" v="4020" actId="1076"/>
+          <ac:spMkLst>
+            <pc:docMk/>
+            <pc:sldMk cId="2868176127" sldId="263"/>
+            <ac:spMk id="9" creationId="{9282EFA2-D4D7-CE5E-D3E2-9B6C713C4932}"/>
+          </ac:spMkLst>
+        </pc:spChg>
+        <pc:spChg chg="mod">
+          <ac:chgData name="Irene Ferrari" userId="e569343e5e44b43c" providerId="LiveId" clId="{5B1A72B4-CE9F-4D8C-B4BC-16896AA3D297}" dt="2023-04-19T11:33:02.616" v="4020" actId="1076"/>
+          <ac:spMkLst>
+            <pc:docMk/>
+            <pc:sldMk cId="2868176127" sldId="263"/>
+            <ac:spMk id="11" creationId="{BF581973-3EF2-4A17-3A8D-1F5420578A44}"/>
+          </ac:spMkLst>
+        </pc:spChg>
+        <pc:spChg chg="mod">
+          <ac:chgData name="Irene Ferrari" userId="e569343e5e44b43c" providerId="LiveId" clId="{5B1A72B4-CE9F-4D8C-B4BC-16896AA3D297}" dt="2023-04-19T11:33:02.616" v="4020" actId="1076"/>
+          <ac:spMkLst>
+            <pc:docMk/>
+            <pc:sldMk cId="2868176127" sldId="263"/>
+            <ac:spMk id="13" creationId="{80BC8176-2BDC-43F3-B487-8DB1BD96A116}"/>
+          </ac:spMkLst>
+        </pc:spChg>
+        <pc:spChg chg="mod">
+          <ac:chgData name="Irene Ferrari" userId="e569343e5e44b43c" providerId="LiveId" clId="{5B1A72B4-CE9F-4D8C-B4BC-16896AA3D297}" dt="2023-04-19T11:33:05.349" v="4021" actId="1076"/>
+          <ac:spMkLst>
+            <pc:docMk/>
+            <pc:sldMk cId="2868176127" sldId="263"/>
+            <ac:spMk id="15" creationId="{A1E13B3F-D020-F02B-475D-5F83BC6B3254}"/>
+          </ac:spMkLst>
+        </pc:spChg>
+        <pc:picChg chg="mod">
+          <ac:chgData name="Irene Ferrari" userId="e569343e5e44b43c" providerId="LiveId" clId="{5B1A72B4-CE9F-4D8C-B4BC-16896AA3D297}" dt="2023-04-19T11:33:02.616" v="4020" actId="1076"/>
+          <ac:picMkLst>
+            <pc:docMk/>
+            <pc:sldMk cId="2868176127" sldId="263"/>
+            <ac:picMk id="19" creationId="{C4E8A65B-117F-3EAB-5B94-817308D40317}"/>
+          </ac:picMkLst>
+        </pc:picChg>
+        <pc:picChg chg="mod">
+          <ac:chgData name="Irene Ferrari" userId="e569343e5e44b43c" providerId="LiveId" clId="{5B1A72B4-CE9F-4D8C-B4BC-16896AA3D297}" dt="2023-04-19T11:33:02.616" v="4020" actId="1076"/>
+          <ac:picMkLst>
+            <pc:docMk/>
+            <pc:sldMk cId="2868176127" sldId="263"/>
+            <ac:picMk id="21" creationId="{0EB64993-9A1D-7630-85C1-E7D4E0322E86}"/>
+          </ac:picMkLst>
+        </pc:picChg>
+      </pc:sldChg>
+      <pc:sldChg chg="addSp delSp modSp mod">
+        <pc:chgData name="Irene Ferrari" userId="e569343e5e44b43c" providerId="LiveId" clId="{5B1A72B4-CE9F-4D8C-B4BC-16896AA3D297}" dt="2023-04-19T14:08:52.923" v="4043" actId="20577"/>
+        <pc:sldMkLst>
+          <pc:docMk/>
+          <pc:sldMk cId="3460718081" sldId="264"/>
+        </pc:sldMkLst>
+        <pc:spChg chg="del mod">
+          <ac:chgData name="Irene Ferrari" userId="e569343e5e44b43c" providerId="LiveId" clId="{5B1A72B4-CE9F-4D8C-B4BC-16896AA3D297}" dt="2023-04-19T11:07:17.255" v="3096" actId="21"/>
+          <ac:spMkLst>
+            <pc:docMk/>
+            <pc:sldMk cId="3460718081" sldId="264"/>
+            <ac:spMk id="2" creationId="{D83D02C1-9E5B-6882-C5AC-0CC001CA3A3F}"/>
+          </ac:spMkLst>
+        </pc:spChg>
+        <pc:spChg chg="mod">
+          <ac:chgData name="Irene Ferrari" userId="e569343e5e44b43c" providerId="LiveId" clId="{5B1A72B4-CE9F-4D8C-B4BC-16896AA3D297}" dt="2023-04-19T11:10:04.215" v="3281" actId="1076"/>
+          <ac:spMkLst>
+            <pc:docMk/>
+            <pc:sldMk cId="3460718081" sldId="264"/>
+            <ac:spMk id="3" creationId="{DB9944E5-E6E1-E1AC-69F6-5D36E6C35E6D}"/>
+          </ac:spMkLst>
+        </pc:spChg>
+        <pc:spChg chg="add mod">
+          <ac:chgData name="Irene Ferrari" userId="e569343e5e44b43c" providerId="LiveId" clId="{5B1A72B4-CE9F-4D8C-B4BC-16896AA3D297}" dt="2023-04-19T11:09:21.865" v="3207" actId="1076"/>
+          <ac:spMkLst>
+            <pc:docMk/>
+            <pc:sldMk cId="3460718081" sldId="264"/>
+            <ac:spMk id="4" creationId="{EC696A3D-BD91-DC4B-553B-1465FA7B580D}"/>
+          </ac:spMkLst>
+        </pc:spChg>
+        <pc:spChg chg="add del mod">
+          <ac:chgData name="Irene Ferrari" userId="e569343e5e44b43c" providerId="LiveId" clId="{5B1A72B4-CE9F-4D8C-B4BC-16896AA3D297}" dt="2023-04-19T11:07:21.411" v="3098" actId="21"/>
+          <ac:spMkLst>
+            <pc:docMk/>
+            <pc:sldMk cId="3460718081" sldId="264"/>
+            <ac:spMk id="6" creationId="{C6520936-5B8C-5968-0197-99893C9F8C34}"/>
+          </ac:spMkLst>
+        </pc:spChg>
+        <pc:spChg chg="add mod">
+          <ac:chgData name="Irene Ferrari" userId="e569343e5e44b43c" providerId="LiveId" clId="{5B1A72B4-CE9F-4D8C-B4BC-16896AA3D297}" dt="2023-04-19T11:13:02.229" v="3435" actId="1076"/>
+          <ac:spMkLst>
+            <pc:docMk/>
+            <pc:sldMk cId="3460718081" sldId="264"/>
+            <ac:spMk id="7" creationId="{93AF3379-06D9-F038-C44E-0C9C9DE77837}"/>
+          </ac:spMkLst>
+        </pc:spChg>
+        <pc:spChg chg="add del mod">
+          <ac:chgData name="Irene Ferrari" userId="e569343e5e44b43c" providerId="LiveId" clId="{5B1A72B4-CE9F-4D8C-B4BC-16896AA3D297}" dt="2023-04-19T11:20:55.566" v="3460"/>
+          <ac:spMkLst>
+            <pc:docMk/>
+            <pc:sldMk cId="3460718081" sldId="264"/>
+            <ac:spMk id="8" creationId="{BD678B95-2858-59FB-229B-C695164B4022}"/>
+          </ac:spMkLst>
+        </pc:spChg>
+        <pc:spChg chg="add mod">
+          <ac:chgData name="Irene Ferrari" userId="e569343e5e44b43c" providerId="LiveId" clId="{5B1A72B4-CE9F-4D8C-B4BC-16896AA3D297}" dt="2023-04-19T14:08:52.923" v="4043" actId="20577"/>
+          <ac:spMkLst>
+            <pc:docMk/>
+            <pc:sldMk cId="3460718081" sldId="264"/>
+            <ac:spMk id="9" creationId="{FB8CB778-A118-BFDF-650E-693B25C1E2DE}"/>
+          </ac:spMkLst>
+        </pc:spChg>
+        <pc:spChg chg="add mod">
+          <ac:chgData name="Irene Ferrari" userId="e569343e5e44b43c" providerId="LiveId" clId="{5B1A72B4-CE9F-4D8C-B4BC-16896AA3D297}" dt="2023-04-19T11:26:55.700" v="3852" actId="1076"/>
+          <ac:spMkLst>
+            <pc:docMk/>
+            <pc:sldMk cId="3460718081" sldId="264"/>
+            <ac:spMk id="12" creationId="{B0A150CD-5F8C-97CA-9CEC-49F67AD954BC}"/>
+          </ac:spMkLst>
+        </pc:spChg>
+        <pc:spChg chg="add mod">
+          <ac:chgData name="Irene Ferrari" userId="e569343e5e44b43c" providerId="LiveId" clId="{5B1A72B4-CE9F-4D8C-B4BC-16896AA3D297}" dt="2023-04-19T11:28:40.302" v="3931" actId="1076"/>
+          <ac:spMkLst>
+            <pc:docMk/>
+            <pc:sldMk cId="3460718081" sldId="264"/>
+            <ac:spMk id="17" creationId="{BF8CFF09-D0BE-FAC4-D9F6-96E69C87F188}"/>
+          </ac:spMkLst>
+        </pc:spChg>
+        <pc:spChg chg="add mod">
+          <ac:chgData name="Irene Ferrari" userId="e569343e5e44b43c" providerId="LiveId" clId="{5B1A72B4-CE9F-4D8C-B4BC-16896AA3D297}" dt="2023-04-19T11:31:58.883" v="4013" actId="1076"/>
+          <ac:spMkLst>
+            <pc:docMk/>
+            <pc:sldMk cId="3460718081" sldId="264"/>
+            <ac:spMk id="18" creationId="{CDBB96FC-DBE8-CF3E-8BD5-7DE03E03D407}"/>
+          </ac:spMkLst>
+        </pc:spChg>
+        <pc:spChg chg="add mod">
+          <ac:chgData name="Irene Ferrari" userId="e569343e5e44b43c" providerId="LiveId" clId="{5B1A72B4-CE9F-4D8C-B4BC-16896AA3D297}" dt="2023-04-19T11:32:15.506" v="4014" actId="1076"/>
+          <ac:spMkLst>
+            <pc:docMk/>
+            <pc:sldMk cId="3460718081" sldId="264"/>
+            <ac:spMk id="19" creationId="{AA83A6C4-7304-F516-BC25-FDBBCDEFE0FD}"/>
+          </ac:spMkLst>
+        </pc:spChg>
+        <pc:spChg chg="add mod">
+          <ac:chgData name="Irene Ferrari" userId="e569343e5e44b43c" providerId="LiveId" clId="{5B1A72B4-CE9F-4D8C-B4BC-16896AA3D297}" dt="2023-04-19T11:31:42.536" v="4009"/>
+          <ac:spMkLst>
+            <pc:docMk/>
+            <pc:sldMk cId="3460718081" sldId="264"/>
+            <ac:spMk id="20" creationId="{50C2C565-50C6-50B2-75BD-F1E581D18233}"/>
+          </ac:spMkLst>
+        </pc:spChg>
+        <pc:picChg chg="add mod">
+          <ac:chgData name="Irene Ferrari" userId="e569343e5e44b43c" providerId="LiveId" clId="{5B1A72B4-CE9F-4D8C-B4BC-16896AA3D297}" dt="2023-04-19T11:31:47.886" v="4010" actId="1076"/>
+          <ac:picMkLst>
+            <pc:docMk/>
+            <pc:sldMk cId="3460718081" sldId="264"/>
+            <ac:picMk id="11" creationId="{F1A4CB47-A50C-25AA-1BE0-48F7D59B9785}"/>
+          </ac:picMkLst>
+        </pc:picChg>
+        <pc:picChg chg="add mod">
+          <ac:chgData name="Irene Ferrari" userId="e569343e5e44b43c" providerId="LiveId" clId="{5B1A72B4-CE9F-4D8C-B4BC-16896AA3D297}" dt="2023-04-19T11:28:42.304" v="3932" actId="1076"/>
+          <ac:picMkLst>
+            <pc:docMk/>
+            <pc:sldMk cId="3460718081" sldId="264"/>
+            <ac:picMk id="14" creationId="{46809558-DC0D-55C7-DC1A-F14158A6222D}"/>
+          </ac:picMkLst>
+        </pc:picChg>
+        <pc:picChg chg="add mod">
+          <ac:chgData name="Irene Ferrari" userId="e569343e5e44b43c" providerId="LiveId" clId="{5B1A72B4-CE9F-4D8C-B4BC-16896AA3D297}" dt="2023-04-19T11:31:47.886" v="4010" actId="1076"/>
+          <ac:picMkLst>
+            <pc:docMk/>
+            <pc:sldMk cId="3460718081" sldId="264"/>
+            <ac:picMk id="16" creationId="{72630ADC-8664-08AE-3FA4-333DA67D8E4C}"/>
+          </ac:picMkLst>
+        </pc:picChg>
+      </pc:sldChg>
+      <pc:sldChg chg="del ord modNotesTx">
+        <pc:chgData name="Irene Ferrari" userId="e569343e5e44b43c" providerId="LiveId" clId="{5B1A72B4-CE9F-4D8C-B4BC-16896AA3D297}" dt="2023-04-19T11:15:01.235" v="3436" actId="2696"/>
+        <pc:sldMkLst>
+          <pc:docMk/>
+          <pc:sldMk cId="3486126377" sldId="265"/>
+        </pc:sldMkLst>
+      </pc:sldChg>
+      <pc:sldChg chg="addSp delSp modSp mod">
+        <pc:chgData name="Irene Ferrari" userId="e569343e5e44b43c" providerId="LiveId" clId="{5B1A72B4-CE9F-4D8C-B4BC-16896AA3D297}" dt="2023-04-19T11:33:09.965" v="4022"/>
+        <pc:sldMkLst>
+          <pc:docMk/>
+          <pc:sldMk cId="1801023679" sldId="266"/>
+        </pc:sldMkLst>
+        <pc:spChg chg="add mod">
+          <ac:chgData name="Irene Ferrari" userId="e569343e5e44b43c" providerId="LiveId" clId="{5B1A72B4-CE9F-4D8C-B4BC-16896AA3D297}" dt="2023-04-19T11:33:09.965" v="4022"/>
+          <ac:spMkLst>
+            <pc:docMk/>
+            <pc:sldMk cId="1801023679" sldId="266"/>
+            <ac:spMk id="2" creationId="{AABBAA6F-4F2B-2639-5439-053F907CEC28}"/>
+          </ac:spMkLst>
+        </pc:spChg>
+        <pc:spChg chg="mod">
+          <ac:chgData name="Irene Ferrari" userId="e569343e5e44b43c" providerId="LiveId" clId="{5B1A72B4-CE9F-4D8C-B4BC-16896AA3D297}" dt="2023-04-19T11:20:08.527" v="3456" actId="1076"/>
+          <ac:spMkLst>
+            <pc:docMk/>
+            <pc:sldMk cId="1801023679" sldId="266"/>
+            <ac:spMk id="4" creationId="{1AB7608D-6631-BA67-34F7-CC2590F757ED}"/>
+          </ac:spMkLst>
+        </pc:spChg>
+        <pc:spChg chg="del">
+          <ac:chgData name="Irene Ferrari" userId="e569343e5e44b43c" providerId="LiveId" clId="{5B1A72B4-CE9F-4D8C-B4BC-16896AA3D297}" dt="2023-04-19T11:19:11.401" v="3439" actId="21"/>
+          <ac:spMkLst>
+            <pc:docMk/>
+            <pc:sldMk cId="1801023679" sldId="266"/>
+            <ac:spMk id="72" creationId="{C35B82CC-354C-6298-5775-97F026C57E07}"/>
+          </ac:spMkLst>
+        </pc:spChg>
+        <pc:spChg chg="del">
+          <ac:chgData name="Irene Ferrari" userId="e569343e5e44b43c" providerId="LiveId" clId="{5B1A72B4-CE9F-4D8C-B4BC-16896AA3D297}" dt="2023-04-19T11:19:06.236" v="3437" actId="21"/>
+          <ac:spMkLst>
+            <pc:docMk/>
+            <pc:sldMk cId="1801023679" sldId="266"/>
+            <ac:spMk id="73" creationId="{8208200B-8358-4BAC-4412-1C50091274A4}"/>
+          </ac:spMkLst>
+        </pc:spChg>
+        <pc:spChg chg="mod">
+          <ac:chgData name="Irene Ferrari" userId="e569343e5e44b43c" providerId="LiveId" clId="{5B1A72B4-CE9F-4D8C-B4BC-16896AA3D297}" dt="2023-04-19T11:20:11.935" v="3457" actId="1076"/>
+          <ac:spMkLst>
+            <pc:docMk/>
+            <pc:sldMk cId="1801023679" sldId="266"/>
+            <ac:spMk id="82" creationId="{D83C482D-DA5F-2BCE-A617-277D1D04AF53}"/>
+          </ac:spMkLst>
+        </pc:spChg>
+        <pc:picChg chg="del">
+          <ac:chgData name="Irene Ferrari" userId="e569343e5e44b43c" providerId="LiveId" clId="{5B1A72B4-CE9F-4D8C-B4BC-16896AA3D297}" dt="2023-04-19T11:19:08.033" v="3438" actId="21"/>
+          <ac:picMkLst>
+            <pc:docMk/>
+            <pc:sldMk cId="1801023679" sldId="266"/>
+            <ac:picMk id="66" creationId="{34993745-140E-0F46-3D23-3689FEF6804E}"/>
+          </ac:picMkLst>
+        </pc:picChg>
+        <pc:picChg chg="del">
+          <ac:chgData name="Irene Ferrari" userId="e569343e5e44b43c" providerId="LiveId" clId="{5B1A72B4-CE9F-4D8C-B4BC-16896AA3D297}" dt="2023-04-19T11:19:12.899" v="3440" actId="21"/>
+          <ac:picMkLst>
+            <pc:docMk/>
+            <pc:sldMk cId="1801023679" sldId="266"/>
+            <ac:picMk id="67" creationId="{6C5C92B8-A856-F936-07FA-C4EE97CE0B5A}"/>
+          </ac:picMkLst>
+        </pc:picChg>
+        <pc:picChg chg="mod">
+          <ac:chgData name="Irene Ferrari" userId="e569343e5e44b43c" providerId="LiveId" clId="{5B1A72B4-CE9F-4D8C-B4BC-16896AA3D297}" dt="2023-04-19T11:20:05.826" v="3455" actId="1076"/>
+          <ac:picMkLst>
+            <pc:docMk/>
+            <pc:sldMk cId="1801023679" sldId="266"/>
+            <ac:picMk id="78" creationId="{3A0A0132-A69B-80F3-2C26-6D809107366C}"/>
+          </ac:picMkLst>
+        </pc:picChg>
+        <pc:picChg chg="mod">
+          <ac:chgData name="Irene Ferrari" userId="e569343e5e44b43c" providerId="LiveId" clId="{5B1A72B4-CE9F-4D8C-B4BC-16896AA3D297}" dt="2023-04-19T11:19:41.541" v="3448" actId="1076"/>
+          <ac:picMkLst>
+            <pc:docMk/>
+            <pc:sldMk cId="1801023679" sldId="266"/>
+            <ac:picMk id="79" creationId="{3F8CC613-0E9E-95F5-E770-40305408B1D4}"/>
+          </ac:picMkLst>
+        </pc:picChg>
+        <pc:cxnChg chg="del mod">
+          <ac:chgData name="Irene Ferrari" userId="e569343e5e44b43c" providerId="LiveId" clId="{5B1A72B4-CE9F-4D8C-B4BC-16896AA3D297}" dt="2023-04-19T11:19:06.236" v="3437" actId="21"/>
+          <ac:cxnSpMkLst>
+            <pc:docMk/>
+            <pc:sldMk cId="1801023679" sldId="266"/>
+            <ac:cxnSpMk id="69" creationId="{38175ADA-197E-8572-53F1-447A991D63EE}"/>
+          </ac:cxnSpMkLst>
+        </pc:cxnChg>
+      </pc:sldChg>
+      <pc:sldChg chg="addSp modSp">
+        <pc:chgData name="Irene Ferrari" userId="e569343e5e44b43c" providerId="LiveId" clId="{5B1A72B4-CE9F-4D8C-B4BC-16896AA3D297}" dt="2023-04-19T11:33:27.005" v="4026"/>
+        <pc:sldMkLst>
+          <pc:docMk/>
+          <pc:sldMk cId="2513982676" sldId="267"/>
+        </pc:sldMkLst>
+        <pc:spChg chg="add mod">
+          <ac:chgData name="Irene Ferrari" userId="e569343e5e44b43c" providerId="LiveId" clId="{5B1A72B4-CE9F-4D8C-B4BC-16896AA3D297}" dt="2023-04-19T11:33:27.005" v="4026"/>
+          <ac:spMkLst>
+            <pc:docMk/>
+            <pc:sldMk cId="2513982676" sldId="267"/>
+            <ac:spMk id="2" creationId="{A5921543-5CA0-427D-FC72-A6C87BA5D6D8}"/>
+          </ac:spMkLst>
+        </pc:spChg>
+      </pc:sldChg>
+      <pc:sldChg chg="addSp modSp mod">
+        <pc:chgData name="Irene Ferrari" userId="e569343e5e44b43c" providerId="LiveId" clId="{5B1A72B4-CE9F-4D8C-B4BC-16896AA3D297}" dt="2023-04-19T11:33:23.506" v="4025"/>
+        <pc:sldMkLst>
+          <pc:docMk/>
+          <pc:sldMk cId="3368148799" sldId="268"/>
+        </pc:sldMkLst>
+        <pc:spChg chg="add mod">
+          <ac:chgData name="Irene Ferrari" userId="e569343e5e44b43c" providerId="LiveId" clId="{5B1A72B4-CE9F-4D8C-B4BC-16896AA3D297}" dt="2023-04-19T11:33:23.506" v="4025"/>
+          <ac:spMkLst>
+            <pc:docMk/>
+            <pc:sldMk cId="3368148799" sldId="268"/>
+            <ac:spMk id="2" creationId="{C5340711-2639-37C3-2723-C06DEAB87DA9}"/>
+          </ac:spMkLst>
+        </pc:spChg>
+        <pc:spChg chg="mod">
+          <ac:chgData name="Irene Ferrari" userId="e569343e5e44b43c" providerId="LiveId" clId="{5B1A72B4-CE9F-4D8C-B4BC-16896AA3D297}" dt="2023-04-19T11:33:19.191" v="4023" actId="1076"/>
+          <ac:spMkLst>
+            <pc:docMk/>
+            <pc:sldMk cId="3368148799" sldId="268"/>
+            <ac:spMk id="80" creationId="{A606782E-F70C-F09A-791D-D5578EE6BE4D}"/>
+          </ac:spMkLst>
+        </pc:spChg>
+        <pc:picChg chg="mod">
+          <ac:chgData name="Irene Ferrari" userId="e569343e5e44b43c" providerId="LiveId" clId="{5B1A72B4-CE9F-4D8C-B4BC-16896AA3D297}" dt="2023-04-19T11:33:21.598" v="4024" actId="1076"/>
+          <ac:picMkLst>
+            <pc:docMk/>
+            <pc:sldMk cId="3368148799" sldId="268"/>
+            <ac:picMk id="14" creationId="{DDDB3919-9A3E-17B1-21D3-D15EB78EFF95}"/>
+          </ac:picMkLst>
+        </pc:picChg>
+      </pc:sldChg>
+      <pc:sldChg chg="addSp modSp ord">
+        <pc:chgData name="Irene Ferrari" userId="e569343e5e44b43c" providerId="LiveId" clId="{5B1A72B4-CE9F-4D8C-B4BC-16896AA3D297}" dt="2023-04-19T11:32:40.677" v="4015"/>
+        <pc:sldMkLst>
+          <pc:docMk/>
+          <pc:sldMk cId="2075369970" sldId="269"/>
+        </pc:sldMkLst>
+        <pc:spChg chg="add mod">
+          <ac:chgData name="Irene Ferrari" userId="e569343e5e44b43c" providerId="LiveId" clId="{5B1A72B4-CE9F-4D8C-B4BC-16896AA3D297}" dt="2023-04-19T11:32:40.677" v="4015"/>
+          <ac:spMkLst>
+            <pc:docMk/>
+            <pc:sldMk cId="2075369970" sldId="269"/>
+            <ac:spMk id="2" creationId="{9EA6B15E-F5CE-CA43-CBDB-A45164E63068}"/>
+          </ac:spMkLst>
+        </pc:spChg>
+      </pc:sldChg>
+      <pc:sldChg chg="addSp delSp modSp new mod">
+        <pc:chgData name="Irene Ferrari" userId="e569343e5e44b43c" providerId="LiveId" clId="{5B1A72B4-CE9F-4D8C-B4BC-16896AA3D297}" dt="2023-04-19T09:22:11.804" v="230" actId="14838"/>
+        <pc:sldMkLst>
+          <pc:docMk/>
+          <pc:sldMk cId="3045225275" sldId="270"/>
+        </pc:sldMkLst>
+        <pc:spChg chg="add mod">
+          <ac:chgData name="Irene Ferrari" userId="e569343e5e44b43c" providerId="LiveId" clId="{5B1A72B4-CE9F-4D8C-B4BC-16896AA3D297}" dt="2023-04-19T09:09:52.149" v="59" actId="207"/>
+          <ac:spMkLst>
+            <pc:docMk/>
+            <pc:sldMk cId="3045225275" sldId="270"/>
+            <ac:spMk id="5" creationId="{5C480B34-0755-60BA-1D3E-483D7945FBBC}"/>
+          </ac:spMkLst>
+        </pc:spChg>
+        <pc:spChg chg="add del">
+          <ac:chgData name="Irene Ferrari" userId="e569343e5e44b43c" providerId="LiveId" clId="{5B1A72B4-CE9F-4D8C-B4BC-16896AA3D297}" dt="2023-04-19T09:09:12.131" v="57" actId="21"/>
+          <ac:spMkLst>
+            <pc:docMk/>
+            <pc:sldMk cId="3045225275" sldId="270"/>
+            <ac:spMk id="6" creationId="{CCEC6D70-B36C-7A11-C43B-A414601BFE63}"/>
+          </ac:spMkLst>
+        </pc:spChg>
+        <pc:spChg chg="add del mod">
+          <ac:chgData name="Irene Ferrari" userId="e569343e5e44b43c" providerId="LiveId" clId="{5B1A72B4-CE9F-4D8C-B4BC-16896AA3D297}" dt="2023-04-19T09:15:44.761" v="97"/>
+          <ac:spMkLst>
+            <pc:docMk/>
+            <pc:sldMk cId="3045225275" sldId="270"/>
+            <ac:spMk id="7" creationId="{7AF29C50-E879-FC7D-1E0F-5427E6FDE362}"/>
+          </ac:spMkLst>
+        </pc:spChg>
+        <pc:spChg chg="add mod">
+          <ac:chgData name="Irene Ferrari" userId="e569343e5e44b43c" providerId="LiveId" clId="{5B1A72B4-CE9F-4D8C-B4BC-16896AA3D297}" dt="2023-04-19T09:22:11.804" v="230" actId="14838"/>
+          <ac:spMkLst>
+            <pc:docMk/>
+            <pc:sldMk cId="3045225275" sldId="270"/>
+            <ac:spMk id="8" creationId="{93D30ADE-60FC-35F6-6C59-C47F82D3B9B9}"/>
+          </ac:spMkLst>
+        </pc:spChg>
+        <pc:spChg chg="add del">
+          <ac:chgData name="Irene Ferrari" userId="e569343e5e44b43c" providerId="LiveId" clId="{5B1A72B4-CE9F-4D8C-B4BC-16896AA3D297}" dt="2023-04-19T09:11:08.821" v="69" actId="11529"/>
+          <ac:spMkLst>
+            <pc:docMk/>
+            <pc:sldMk cId="3045225275" sldId="270"/>
+            <ac:spMk id="9" creationId="{58F47E48-E366-581D-1D4C-2792BC456D96}"/>
+          </ac:spMkLst>
+        </pc:spChg>
+        <pc:spChg chg="add del mod">
+          <ac:chgData name="Irene Ferrari" userId="e569343e5e44b43c" providerId="LiveId" clId="{5B1A72B4-CE9F-4D8C-B4BC-16896AA3D297}" dt="2023-04-19T09:15:44.761" v="97"/>
+          <ac:spMkLst>
+            <pc:docMk/>
+            <pc:sldMk cId="3045225275" sldId="270"/>
+            <ac:spMk id="10" creationId="{52E02022-2F33-41E2-ADDB-096BFEBD1DDD}"/>
+          </ac:spMkLst>
+        </pc:spChg>
+        <pc:spChg chg="mod">
+          <ac:chgData name="Irene Ferrari" userId="e569343e5e44b43c" providerId="LiveId" clId="{5B1A72B4-CE9F-4D8C-B4BC-16896AA3D297}" dt="2023-04-19T09:14:21.392" v="80"/>
+          <ac:spMkLst>
+            <pc:docMk/>
+            <pc:sldMk cId="3045225275" sldId="270"/>
+            <ac:spMk id="11" creationId="{52CFA56B-BBB1-4C61-CDF7-9B7B0632DB67}"/>
+          </ac:spMkLst>
+        </pc:spChg>
+        <pc:spChg chg="mod">
+          <ac:chgData name="Irene Ferrari" userId="e569343e5e44b43c" providerId="LiveId" clId="{5B1A72B4-CE9F-4D8C-B4BC-16896AA3D297}" dt="2023-04-19T09:19:45.639" v="225" actId="14861"/>
+          <ac:spMkLst>
+            <pc:docMk/>
+            <pc:sldMk cId="3045225275" sldId="270"/>
+            <ac:spMk id="12" creationId="{11FFC8A5-4D2F-3CD5-E565-232C7715D0AB}"/>
+          </ac:spMkLst>
+        </pc:spChg>
+        <pc:spChg chg="add mod">
+          <ac:chgData name="Irene Ferrari" userId="e569343e5e44b43c" providerId="LiveId" clId="{5B1A72B4-CE9F-4D8C-B4BC-16896AA3D297}" dt="2023-04-19T09:18:40.111" v="222" actId="255"/>
+          <ac:spMkLst>
+            <pc:docMk/>
+            <pc:sldMk cId="3045225275" sldId="270"/>
+            <ac:spMk id="13" creationId="{36FEABC0-16A0-A6AB-3411-544EAC6D510C}"/>
+          </ac:spMkLst>
+        </pc:spChg>
+        <pc:picChg chg="add mod">
+          <ac:chgData name="Irene Ferrari" userId="e569343e5e44b43c" providerId="LiveId" clId="{5B1A72B4-CE9F-4D8C-B4BC-16896AA3D297}" dt="2023-04-19T09:16:28.563" v="101" actId="1076"/>
+          <ac:picMkLst>
+            <pc:docMk/>
+            <pc:sldMk cId="3045225275" sldId="270"/>
+            <ac:picMk id="4" creationId="{1BFB80D2-3C0D-EFA4-BF66-B643776A0113}"/>
+          </ac:picMkLst>
+        </pc:picChg>
+      </pc:sldChg>
+      <pc:sldChg chg="new del">
+        <pc:chgData name="Irene Ferrari" userId="e569343e5e44b43c" providerId="LiveId" clId="{5B1A72B4-CE9F-4D8C-B4BC-16896AA3D297}" dt="2023-04-19T11:04:18.735" v="3075" actId="2696"/>
+        <pc:sldMkLst>
+          <pc:docMk/>
+          <pc:sldMk cId="2360726743" sldId="271"/>
+        </pc:sldMkLst>
+      </pc:sldChg>
+    </pc:docChg>
+  </pc:docChgLst>
+  <pc:docChgLst>
     <pc:chgData name="Irene Ferrari" userId="e569343e5e44b43c" providerId="LiveId" clId="{4125BB07-7A97-4DBD-B9BA-5E2E9DB34A7C}"/>
     <pc:docChg chg="undo custSel addSld delSld modSld">
       <pc:chgData name="Irene Ferrari" userId="e569343e5e44b43c" providerId="LiveId" clId="{4125BB07-7A97-4DBD-B9BA-5E2E9DB34A7C}" dt="2023-05-07T21:39:21.019" v="6472" actId="20577"/>
@@ -1931,982 +2907,6 @@
             <ac:picMk id="2050" creationId="{93F81319-2B2E-4832-0D18-E512100F581B}"/>
           </ac:picMkLst>
         </pc:picChg>
-      </pc:sldChg>
-    </pc:docChg>
-  </pc:docChgLst>
-  <pc:docChgLst>
-    <pc:chgData name="Irene Ferrari" userId="e569343e5e44b43c" providerId="LiveId" clId="{5B1A72B4-CE9F-4D8C-B4BC-16896AA3D297}"/>
-    <pc:docChg chg="undo custSel addSld delSld modSld sldOrd">
-      <pc:chgData name="Irene Ferrari" userId="e569343e5e44b43c" providerId="LiveId" clId="{5B1A72B4-CE9F-4D8C-B4BC-16896AA3D297}" dt="2023-04-19T14:08:52.923" v="4043" actId="20577"/>
-      <pc:docMkLst>
-        <pc:docMk/>
-      </pc:docMkLst>
-      <pc:sldChg chg="addSp delSp modSp add del mod setBg">
-        <pc:chgData name="Irene Ferrari" userId="e569343e5e44b43c" providerId="LiveId" clId="{5B1A72B4-CE9F-4D8C-B4BC-16896AA3D297}" dt="2023-04-19T09:15:53.593" v="98" actId="2696"/>
-        <pc:sldMkLst>
-          <pc:docMk/>
-          <pc:sldMk cId="4224793208" sldId="256"/>
-        </pc:sldMkLst>
-        <pc:spChg chg="del mod ord">
-          <ac:chgData name="Irene Ferrari" userId="e569343e5e44b43c" providerId="LiveId" clId="{5B1A72B4-CE9F-4D8C-B4BC-16896AA3D297}" dt="2023-04-19T09:03:02.081" v="13" actId="21"/>
-          <ac:spMkLst>
-            <pc:docMk/>
-            <pc:sldMk cId="4224793208" sldId="256"/>
-            <ac:spMk id="2" creationId="{34B3EC7F-6C5B-2474-B7DD-D203B19DD750}"/>
-          </ac:spMkLst>
-        </pc:spChg>
-        <pc:spChg chg="del">
-          <ac:chgData name="Irene Ferrari" userId="e569343e5e44b43c" providerId="LiveId" clId="{5B1A72B4-CE9F-4D8C-B4BC-16896AA3D297}" dt="2023-04-19T09:00:24.559" v="0" actId="21"/>
-          <ac:spMkLst>
-            <pc:docMk/>
-            <pc:sldMk cId="4224793208" sldId="256"/>
-            <ac:spMk id="3" creationId="{DFB19BB2-0F43-2DF3-FAB1-29AFC498DA45}"/>
-          </ac:spMkLst>
-        </pc:spChg>
-        <pc:spChg chg="add mod">
-          <ac:chgData name="Irene Ferrari" userId="e569343e5e44b43c" providerId="LiveId" clId="{5B1A72B4-CE9F-4D8C-B4BC-16896AA3D297}" dt="2023-04-19T09:06:08.459" v="36" actId="207"/>
-          <ac:spMkLst>
-            <pc:docMk/>
-            <pc:sldMk cId="4224793208" sldId="256"/>
-            <ac:spMk id="5" creationId="{A03E9C80-1656-E38C-EC25-F920B26D0207}"/>
-          </ac:spMkLst>
-        </pc:spChg>
-        <pc:spChg chg="add">
-          <ac:chgData name="Irene Ferrari" userId="e569343e5e44b43c" providerId="LiveId" clId="{5B1A72B4-CE9F-4D8C-B4BC-16896AA3D297}" dt="2023-04-19T09:02:26.559" v="10" actId="26606"/>
-          <ac:spMkLst>
-            <pc:docMk/>
-            <pc:sldMk cId="4224793208" sldId="256"/>
-            <ac:spMk id="6" creationId="{608EAA06-5488-416B-B2B2-E55213011012}"/>
-          </ac:spMkLst>
-        </pc:spChg>
-        <pc:spChg chg="add del mod">
-          <ac:chgData name="Irene Ferrari" userId="e569343e5e44b43c" providerId="LiveId" clId="{5B1A72B4-CE9F-4D8C-B4BC-16896AA3D297}" dt="2023-04-19T09:03:18.568" v="21" actId="21"/>
-          <ac:spMkLst>
-            <pc:docMk/>
-            <pc:sldMk cId="4224793208" sldId="256"/>
-            <ac:spMk id="8" creationId="{94E374D2-65A2-1496-8B0E-B152CB3000C2}"/>
-          </ac:spMkLst>
-        </pc:spChg>
-        <pc:spChg chg="add del">
-          <ac:chgData name="Irene Ferrari" userId="e569343e5e44b43c" providerId="LiveId" clId="{5B1A72B4-CE9F-4D8C-B4BC-16896AA3D297}" dt="2023-04-19T09:02:17.694" v="7" actId="26606"/>
-          <ac:spMkLst>
-            <pc:docMk/>
-            <pc:sldMk cId="4224793208" sldId="256"/>
-            <ac:spMk id="9" creationId="{608EAA06-5488-416B-B2B2-E55213011012}"/>
-          </ac:spMkLst>
-        </pc:spChg>
-        <pc:spChg chg="add del">
-          <ac:chgData name="Irene Ferrari" userId="e569343e5e44b43c" providerId="LiveId" clId="{5B1A72B4-CE9F-4D8C-B4BC-16896AA3D297}" dt="2023-04-19T09:04:42.591" v="25" actId="11529"/>
-          <ac:spMkLst>
-            <pc:docMk/>
-            <pc:sldMk cId="4224793208" sldId="256"/>
-            <ac:spMk id="10" creationId="{49D5232C-ED90-6684-66F7-56D00E87F718}"/>
-          </ac:spMkLst>
-        </pc:spChg>
-        <pc:spChg chg="add del mod">
-          <ac:chgData name="Irene Ferrari" userId="e569343e5e44b43c" providerId="LiveId" clId="{5B1A72B4-CE9F-4D8C-B4BC-16896AA3D297}" dt="2023-04-19T09:06:08.092" v="35" actId="11529"/>
-          <ac:spMkLst>
-            <pc:docMk/>
-            <pc:sldMk cId="4224793208" sldId="256"/>
-            <ac:spMk id="11" creationId="{D636B15B-0AB9-EED9-5E49-C4FABAFABBF2}"/>
-          </ac:spMkLst>
-        </pc:spChg>
-        <pc:spChg chg="add del">
-          <ac:chgData name="Irene Ferrari" userId="e569343e5e44b43c" providerId="LiveId" clId="{5B1A72B4-CE9F-4D8C-B4BC-16896AA3D297}" dt="2023-04-19T09:08:48.075" v="55" actId="21"/>
-          <ac:spMkLst>
-            <pc:docMk/>
-            <pc:sldMk cId="4224793208" sldId="256"/>
-            <ac:spMk id="12" creationId="{B9FDA1B4-ABAC-D8D3-0BF8-F462632F65CD}"/>
-          </ac:spMkLst>
-        </pc:spChg>
-        <pc:spChg chg="add del mod">
-          <ac:chgData name="Irene Ferrari" userId="e569343e5e44b43c" providerId="LiveId" clId="{5B1A72B4-CE9F-4D8C-B4BC-16896AA3D297}" dt="2023-04-19T09:10:32.798" v="65" actId="21"/>
-          <ac:spMkLst>
-            <pc:docMk/>
-            <pc:sldMk cId="4224793208" sldId="256"/>
-            <ac:spMk id="13" creationId="{696A67BE-28FC-65B5-EEE8-08D1151F8A41}"/>
-          </ac:spMkLst>
-        </pc:spChg>
-        <pc:picChg chg="add del mod">
-          <ac:chgData name="Irene Ferrari" userId="e569343e5e44b43c" providerId="LiveId" clId="{5B1A72B4-CE9F-4D8C-B4BC-16896AA3D297}" dt="2023-04-19T09:03:14.581" v="19" actId="1076"/>
-          <ac:picMkLst>
-            <pc:docMk/>
-            <pc:sldMk cId="4224793208" sldId="256"/>
-            <ac:picMk id="4" creationId="{6E92BB91-51E9-37BF-F646-B313F66301E7}"/>
-          </ac:picMkLst>
-        </pc:picChg>
-      </pc:sldChg>
-      <pc:sldChg chg="addSp delSp modSp mod">
-        <pc:chgData name="Irene Ferrari" userId="e569343e5e44b43c" providerId="LiveId" clId="{5B1A72B4-CE9F-4D8C-B4BC-16896AA3D297}" dt="2023-04-19T09:53:52.604" v="1393" actId="1076"/>
-        <pc:sldMkLst>
-          <pc:docMk/>
-          <pc:sldMk cId="3319355184" sldId="257"/>
-        </pc:sldMkLst>
-        <pc:spChg chg="mod">
-          <ac:chgData name="Irene Ferrari" userId="e569343e5e44b43c" providerId="LiveId" clId="{5B1A72B4-CE9F-4D8C-B4BC-16896AA3D297}" dt="2023-04-19T09:53:41.727" v="1391" actId="1076"/>
-          <ac:spMkLst>
-            <pc:docMk/>
-            <pc:sldMk cId="3319355184" sldId="257"/>
-            <ac:spMk id="2" creationId="{69EC7777-A58F-4C17-39F3-DC30B1A63C22}"/>
-          </ac:spMkLst>
-        </pc:spChg>
-        <pc:spChg chg="del mod">
-          <ac:chgData name="Irene Ferrari" userId="e569343e5e44b43c" providerId="LiveId" clId="{5B1A72B4-CE9F-4D8C-B4BC-16896AA3D297}" dt="2023-04-19T09:39:30.805" v="1019" actId="21"/>
-          <ac:spMkLst>
-            <pc:docMk/>
-            <pc:sldMk cId="3319355184" sldId="257"/>
-            <ac:spMk id="3" creationId="{26491C98-F387-BBC7-C2FC-8CC3A03BF6B7}"/>
-          </ac:spMkLst>
-        </pc:spChg>
-        <pc:spChg chg="add mod">
-          <ac:chgData name="Irene Ferrari" userId="e569343e5e44b43c" providerId="LiveId" clId="{5B1A72B4-CE9F-4D8C-B4BC-16896AA3D297}" dt="2023-04-19T09:28:33.094" v="440" actId="207"/>
-          <ac:spMkLst>
-            <pc:docMk/>
-            <pc:sldMk cId="3319355184" sldId="257"/>
-            <ac:spMk id="5" creationId="{4829375D-C925-C9EB-3669-517A72393A26}"/>
-          </ac:spMkLst>
-        </pc:spChg>
-        <pc:spChg chg="add mod">
-          <ac:chgData name="Irene Ferrari" userId="e569343e5e44b43c" providerId="LiveId" clId="{5B1A72B4-CE9F-4D8C-B4BC-16896AA3D297}" dt="2023-04-19T09:53:52.604" v="1393" actId="1076"/>
-          <ac:spMkLst>
-            <pc:docMk/>
-            <pc:sldMk cId="3319355184" sldId="257"/>
-            <ac:spMk id="6" creationId="{F55FF99A-DB9F-A9EE-F400-0735371DE106}"/>
-          </ac:spMkLst>
-        </pc:spChg>
-        <pc:spChg chg="add mod">
-          <ac:chgData name="Irene Ferrari" userId="e569343e5e44b43c" providerId="LiveId" clId="{5B1A72B4-CE9F-4D8C-B4BC-16896AA3D297}" dt="2023-04-19T09:53:35.126" v="1390" actId="1076"/>
-          <ac:spMkLst>
-            <pc:docMk/>
-            <pc:sldMk cId="3319355184" sldId="257"/>
-            <ac:spMk id="7" creationId="{ED0A7AF2-EB66-B83E-A425-0C2BEF696025}"/>
-          </ac:spMkLst>
-        </pc:spChg>
-        <pc:spChg chg="add del mod">
-          <ac:chgData name="Irene Ferrari" userId="e569343e5e44b43c" providerId="LiveId" clId="{5B1A72B4-CE9F-4D8C-B4BC-16896AA3D297}" dt="2023-04-19T09:37:54.346" v="859"/>
-          <ac:spMkLst>
-            <pc:docMk/>
-            <pc:sldMk cId="3319355184" sldId="257"/>
-            <ac:spMk id="8" creationId="{F9A73915-6EFB-D30E-6A89-51A5A1B52E57}"/>
-          </ac:spMkLst>
-        </pc:spChg>
-        <pc:spChg chg="add del mod">
-          <ac:chgData name="Irene Ferrari" userId="e569343e5e44b43c" providerId="LiveId" clId="{5B1A72B4-CE9F-4D8C-B4BC-16896AA3D297}" dt="2023-04-19T09:39:34.567" v="1020" actId="21"/>
-          <ac:spMkLst>
-            <pc:docMk/>
-            <pc:sldMk cId="3319355184" sldId="257"/>
-            <ac:spMk id="10" creationId="{C96EAB58-758A-B67F-010B-3478340DF0B0}"/>
-          </ac:spMkLst>
-        </pc:spChg>
-        <pc:spChg chg="add mod">
-          <ac:chgData name="Irene Ferrari" userId="e569343e5e44b43c" providerId="LiveId" clId="{5B1A72B4-CE9F-4D8C-B4BC-16896AA3D297}" dt="2023-04-19T09:53:24.027" v="1388" actId="1076"/>
-          <ac:spMkLst>
-            <pc:docMk/>
-            <pc:sldMk cId="3319355184" sldId="257"/>
-            <ac:spMk id="13" creationId="{FE787BFD-2C74-D500-06E1-F91842162808}"/>
-          </ac:spMkLst>
-        </pc:spChg>
-        <pc:spChg chg="add mod">
-          <ac:chgData name="Irene Ferrari" userId="e569343e5e44b43c" providerId="LiveId" clId="{5B1A72B4-CE9F-4D8C-B4BC-16896AA3D297}" dt="2023-04-19T09:53:28.941" v="1389" actId="1076"/>
-          <ac:spMkLst>
-            <pc:docMk/>
-            <pc:sldMk cId="3319355184" sldId="257"/>
-            <ac:spMk id="14" creationId="{FEF841AE-37CE-E648-F7F0-2B75E6001591}"/>
-          </ac:spMkLst>
-        </pc:spChg>
-        <pc:picChg chg="add mod">
-          <ac:chgData name="Irene Ferrari" userId="e569343e5e44b43c" providerId="LiveId" clId="{5B1A72B4-CE9F-4D8C-B4BC-16896AA3D297}" dt="2023-04-19T09:53:21.825" v="1387" actId="1076"/>
-          <ac:picMkLst>
-            <pc:docMk/>
-            <pc:sldMk cId="3319355184" sldId="257"/>
-            <ac:picMk id="12" creationId="{55BC40CC-5475-F7ED-43F6-B7D6F72F9530}"/>
-          </ac:picMkLst>
-        </pc:picChg>
-      </pc:sldChg>
-      <pc:sldChg chg="add del">
-        <pc:chgData name="Irene Ferrari" userId="e569343e5e44b43c" providerId="LiveId" clId="{5B1A72B4-CE9F-4D8C-B4BC-16896AA3D297}" dt="2023-04-19T09:54:11.556" v="1396"/>
-        <pc:sldMkLst>
-          <pc:docMk/>
-          <pc:sldMk cId="3576100565" sldId="258"/>
-        </pc:sldMkLst>
-      </pc:sldChg>
-      <pc:sldChg chg="del">
-        <pc:chgData name="Irene Ferrari" userId="e569343e5e44b43c" providerId="LiveId" clId="{5B1A72B4-CE9F-4D8C-B4BC-16896AA3D297}" dt="2023-04-19T09:54:06.979" v="1394" actId="2696"/>
-        <pc:sldMkLst>
-          <pc:docMk/>
-          <pc:sldMk cId="3795181372" sldId="258"/>
-        </pc:sldMkLst>
-      </pc:sldChg>
-      <pc:sldChg chg="addSp delSp modSp mod">
-        <pc:chgData name="Irene Ferrari" userId="e569343e5e44b43c" providerId="LiveId" clId="{5B1A72B4-CE9F-4D8C-B4BC-16896AA3D297}" dt="2023-04-19T11:05:54.858" v="3085" actId="20577"/>
-        <pc:sldMkLst>
-          <pc:docMk/>
-          <pc:sldMk cId="83021580" sldId="259"/>
-        </pc:sldMkLst>
-        <pc:spChg chg="del">
-          <ac:chgData name="Irene Ferrari" userId="e569343e5e44b43c" providerId="LiveId" clId="{5B1A72B4-CE9F-4D8C-B4BC-16896AA3D297}" dt="2023-04-19T09:54:41.139" v="1411" actId="21"/>
-          <ac:spMkLst>
-            <pc:docMk/>
-            <pc:sldMk cId="83021580" sldId="259"/>
-            <ac:spMk id="2" creationId="{BBFAD9E0-60E3-2EEF-43A0-5B8B5B8FF1E3}"/>
-          </ac:spMkLst>
-        </pc:spChg>
-        <pc:spChg chg="del mod">
-          <ac:chgData name="Irene Ferrari" userId="e569343e5e44b43c" providerId="LiveId" clId="{5B1A72B4-CE9F-4D8C-B4BC-16896AA3D297}" dt="2023-04-19T10:10:15.742" v="1869" actId="21"/>
-          <ac:spMkLst>
-            <pc:docMk/>
-            <pc:sldMk cId="83021580" sldId="259"/>
-            <ac:spMk id="3" creationId="{7CD87854-7B48-8847-2C93-409C85643DB3}"/>
-          </ac:spMkLst>
-        </pc:spChg>
-        <pc:spChg chg="add mod">
-          <ac:chgData name="Irene Ferrari" userId="e569343e5e44b43c" providerId="LiveId" clId="{5B1A72B4-CE9F-4D8C-B4BC-16896AA3D297}" dt="2023-04-19T09:54:17.984" v="1397"/>
-          <ac:spMkLst>
-            <pc:docMk/>
-            <pc:sldMk cId="83021580" sldId="259"/>
-            <ac:spMk id="4" creationId="{C97AE563-2E0F-1D31-29CB-D9359FEFB120}"/>
-          </ac:spMkLst>
-        </pc:spChg>
-        <pc:spChg chg="add mod">
-          <ac:chgData name="Irene Ferrari" userId="e569343e5e44b43c" providerId="LiveId" clId="{5B1A72B4-CE9F-4D8C-B4BC-16896AA3D297}" dt="2023-04-19T09:54:35.358" v="1410" actId="20577"/>
-          <ac:spMkLst>
-            <pc:docMk/>
-            <pc:sldMk cId="83021580" sldId="259"/>
-            <ac:spMk id="5" creationId="{B41C3D48-D0ED-2F68-3C4F-EC75DC7C5A4D}"/>
-          </ac:spMkLst>
-        </pc:spChg>
-        <pc:spChg chg="add del mod">
-          <ac:chgData name="Irene Ferrari" userId="e569343e5e44b43c" providerId="LiveId" clId="{5B1A72B4-CE9F-4D8C-B4BC-16896AA3D297}" dt="2023-04-19T09:54:44.131" v="1412" actId="21"/>
-          <ac:spMkLst>
-            <pc:docMk/>
-            <pc:sldMk cId="83021580" sldId="259"/>
-            <ac:spMk id="7" creationId="{707DB1CF-8E11-1FA6-6627-49886E1E45E4}"/>
-          </ac:spMkLst>
-        </pc:spChg>
-        <pc:spChg chg="add mod">
-          <ac:chgData name="Irene Ferrari" userId="e569343e5e44b43c" providerId="LiveId" clId="{5B1A72B4-CE9F-4D8C-B4BC-16896AA3D297}" dt="2023-04-19T09:55:25.620" v="1414" actId="1076"/>
-          <ac:spMkLst>
-            <pc:docMk/>
-            <pc:sldMk cId="83021580" sldId="259"/>
-            <ac:spMk id="8" creationId="{83D114CB-8E54-2B6E-B74A-0E11439884E5}"/>
-          </ac:spMkLst>
-        </pc:spChg>
-        <pc:spChg chg="add mod">
-          <ac:chgData name="Irene Ferrari" userId="e569343e5e44b43c" providerId="LiveId" clId="{5B1A72B4-CE9F-4D8C-B4BC-16896AA3D297}" dt="2023-04-19T11:05:54.858" v="3085" actId="20577"/>
-          <ac:spMkLst>
-            <pc:docMk/>
-            <pc:sldMk cId="83021580" sldId="259"/>
-            <ac:spMk id="9" creationId="{604196F7-EA72-0C6B-250A-31915FD7BC9F}"/>
-          </ac:spMkLst>
-        </pc:spChg>
-        <pc:spChg chg="add del mod">
-          <ac:chgData name="Irene Ferrari" userId="e569343e5e44b43c" providerId="LiveId" clId="{5B1A72B4-CE9F-4D8C-B4BC-16896AA3D297}" dt="2023-04-19T10:10:20.666" v="1870" actId="21"/>
-          <ac:spMkLst>
-            <pc:docMk/>
-            <pc:sldMk cId="83021580" sldId="259"/>
-            <ac:spMk id="11" creationId="{2B67E973-DC25-E1FB-6891-4373C257BE4A}"/>
-          </ac:spMkLst>
-        </pc:spChg>
-      </pc:sldChg>
-      <pc:sldChg chg="addSp delSp modSp mod">
-        <pc:chgData name="Irene Ferrari" userId="e569343e5e44b43c" providerId="LiveId" clId="{5B1A72B4-CE9F-4D8C-B4BC-16896AA3D297}" dt="2023-04-19T10:30:28.905" v="2423" actId="1076"/>
-        <pc:sldMkLst>
-          <pc:docMk/>
-          <pc:sldMk cId="3383923961" sldId="260"/>
-        </pc:sldMkLst>
-        <pc:spChg chg="del">
-          <ac:chgData name="Irene Ferrari" userId="e569343e5e44b43c" providerId="LiveId" clId="{5B1A72B4-CE9F-4D8C-B4BC-16896AA3D297}" dt="2023-04-19T10:19:36.866" v="1884" actId="21"/>
-          <ac:spMkLst>
-            <pc:docMk/>
-            <pc:sldMk cId="3383923961" sldId="260"/>
-            <ac:spMk id="2" creationId="{506E3DA2-BE2B-F217-045D-07D49E226538}"/>
-          </ac:spMkLst>
-        </pc:spChg>
-        <pc:spChg chg="del mod">
-          <ac:chgData name="Irene Ferrari" userId="e569343e5e44b43c" providerId="LiveId" clId="{5B1A72B4-CE9F-4D8C-B4BC-16896AA3D297}" dt="2023-04-19T10:26:50.425" v="2230" actId="21"/>
-          <ac:spMkLst>
-            <pc:docMk/>
-            <pc:sldMk cId="3383923961" sldId="260"/>
-            <ac:spMk id="3" creationId="{3C5DDFAE-9327-7229-0D7C-7FA82E9D396B}"/>
-          </ac:spMkLst>
-        </pc:spChg>
-        <pc:spChg chg="add del mod">
-          <ac:chgData name="Irene Ferrari" userId="e569343e5e44b43c" providerId="LiveId" clId="{5B1A72B4-CE9F-4D8C-B4BC-16896AA3D297}" dt="2023-04-19T10:19:39.220" v="1885" actId="21"/>
-          <ac:spMkLst>
-            <pc:docMk/>
-            <pc:sldMk cId="3383923961" sldId="260"/>
-            <ac:spMk id="5" creationId="{58349846-D000-99E2-C7F5-9B9B355040C3}"/>
-          </ac:spMkLst>
-        </pc:spChg>
-        <pc:spChg chg="add del mod">
-          <ac:chgData name="Irene Ferrari" userId="e569343e5e44b43c" providerId="LiveId" clId="{5B1A72B4-CE9F-4D8C-B4BC-16896AA3D297}" dt="2023-04-19T10:19:42.502" v="1887" actId="21"/>
-          <ac:spMkLst>
-            <pc:docMk/>
-            <pc:sldMk cId="3383923961" sldId="260"/>
-            <ac:spMk id="6" creationId="{E489EB69-839C-2F00-413F-E6283F315F8B}"/>
-          </ac:spMkLst>
-        </pc:spChg>
-        <pc:spChg chg="add mod">
-          <ac:chgData name="Irene Ferrari" userId="e569343e5e44b43c" providerId="LiveId" clId="{5B1A72B4-CE9F-4D8C-B4BC-16896AA3D297}" dt="2023-04-19T10:29:06.960" v="2409" actId="1076"/>
-          <ac:spMkLst>
-            <pc:docMk/>
-            <pc:sldMk cId="3383923961" sldId="260"/>
-            <ac:spMk id="7" creationId="{7C2BC569-49E6-3C23-0B87-A3B4AFA6B9AD}"/>
-          </ac:spMkLst>
-        </pc:spChg>
-        <pc:spChg chg="add mod">
-          <ac:chgData name="Irene Ferrari" userId="e569343e5e44b43c" providerId="LiveId" clId="{5B1A72B4-CE9F-4D8C-B4BC-16896AA3D297}" dt="2023-04-19T10:29:03.090" v="2408" actId="1076"/>
-          <ac:spMkLst>
-            <pc:docMk/>
-            <pc:sldMk cId="3383923961" sldId="260"/>
-            <ac:spMk id="8" creationId="{E9BF402C-70D3-BD2F-5D3D-B2EA77AC0997}"/>
-          </ac:spMkLst>
-        </pc:spChg>
-        <pc:spChg chg="add mod">
-          <ac:chgData name="Irene Ferrari" userId="e569343e5e44b43c" providerId="LiveId" clId="{5B1A72B4-CE9F-4D8C-B4BC-16896AA3D297}" dt="2023-04-19T10:30:13.708" v="2420" actId="113"/>
-          <ac:spMkLst>
-            <pc:docMk/>
-            <pc:sldMk cId="3383923961" sldId="260"/>
-            <ac:spMk id="9" creationId="{6660508F-43BE-F5E5-FE1B-836E805029CB}"/>
-          </ac:spMkLst>
-        </pc:spChg>
-        <pc:spChg chg="add del mod">
-          <ac:chgData name="Irene Ferrari" userId="e569343e5e44b43c" providerId="LiveId" clId="{5B1A72B4-CE9F-4D8C-B4BC-16896AA3D297}" dt="2023-04-19T10:26:54.149" v="2231" actId="21"/>
-          <ac:spMkLst>
-            <pc:docMk/>
-            <pc:sldMk cId="3383923961" sldId="260"/>
-            <ac:spMk id="11" creationId="{5B06788E-C991-169D-22BF-C99ACC6CFBF9}"/>
-          </ac:spMkLst>
-        </pc:spChg>
-        <pc:spChg chg="add mod">
-          <ac:chgData name="Irene Ferrari" userId="e569343e5e44b43c" providerId="LiveId" clId="{5B1A72B4-CE9F-4D8C-B4BC-16896AA3D297}" dt="2023-04-19T10:29:36.130" v="2412"/>
-          <ac:spMkLst>
-            <pc:docMk/>
-            <pc:sldMk cId="3383923961" sldId="260"/>
-            <ac:spMk id="16" creationId="{37A1AAB1-11A8-6AC4-1520-4DDD67D9334F}"/>
-          </ac:spMkLst>
-        </pc:spChg>
-        <pc:picChg chg="add mod">
-          <ac:chgData name="Irene Ferrari" userId="e569343e5e44b43c" providerId="LiveId" clId="{5B1A72B4-CE9F-4D8C-B4BC-16896AA3D297}" dt="2023-04-19T10:30:21.597" v="2421" actId="1076"/>
-          <ac:picMkLst>
-            <pc:docMk/>
-            <pc:sldMk cId="3383923961" sldId="260"/>
-            <ac:picMk id="13" creationId="{FB275BDE-176F-870D-530C-08103CA3D415}"/>
-          </ac:picMkLst>
-        </pc:picChg>
-        <pc:picChg chg="add mod">
-          <ac:chgData name="Irene Ferrari" userId="e569343e5e44b43c" providerId="LiveId" clId="{5B1A72B4-CE9F-4D8C-B4BC-16896AA3D297}" dt="2023-04-19T10:30:28.905" v="2423" actId="1076"/>
-          <ac:picMkLst>
-            <pc:docMk/>
-            <pc:sldMk cId="3383923961" sldId="260"/>
-            <ac:picMk id="15" creationId="{F864EA33-F77F-AA9D-59AC-80540803BB97}"/>
-          </ac:picMkLst>
-        </pc:picChg>
-      </pc:sldChg>
-      <pc:sldChg chg="addSp delSp modSp mod">
-        <pc:chgData name="Irene Ferrari" userId="e569343e5e44b43c" providerId="LiveId" clId="{5B1A72B4-CE9F-4D8C-B4BC-16896AA3D297}" dt="2023-04-19T10:44:55.850" v="2892" actId="1076"/>
-        <pc:sldMkLst>
-          <pc:docMk/>
-          <pc:sldMk cId="491572139" sldId="261"/>
-        </pc:sldMkLst>
-        <pc:spChg chg="del">
-          <ac:chgData name="Irene Ferrari" userId="e569343e5e44b43c" providerId="LiveId" clId="{5B1A72B4-CE9F-4D8C-B4BC-16896AA3D297}" dt="2023-04-19T10:31:29.966" v="2426" actId="21"/>
-          <ac:spMkLst>
-            <pc:docMk/>
-            <pc:sldMk cId="491572139" sldId="261"/>
-            <ac:spMk id="2" creationId="{9FD41CF1-05BB-30C7-CDBA-344BB22381EC}"/>
-          </ac:spMkLst>
-        </pc:spChg>
-        <pc:spChg chg="mod">
-          <ac:chgData name="Irene Ferrari" userId="e569343e5e44b43c" providerId="LiveId" clId="{5B1A72B4-CE9F-4D8C-B4BC-16896AA3D297}" dt="2023-04-19T10:44:55.850" v="2892" actId="1076"/>
-          <ac:spMkLst>
-            <pc:docMk/>
-            <pc:sldMk cId="491572139" sldId="261"/>
-            <ac:spMk id="3" creationId="{7FE6804A-F011-2568-3A52-C31676AFDF58}"/>
-          </ac:spMkLst>
-        </pc:spChg>
-        <pc:spChg chg="add mod">
-          <ac:chgData name="Irene Ferrari" userId="e569343e5e44b43c" providerId="LiveId" clId="{5B1A72B4-CE9F-4D8C-B4BC-16896AA3D297}" dt="2023-04-19T10:36:49.368" v="2459" actId="1076"/>
-          <ac:spMkLst>
-            <pc:docMk/>
-            <pc:sldMk cId="491572139" sldId="261"/>
-            <ac:spMk id="4" creationId="{D7C1520D-8764-5D05-D009-832AB4D40E58}"/>
-          </ac:spMkLst>
-        </pc:spChg>
-        <pc:spChg chg="add del mod">
-          <ac:chgData name="Irene Ferrari" userId="e569343e5e44b43c" providerId="LiveId" clId="{5B1A72B4-CE9F-4D8C-B4BC-16896AA3D297}" dt="2023-04-19T10:31:31.988" v="2427" actId="21"/>
-          <ac:spMkLst>
-            <pc:docMk/>
-            <pc:sldMk cId="491572139" sldId="261"/>
-            <ac:spMk id="6" creationId="{CC65C3F6-CC42-F5B3-1BB6-FF5253DCD919}"/>
-          </ac:spMkLst>
-        </pc:spChg>
-        <pc:spChg chg="add mod">
-          <ac:chgData name="Irene Ferrari" userId="e569343e5e44b43c" providerId="LiveId" clId="{5B1A72B4-CE9F-4D8C-B4BC-16896AA3D297}" dt="2023-04-19T10:43:41.768" v="2884" actId="20577"/>
-          <ac:spMkLst>
-            <pc:docMk/>
-            <pc:sldMk cId="491572139" sldId="261"/>
-            <ac:spMk id="7" creationId="{1562FC88-3446-3D2E-AEEA-6D905C11D9E9}"/>
-          </ac:spMkLst>
-        </pc:spChg>
-        <pc:spChg chg="add mod">
-          <ac:chgData name="Irene Ferrari" userId="e569343e5e44b43c" providerId="LiveId" clId="{5B1A72B4-CE9F-4D8C-B4BC-16896AA3D297}" dt="2023-04-19T10:38:28.813" v="2523" actId="20577"/>
-          <ac:spMkLst>
-            <pc:docMk/>
-            <pc:sldMk cId="491572139" sldId="261"/>
-            <ac:spMk id="8" creationId="{30F7E54C-FCF3-A941-389B-818993B8AFF0}"/>
-          </ac:spMkLst>
-        </pc:spChg>
-        <pc:spChg chg="add mod">
-          <ac:chgData name="Irene Ferrari" userId="e569343e5e44b43c" providerId="LiveId" clId="{5B1A72B4-CE9F-4D8C-B4BC-16896AA3D297}" dt="2023-04-19T10:44:33.812" v="2890"/>
-          <ac:spMkLst>
-            <pc:docMk/>
-            <pc:sldMk cId="491572139" sldId="261"/>
-            <ac:spMk id="11" creationId="{26A11AD3-8285-79D6-EC02-D4352FFB7EDE}"/>
-          </ac:spMkLst>
-        </pc:spChg>
-        <pc:picChg chg="add mod">
-          <ac:chgData name="Irene Ferrari" userId="e569343e5e44b43c" providerId="LiveId" clId="{5B1A72B4-CE9F-4D8C-B4BC-16896AA3D297}" dt="2023-04-19T10:44:39.333" v="2891" actId="1076"/>
-          <ac:picMkLst>
-            <pc:docMk/>
-            <pc:sldMk cId="491572139" sldId="261"/>
-            <ac:picMk id="10" creationId="{270FC58B-C7A4-E74D-8FAB-8A4CBE9254AC}"/>
-          </ac:picMkLst>
-        </pc:picChg>
-      </pc:sldChg>
-      <pc:sldChg chg="addSp delSp modSp mod">
-        <pc:chgData name="Irene Ferrari" userId="e569343e5e44b43c" providerId="LiveId" clId="{5B1A72B4-CE9F-4D8C-B4BC-16896AA3D297}" dt="2023-04-19T11:09:02.859" v="3205" actId="20577"/>
-        <pc:sldMkLst>
-          <pc:docMk/>
-          <pc:sldMk cId="151096758" sldId="262"/>
-        </pc:sldMkLst>
-        <pc:spChg chg="del">
-          <ac:chgData name="Irene Ferrari" userId="e569343e5e44b43c" providerId="LiveId" clId="{5B1A72B4-CE9F-4D8C-B4BC-16896AA3D297}" dt="2023-04-19T10:50:02.709" v="2897" actId="21"/>
-          <ac:spMkLst>
-            <pc:docMk/>
-            <pc:sldMk cId="151096758" sldId="262"/>
-            <ac:spMk id="2" creationId="{2882187D-B7F3-CB89-7590-31901C2E24FF}"/>
-          </ac:spMkLst>
-        </pc:spChg>
-        <pc:spChg chg="mod">
-          <ac:chgData name="Irene Ferrari" userId="e569343e5e44b43c" providerId="LiveId" clId="{5B1A72B4-CE9F-4D8C-B4BC-16896AA3D297}" dt="2023-04-19T10:50:00.169" v="2896" actId="1076"/>
-          <ac:spMkLst>
-            <pc:docMk/>
-            <pc:sldMk cId="151096758" sldId="262"/>
-            <ac:spMk id="3" creationId="{B5EAD4D2-6542-F324-8A54-494D255726BD}"/>
-          </ac:spMkLst>
-        </pc:spChg>
-        <pc:spChg chg="add mod">
-          <ac:chgData name="Irene Ferrari" userId="e569343e5e44b43c" providerId="LiveId" clId="{5B1A72B4-CE9F-4D8C-B4BC-16896AA3D297}" dt="2023-04-19T10:49:35.252" v="2893"/>
-          <ac:spMkLst>
-            <pc:docMk/>
-            <pc:sldMk cId="151096758" sldId="262"/>
-            <ac:spMk id="4" creationId="{A9B1E7C2-2CA5-EAE3-FC05-1330E0DA7C88}"/>
-          </ac:spMkLst>
-        </pc:spChg>
-        <pc:spChg chg="add mod">
-          <ac:chgData name="Irene Ferrari" userId="e569343e5e44b43c" providerId="LiveId" clId="{5B1A72B4-CE9F-4D8C-B4BC-16896AA3D297}" dt="2023-04-19T10:49:53.650" v="2894"/>
-          <ac:spMkLst>
-            <pc:docMk/>
-            <pc:sldMk cId="151096758" sldId="262"/>
-            <ac:spMk id="5" creationId="{027FA28F-D4C2-7F12-5816-132311B5CDAF}"/>
-          </ac:spMkLst>
-        </pc:spChg>
-        <pc:spChg chg="add del mod">
-          <ac:chgData name="Irene Ferrari" userId="e569343e5e44b43c" providerId="LiveId" clId="{5B1A72B4-CE9F-4D8C-B4BC-16896AA3D297}" dt="2023-04-19T10:50:10.307" v="2899" actId="21"/>
-          <ac:spMkLst>
-            <pc:docMk/>
-            <pc:sldMk cId="151096758" sldId="262"/>
-            <ac:spMk id="7" creationId="{354AB2CB-4357-683D-AD2E-B5DD74EC4A4D}"/>
-          </ac:spMkLst>
-        </pc:spChg>
-        <pc:spChg chg="add mod">
-          <ac:chgData name="Irene Ferrari" userId="e569343e5e44b43c" providerId="LiveId" clId="{5B1A72B4-CE9F-4D8C-B4BC-16896AA3D297}" dt="2023-04-19T10:51:00.802" v="2900"/>
-          <ac:spMkLst>
-            <pc:docMk/>
-            <pc:sldMk cId="151096758" sldId="262"/>
-            <ac:spMk id="8" creationId="{9339A955-14D1-08C2-C524-8B0DAD4782E5}"/>
-          </ac:spMkLst>
-        </pc:spChg>
-        <pc:spChg chg="add del mod">
-          <ac:chgData name="Irene Ferrari" userId="e569343e5e44b43c" providerId="LiveId" clId="{5B1A72B4-CE9F-4D8C-B4BC-16896AA3D297}" dt="2023-04-19T11:09:02.859" v="3205" actId="20577"/>
-          <ac:spMkLst>
-            <pc:docMk/>
-            <pc:sldMk cId="151096758" sldId="262"/>
-            <ac:spMk id="9" creationId="{6AB9AF2F-D335-0413-2E77-B1162602D780}"/>
-          </ac:spMkLst>
-        </pc:spChg>
-        <pc:picChg chg="add del mod">
-          <ac:chgData name="Irene Ferrari" userId="e569343e5e44b43c" providerId="LiveId" clId="{5B1A72B4-CE9F-4D8C-B4BC-16896AA3D297}" dt="2023-04-19T11:03:41.559" v="3061" actId="21"/>
-          <ac:picMkLst>
-            <pc:docMk/>
-            <pc:sldMk cId="151096758" sldId="262"/>
-            <ac:picMk id="11" creationId="{B8D8BDB9-A530-F98D-92BD-2865469CF432}"/>
-          </ac:picMkLst>
-        </pc:picChg>
-        <pc:picChg chg="add mod">
-          <ac:chgData name="Irene Ferrari" userId="e569343e5e44b43c" providerId="LiveId" clId="{5B1A72B4-CE9F-4D8C-B4BC-16896AA3D297}" dt="2023-04-19T11:03:55.336" v="3065" actId="1076"/>
-          <ac:picMkLst>
-            <pc:docMk/>
-            <pc:sldMk cId="151096758" sldId="262"/>
-            <ac:picMk id="13" creationId="{9D7A8FF4-E2CC-917C-FF20-34DBCC5A65C2}"/>
-          </ac:picMkLst>
-        </pc:picChg>
-        <pc:picChg chg="add mod">
-          <ac:chgData name="Irene Ferrari" userId="e569343e5e44b43c" providerId="LiveId" clId="{5B1A72B4-CE9F-4D8C-B4BC-16896AA3D297}" dt="2023-04-19T11:03:58.635" v="3066" actId="1076"/>
-          <ac:picMkLst>
-            <pc:docMk/>
-            <pc:sldMk cId="151096758" sldId="262"/>
-            <ac:picMk id="14" creationId="{2748BDB4-2CA0-4F1E-7F65-F91DBEB12B0F}"/>
-          </ac:picMkLst>
-        </pc:picChg>
-      </pc:sldChg>
-      <pc:sldChg chg="addSp modSp mod">
-        <pc:chgData name="Irene Ferrari" userId="e569343e5e44b43c" providerId="LiveId" clId="{5B1A72B4-CE9F-4D8C-B4BC-16896AA3D297}" dt="2023-04-19T11:33:05.349" v="4021" actId="1076"/>
-        <pc:sldMkLst>
-          <pc:docMk/>
-          <pc:sldMk cId="2868176127" sldId="263"/>
-        </pc:sldMkLst>
-        <pc:spChg chg="add mod">
-          <ac:chgData name="Irene Ferrari" userId="e569343e5e44b43c" providerId="LiveId" clId="{5B1A72B4-CE9F-4D8C-B4BC-16896AA3D297}" dt="2023-04-19T11:32:46.292" v="4016"/>
-          <ac:spMkLst>
-            <pc:docMk/>
-            <pc:sldMk cId="2868176127" sldId="263"/>
-            <ac:spMk id="2" creationId="{86D7227E-E938-C11D-8108-A1A1959BD99A}"/>
-          </ac:spMkLst>
-        </pc:spChg>
-        <pc:spChg chg="mod">
-          <ac:chgData name="Irene Ferrari" userId="e569343e5e44b43c" providerId="LiveId" clId="{5B1A72B4-CE9F-4D8C-B4BC-16896AA3D297}" dt="2023-04-19T11:32:55.999" v="4019" actId="1076"/>
-          <ac:spMkLst>
-            <pc:docMk/>
-            <pc:sldMk cId="2868176127" sldId="263"/>
-            <ac:spMk id="4" creationId="{09CB4979-2A38-56F3-C822-CFD797127610}"/>
-          </ac:spMkLst>
-        </pc:spChg>
-        <pc:spChg chg="mod">
-          <ac:chgData name="Irene Ferrari" userId="e569343e5e44b43c" providerId="LiveId" clId="{5B1A72B4-CE9F-4D8C-B4BC-16896AA3D297}" dt="2023-04-19T11:33:02.616" v="4020" actId="1076"/>
-          <ac:spMkLst>
-            <pc:docMk/>
-            <pc:sldMk cId="2868176127" sldId="263"/>
-            <ac:spMk id="9" creationId="{9282EFA2-D4D7-CE5E-D3E2-9B6C713C4932}"/>
-          </ac:spMkLst>
-        </pc:spChg>
-        <pc:spChg chg="mod">
-          <ac:chgData name="Irene Ferrari" userId="e569343e5e44b43c" providerId="LiveId" clId="{5B1A72B4-CE9F-4D8C-B4BC-16896AA3D297}" dt="2023-04-19T11:33:02.616" v="4020" actId="1076"/>
-          <ac:spMkLst>
-            <pc:docMk/>
-            <pc:sldMk cId="2868176127" sldId="263"/>
-            <ac:spMk id="11" creationId="{BF581973-3EF2-4A17-3A8D-1F5420578A44}"/>
-          </ac:spMkLst>
-        </pc:spChg>
-        <pc:spChg chg="mod">
-          <ac:chgData name="Irene Ferrari" userId="e569343e5e44b43c" providerId="LiveId" clId="{5B1A72B4-CE9F-4D8C-B4BC-16896AA3D297}" dt="2023-04-19T11:33:02.616" v="4020" actId="1076"/>
-          <ac:spMkLst>
-            <pc:docMk/>
-            <pc:sldMk cId="2868176127" sldId="263"/>
-            <ac:spMk id="13" creationId="{80BC8176-2BDC-43F3-B487-8DB1BD96A116}"/>
-          </ac:spMkLst>
-        </pc:spChg>
-        <pc:spChg chg="mod">
-          <ac:chgData name="Irene Ferrari" userId="e569343e5e44b43c" providerId="LiveId" clId="{5B1A72B4-CE9F-4D8C-B4BC-16896AA3D297}" dt="2023-04-19T11:33:05.349" v="4021" actId="1076"/>
-          <ac:spMkLst>
-            <pc:docMk/>
-            <pc:sldMk cId="2868176127" sldId="263"/>
-            <ac:spMk id="15" creationId="{A1E13B3F-D020-F02B-475D-5F83BC6B3254}"/>
-          </ac:spMkLst>
-        </pc:spChg>
-        <pc:picChg chg="mod">
-          <ac:chgData name="Irene Ferrari" userId="e569343e5e44b43c" providerId="LiveId" clId="{5B1A72B4-CE9F-4D8C-B4BC-16896AA3D297}" dt="2023-04-19T11:33:02.616" v="4020" actId="1076"/>
-          <ac:picMkLst>
-            <pc:docMk/>
-            <pc:sldMk cId="2868176127" sldId="263"/>
-            <ac:picMk id="19" creationId="{C4E8A65B-117F-3EAB-5B94-817308D40317}"/>
-          </ac:picMkLst>
-        </pc:picChg>
-        <pc:picChg chg="mod">
-          <ac:chgData name="Irene Ferrari" userId="e569343e5e44b43c" providerId="LiveId" clId="{5B1A72B4-CE9F-4D8C-B4BC-16896AA3D297}" dt="2023-04-19T11:33:02.616" v="4020" actId="1076"/>
-          <ac:picMkLst>
-            <pc:docMk/>
-            <pc:sldMk cId="2868176127" sldId="263"/>
-            <ac:picMk id="21" creationId="{0EB64993-9A1D-7630-85C1-E7D4E0322E86}"/>
-          </ac:picMkLst>
-        </pc:picChg>
-      </pc:sldChg>
-      <pc:sldChg chg="addSp delSp modSp mod">
-        <pc:chgData name="Irene Ferrari" userId="e569343e5e44b43c" providerId="LiveId" clId="{5B1A72B4-CE9F-4D8C-B4BC-16896AA3D297}" dt="2023-04-19T14:08:52.923" v="4043" actId="20577"/>
-        <pc:sldMkLst>
-          <pc:docMk/>
-          <pc:sldMk cId="3460718081" sldId="264"/>
-        </pc:sldMkLst>
-        <pc:spChg chg="del mod">
-          <ac:chgData name="Irene Ferrari" userId="e569343e5e44b43c" providerId="LiveId" clId="{5B1A72B4-CE9F-4D8C-B4BC-16896AA3D297}" dt="2023-04-19T11:07:17.255" v="3096" actId="21"/>
-          <ac:spMkLst>
-            <pc:docMk/>
-            <pc:sldMk cId="3460718081" sldId="264"/>
-            <ac:spMk id="2" creationId="{D83D02C1-9E5B-6882-C5AC-0CC001CA3A3F}"/>
-          </ac:spMkLst>
-        </pc:spChg>
-        <pc:spChg chg="mod">
-          <ac:chgData name="Irene Ferrari" userId="e569343e5e44b43c" providerId="LiveId" clId="{5B1A72B4-CE9F-4D8C-B4BC-16896AA3D297}" dt="2023-04-19T11:10:04.215" v="3281" actId="1076"/>
-          <ac:spMkLst>
-            <pc:docMk/>
-            <pc:sldMk cId="3460718081" sldId="264"/>
-            <ac:spMk id="3" creationId="{DB9944E5-E6E1-E1AC-69F6-5D36E6C35E6D}"/>
-          </ac:spMkLst>
-        </pc:spChg>
-        <pc:spChg chg="add mod">
-          <ac:chgData name="Irene Ferrari" userId="e569343e5e44b43c" providerId="LiveId" clId="{5B1A72B4-CE9F-4D8C-B4BC-16896AA3D297}" dt="2023-04-19T11:09:21.865" v="3207" actId="1076"/>
-          <ac:spMkLst>
-            <pc:docMk/>
-            <pc:sldMk cId="3460718081" sldId="264"/>
-            <ac:spMk id="4" creationId="{EC696A3D-BD91-DC4B-553B-1465FA7B580D}"/>
-          </ac:spMkLst>
-        </pc:spChg>
-        <pc:spChg chg="add del mod">
-          <ac:chgData name="Irene Ferrari" userId="e569343e5e44b43c" providerId="LiveId" clId="{5B1A72B4-CE9F-4D8C-B4BC-16896AA3D297}" dt="2023-04-19T11:07:21.411" v="3098" actId="21"/>
-          <ac:spMkLst>
-            <pc:docMk/>
-            <pc:sldMk cId="3460718081" sldId="264"/>
-            <ac:spMk id="6" creationId="{C6520936-5B8C-5968-0197-99893C9F8C34}"/>
-          </ac:spMkLst>
-        </pc:spChg>
-        <pc:spChg chg="add mod">
-          <ac:chgData name="Irene Ferrari" userId="e569343e5e44b43c" providerId="LiveId" clId="{5B1A72B4-CE9F-4D8C-B4BC-16896AA3D297}" dt="2023-04-19T11:13:02.229" v="3435" actId="1076"/>
-          <ac:spMkLst>
-            <pc:docMk/>
-            <pc:sldMk cId="3460718081" sldId="264"/>
-            <ac:spMk id="7" creationId="{93AF3379-06D9-F038-C44E-0C9C9DE77837}"/>
-          </ac:spMkLst>
-        </pc:spChg>
-        <pc:spChg chg="add del mod">
-          <ac:chgData name="Irene Ferrari" userId="e569343e5e44b43c" providerId="LiveId" clId="{5B1A72B4-CE9F-4D8C-B4BC-16896AA3D297}" dt="2023-04-19T11:20:55.566" v="3460"/>
-          <ac:spMkLst>
-            <pc:docMk/>
-            <pc:sldMk cId="3460718081" sldId="264"/>
-            <ac:spMk id="8" creationId="{BD678B95-2858-59FB-229B-C695164B4022}"/>
-          </ac:spMkLst>
-        </pc:spChg>
-        <pc:spChg chg="add mod">
-          <ac:chgData name="Irene Ferrari" userId="e569343e5e44b43c" providerId="LiveId" clId="{5B1A72B4-CE9F-4D8C-B4BC-16896AA3D297}" dt="2023-04-19T14:08:52.923" v="4043" actId="20577"/>
-          <ac:spMkLst>
-            <pc:docMk/>
-            <pc:sldMk cId="3460718081" sldId="264"/>
-            <ac:spMk id="9" creationId="{FB8CB778-A118-BFDF-650E-693B25C1E2DE}"/>
-          </ac:spMkLst>
-        </pc:spChg>
-        <pc:spChg chg="add mod">
-          <ac:chgData name="Irene Ferrari" userId="e569343e5e44b43c" providerId="LiveId" clId="{5B1A72B4-CE9F-4D8C-B4BC-16896AA3D297}" dt="2023-04-19T11:26:55.700" v="3852" actId="1076"/>
-          <ac:spMkLst>
-            <pc:docMk/>
-            <pc:sldMk cId="3460718081" sldId="264"/>
-            <ac:spMk id="12" creationId="{B0A150CD-5F8C-97CA-9CEC-49F67AD954BC}"/>
-          </ac:spMkLst>
-        </pc:spChg>
-        <pc:spChg chg="add mod">
-          <ac:chgData name="Irene Ferrari" userId="e569343e5e44b43c" providerId="LiveId" clId="{5B1A72B4-CE9F-4D8C-B4BC-16896AA3D297}" dt="2023-04-19T11:28:40.302" v="3931" actId="1076"/>
-          <ac:spMkLst>
-            <pc:docMk/>
-            <pc:sldMk cId="3460718081" sldId="264"/>
-            <ac:spMk id="17" creationId="{BF8CFF09-D0BE-FAC4-D9F6-96E69C87F188}"/>
-          </ac:spMkLst>
-        </pc:spChg>
-        <pc:spChg chg="add mod">
-          <ac:chgData name="Irene Ferrari" userId="e569343e5e44b43c" providerId="LiveId" clId="{5B1A72B4-CE9F-4D8C-B4BC-16896AA3D297}" dt="2023-04-19T11:31:58.883" v="4013" actId="1076"/>
-          <ac:spMkLst>
-            <pc:docMk/>
-            <pc:sldMk cId="3460718081" sldId="264"/>
-            <ac:spMk id="18" creationId="{CDBB96FC-DBE8-CF3E-8BD5-7DE03E03D407}"/>
-          </ac:spMkLst>
-        </pc:spChg>
-        <pc:spChg chg="add mod">
-          <ac:chgData name="Irene Ferrari" userId="e569343e5e44b43c" providerId="LiveId" clId="{5B1A72B4-CE9F-4D8C-B4BC-16896AA3D297}" dt="2023-04-19T11:32:15.506" v="4014" actId="1076"/>
-          <ac:spMkLst>
-            <pc:docMk/>
-            <pc:sldMk cId="3460718081" sldId="264"/>
-            <ac:spMk id="19" creationId="{AA83A6C4-7304-F516-BC25-FDBBCDEFE0FD}"/>
-          </ac:spMkLst>
-        </pc:spChg>
-        <pc:spChg chg="add mod">
-          <ac:chgData name="Irene Ferrari" userId="e569343e5e44b43c" providerId="LiveId" clId="{5B1A72B4-CE9F-4D8C-B4BC-16896AA3D297}" dt="2023-04-19T11:31:42.536" v="4009"/>
-          <ac:spMkLst>
-            <pc:docMk/>
-            <pc:sldMk cId="3460718081" sldId="264"/>
-            <ac:spMk id="20" creationId="{50C2C565-50C6-50B2-75BD-F1E581D18233}"/>
-          </ac:spMkLst>
-        </pc:spChg>
-        <pc:picChg chg="add mod">
-          <ac:chgData name="Irene Ferrari" userId="e569343e5e44b43c" providerId="LiveId" clId="{5B1A72B4-CE9F-4D8C-B4BC-16896AA3D297}" dt="2023-04-19T11:31:47.886" v="4010" actId="1076"/>
-          <ac:picMkLst>
-            <pc:docMk/>
-            <pc:sldMk cId="3460718081" sldId="264"/>
-            <ac:picMk id="11" creationId="{F1A4CB47-A50C-25AA-1BE0-48F7D59B9785}"/>
-          </ac:picMkLst>
-        </pc:picChg>
-        <pc:picChg chg="add mod">
-          <ac:chgData name="Irene Ferrari" userId="e569343e5e44b43c" providerId="LiveId" clId="{5B1A72B4-CE9F-4D8C-B4BC-16896AA3D297}" dt="2023-04-19T11:28:42.304" v="3932" actId="1076"/>
-          <ac:picMkLst>
-            <pc:docMk/>
-            <pc:sldMk cId="3460718081" sldId="264"/>
-            <ac:picMk id="14" creationId="{46809558-DC0D-55C7-DC1A-F14158A6222D}"/>
-          </ac:picMkLst>
-        </pc:picChg>
-        <pc:picChg chg="add mod">
-          <ac:chgData name="Irene Ferrari" userId="e569343e5e44b43c" providerId="LiveId" clId="{5B1A72B4-CE9F-4D8C-B4BC-16896AA3D297}" dt="2023-04-19T11:31:47.886" v="4010" actId="1076"/>
-          <ac:picMkLst>
-            <pc:docMk/>
-            <pc:sldMk cId="3460718081" sldId="264"/>
-            <ac:picMk id="16" creationId="{72630ADC-8664-08AE-3FA4-333DA67D8E4C}"/>
-          </ac:picMkLst>
-        </pc:picChg>
-      </pc:sldChg>
-      <pc:sldChg chg="del ord modNotesTx">
-        <pc:chgData name="Irene Ferrari" userId="e569343e5e44b43c" providerId="LiveId" clId="{5B1A72B4-CE9F-4D8C-B4BC-16896AA3D297}" dt="2023-04-19T11:15:01.235" v="3436" actId="2696"/>
-        <pc:sldMkLst>
-          <pc:docMk/>
-          <pc:sldMk cId="3486126377" sldId="265"/>
-        </pc:sldMkLst>
-      </pc:sldChg>
-      <pc:sldChg chg="addSp delSp modSp mod">
-        <pc:chgData name="Irene Ferrari" userId="e569343e5e44b43c" providerId="LiveId" clId="{5B1A72B4-CE9F-4D8C-B4BC-16896AA3D297}" dt="2023-04-19T11:33:09.965" v="4022"/>
-        <pc:sldMkLst>
-          <pc:docMk/>
-          <pc:sldMk cId="1801023679" sldId="266"/>
-        </pc:sldMkLst>
-        <pc:spChg chg="add mod">
-          <ac:chgData name="Irene Ferrari" userId="e569343e5e44b43c" providerId="LiveId" clId="{5B1A72B4-CE9F-4D8C-B4BC-16896AA3D297}" dt="2023-04-19T11:33:09.965" v="4022"/>
-          <ac:spMkLst>
-            <pc:docMk/>
-            <pc:sldMk cId="1801023679" sldId="266"/>
-            <ac:spMk id="2" creationId="{AABBAA6F-4F2B-2639-5439-053F907CEC28}"/>
-          </ac:spMkLst>
-        </pc:spChg>
-        <pc:spChg chg="mod">
-          <ac:chgData name="Irene Ferrari" userId="e569343e5e44b43c" providerId="LiveId" clId="{5B1A72B4-CE9F-4D8C-B4BC-16896AA3D297}" dt="2023-04-19T11:20:08.527" v="3456" actId="1076"/>
-          <ac:spMkLst>
-            <pc:docMk/>
-            <pc:sldMk cId="1801023679" sldId="266"/>
-            <ac:spMk id="4" creationId="{1AB7608D-6631-BA67-34F7-CC2590F757ED}"/>
-          </ac:spMkLst>
-        </pc:spChg>
-        <pc:spChg chg="del">
-          <ac:chgData name="Irene Ferrari" userId="e569343e5e44b43c" providerId="LiveId" clId="{5B1A72B4-CE9F-4D8C-B4BC-16896AA3D297}" dt="2023-04-19T11:19:11.401" v="3439" actId="21"/>
-          <ac:spMkLst>
-            <pc:docMk/>
-            <pc:sldMk cId="1801023679" sldId="266"/>
-            <ac:spMk id="72" creationId="{C35B82CC-354C-6298-5775-97F026C57E07}"/>
-          </ac:spMkLst>
-        </pc:spChg>
-        <pc:spChg chg="del">
-          <ac:chgData name="Irene Ferrari" userId="e569343e5e44b43c" providerId="LiveId" clId="{5B1A72B4-CE9F-4D8C-B4BC-16896AA3D297}" dt="2023-04-19T11:19:06.236" v="3437" actId="21"/>
-          <ac:spMkLst>
-            <pc:docMk/>
-            <pc:sldMk cId="1801023679" sldId="266"/>
-            <ac:spMk id="73" creationId="{8208200B-8358-4BAC-4412-1C50091274A4}"/>
-          </ac:spMkLst>
-        </pc:spChg>
-        <pc:spChg chg="mod">
-          <ac:chgData name="Irene Ferrari" userId="e569343e5e44b43c" providerId="LiveId" clId="{5B1A72B4-CE9F-4D8C-B4BC-16896AA3D297}" dt="2023-04-19T11:20:11.935" v="3457" actId="1076"/>
-          <ac:spMkLst>
-            <pc:docMk/>
-            <pc:sldMk cId="1801023679" sldId="266"/>
-            <ac:spMk id="82" creationId="{D83C482D-DA5F-2BCE-A617-277D1D04AF53}"/>
-          </ac:spMkLst>
-        </pc:spChg>
-        <pc:picChg chg="del">
-          <ac:chgData name="Irene Ferrari" userId="e569343e5e44b43c" providerId="LiveId" clId="{5B1A72B4-CE9F-4D8C-B4BC-16896AA3D297}" dt="2023-04-19T11:19:08.033" v="3438" actId="21"/>
-          <ac:picMkLst>
-            <pc:docMk/>
-            <pc:sldMk cId="1801023679" sldId="266"/>
-            <ac:picMk id="66" creationId="{34993745-140E-0F46-3D23-3689FEF6804E}"/>
-          </ac:picMkLst>
-        </pc:picChg>
-        <pc:picChg chg="del">
-          <ac:chgData name="Irene Ferrari" userId="e569343e5e44b43c" providerId="LiveId" clId="{5B1A72B4-CE9F-4D8C-B4BC-16896AA3D297}" dt="2023-04-19T11:19:12.899" v="3440" actId="21"/>
-          <ac:picMkLst>
-            <pc:docMk/>
-            <pc:sldMk cId="1801023679" sldId="266"/>
-            <ac:picMk id="67" creationId="{6C5C92B8-A856-F936-07FA-C4EE97CE0B5A}"/>
-          </ac:picMkLst>
-        </pc:picChg>
-        <pc:picChg chg="mod">
-          <ac:chgData name="Irene Ferrari" userId="e569343e5e44b43c" providerId="LiveId" clId="{5B1A72B4-CE9F-4D8C-B4BC-16896AA3D297}" dt="2023-04-19T11:20:05.826" v="3455" actId="1076"/>
-          <ac:picMkLst>
-            <pc:docMk/>
-            <pc:sldMk cId="1801023679" sldId="266"/>
-            <ac:picMk id="78" creationId="{3A0A0132-A69B-80F3-2C26-6D809107366C}"/>
-          </ac:picMkLst>
-        </pc:picChg>
-        <pc:picChg chg="mod">
-          <ac:chgData name="Irene Ferrari" userId="e569343e5e44b43c" providerId="LiveId" clId="{5B1A72B4-CE9F-4D8C-B4BC-16896AA3D297}" dt="2023-04-19T11:19:41.541" v="3448" actId="1076"/>
-          <ac:picMkLst>
-            <pc:docMk/>
-            <pc:sldMk cId="1801023679" sldId="266"/>
-            <ac:picMk id="79" creationId="{3F8CC613-0E9E-95F5-E770-40305408B1D4}"/>
-          </ac:picMkLst>
-        </pc:picChg>
-        <pc:cxnChg chg="del mod">
-          <ac:chgData name="Irene Ferrari" userId="e569343e5e44b43c" providerId="LiveId" clId="{5B1A72B4-CE9F-4D8C-B4BC-16896AA3D297}" dt="2023-04-19T11:19:06.236" v="3437" actId="21"/>
-          <ac:cxnSpMkLst>
-            <pc:docMk/>
-            <pc:sldMk cId="1801023679" sldId="266"/>
-            <ac:cxnSpMk id="69" creationId="{38175ADA-197E-8572-53F1-447A991D63EE}"/>
-          </ac:cxnSpMkLst>
-        </pc:cxnChg>
-      </pc:sldChg>
-      <pc:sldChg chg="addSp modSp">
-        <pc:chgData name="Irene Ferrari" userId="e569343e5e44b43c" providerId="LiveId" clId="{5B1A72B4-CE9F-4D8C-B4BC-16896AA3D297}" dt="2023-04-19T11:33:27.005" v="4026"/>
-        <pc:sldMkLst>
-          <pc:docMk/>
-          <pc:sldMk cId="2513982676" sldId="267"/>
-        </pc:sldMkLst>
-        <pc:spChg chg="add mod">
-          <ac:chgData name="Irene Ferrari" userId="e569343e5e44b43c" providerId="LiveId" clId="{5B1A72B4-CE9F-4D8C-B4BC-16896AA3D297}" dt="2023-04-19T11:33:27.005" v="4026"/>
-          <ac:spMkLst>
-            <pc:docMk/>
-            <pc:sldMk cId="2513982676" sldId="267"/>
-            <ac:spMk id="2" creationId="{A5921543-5CA0-427D-FC72-A6C87BA5D6D8}"/>
-          </ac:spMkLst>
-        </pc:spChg>
-      </pc:sldChg>
-      <pc:sldChg chg="addSp modSp mod">
-        <pc:chgData name="Irene Ferrari" userId="e569343e5e44b43c" providerId="LiveId" clId="{5B1A72B4-CE9F-4D8C-B4BC-16896AA3D297}" dt="2023-04-19T11:33:23.506" v="4025"/>
-        <pc:sldMkLst>
-          <pc:docMk/>
-          <pc:sldMk cId="3368148799" sldId="268"/>
-        </pc:sldMkLst>
-        <pc:spChg chg="add mod">
-          <ac:chgData name="Irene Ferrari" userId="e569343e5e44b43c" providerId="LiveId" clId="{5B1A72B4-CE9F-4D8C-B4BC-16896AA3D297}" dt="2023-04-19T11:33:23.506" v="4025"/>
-          <ac:spMkLst>
-            <pc:docMk/>
-            <pc:sldMk cId="3368148799" sldId="268"/>
-            <ac:spMk id="2" creationId="{C5340711-2639-37C3-2723-C06DEAB87DA9}"/>
-          </ac:spMkLst>
-        </pc:spChg>
-        <pc:spChg chg="mod">
-          <ac:chgData name="Irene Ferrari" userId="e569343e5e44b43c" providerId="LiveId" clId="{5B1A72B4-CE9F-4D8C-B4BC-16896AA3D297}" dt="2023-04-19T11:33:19.191" v="4023" actId="1076"/>
-          <ac:spMkLst>
-            <pc:docMk/>
-            <pc:sldMk cId="3368148799" sldId="268"/>
-            <ac:spMk id="80" creationId="{A606782E-F70C-F09A-791D-D5578EE6BE4D}"/>
-          </ac:spMkLst>
-        </pc:spChg>
-        <pc:picChg chg="mod">
-          <ac:chgData name="Irene Ferrari" userId="e569343e5e44b43c" providerId="LiveId" clId="{5B1A72B4-CE9F-4D8C-B4BC-16896AA3D297}" dt="2023-04-19T11:33:21.598" v="4024" actId="1076"/>
-          <ac:picMkLst>
-            <pc:docMk/>
-            <pc:sldMk cId="3368148799" sldId="268"/>
-            <ac:picMk id="14" creationId="{DDDB3919-9A3E-17B1-21D3-D15EB78EFF95}"/>
-          </ac:picMkLst>
-        </pc:picChg>
-      </pc:sldChg>
-      <pc:sldChg chg="addSp modSp ord">
-        <pc:chgData name="Irene Ferrari" userId="e569343e5e44b43c" providerId="LiveId" clId="{5B1A72B4-CE9F-4D8C-B4BC-16896AA3D297}" dt="2023-04-19T11:32:40.677" v="4015"/>
-        <pc:sldMkLst>
-          <pc:docMk/>
-          <pc:sldMk cId="2075369970" sldId="269"/>
-        </pc:sldMkLst>
-        <pc:spChg chg="add mod">
-          <ac:chgData name="Irene Ferrari" userId="e569343e5e44b43c" providerId="LiveId" clId="{5B1A72B4-CE9F-4D8C-B4BC-16896AA3D297}" dt="2023-04-19T11:32:40.677" v="4015"/>
-          <ac:spMkLst>
-            <pc:docMk/>
-            <pc:sldMk cId="2075369970" sldId="269"/>
-            <ac:spMk id="2" creationId="{9EA6B15E-F5CE-CA43-CBDB-A45164E63068}"/>
-          </ac:spMkLst>
-        </pc:spChg>
-      </pc:sldChg>
-      <pc:sldChg chg="addSp delSp modSp new mod">
-        <pc:chgData name="Irene Ferrari" userId="e569343e5e44b43c" providerId="LiveId" clId="{5B1A72B4-CE9F-4D8C-B4BC-16896AA3D297}" dt="2023-04-19T09:22:11.804" v="230" actId="14838"/>
-        <pc:sldMkLst>
-          <pc:docMk/>
-          <pc:sldMk cId="3045225275" sldId="270"/>
-        </pc:sldMkLst>
-        <pc:spChg chg="add mod">
-          <ac:chgData name="Irene Ferrari" userId="e569343e5e44b43c" providerId="LiveId" clId="{5B1A72B4-CE9F-4D8C-B4BC-16896AA3D297}" dt="2023-04-19T09:09:52.149" v="59" actId="207"/>
-          <ac:spMkLst>
-            <pc:docMk/>
-            <pc:sldMk cId="3045225275" sldId="270"/>
-            <ac:spMk id="5" creationId="{5C480B34-0755-60BA-1D3E-483D7945FBBC}"/>
-          </ac:spMkLst>
-        </pc:spChg>
-        <pc:spChg chg="add del">
-          <ac:chgData name="Irene Ferrari" userId="e569343e5e44b43c" providerId="LiveId" clId="{5B1A72B4-CE9F-4D8C-B4BC-16896AA3D297}" dt="2023-04-19T09:09:12.131" v="57" actId="21"/>
-          <ac:spMkLst>
-            <pc:docMk/>
-            <pc:sldMk cId="3045225275" sldId="270"/>
-            <ac:spMk id="6" creationId="{CCEC6D70-B36C-7A11-C43B-A414601BFE63}"/>
-          </ac:spMkLst>
-        </pc:spChg>
-        <pc:spChg chg="add del mod">
-          <ac:chgData name="Irene Ferrari" userId="e569343e5e44b43c" providerId="LiveId" clId="{5B1A72B4-CE9F-4D8C-B4BC-16896AA3D297}" dt="2023-04-19T09:15:44.761" v="97"/>
-          <ac:spMkLst>
-            <pc:docMk/>
-            <pc:sldMk cId="3045225275" sldId="270"/>
-            <ac:spMk id="7" creationId="{7AF29C50-E879-FC7D-1E0F-5427E6FDE362}"/>
-          </ac:spMkLst>
-        </pc:spChg>
-        <pc:spChg chg="add mod">
-          <ac:chgData name="Irene Ferrari" userId="e569343e5e44b43c" providerId="LiveId" clId="{5B1A72B4-CE9F-4D8C-B4BC-16896AA3D297}" dt="2023-04-19T09:22:11.804" v="230" actId="14838"/>
-          <ac:spMkLst>
-            <pc:docMk/>
-            <pc:sldMk cId="3045225275" sldId="270"/>
-            <ac:spMk id="8" creationId="{93D30ADE-60FC-35F6-6C59-C47F82D3B9B9}"/>
-          </ac:spMkLst>
-        </pc:spChg>
-        <pc:spChg chg="add del">
-          <ac:chgData name="Irene Ferrari" userId="e569343e5e44b43c" providerId="LiveId" clId="{5B1A72B4-CE9F-4D8C-B4BC-16896AA3D297}" dt="2023-04-19T09:11:08.821" v="69" actId="11529"/>
-          <ac:spMkLst>
-            <pc:docMk/>
-            <pc:sldMk cId="3045225275" sldId="270"/>
-            <ac:spMk id="9" creationId="{58F47E48-E366-581D-1D4C-2792BC456D96}"/>
-          </ac:spMkLst>
-        </pc:spChg>
-        <pc:spChg chg="add del mod">
-          <ac:chgData name="Irene Ferrari" userId="e569343e5e44b43c" providerId="LiveId" clId="{5B1A72B4-CE9F-4D8C-B4BC-16896AA3D297}" dt="2023-04-19T09:15:44.761" v="97"/>
-          <ac:spMkLst>
-            <pc:docMk/>
-            <pc:sldMk cId="3045225275" sldId="270"/>
-            <ac:spMk id="10" creationId="{52E02022-2F33-41E2-ADDB-096BFEBD1DDD}"/>
-          </ac:spMkLst>
-        </pc:spChg>
-        <pc:spChg chg="mod">
-          <ac:chgData name="Irene Ferrari" userId="e569343e5e44b43c" providerId="LiveId" clId="{5B1A72B4-CE9F-4D8C-B4BC-16896AA3D297}" dt="2023-04-19T09:14:21.392" v="80"/>
-          <ac:spMkLst>
-            <pc:docMk/>
-            <pc:sldMk cId="3045225275" sldId="270"/>
-            <ac:spMk id="11" creationId="{52CFA56B-BBB1-4C61-CDF7-9B7B0632DB67}"/>
-          </ac:spMkLst>
-        </pc:spChg>
-        <pc:spChg chg="mod">
-          <ac:chgData name="Irene Ferrari" userId="e569343e5e44b43c" providerId="LiveId" clId="{5B1A72B4-CE9F-4D8C-B4BC-16896AA3D297}" dt="2023-04-19T09:19:45.639" v="225" actId="14861"/>
-          <ac:spMkLst>
-            <pc:docMk/>
-            <pc:sldMk cId="3045225275" sldId="270"/>
-            <ac:spMk id="12" creationId="{11FFC8A5-4D2F-3CD5-E565-232C7715D0AB}"/>
-          </ac:spMkLst>
-        </pc:spChg>
-        <pc:spChg chg="add mod">
-          <ac:chgData name="Irene Ferrari" userId="e569343e5e44b43c" providerId="LiveId" clId="{5B1A72B4-CE9F-4D8C-B4BC-16896AA3D297}" dt="2023-04-19T09:18:40.111" v="222" actId="255"/>
-          <ac:spMkLst>
-            <pc:docMk/>
-            <pc:sldMk cId="3045225275" sldId="270"/>
-            <ac:spMk id="13" creationId="{36FEABC0-16A0-A6AB-3411-544EAC6D510C}"/>
-          </ac:spMkLst>
-        </pc:spChg>
-        <pc:picChg chg="add mod">
-          <ac:chgData name="Irene Ferrari" userId="e569343e5e44b43c" providerId="LiveId" clId="{5B1A72B4-CE9F-4D8C-B4BC-16896AA3D297}" dt="2023-04-19T09:16:28.563" v="101" actId="1076"/>
-          <ac:picMkLst>
-            <pc:docMk/>
-            <pc:sldMk cId="3045225275" sldId="270"/>
-            <ac:picMk id="4" creationId="{1BFB80D2-3C0D-EFA4-BF66-B643776A0113}"/>
-          </ac:picMkLst>
-        </pc:picChg>
-      </pc:sldChg>
-      <pc:sldChg chg="new del">
-        <pc:chgData name="Irene Ferrari" userId="e569343e5e44b43c" providerId="LiveId" clId="{5B1A72B4-CE9F-4D8C-B4BC-16896AA3D297}" dt="2023-04-19T11:04:18.735" v="3075" actId="2696"/>
-        <pc:sldMkLst>
-          <pc:docMk/>
-          <pc:sldMk cId="2360726743" sldId="271"/>
-        </pc:sldMkLst>
       </pc:sldChg>
     </pc:docChg>
   </pc:docChgLst>
@@ -2995,7 +2995,7 @@
           <a:p>
             <a:fld id="{9556681E-2147-4F5F-ADE4-85B7757EC00E}" type="datetimeFigureOut">
               <a:rPr lang="it-IT" smtClean="0"/>
-              <a:t>07/05/2023</a:t>
+              <a:t>08/05/2023</a:t>
             </a:fld>
             <a:endParaRPr lang="it-IT"/>
           </a:p>
@@ -3531,7 +3531,7 @@
           <a:p>
             <a:fld id="{1A270AA3-85FD-4336-B0B7-87033A430298}" type="datetimeFigureOut">
               <a:rPr lang="it-IT" smtClean="0"/>
-              <a:t>07/05/2023</a:t>
+              <a:t>08/05/2023</a:t>
             </a:fld>
             <a:endParaRPr lang="it-IT" dirty="0"/>
           </a:p>
@@ -3829,7 +3829,7 @@
           <a:p>
             <a:fld id="{1A270AA3-85FD-4336-B0B7-87033A430298}" type="datetimeFigureOut">
               <a:rPr lang="it-IT" smtClean="0"/>
-              <a:t>07/05/2023</a:t>
+              <a:t>08/05/2023</a:t>
             </a:fld>
             <a:endParaRPr lang="it-IT" dirty="0"/>
           </a:p>
@@ -4021,7 +4021,7 @@
           <a:p>
             <a:fld id="{1A270AA3-85FD-4336-B0B7-87033A430298}" type="datetimeFigureOut">
               <a:rPr lang="it-IT" smtClean="0"/>
-              <a:t>07/05/2023</a:t>
+              <a:t>08/05/2023</a:t>
             </a:fld>
             <a:endParaRPr lang="it-IT" dirty="0"/>
           </a:p>
@@ -4282,7 +4282,7 @@
           <a:p>
             <a:fld id="{1A270AA3-85FD-4336-B0B7-87033A430298}" type="datetimeFigureOut">
               <a:rPr lang="it-IT" smtClean="0"/>
-              <a:t>07/05/2023</a:t>
+              <a:t>08/05/2023</a:t>
             </a:fld>
             <a:endParaRPr lang="it-IT" dirty="0"/>
           </a:p>
@@ -4706,7 +4706,7 @@
           <a:p>
             <a:fld id="{1A270AA3-85FD-4336-B0B7-87033A430298}" type="datetimeFigureOut">
               <a:rPr lang="it-IT" smtClean="0"/>
-              <a:t>07/05/2023</a:t>
+              <a:t>08/05/2023</a:t>
             </a:fld>
             <a:endParaRPr lang="it-IT" dirty="0"/>
           </a:p>
@@ -5243,7 +5243,7 @@
           <a:p>
             <a:fld id="{1A270AA3-85FD-4336-B0B7-87033A430298}" type="datetimeFigureOut">
               <a:rPr lang="it-IT" smtClean="0"/>
-              <a:t>07/05/2023</a:t>
+              <a:t>08/05/2023</a:t>
             </a:fld>
             <a:endParaRPr lang="it-IT" dirty="0"/>
           </a:p>
@@ -6107,7 +6107,7 @@
           <a:p>
             <a:fld id="{1A270AA3-85FD-4336-B0B7-87033A430298}" type="datetimeFigureOut">
               <a:rPr lang="it-IT" smtClean="0"/>
-              <a:t>07/05/2023</a:t>
+              <a:t>08/05/2023</a:t>
             </a:fld>
             <a:endParaRPr lang="it-IT" dirty="0"/>
           </a:p>
@@ -6277,7 +6277,7 @@
           <a:p>
             <a:fld id="{1A270AA3-85FD-4336-B0B7-87033A430298}" type="datetimeFigureOut">
               <a:rPr lang="it-IT" smtClean="0"/>
-              <a:t>07/05/2023</a:t>
+              <a:t>08/05/2023</a:t>
             </a:fld>
             <a:endParaRPr lang="it-IT" dirty="0"/>
           </a:p>
@@ -6461,7 +6461,7 @@
           <a:p>
             <a:fld id="{1A270AA3-85FD-4336-B0B7-87033A430298}" type="datetimeFigureOut">
               <a:rPr lang="it-IT" smtClean="0"/>
-              <a:t>07/05/2023</a:t>
+              <a:t>08/05/2023</a:t>
             </a:fld>
             <a:endParaRPr lang="it-IT" dirty="0"/>
           </a:p>
@@ -6631,7 +6631,7 @@
           <a:p>
             <a:fld id="{1A270AA3-85FD-4336-B0B7-87033A430298}" type="datetimeFigureOut">
               <a:rPr lang="it-IT" smtClean="0"/>
-              <a:t>07/05/2023</a:t>
+              <a:t>08/05/2023</a:t>
             </a:fld>
             <a:endParaRPr lang="it-IT" dirty="0"/>
           </a:p>
@@ -6875,7 +6875,7 @@
           <a:p>
             <a:fld id="{1A270AA3-85FD-4336-B0B7-87033A430298}" type="datetimeFigureOut">
               <a:rPr lang="it-IT" smtClean="0"/>
-              <a:t>07/05/2023</a:t>
+              <a:t>08/05/2023</a:t>
             </a:fld>
             <a:endParaRPr lang="it-IT" dirty="0"/>
           </a:p>
@@ -7111,7 +7111,7 @@
           <a:p>
             <a:fld id="{1A270AA3-85FD-4336-B0B7-87033A430298}" type="datetimeFigureOut">
               <a:rPr lang="it-IT" smtClean="0"/>
-              <a:t>07/05/2023</a:t>
+              <a:t>08/05/2023</a:t>
             </a:fld>
             <a:endParaRPr lang="it-IT" dirty="0"/>
           </a:p>
@@ -7577,7 +7577,7 @@
           <a:p>
             <a:fld id="{1A270AA3-85FD-4336-B0B7-87033A430298}" type="datetimeFigureOut">
               <a:rPr lang="it-IT" smtClean="0"/>
-              <a:t>07/05/2023</a:t>
+              <a:t>08/05/2023</a:t>
             </a:fld>
             <a:endParaRPr lang="it-IT" dirty="0"/>
           </a:p>
@@ -7695,7 +7695,7 @@
           <a:p>
             <a:fld id="{1A270AA3-85FD-4336-B0B7-87033A430298}" type="datetimeFigureOut">
               <a:rPr lang="it-IT" smtClean="0"/>
-              <a:t>07/05/2023</a:t>
+              <a:t>08/05/2023</a:t>
             </a:fld>
             <a:endParaRPr lang="it-IT" dirty="0"/>
           </a:p>
@@ -7790,7 +7790,7 @@
           <a:p>
             <a:fld id="{1A270AA3-85FD-4336-B0B7-87033A430298}" type="datetimeFigureOut">
               <a:rPr lang="it-IT" smtClean="0"/>
-              <a:t>07/05/2023</a:t>
+              <a:t>08/05/2023</a:t>
             </a:fld>
             <a:endParaRPr lang="it-IT" dirty="0"/>
           </a:p>
@@ -8045,7 +8045,7 @@
           <a:p>
             <a:fld id="{1A270AA3-85FD-4336-B0B7-87033A430298}" type="datetimeFigureOut">
               <a:rPr lang="it-IT" smtClean="0"/>
-              <a:t>07/05/2023</a:t>
+              <a:t>08/05/2023</a:t>
             </a:fld>
             <a:endParaRPr lang="it-IT" dirty="0"/>
           </a:p>
@@ -8345,7 +8345,7 @@
           <a:p>
             <a:fld id="{1A270AA3-85FD-4336-B0B7-87033A430298}" type="datetimeFigureOut">
               <a:rPr lang="it-IT" smtClean="0"/>
-              <a:t>07/05/2023</a:t>
+              <a:t>08/05/2023</a:t>
             </a:fld>
             <a:endParaRPr lang="it-IT" dirty="0"/>
           </a:p>
@@ -8579,7 +8579,7 @@
           <a:p>
             <a:fld id="{1A270AA3-85FD-4336-B0B7-87033A430298}" type="datetimeFigureOut">
               <a:rPr lang="it-IT" smtClean="0"/>
-              <a:t>07/05/2023</a:t>
+              <a:t>08/05/2023</a:t>
             </a:fld>
             <a:endParaRPr lang="it-IT" dirty="0"/>
           </a:p>
@@ -10672,7 +10672,7 @@
             </a:r>
             <a:r>
               <a:rPr lang="en-US" dirty="0"/>
-              <a:t>, since it passes all test. </a:t>
+              <a:t>, since it passes all tests. </a:t>
             </a:r>
             <a:endParaRPr lang="en-US" b="1" dirty="0"/>
           </a:p>
@@ -10760,7 +10760,7 @@
                   <a:srgbClr val="FFC000"/>
                 </a:solidFill>
               </a:rPr>
-              <a:t>INRODUCTION</a:t>
+              <a:t>INTRODUCTION</a:t>
             </a:r>
           </a:p>
         </p:txBody>
@@ -11135,15 +11135,7 @@
             </a:r>
             <a:r>
               <a:rPr lang="it-IT" dirty="0"/>
-              <a:t> </a:t>
-            </a:r>
-            <a:r>
-              <a:rPr lang="it-IT" dirty="0" err="1"/>
-              <a:t>completely</a:t>
-            </a:r>
-            <a:r>
-              <a:rPr lang="it-IT" dirty="0"/>
-              <a:t> </a:t>
+              <a:t> a complete </a:t>
             </a:r>
             <a:r>
               <a:rPr lang="it-IT" b="1" dirty="0"/>
@@ -11159,19 +11151,11 @@
             </a:r>
             <a:r>
               <a:rPr lang="it-IT" dirty="0"/>
-              <a:t> do </a:t>
+              <a:t> know </a:t>
             </a:r>
             <a:r>
               <a:rPr lang="it-IT" dirty="0" err="1"/>
-              <a:t>not</a:t>
-            </a:r>
-            <a:r>
-              <a:rPr lang="it-IT" dirty="0"/>
-              <a:t> know </a:t>
-            </a:r>
-            <a:r>
-              <a:rPr lang="it-IT" dirty="0" err="1"/>
-              <a:t>either</a:t>
+              <a:t>neither</a:t>
             </a:r>
             <a:r>
               <a:rPr lang="it-IT" dirty="0"/>
@@ -11199,15 +11183,15 @@
             </a:r>
             <a:r>
               <a:rPr lang="it-IT" dirty="0"/>
-              <a:t> or </a:t>
+              <a:t> </a:t>
             </a:r>
             <a:r>
               <a:rPr lang="it-IT" dirty="0" err="1"/>
-              <a:t>what</a:t>
-            </a:r>
-            <a:r>
-              <a:rPr lang="it-IT" dirty="0"/>
-              <a:t> weight </a:t>
+              <a:t>nor</a:t>
+            </a:r>
+            <a:r>
+              <a:rPr lang="it-IT" dirty="0"/>
+              <a:t> </a:t>
             </a:r>
             <a:r>
               <a:rPr lang="it-IT" dirty="0" err="1"/>
@@ -11219,19 +11203,11 @@
             </a:r>
             <a:r>
               <a:rPr lang="it-IT" dirty="0" err="1"/>
-              <a:t>instrument</a:t>
-            </a:r>
-            <a:r>
-              <a:rPr lang="it-IT" dirty="0"/>
-              <a:t> </a:t>
-            </a:r>
-            <a:r>
-              <a:rPr lang="it-IT" dirty="0" err="1"/>
-              <a:t>has</a:t>
-            </a:r>
-            <a:r>
-              <a:rPr lang="it-IT" dirty="0"/>
-              <a:t>. </a:t>
+              <a:t>instrument’s</a:t>
+            </a:r>
+            <a:r>
+              <a:rPr lang="it-IT" dirty="0"/>
+              <a:t> weight. </a:t>
             </a:r>
           </a:p>
         </p:txBody>
@@ -11298,15 +11274,19 @@
             </a:r>
             <a:r>
               <a:rPr lang="it-IT" b="1" dirty="0" err="1"/>
-              <a:t>guessing</a:t>
+              <a:t>replicating</a:t>
             </a:r>
             <a:r>
               <a:rPr lang="it-IT" b="1" dirty="0"/>
               <a:t> </a:t>
             </a:r>
             <a:r>
+              <a:rPr lang="it-IT" dirty="0"/>
+              <a:t>the black </a:t>
+            </a:r>
+            <a:r>
               <a:rPr lang="it-IT" dirty="0" err="1"/>
-              <a:t>what</a:t>
+              <a:t>box’s</a:t>
             </a:r>
             <a:r>
               <a:rPr lang="it-IT" dirty="0"/>
@@ -11314,19 +11294,27 @@
             </a:r>
             <a:r>
               <a:rPr lang="it-IT" dirty="0" err="1"/>
-              <a:t>is</a:t>
-            </a:r>
-            <a:r>
-              <a:rPr lang="it-IT" dirty="0"/>
-              <a:t> inside the black box and replicate </a:t>
+              <a:t>mechanics</a:t>
+            </a:r>
+            <a:r>
+              <a:rPr lang="it-IT" dirty="0"/>
+              <a:t> with </a:t>
             </a:r>
             <a:r>
               <a:rPr lang="it-IT" dirty="0" err="1"/>
-              <a:t>that</a:t>
-            </a:r>
-            <a:r>
-              <a:rPr lang="it-IT" dirty="0"/>
-              <a:t> portfolio. </a:t>
+              <a:t>cheaper</a:t>
+            </a:r>
+            <a:r>
+              <a:rPr lang="it-IT" dirty="0"/>
+              <a:t> and more </a:t>
+            </a:r>
+            <a:r>
+              <a:rPr lang="it-IT" dirty="0" err="1"/>
+              <a:t>readily-available</a:t>
+            </a:r>
+            <a:r>
+              <a:rPr lang="it-IT" dirty="0"/>
+              <a:t> options. </a:t>
             </a:r>
           </a:p>
         </p:txBody>
@@ -12489,7 +12477,7 @@
         <p:spPr>
           <a:xfrm>
             <a:off x="521905" y="1250750"/>
-            <a:ext cx="11267321" cy="923330"/>
+            <a:ext cx="11267321" cy="646331"/>
           </a:xfrm>
           <a:prstGeom prst="rect">
             <a:avLst/>
@@ -12609,15 +12597,7 @@
             </a:r>
             <a:r>
               <a:rPr lang="it-IT" dirty="0"/>
-              <a:t> </a:t>
-            </a:r>
-            <a:r>
-              <a:rPr lang="it-IT" dirty="0" err="1"/>
-              <a:t>gloabal</a:t>
-            </a:r>
-            <a:r>
-              <a:rPr lang="it-IT" dirty="0"/>
-              <a:t> equities indexes. </a:t>
+              <a:t> global equities indexes. </a:t>
             </a:r>
           </a:p>
         </p:txBody>
@@ -13206,6 +13186,22 @@
             <a:r>
               <a:rPr lang="it-IT" b="1" dirty="0"/>
               <a:t>Monster Index</a:t>
+            </a:r>
+            <a:r>
+              <a:rPr lang="it-IT" dirty="0"/>
+              <a:t>, </a:t>
+            </a:r>
+            <a:r>
+              <a:rPr lang="it-IT" dirty="0" err="1"/>
+              <a:t>that</a:t>
+            </a:r>
+            <a:r>
+              <a:rPr lang="it-IT" dirty="0"/>
+              <a:t> </a:t>
+            </a:r>
+            <a:r>
+              <a:rPr lang="it-IT" dirty="0" err="1"/>
+              <a:t>is</a:t>
             </a:r>
             <a:r>
               <a:rPr lang="it-IT" dirty="0"/>
@@ -14019,7 +14015,7 @@
             </a:r>
             <a:r>
               <a:rPr lang="it-IT" dirty="0"/>
-              <a:t> time </a:t>
+              <a:t> the time </a:t>
             </a:r>
             <a:r>
               <a:rPr lang="it-IT" dirty="0" err="1"/>
@@ -14207,7 +14203,7 @@
             </a:r>
             <a:r>
               <a:rPr lang="it-IT" dirty="0" err="1"/>
-              <a:t>willling</a:t>
+              <a:t>willing</a:t>
             </a:r>
             <a:r>
               <a:rPr lang="it-IT" dirty="0"/>
@@ -15511,7 +15507,15 @@
             </a:r>
             <a:r>
               <a:rPr lang="it-IT" dirty="0" err="1"/>
-              <a:t>isdesigned</a:t>
+              <a:t>is</a:t>
+            </a:r>
+            <a:r>
+              <a:rPr lang="it-IT" dirty="0"/>
+              <a:t> </a:t>
+            </a:r>
+            <a:r>
+              <a:rPr lang="it-IT" dirty="0" err="1"/>
+              <a:t>designed</a:t>
             </a:r>
             <a:r>
               <a:rPr lang="it-IT" dirty="0"/>
@@ -15536,7 +15540,7 @@
             </a:r>
             <a:r>
               <a:rPr lang="it-IT" dirty="0" err="1"/>
-              <a:t>ig</a:t>
+              <a:t>is</a:t>
             </a:r>
             <a:r>
               <a:rPr lang="it-IT" dirty="0"/>
@@ -15629,7 +15633,7 @@
             </a:r>
             <a:r>
               <a:rPr lang="it-IT" dirty="0" err="1"/>
-              <a:t>differnce</a:t>
+              <a:t>difference</a:t>
             </a:r>
             <a:r>
               <a:rPr lang="it-IT" dirty="0"/>
@@ -15657,7 +15661,7 @@
             </a:r>
             <a:r>
               <a:rPr lang="it-IT" dirty="0"/>
-              <a:t> by 2. </a:t>
+              <a:t> by 2.</a:t>
             </a:r>
           </a:p>
           <a:p>
@@ -17240,7 +17244,7 @@
             </a:r>
             <a:r>
               <a:rPr lang="en-US" sz="1800" b="0" i="0" u="none" strike="noStrike" dirty="0"/>
-              <a:t> formula is able to weight different information as it comes in, giving </a:t>
+              <a:t> formula is able to weigh different information as it comes in, giving </a:t>
             </a:r>
             <a:r>
               <a:rPr lang="en-US" sz="1800" b="1" i="0" u="none" strike="noStrike" dirty="0"/>

--- a/BC4/Bozza.pptx
+++ b/BC4/Bozza.pptx
@@ -2995,7 +2995,7 @@
           <a:p>
             <a:fld id="{9556681E-2147-4F5F-ADE4-85B7757EC00E}" type="datetimeFigureOut">
               <a:rPr lang="it-IT" smtClean="0"/>
-              <a:t>08/05/2023</a:t>
+              <a:t>09/05/2023</a:t>
             </a:fld>
             <a:endParaRPr lang="it-IT"/>
           </a:p>
@@ -3531,7 +3531,7 @@
           <a:p>
             <a:fld id="{1A270AA3-85FD-4336-B0B7-87033A430298}" type="datetimeFigureOut">
               <a:rPr lang="it-IT" smtClean="0"/>
-              <a:t>08/05/2023</a:t>
+              <a:t>09/05/2023</a:t>
             </a:fld>
             <a:endParaRPr lang="it-IT" dirty="0"/>
           </a:p>
@@ -3829,7 +3829,7 @@
           <a:p>
             <a:fld id="{1A270AA3-85FD-4336-B0B7-87033A430298}" type="datetimeFigureOut">
               <a:rPr lang="it-IT" smtClean="0"/>
-              <a:t>08/05/2023</a:t>
+              <a:t>09/05/2023</a:t>
             </a:fld>
             <a:endParaRPr lang="it-IT" dirty="0"/>
           </a:p>
@@ -4021,7 +4021,7 @@
           <a:p>
             <a:fld id="{1A270AA3-85FD-4336-B0B7-87033A430298}" type="datetimeFigureOut">
               <a:rPr lang="it-IT" smtClean="0"/>
-              <a:t>08/05/2023</a:t>
+              <a:t>09/05/2023</a:t>
             </a:fld>
             <a:endParaRPr lang="it-IT" dirty="0"/>
           </a:p>
@@ -4282,7 +4282,7 @@
           <a:p>
             <a:fld id="{1A270AA3-85FD-4336-B0B7-87033A430298}" type="datetimeFigureOut">
               <a:rPr lang="it-IT" smtClean="0"/>
-              <a:t>08/05/2023</a:t>
+              <a:t>09/05/2023</a:t>
             </a:fld>
             <a:endParaRPr lang="it-IT" dirty="0"/>
           </a:p>
@@ -4706,7 +4706,7 @@
           <a:p>
             <a:fld id="{1A270AA3-85FD-4336-B0B7-87033A430298}" type="datetimeFigureOut">
               <a:rPr lang="it-IT" smtClean="0"/>
-              <a:t>08/05/2023</a:t>
+              <a:t>09/05/2023</a:t>
             </a:fld>
             <a:endParaRPr lang="it-IT" dirty="0"/>
           </a:p>
@@ -5243,7 +5243,7 @@
           <a:p>
             <a:fld id="{1A270AA3-85FD-4336-B0B7-87033A430298}" type="datetimeFigureOut">
               <a:rPr lang="it-IT" smtClean="0"/>
-              <a:t>08/05/2023</a:t>
+              <a:t>09/05/2023</a:t>
             </a:fld>
             <a:endParaRPr lang="it-IT" dirty="0"/>
           </a:p>
@@ -6107,7 +6107,7 @@
           <a:p>
             <a:fld id="{1A270AA3-85FD-4336-B0B7-87033A430298}" type="datetimeFigureOut">
               <a:rPr lang="it-IT" smtClean="0"/>
-              <a:t>08/05/2023</a:t>
+              <a:t>09/05/2023</a:t>
             </a:fld>
             <a:endParaRPr lang="it-IT" dirty="0"/>
           </a:p>
@@ -6277,7 +6277,7 @@
           <a:p>
             <a:fld id="{1A270AA3-85FD-4336-B0B7-87033A430298}" type="datetimeFigureOut">
               <a:rPr lang="it-IT" smtClean="0"/>
-              <a:t>08/05/2023</a:t>
+              <a:t>09/05/2023</a:t>
             </a:fld>
             <a:endParaRPr lang="it-IT" dirty="0"/>
           </a:p>
@@ -6461,7 +6461,7 @@
           <a:p>
             <a:fld id="{1A270AA3-85FD-4336-B0B7-87033A430298}" type="datetimeFigureOut">
               <a:rPr lang="it-IT" smtClean="0"/>
-              <a:t>08/05/2023</a:t>
+              <a:t>09/05/2023</a:t>
             </a:fld>
             <a:endParaRPr lang="it-IT" dirty="0"/>
           </a:p>
@@ -6631,7 +6631,7 @@
           <a:p>
             <a:fld id="{1A270AA3-85FD-4336-B0B7-87033A430298}" type="datetimeFigureOut">
               <a:rPr lang="it-IT" smtClean="0"/>
-              <a:t>08/05/2023</a:t>
+              <a:t>09/05/2023</a:t>
             </a:fld>
             <a:endParaRPr lang="it-IT" dirty="0"/>
           </a:p>
@@ -6875,7 +6875,7 @@
           <a:p>
             <a:fld id="{1A270AA3-85FD-4336-B0B7-87033A430298}" type="datetimeFigureOut">
               <a:rPr lang="it-IT" smtClean="0"/>
-              <a:t>08/05/2023</a:t>
+              <a:t>09/05/2023</a:t>
             </a:fld>
             <a:endParaRPr lang="it-IT" dirty="0"/>
           </a:p>
@@ -7111,7 +7111,7 @@
           <a:p>
             <a:fld id="{1A270AA3-85FD-4336-B0B7-87033A430298}" type="datetimeFigureOut">
               <a:rPr lang="it-IT" smtClean="0"/>
-              <a:t>08/05/2023</a:t>
+              <a:t>09/05/2023</a:t>
             </a:fld>
             <a:endParaRPr lang="it-IT" dirty="0"/>
           </a:p>
@@ -7577,7 +7577,7 @@
           <a:p>
             <a:fld id="{1A270AA3-85FD-4336-B0B7-87033A430298}" type="datetimeFigureOut">
               <a:rPr lang="it-IT" smtClean="0"/>
-              <a:t>08/05/2023</a:t>
+              <a:t>09/05/2023</a:t>
             </a:fld>
             <a:endParaRPr lang="it-IT" dirty="0"/>
           </a:p>
@@ -7695,7 +7695,7 @@
           <a:p>
             <a:fld id="{1A270AA3-85FD-4336-B0B7-87033A430298}" type="datetimeFigureOut">
               <a:rPr lang="it-IT" smtClean="0"/>
-              <a:t>08/05/2023</a:t>
+              <a:t>09/05/2023</a:t>
             </a:fld>
             <a:endParaRPr lang="it-IT" dirty="0"/>
           </a:p>
@@ -7790,7 +7790,7 @@
           <a:p>
             <a:fld id="{1A270AA3-85FD-4336-B0B7-87033A430298}" type="datetimeFigureOut">
               <a:rPr lang="it-IT" smtClean="0"/>
-              <a:t>08/05/2023</a:t>
+              <a:t>09/05/2023</a:t>
             </a:fld>
             <a:endParaRPr lang="it-IT" dirty="0"/>
           </a:p>
@@ -8045,7 +8045,7 @@
           <a:p>
             <a:fld id="{1A270AA3-85FD-4336-B0B7-87033A430298}" type="datetimeFigureOut">
               <a:rPr lang="it-IT" smtClean="0"/>
-              <a:t>08/05/2023</a:t>
+              <a:t>09/05/2023</a:t>
             </a:fld>
             <a:endParaRPr lang="it-IT" dirty="0"/>
           </a:p>
@@ -8345,7 +8345,7 @@
           <a:p>
             <a:fld id="{1A270AA3-85FD-4336-B0B7-87033A430298}" type="datetimeFigureOut">
               <a:rPr lang="it-IT" smtClean="0"/>
-              <a:t>08/05/2023</a:t>
+              <a:t>09/05/2023</a:t>
             </a:fld>
             <a:endParaRPr lang="it-IT" dirty="0"/>
           </a:p>
@@ -8579,7 +8579,7 @@
           <a:p>
             <a:fld id="{1A270AA3-85FD-4336-B0B7-87033A430298}" type="datetimeFigureOut">
               <a:rPr lang="it-IT" smtClean="0"/>
-              <a:t>08/05/2023</a:t>
+              <a:t>09/05/2023</a:t>
             </a:fld>
             <a:endParaRPr lang="it-IT" dirty="0"/>
           </a:p>
@@ -12213,17 +12213,8 @@
               <a:rPr lang="it-IT" sz="2000" dirty="0">
                 <a:latin typeface="+mj-lt"/>
               </a:rPr>
-              <a:t> </a:t>
-            </a:r>
-            <a:r>
-              <a:rPr lang="it-IT" sz="2000" dirty="0" err="1">
-                <a:latin typeface="+mj-lt"/>
-              </a:rPr>
-              <a:t>datas</a:t>
-            </a:r>
-            <a:endParaRPr lang="it-IT" sz="2000" dirty="0">
-              <a:latin typeface="+mj-lt"/>
-            </a:endParaRPr>
+              <a:t> data</a:t>
+            </a:r>
           </a:p>
           <a:p>
             <a:pPr>

--- a/BC4/Bozza.pptx
+++ b/BC4/Bozza.pptx
@@ -2995,7 +2995,7 @@
           <a:p>
             <a:fld id="{9556681E-2147-4F5F-ADE4-85B7757EC00E}" type="datetimeFigureOut">
               <a:rPr lang="it-IT" smtClean="0"/>
-              <a:t>09/05/2023</a:t>
+              <a:t>10/05/2023</a:t>
             </a:fld>
             <a:endParaRPr lang="it-IT"/>
           </a:p>
@@ -3531,7 +3531,7 @@
           <a:p>
             <a:fld id="{1A270AA3-85FD-4336-B0B7-87033A430298}" type="datetimeFigureOut">
               <a:rPr lang="it-IT" smtClean="0"/>
-              <a:t>09/05/2023</a:t>
+              <a:t>10/05/2023</a:t>
             </a:fld>
             <a:endParaRPr lang="it-IT" dirty="0"/>
           </a:p>
@@ -3829,7 +3829,7 @@
           <a:p>
             <a:fld id="{1A270AA3-85FD-4336-B0B7-87033A430298}" type="datetimeFigureOut">
               <a:rPr lang="it-IT" smtClean="0"/>
-              <a:t>09/05/2023</a:t>
+              <a:t>10/05/2023</a:t>
             </a:fld>
             <a:endParaRPr lang="it-IT" dirty="0"/>
           </a:p>
@@ -4021,7 +4021,7 @@
           <a:p>
             <a:fld id="{1A270AA3-85FD-4336-B0B7-87033A430298}" type="datetimeFigureOut">
               <a:rPr lang="it-IT" smtClean="0"/>
-              <a:t>09/05/2023</a:t>
+              <a:t>10/05/2023</a:t>
             </a:fld>
             <a:endParaRPr lang="it-IT" dirty="0"/>
           </a:p>
@@ -4282,7 +4282,7 @@
           <a:p>
             <a:fld id="{1A270AA3-85FD-4336-B0B7-87033A430298}" type="datetimeFigureOut">
               <a:rPr lang="it-IT" smtClean="0"/>
-              <a:t>09/05/2023</a:t>
+              <a:t>10/05/2023</a:t>
             </a:fld>
             <a:endParaRPr lang="it-IT" dirty="0"/>
           </a:p>
@@ -4706,7 +4706,7 @@
           <a:p>
             <a:fld id="{1A270AA3-85FD-4336-B0B7-87033A430298}" type="datetimeFigureOut">
               <a:rPr lang="it-IT" smtClean="0"/>
-              <a:t>09/05/2023</a:t>
+              <a:t>10/05/2023</a:t>
             </a:fld>
             <a:endParaRPr lang="it-IT" dirty="0"/>
           </a:p>
@@ -5243,7 +5243,7 @@
           <a:p>
             <a:fld id="{1A270AA3-85FD-4336-B0B7-87033A430298}" type="datetimeFigureOut">
               <a:rPr lang="it-IT" smtClean="0"/>
-              <a:t>09/05/2023</a:t>
+              <a:t>10/05/2023</a:t>
             </a:fld>
             <a:endParaRPr lang="it-IT" dirty="0"/>
           </a:p>
@@ -6107,7 +6107,7 @@
           <a:p>
             <a:fld id="{1A270AA3-85FD-4336-B0B7-87033A430298}" type="datetimeFigureOut">
               <a:rPr lang="it-IT" smtClean="0"/>
-              <a:t>09/05/2023</a:t>
+              <a:t>10/05/2023</a:t>
             </a:fld>
             <a:endParaRPr lang="it-IT" dirty="0"/>
           </a:p>
@@ -6277,7 +6277,7 @@
           <a:p>
             <a:fld id="{1A270AA3-85FD-4336-B0B7-87033A430298}" type="datetimeFigureOut">
               <a:rPr lang="it-IT" smtClean="0"/>
-              <a:t>09/05/2023</a:t>
+              <a:t>10/05/2023</a:t>
             </a:fld>
             <a:endParaRPr lang="it-IT" dirty="0"/>
           </a:p>
@@ -6461,7 +6461,7 @@
           <a:p>
             <a:fld id="{1A270AA3-85FD-4336-B0B7-87033A430298}" type="datetimeFigureOut">
               <a:rPr lang="it-IT" smtClean="0"/>
-              <a:t>09/05/2023</a:t>
+              <a:t>10/05/2023</a:t>
             </a:fld>
             <a:endParaRPr lang="it-IT" dirty="0"/>
           </a:p>
@@ -6631,7 +6631,7 @@
           <a:p>
             <a:fld id="{1A270AA3-85FD-4336-B0B7-87033A430298}" type="datetimeFigureOut">
               <a:rPr lang="it-IT" smtClean="0"/>
-              <a:t>09/05/2023</a:t>
+              <a:t>10/05/2023</a:t>
             </a:fld>
             <a:endParaRPr lang="it-IT" dirty="0"/>
           </a:p>
@@ -6875,7 +6875,7 @@
           <a:p>
             <a:fld id="{1A270AA3-85FD-4336-B0B7-87033A430298}" type="datetimeFigureOut">
               <a:rPr lang="it-IT" smtClean="0"/>
-              <a:t>09/05/2023</a:t>
+              <a:t>10/05/2023</a:t>
             </a:fld>
             <a:endParaRPr lang="it-IT" dirty="0"/>
           </a:p>
@@ -7111,7 +7111,7 @@
           <a:p>
             <a:fld id="{1A270AA3-85FD-4336-B0B7-87033A430298}" type="datetimeFigureOut">
               <a:rPr lang="it-IT" smtClean="0"/>
-              <a:t>09/05/2023</a:t>
+              <a:t>10/05/2023</a:t>
             </a:fld>
             <a:endParaRPr lang="it-IT" dirty="0"/>
           </a:p>
@@ -7577,7 +7577,7 @@
           <a:p>
             <a:fld id="{1A270AA3-85FD-4336-B0B7-87033A430298}" type="datetimeFigureOut">
               <a:rPr lang="it-IT" smtClean="0"/>
-              <a:t>09/05/2023</a:t>
+              <a:t>10/05/2023</a:t>
             </a:fld>
             <a:endParaRPr lang="it-IT" dirty="0"/>
           </a:p>
@@ -7695,7 +7695,7 @@
           <a:p>
             <a:fld id="{1A270AA3-85FD-4336-B0B7-87033A430298}" type="datetimeFigureOut">
               <a:rPr lang="it-IT" smtClean="0"/>
-              <a:t>09/05/2023</a:t>
+              <a:t>10/05/2023</a:t>
             </a:fld>
             <a:endParaRPr lang="it-IT" dirty="0"/>
           </a:p>
@@ -7790,7 +7790,7 @@
           <a:p>
             <a:fld id="{1A270AA3-85FD-4336-B0B7-87033A430298}" type="datetimeFigureOut">
               <a:rPr lang="it-IT" smtClean="0"/>
-              <a:t>09/05/2023</a:t>
+              <a:t>10/05/2023</a:t>
             </a:fld>
             <a:endParaRPr lang="it-IT" dirty="0"/>
           </a:p>
@@ -8045,7 +8045,7 @@
           <a:p>
             <a:fld id="{1A270AA3-85FD-4336-B0B7-87033A430298}" type="datetimeFigureOut">
               <a:rPr lang="it-IT" smtClean="0"/>
-              <a:t>09/05/2023</a:t>
+              <a:t>10/05/2023</a:t>
             </a:fld>
             <a:endParaRPr lang="it-IT" dirty="0"/>
           </a:p>
@@ -8345,7 +8345,7 @@
           <a:p>
             <a:fld id="{1A270AA3-85FD-4336-B0B7-87033A430298}" type="datetimeFigureOut">
               <a:rPr lang="it-IT" smtClean="0"/>
-              <a:t>09/05/2023</a:t>
+              <a:t>10/05/2023</a:t>
             </a:fld>
             <a:endParaRPr lang="it-IT" dirty="0"/>
           </a:p>
@@ -8579,7 +8579,7 @@
           <a:p>
             <a:fld id="{1A270AA3-85FD-4336-B0B7-87033A430298}" type="datetimeFigureOut">
               <a:rPr lang="it-IT" smtClean="0"/>
-              <a:t>09/05/2023</a:t>
+              <a:t>10/05/2023</a:t>
             </a:fld>
             <a:endParaRPr lang="it-IT" dirty="0"/>
           </a:p>
@@ -13240,7 +13240,7 @@
             </a:r>
             <a:r>
               <a:rPr lang="it-IT" dirty="0" err="1"/>
-              <a:t>choosen</a:t>
+              <a:t>chosen</a:t>
             </a:r>
             <a:r>
               <a:rPr lang="it-IT" dirty="0"/>
@@ -13312,7 +13312,7 @@
             </a:r>
             <a:r>
               <a:rPr lang="it-IT" dirty="0"/>
-              <a:t>by a </a:t>
+              <a:t>with a </a:t>
             </a:r>
             <a:r>
               <a:rPr lang="it-IT" dirty="0" err="1"/>
@@ -15183,7 +15183,7 @@
             </a:r>
             <a:r>
               <a:rPr lang="it-IT" dirty="0"/>
-              <a:t>( </a:t>
+              <a:t>(</a:t>
             </a:r>
             <a:r>
               <a:rPr lang="it-IT" dirty="0" err="1"/>
@@ -15418,7 +15418,7 @@
             </a:r>
             <a:r>
               <a:rPr lang="it-IT" b="1" dirty="0" err="1"/>
-              <a:t>error</a:t>
+              <a:t>Error</a:t>
             </a:r>
             <a:r>
               <a:rPr lang="it-IT" b="1" dirty="0"/>
@@ -15426,7 +15426,7 @@
             </a:r>
             <a:r>
               <a:rPr lang="it-IT" b="1" dirty="0" err="1"/>
-              <a:t>Volatibility</a:t>
+              <a:t>Volatility</a:t>
             </a:r>
             <a:r>
               <a:rPr lang="it-IT" b="1" dirty="0"/>
@@ -15490,7 +15490,32 @@
             </a:r>
             <a:r>
               <a:rPr lang="it-IT" dirty="0" err="1"/>
-              <a:t>it</a:t>
+              <a:t>is</a:t>
+            </a:r>
+            <a:r>
+              <a:rPr lang="it-IT" dirty="0"/>
+              <a:t> </a:t>
+            </a:r>
+            <a:r>
+              <a:rPr lang="it-IT" dirty="0" err="1"/>
+              <a:t>designed</a:t>
+            </a:r>
+            <a:r>
+              <a:rPr lang="it-IT" dirty="0"/>
+              <a:t> to track. </a:t>
+            </a:r>
+          </a:p>
+          <a:p>
+            <a:endParaRPr lang="it-IT" dirty="0"/>
+          </a:p>
+          <a:p>
+            <a:r>
+              <a:rPr lang="it-IT" dirty="0"/>
+              <a:t>Here the best </a:t>
+            </a:r>
+            <a:r>
+              <a:rPr lang="it-IT" dirty="0" err="1"/>
+              <a:t>value</a:t>
             </a:r>
             <a:r>
               <a:rPr lang="it-IT" dirty="0"/>
@@ -15506,11 +15531,19 @@
             </a:r>
             <a:r>
               <a:rPr lang="it-IT" dirty="0" err="1"/>
-              <a:t>designed</a:t>
-            </a:r>
-            <a:r>
-              <a:rPr lang="it-IT" dirty="0"/>
-              <a:t> to track. </a:t>
+              <a:t>given</a:t>
+            </a:r>
+            <a:r>
+              <a:rPr lang="it-IT" dirty="0"/>
+              <a:t> by alpha = 0,5 and </a:t>
+            </a:r>
+            <a:r>
+              <a:rPr lang="it-IT" dirty="0" err="1"/>
+              <a:t>rw</a:t>
+            </a:r>
+            <a:r>
+              <a:rPr lang="it-IT" dirty="0"/>
+              <a:t> =208.</a:t>
             </a:r>
           </a:p>
           <a:p>
@@ -15518,12 +15551,40 @@
           </a:p>
           <a:p>
             <a:r>
-              <a:rPr lang="it-IT" dirty="0"/>
-              <a:t>Here the best </a:t>
-            </a:r>
-            <a:r>
               <a:rPr lang="it-IT" dirty="0" err="1"/>
-              <a:t>value</a:t>
+              <a:t>Then</a:t>
+            </a:r>
+            <a:r>
+              <a:rPr lang="it-IT" dirty="0"/>
+              <a:t>, </a:t>
+            </a:r>
+            <a:r>
+              <a:rPr lang="it-IT" dirty="0" err="1"/>
+              <a:t>we</a:t>
+            </a:r>
+            <a:r>
+              <a:rPr lang="it-IT" dirty="0"/>
+              <a:t> </a:t>
+            </a:r>
+            <a:r>
+              <a:rPr lang="it-IT" dirty="0" err="1"/>
+              <a:t>consider</a:t>
+            </a:r>
+            <a:r>
+              <a:rPr lang="it-IT" dirty="0"/>
+              <a:t> the </a:t>
+            </a:r>
+            <a:r>
+              <a:rPr lang="it-IT" b="1" dirty="0"/>
+              <a:t>Turnover</a:t>
+            </a:r>
+            <a:r>
+              <a:rPr lang="it-IT" dirty="0"/>
+              <a:t>, </a:t>
+            </a:r>
+            <a:r>
+              <a:rPr lang="it-IT" dirty="0" err="1"/>
+              <a:t>that</a:t>
             </a:r>
             <a:r>
               <a:rPr lang="it-IT" dirty="0"/>
@@ -15535,75 +15596,6 @@
             </a:r>
             <a:r>
               <a:rPr lang="it-IT" dirty="0"/>
-              <a:t> </a:t>
-            </a:r>
-            <a:r>
-              <a:rPr lang="it-IT" dirty="0" err="1"/>
-              <a:t>given</a:t>
-            </a:r>
-            <a:r>
-              <a:rPr lang="it-IT" dirty="0"/>
-              <a:t> by alpha = 0,5 and </a:t>
-            </a:r>
-            <a:r>
-              <a:rPr lang="it-IT" dirty="0" err="1"/>
-              <a:t>rw</a:t>
-            </a:r>
-            <a:r>
-              <a:rPr lang="it-IT" dirty="0"/>
-              <a:t> =208.</a:t>
-            </a:r>
-          </a:p>
-          <a:p>
-            <a:endParaRPr lang="it-IT" dirty="0"/>
-          </a:p>
-          <a:p>
-            <a:r>
-              <a:rPr lang="it-IT" dirty="0" err="1"/>
-              <a:t>Then</a:t>
-            </a:r>
-            <a:r>
-              <a:rPr lang="it-IT" dirty="0"/>
-              <a:t>, </a:t>
-            </a:r>
-            <a:r>
-              <a:rPr lang="it-IT" dirty="0" err="1"/>
-              <a:t>we</a:t>
-            </a:r>
-            <a:r>
-              <a:rPr lang="it-IT" dirty="0"/>
-              <a:t> </a:t>
-            </a:r>
-            <a:r>
-              <a:rPr lang="it-IT" dirty="0" err="1"/>
-              <a:t>consider</a:t>
-            </a:r>
-            <a:r>
-              <a:rPr lang="it-IT" dirty="0"/>
-              <a:t> the </a:t>
-            </a:r>
-            <a:r>
-              <a:rPr lang="it-IT" b="1" dirty="0"/>
-              <a:t>Turnover</a:t>
-            </a:r>
-            <a:r>
-              <a:rPr lang="it-IT" dirty="0"/>
-              <a:t>, </a:t>
-            </a:r>
-            <a:r>
-              <a:rPr lang="it-IT" dirty="0" err="1"/>
-              <a:t>that</a:t>
-            </a:r>
-            <a:r>
-              <a:rPr lang="it-IT" dirty="0"/>
-              <a:t> </a:t>
-            </a:r>
-            <a:r>
-              <a:rPr lang="it-IT" dirty="0" err="1"/>
-              <a:t>is</a:t>
-            </a:r>
-            <a:r>
-              <a:rPr lang="it-IT" dirty="0"/>
               <a:t> the sum of the </a:t>
             </a:r>
             <a:r>
@@ -15681,7 +15673,7 @@
             </a:r>
             <a:r>
               <a:rPr lang="it-IT" b="1" dirty="0"/>
-              <a:t> = 0,004 </a:t>
+              <a:t> = 0,004, </a:t>
             </a:r>
             <a:r>
               <a:rPr lang="it-IT" dirty="0" err="1"/>
@@ -17227,7 +17219,7 @@
             </a:pPr>
             <a:r>
               <a:rPr lang="en-US" sz="1800" b="0" i="0" u="none" strike="noStrike" dirty="0"/>
-              <a:t>Using a decay factor the </a:t>
+              <a:t>Using a decay factor, the </a:t>
             </a:r>
             <a:r>
               <a:rPr lang="en-US" sz="1800" b="1" i="0" u="none" strike="noStrike" dirty="0"/>
